--- a/doc/player-agent.pptx
+++ b/doc/player-agent.pptx
@@ -10,34 +10,35 @@
     <p:sldId id="287" r:id="rId4"/>
     <p:sldId id="288" r:id="rId5"/>
     <p:sldId id="257" r:id="rId6"/>
-    <p:sldId id="263" r:id="rId7"/>
-    <p:sldId id="271" r:id="rId8"/>
-    <p:sldId id="270" r:id="rId9"/>
-    <p:sldId id="282" r:id="rId10"/>
-    <p:sldId id="258" r:id="rId11"/>
-    <p:sldId id="261" r:id="rId12"/>
-    <p:sldId id="262" r:id="rId13"/>
-    <p:sldId id="265" r:id="rId14"/>
-    <p:sldId id="266" r:id="rId15"/>
-    <p:sldId id="291" r:id="rId16"/>
-    <p:sldId id="267" r:id="rId17"/>
-    <p:sldId id="283" r:id="rId18"/>
-    <p:sldId id="268" r:id="rId19"/>
-    <p:sldId id="269" r:id="rId20"/>
-    <p:sldId id="272" r:id="rId21"/>
-    <p:sldId id="286" r:id="rId22"/>
-    <p:sldId id="281" r:id="rId23"/>
-    <p:sldId id="260" r:id="rId24"/>
-    <p:sldId id="275" r:id="rId25"/>
-    <p:sldId id="276" r:id="rId26"/>
-    <p:sldId id="274" r:id="rId27"/>
-    <p:sldId id="277" r:id="rId28"/>
-    <p:sldId id="278" r:id="rId29"/>
-    <p:sldId id="279" r:id="rId30"/>
-    <p:sldId id="284" r:id="rId31"/>
-    <p:sldId id="290" r:id="rId32"/>
-    <p:sldId id="289" r:id="rId33"/>
-    <p:sldId id="280" r:id="rId34"/>
+    <p:sldId id="292" r:id="rId7"/>
+    <p:sldId id="263" r:id="rId8"/>
+    <p:sldId id="271" r:id="rId9"/>
+    <p:sldId id="270" r:id="rId10"/>
+    <p:sldId id="282" r:id="rId11"/>
+    <p:sldId id="258" r:id="rId12"/>
+    <p:sldId id="261" r:id="rId13"/>
+    <p:sldId id="262" r:id="rId14"/>
+    <p:sldId id="265" r:id="rId15"/>
+    <p:sldId id="266" r:id="rId16"/>
+    <p:sldId id="291" r:id="rId17"/>
+    <p:sldId id="267" r:id="rId18"/>
+    <p:sldId id="283" r:id="rId19"/>
+    <p:sldId id="268" r:id="rId20"/>
+    <p:sldId id="269" r:id="rId21"/>
+    <p:sldId id="272" r:id="rId22"/>
+    <p:sldId id="286" r:id="rId23"/>
+    <p:sldId id="281" r:id="rId24"/>
+    <p:sldId id="260" r:id="rId25"/>
+    <p:sldId id="275" r:id="rId26"/>
+    <p:sldId id="276" r:id="rId27"/>
+    <p:sldId id="274" r:id="rId28"/>
+    <p:sldId id="277" r:id="rId29"/>
+    <p:sldId id="278" r:id="rId30"/>
+    <p:sldId id="279" r:id="rId31"/>
+    <p:sldId id="284" r:id="rId32"/>
+    <p:sldId id="290" r:id="rId33"/>
+    <p:sldId id="289" r:id="rId34"/>
+    <p:sldId id="280" r:id="rId35"/>
   </p:sldIdLst>
   <p:sldSz cx="9144000" cy="6858000" type="screen4x3"/>
   <p:notesSz cx="6858000" cy="9144000"/>
@@ -3423,20 +3424,83 @@
         </p:nvSpPr>
         <p:spPr/>
         <p:txBody>
-          <a:bodyPr/>
+          <a:bodyPr>
+            <a:normAutofit/>
+          </a:bodyPr>
           <a:lstStyle/>
           <a:p>
             <a:r>
               <a:rPr lang="en-US" smtClean="0"/>
-              <a:t>Direct Stick Input</a:t>
-            </a:r>
-            <a:endParaRPr lang="en-US"/>
+              <a:t>Composite Structure</a:t>
+            </a:r>
+            <a:endParaRPr lang="en-US" sz="4000"/>
+          </a:p>
+        </p:txBody>
+      </p:sp>
+      <p:sp>
+        <p:nvSpPr>
+          <p:cNvPr id="10" name="Content Placeholder 2"/>
+          <p:cNvSpPr>
+            <a:spLocks noGrp="1"/>
+          </p:cNvSpPr>
+          <p:nvPr>
+            <p:ph idx="1"/>
+          </p:nvPr>
+        </p:nvSpPr>
+        <p:spPr>
+          <a:xfrm>
+            <a:off x="457200" y="1447801"/>
+            <a:ext cx="8229600" cy="838200"/>
+          </a:xfrm>
+        </p:spPr>
+        <p:txBody>
+          <a:bodyPr>
+            <a:normAutofit/>
+          </a:bodyPr>
+          <a:lstStyle/>
+          <a:p>
+            <a:r>
+              <a:rPr lang="en-US" sz="2400" smtClean="0"/>
+              <a:t>General purpose interface to those sub-systems</a:t>
+            </a:r>
+            <a:endParaRPr lang="en-US" sz="2400"/>
+          </a:p>
+        </p:txBody>
+      </p:sp>
+      <p:sp>
+        <p:nvSpPr>
+          <p:cNvPr id="11" name="TextBox 10"/>
+          <p:cNvSpPr txBox="1"/>
+          <p:nvPr/>
+        </p:nvSpPr>
+        <p:spPr>
+          <a:xfrm>
+            <a:off x="0" y="5257800"/>
+            <a:ext cx="9144000" cy="338554"/>
+          </a:xfrm>
+          <a:prstGeom prst="rect">
+            <a:avLst/>
+          </a:prstGeom>
+          <a:noFill/>
+        </p:spPr>
+        <p:txBody>
+          <a:bodyPr wrap="square" rtlCol="0">
+            <a:spAutoFit/>
+          </a:bodyPr>
+          <a:lstStyle/>
+          <a:p>
+            <a:pPr algn="ctr"/>
+            <a:r>
+              <a:rPr lang="en-US" sz="1600" b="1" smtClean="0"/>
+              <a:t>from Player.h</a:t>
+            </a:r>
+            <a:endParaRPr lang="en-US" sz="1600" b="1"/>
           </a:p>
         </p:txBody>
       </p:sp>
       <p:pic>
         <p:nvPicPr>
-          <p:cNvPr id="2051" name="Picture 3"/>
+          <p:cNvPr id="1027" name="Picture 3"/>
           <p:cNvPicPr>
             <a:picLocks noChangeAspect="1" noChangeArrowheads="1"/>
           </p:cNvPicPr>
@@ -3451,8 +3515,8 @@
         </p:blipFill>
         <p:spPr bwMode="auto">
           <a:xfrm>
-            <a:off x="1295400" y="1447800"/>
-            <a:ext cx="6915150" cy="4610100"/>
+            <a:off x="1447800" y="2438400"/>
+            <a:ext cx="6257925" cy="2609850"/>
           </a:xfrm>
           <a:prstGeom prst="rect">
             <a:avLst/>
@@ -3466,6 +3530,42 @@
           </a:ln>
         </p:spPr>
       </p:pic>
+      <p:cxnSp>
+        <p:nvCxnSpPr>
+          <p:cNvPr id="16" name="Straight Arrow Connector 15"/>
+          <p:cNvCxnSpPr/>
+          <p:nvPr/>
+        </p:nvCxnSpPr>
+        <p:spPr>
+          <a:xfrm flipV="1">
+            <a:off x="1223682" y="3169024"/>
+            <a:ext cx="381000" cy="76200"/>
+          </a:xfrm>
+          <a:prstGeom prst="straightConnector1">
+            <a:avLst/>
+          </a:prstGeom>
+          <a:ln w="28575">
+            <a:solidFill>
+              <a:srgbClr val="FF0000"/>
+            </a:solidFill>
+            <a:tailEnd type="arrow"/>
+          </a:ln>
+        </p:spPr>
+        <p:style>
+          <a:lnRef idx="1">
+            <a:schemeClr val="accent1"/>
+          </a:lnRef>
+          <a:fillRef idx="0">
+            <a:schemeClr val="accent1"/>
+          </a:fillRef>
+          <a:effectRef idx="0">
+            <a:schemeClr val="accent1"/>
+          </a:effectRef>
+          <a:fontRef idx="minor">
+            <a:schemeClr val="tx1"/>
+          </a:fontRef>
+        </p:style>
+      </p:cxnSp>
       <p:sp>
         <p:nvSpPr>
           <p:cNvPr id="7" name="TextBox 6"/>
@@ -3474,8 +3574,8 @@
         </p:nvSpPr>
         <p:spPr>
           <a:xfrm>
-            <a:off x="0" y="6248400"/>
-            <a:ext cx="9144000" cy="338554"/>
+            <a:off x="130885" y="3089238"/>
+            <a:ext cx="1143000" cy="338554"/>
           </a:xfrm>
           <a:prstGeom prst="rect">
             <a:avLst/>
@@ -3490,10 +3590,10 @@
           <a:p>
             <a:pPr algn="ctr"/>
             <a:r>
-              <a:rPr lang="en-US" sz="1600" b="1" smtClean="0"/>
-              <a:t>from Player.h</a:t>
-            </a:r>
-            <a:endParaRPr lang="en-US" sz="1600" b="1"/>
+              <a:rPr lang="en-US" sz="1600" smtClean="0"/>
+              <a:t>Required</a:t>
+            </a:r>
+            <a:endParaRPr lang="en-US" sz="1600"/>
           </a:p>
         </p:txBody>
       </p:sp>
@@ -3552,40 +3652,9 @@
           </a:p>
         </p:txBody>
       </p:sp>
-      <p:sp>
-        <p:nvSpPr>
-          <p:cNvPr id="3" name="Content Placeholder 2"/>
-          <p:cNvSpPr>
-            <a:spLocks noGrp="1"/>
-          </p:cNvSpPr>
-          <p:nvPr>
-            <p:ph idx="1"/>
-          </p:nvPr>
-        </p:nvSpPr>
-        <p:spPr/>
-        <p:txBody>
-          <a:bodyPr>
-            <a:normAutofit/>
-          </a:bodyPr>
-          <a:lstStyle/>
-          <a:p>
-            <a:r>
-              <a:rPr lang="en-US" sz="2400" smtClean="0"/>
-              <a:t>Requires a DynamicsModel to do anything meaningful</a:t>
-            </a:r>
-          </a:p>
-          <a:p>
-            <a:r>
-              <a:rPr lang="en-US" sz="2400" smtClean="0"/>
-              <a:t>Functionality can be implemented in subclass</a:t>
-            </a:r>
-            <a:endParaRPr lang="en-US" sz="2400"/>
-          </a:p>
-        </p:txBody>
-      </p:sp>
       <p:pic>
         <p:nvPicPr>
-          <p:cNvPr id="3074" name="Picture 2"/>
+          <p:cNvPr id="2051" name="Picture 3"/>
           <p:cNvPicPr>
             <a:picLocks noChangeAspect="1" noChangeArrowheads="1"/>
           </p:cNvPicPr>
@@ -3600,8 +3669,8 @@
         </p:blipFill>
         <p:spPr bwMode="auto">
           <a:xfrm>
-            <a:off x="1295400" y="2514600"/>
-            <a:ext cx="6638925" cy="3419475"/>
+            <a:off x="1295400" y="1447800"/>
+            <a:ext cx="6915150" cy="4610100"/>
           </a:xfrm>
           <a:prstGeom prst="rect">
             <a:avLst/>
@@ -3615,78 +3684,6 @@
           </a:ln>
         </p:spPr>
       </p:pic>
-      <p:cxnSp>
-        <p:nvCxnSpPr>
-          <p:cNvPr id="5" name="Straight Arrow Connector 4"/>
-          <p:cNvCxnSpPr/>
-          <p:nvPr/>
-        </p:nvCxnSpPr>
-        <p:spPr>
-          <a:xfrm flipV="1">
-            <a:off x="1066800" y="3581400"/>
-            <a:ext cx="381000" cy="76200"/>
-          </a:xfrm>
-          <a:prstGeom prst="straightConnector1">
-            <a:avLst/>
-          </a:prstGeom>
-          <a:ln w="28575">
-            <a:solidFill>
-              <a:srgbClr val="FF0000"/>
-            </a:solidFill>
-            <a:tailEnd type="arrow"/>
-          </a:ln>
-        </p:spPr>
-        <p:style>
-          <a:lnRef idx="1">
-            <a:schemeClr val="accent1"/>
-          </a:lnRef>
-          <a:fillRef idx="0">
-            <a:schemeClr val="accent1"/>
-          </a:fillRef>
-          <a:effectRef idx="0">
-            <a:schemeClr val="accent1"/>
-          </a:effectRef>
-          <a:fontRef idx="minor">
-            <a:schemeClr val="tx1"/>
-          </a:fontRef>
-        </p:style>
-      </p:cxnSp>
-      <p:cxnSp>
-        <p:nvCxnSpPr>
-          <p:cNvPr id="6" name="Straight Arrow Connector 5"/>
-          <p:cNvCxnSpPr/>
-          <p:nvPr/>
-        </p:nvCxnSpPr>
-        <p:spPr>
-          <a:xfrm flipV="1">
-            <a:off x="1066800" y="5334000"/>
-            <a:ext cx="381000" cy="76200"/>
-          </a:xfrm>
-          <a:prstGeom prst="straightConnector1">
-            <a:avLst/>
-          </a:prstGeom>
-          <a:ln w="28575">
-            <a:solidFill>
-              <a:srgbClr val="FF0000"/>
-            </a:solidFill>
-            <a:tailEnd type="arrow"/>
-          </a:ln>
-        </p:spPr>
-        <p:style>
-          <a:lnRef idx="1">
-            <a:schemeClr val="accent1"/>
-          </a:lnRef>
-          <a:fillRef idx="0">
-            <a:schemeClr val="accent1"/>
-          </a:fillRef>
-          <a:effectRef idx="0">
-            <a:schemeClr val="accent1"/>
-          </a:effectRef>
-          <a:fontRef idx="minor">
-            <a:schemeClr val="tx1"/>
-          </a:fontRef>
-        </p:style>
-      </p:cxnSp>
       <p:sp>
         <p:nvSpPr>
           <p:cNvPr id="7" name="TextBox 6"/>
@@ -3695,7 +3692,7 @@
         </p:nvSpPr>
         <p:spPr>
           <a:xfrm>
-            <a:off x="0" y="6096000"/>
+            <a:off x="0" y="6248400"/>
             <a:ext cx="9144000" cy="338554"/>
           </a:xfrm>
           <a:prstGeom prst="rect">
@@ -3712,7 +3709,7 @@
             <a:pPr algn="ctr"/>
             <a:r>
               <a:rPr lang="en-US" sz="1600" b="1" smtClean="0"/>
-              <a:t>from Player.cpp</a:t>
+              <a:t>from Player.h</a:t>
             </a:r>
             <a:endParaRPr lang="en-US" sz="1600" b="1"/>
           </a:p>
@@ -3767,15 +3764,46 @@
           <a:p>
             <a:r>
               <a:rPr lang="en-US" smtClean="0"/>
-              <a:t>Input File Example</a:t>
+              <a:t>Direct Stick Input</a:t>
             </a:r>
             <a:endParaRPr lang="en-US"/>
+          </a:p>
+        </p:txBody>
+      </p:sp>
+      <p:sp>
+        <p:nvSpPr>
+          <p:cNvPr id="3" name="Content Placeholder 2"/>
+          <p:cNvSpPr>
+            <a:spLocks noGrp="1"/>
+          </p:cNvSpPr>
+          <p:nvPr>
+            <p:ph idx="1"/>
+          </p:nvPr>
+        </p:nvSpPr>
+        <p:spPr/>
+        <p:txBody>
+          <a:bodyPr>
+            <a:normAutofit/>
+          </a:bodyPr>
+          <a:lstStyle/>
+          <a:p>
+            <a:r>
+              <a:rPr lang="en-US" sz="2400" smtClean="0"/>
+              <a:t>Requires a DynamicsModel to do anything meaningful</a:t>
+            </a:r>
+          </a:p>
+          <a:p>
+            <a:r>
+              <a:rPr lang="en-US" sz="2400" smtClean="0"/>
+              <a:t>Functionality can be implemented in subclass</a:t>
+            </a:r>
+            <a:endParaRPr lang="en-US" sz="2400"/>
           </a:p>
         </p:txBody>
       </p:sp>
       <p:pic>
         <p:nvPicPr>
-          <p:cNvPr id="4098" name="Picture 2"/>
+          <p:cNvPr id="3074" name="Picture 2"/>
           <p:cNvPicPr>
             <a:picLocks noChangeAspect="1" noChangeArrowheads="1"/>
           </p:cNvPicPr>
@@ -3790,8 +3818,8 @@
         </p:blipFill>
         <p:spPr bwMode="auto">
           <a:xfrm>
-            <a:off x="1219200" y="1371600"/>
-            <a:ext cx="6334125" cy="5114925"/>
+            <a:off x="1295400" y="2514600"/>
+            <a:ext cx="6638925" cy="3419475"/>
           </a:xfrm>
           <a:prstGeom prst="rect">
             <a:avLst/>
@@ -3805,50 +3833,106 @@
           </a:ln>
         </p:spPr>
       </p:pic>
-      <p:sp>
-        <p:nvSpPr>
-          <p:cNvPr id="7" name="Rounded Rectangle 6"/>
-          <p:cNvSpPr/>
-          <p:nvPr/>
-        </p:nvSpPr>
+      <p:cxnSp>
+        <p:nvCxnSpPr>
+          <p:cNvPr id="5" name="Straight Arrow Connector 4"/>
+          <p:cNvCxnSpPr/>
+          <p:nvPr/>
+        </p:nvCxnSpPr>
         <p:spPr>
-          <a:xfrm>
-            <a:off x="1828800" y="5638800"/>
-            <a:ext cx="2895600" cy="914400"/>
-          </a:xfrm>
-          <a:prstGeom prst="roundRect">
-            <a:avLst/>
-          </a:prstGeom>
-          <a:noFill/>
-          <a:ln>
+          <a:xfrm flipV="1">
+            <a:off x="1066800" y="3581400"/>
+            <a:ext cx="381000" cy="76200"/>
+          </a:xfrm>
+          <a:prstGeom prst="straightConnector1">
+            <a:avLst/>
+          </a:prstGeom>
+          <a:ln w="28575">
             <a:solidFill>
               <a:srgbClr val="FF0000"/>
             </a:solidFill>
-            <a:prstDash val="sysDash"/>
+            <a:tailEnd type="arrow"/>
           </a:ln>
         </p:spPr>
         <p:style>
-          <a:lnRef idx="2">
-            <a:schemeClr val="accent1">
-              <a:shade val="50000"/>
-            </a:schemeClr>
+          <a:lnRef idx="1">
+            <a:schemeClr val="accent1"/>
           </a:lnRef>
-          <a:fillRef idx="1">
+          <a:fillRef idx="0">
             <a:schemeClr val="accent1"/>
           </a:fillRef>
           <a:effectRef idx="0">
             <a:schemeClr val="accent1"/>
           </a:effectRef>
           <a:fontRef idx="minor">
-            <a:schemeClr val="lt1"/>
+            <a:schemeClr val="tx1"/>
           </a:fontRef>
         </p:style>
-        <p:txBody>
-          <a:bodyPr rtlCol="0" anchor="ctr"/>
+      </p:cxnSp>
+      <p:cxnSp>
+        <p:nvCxnSpPr>
+          <p:cNvPr id="6" name="Straight Arrow Connector 5"/>
+          <p:cNvCxnSpPr/>
+          <p:nvPr/>
+        </p:nvCxnSpPr>
+        <p:spPr>
+          <a:xfrm flipV="1">
+            <a:off x="1066800" y="5334000"/>
+            <a:ext cx="381000" cy="76200"/>
+          </a:xfrm>
+          <a:prstGeom prst="straightConnector1">
+            <a:avLst/>
+          </a:prstGeom>
+          <a:ln w="28575">
+            <a:solidFill>
+              <a:srgbClr val="FF0000"/>
+            </a:solidFill>
+            <a:tailEnd type="arrow"/>
+          </a:ln>
+        </p:spPr>
+        <p:style>
+          <a:lnRef idx="1">
+            <a:schemeClr val="accent1"/>
+          </a:lnRef>
+          <a:fillRef idx="0">
+            <a:schemeClr val="accent1"/>
+          </a:fillRef>
+          <a:effectRef idx="0">
+            <a:schemeClr val="accent1"/>
+          </a:effectRef>
+          <a:fontRef idx="minor">
+            <a:schemeClr val="tx1"/>
+          </a:fontRef>
+        </p:style>
+      </p:cxnSp>
+      <p:sp>
+        <p:nvSpPr>
+          <p:cNvPr id="7" name="TextBox 6"/>
+          <p:cNvSpPr txBox="1"/>
+          <p:nvPr/>
+        </p:nvSpPr>
+        <p:spPr>
+          <a:xfrm>
+            <a:off x="0" y="6096000"/>
+            <a:ext cx="9144000" cy="338554"/>
+          </a:xfrm>
+          <a:prstGeom prst="rect">
+            <a:avLst/>
+          </a:prstGeom>
+          <a:noFill/>
+        </p:spPr>
+        <p:txBody>
+          <a:bodyPr wrap="square" rtlCol="0">
+            <a:spAutoFit/>
+          </a:bodyPr>
           <a:lstStyle/>
           <a:p>
             <a:pPr algn="ctr"/>
-            <a:endParaRPr lang="en-US"/>
+            <a:r>
+              <a:rPr lang="en-US" sz="1600" b="1" smtClean="0"/>
+              <a:t>from Player.cpp</a:t>
+            </a:r>
+            <a:endParaRPr lang="en-US" sz="1600" b="1"/>
           </a:p>
         </p:txBody>
       </p:sp>
@@ -3886,9 +3970,9 @@
       </p:grpSpPr>
       <p:sp>
         <p:nvSpPr>
-          <p:cNvPr id="26626" name="Rectangle 2"/>
-          <p:cNvSpPr>
-            <a:spLocks noGrp="1" noRot="1" noChangeArrowheads="1"/>
+          <p:cNvPr id="2" name="Title 1"/>
+          <p:cNvSpPr>
+            <a:spLocks noGrp="1"/>
           </p:cNvSpPr>
           <p:nvPr>
             <p:ph type="title"/>
@@ -3899,20 +3983,17 @@
           <a:bodyPr/>
           <a:lstStyle/>
           <a:p>
-            <a:pPr eaLnBrk="1" hangingPunct="1">
-              <a:defRPr/>
-            </a:pPr>
             <a:r>
               <a:rPr lang="en-US" smtClean="0"/>
-              <a:t>Human Input to Player</a:t>
-            </a:r>
-            <a:endParaRPr lang="en-US" dirty="0" smtClean="0"/>
+              <a:t>Input File Example</a:t>
+            </a:r>
+            <a:endParaRPr lang="en-US"/>
           </a:p>
         </p:txBody>
       </p:sp>
       <p:pic>
         <p:nvPicPr>
-          <p:cNvPr id="43011" name="Picture 6"/>
+          <p:cNvPr id="4098" name="Picture 2"/>
           <p:cNvPicPr>
             <a:picLocks noChangeAspect="1" noChangeArrowheads="1"/>
           </p:cNvPicPr>
@@ -3927,14 +4008,14 @@
         </p:blipFill>
         <p:spPr bwMode="auto">
           <a:xfrm>
-            <a:off x="2590800" y="1524000"/>
-            <a:ext cx="3988317" cy="3870087"/>
+            <a:off x="1219200" y="1371600"/>
+            <a:ext cx="6334125" cy="5114925"/>
           </a:xfrm>
           <a:prstGeom prst="rect">
             <a:avLst/>
           </a:prstGeom>
           <a:noFill/>
-          <a:ln w="25400">
+          <a:ln w="9525">
             <a:noFill/>
             <a:miter lim="800000"/>
             <a:headEnd/>
@@ -3942,132 +4023,50 @@
           </a:ln>
         </p:spPr>
       </p:pic>
-      <p:pic>
-        <p:nvPicPr>
-          <p:cNvPr id="5122" name="Picture 2" descr="C:\Users\me\AppData\Local\Microsoft\Windows\Temporary Internet Files\Content.IE5\PUXV0NF7\MC900433959[1].png"/>
-          <p:cNvPicPr>
-            <a:picLocks noChangeAspect="1" noChangeArrowheads="1"/>
-          </p:cNvPicPr>
-          <p:nvPr/>
-        </p:nvPicPr>
-        <p:blipFill>
-          <a:blip r:embed="rId3" cstate="print"/>
-          <a:srcRect/>
-          <a:stretch>
-            <a:fillRect/>
-          </a:stretch>
-        </p:blipFill>
-        <p:spPr bwMode="auto">
-          <a:xfrm flipH="1">
-            <a:off x="685800" y="2667000"/>
-            <a:ext cx="1066800" cy="1066800"/>
-          </a:xfrm>
-          <a:prstGeom prst="rect">
+      <p:sp>
+        <p:nvSpPr>
+          <p:cNvPr id="7" name="Rounded Rectangle 6"/>
+          <p:cNvSpPr/>
+          <p:nvPr/>
+        </p:nvSpPr>
+        <p:spPr>
+          <a:xfrm>
+            <a:off x="1828800" y="5638800"/>
+            <a:ext cx="2895600" cy="914400"/>
+          </a:xfrm>
+          <a:prstGeom prst="roundRect">
             <a:avLst/>
           </a:prstGeom>
           <a:noFill/>
-        </p:spPr>
-      </p:pic>
-      <p:cxnSp>
-        <p:nvCxnSpPr>
-          <p:cNvPr id="11" name="Straight Arrow Connector 10"/>
-          <p:cNvCxnSpPr/>
-          <p:nvPr/>
-        </p:nvCxnSpPr>
-        <p:spPr>
-          <a:xfrm>
-            <a:off x="1828800" y="3200400"/>
-            <a:ext cx="685800" cy="0"/>
-          </a:xfrm>
-          <a:prstGeom prst="straightConnector1">
-            <a:avLst/>
-          </a:prstGeom>
-          <a:ln w="28575">
+          <a:ln>
             <a:solidFill>
               <a:srgbClr val="FF0000"/>
             </a:solidFill>
-            <a:tailEnd type="arrow"/>
+            <a:prstDash val="sysDash"/>
           </a:ln>
         </p:spPr>
         <p:style>
-          <a:lnRef idx="1">
-            <a:schemeClr val="accent1"/>
+          <a:lnRef idx="2">
+            <a:schemeClr val="accent1">
+              <a:shade val="50000"/>
+            </a:schemeClr>
           </a:lnRef>
-          <a:fillRef idx="0">
+          <a:fillRef idx="1">
             <a:schemeClr val="accent1"/>
           </a:fillRef>
           <a:effectRef idx="0">
             <a:schemeClr val="accent1"/>
           </a:effectRef>
           <a:fontRef idx="minor">
-            <a:schemeClr val="tx1"/>
+            <a:schemeClr val="lt1"/>
           </a:fontRef>
         </p:style>
-      </p:cxnSp>
-      <p:cxnSp>
-        <p:nvCxnSpPr>
-          <p:cNvPr id="15" name="Straight Arrow Connector 14"/>
-          <p:cNvCxnSpPr/>
-          <p:nvPr/>
-        </p:nvCxnSpPr>
-        <p:spPr>
-          <a:xfrm flipH="1">
-            <a:off x="6172200" y="4191000"/>
-            <a:ext cx="609600" cy="304800"/>
-          </a:xfrm>
-          <a:prstGeom prst="straightConnector1">
-            <a:avLst/>
-          </a:prstGeom>
-          <a:ln w="28575">
-            <a:solidFill>
-              <a:srgbClr val="FF0000"/>
-            </a:solidFill>
-            <a:tailEnd type="arrow"/>
-          </a:ln>
-        </p:spPr>
-        <p:style>
-          <a:lnRef idx="1">
-            <a:schemeClr val="accent1"/>
-          </a:lnRef>
-          <a:fillRef idx="0">
-            <a:schemeClr val="accent1"/>
-          </a:fillRef>
-          <a:effectRef idx="0">
-            <a:schemeClr val="accent1"/>
-          </a:effectRef>
-          <a:fontRef idx="minor">
-            <a:schemeClr val="tx1"/>
-          </a:fontRef>
-        </p:style>
-      </p:cxnSp>
-      <p:sp>
-        <p:nvSpPr>
-          <p:cNvPr id="17" name="TextBox 16"/>
-          <p:cNvSpPr txBox="1"/>
-          <p:nvPr/>
-        </p:nvSpPr>
-        <p:spPr>
-          <a:xfrm>
-            <a:off x="6629400" y="3810000"/>
-            <a:ext cx="2209800" cy="584775"/>
-          </a:xfrm>
-          <a:prstGeom prst="rect">
-            <a:avLst/>
-          </a:prstGeom>
-          <a:noFill/>
-        </p:spPr>
-        <p:txBody>
-          <a:bodyPr wrap="square" rtlCol="0">
-            <a:spAutoFit/>
-          </a:bodyPr>
+        <p:txBody>
+          <a:bodyPr rtlCol="0" anchor="ctr"/>
           <a:lstStyle/>
           <a:p>
             <a:pPr algn="ctr"/>
-            <a:r>
-              <a:rPr lang="en-US" sz="1600" dirty="0" smtClean="0"/>
-              <a:t>Stick &amp; Throttle Inputs Arrive Here</a:t>
-            </a:r>
-            <a:endParaRPr lang="en-US" sz="1600" dirty="0"/>
+            <a:endParaRPr lang="en-US"/>
           </a:p>
         </p:txBody>
       </p:sp>
@@ -4105,9 +4104,9 @@
       </p:grpSpPr>
       <p:sp>
         <p:nvSpPr>
-          <p:cNvPr id="2" name="Title 1"/>
-          <p:cNvSpPr>
-            <a:spLocks noGrp="1"/>
+          <p:cNvPr id="26626" name="Rectangle 2"/>
+          <p:cNvSpPr>
+            <a:spLocks noGrp="1" noRot="1" noChangeArrowheads="1"/>
           </p:cNvSpPr>
           <p:nvPr>
             <p:ph type="title"/>
@@ -4118,52 +4117,20 @@
           <a:bodyPr/>
           <a:lstStyle/>
           <a:p>
+            <a:pPr eaLnBrk="1" hangingPunct="1">
+              <a:defRPr/>
+            </a:pPr>
             <a:r>
               <a:rPr lang="en-US" smtClean="0"/>
-              <a:t>Player w/DynamicsModel</a:t>
-            </a:r>
-            <a:endParaRPr lang="en-US"/>
-          </a:p>
-        </p:txBody>
-      </p:sp>
-      <p:sp>
-        <p:nvSpPr>
-          <p:cNvPr id="3" name="Content Placeholder 2"/>
-          <p:cNvSpPr>
-            <a:spLocks noGrp="1"/>
-          </p:cNvSpPr>
-          <p:nvPr>
-            <p:ph idx="1"/>
-          </p:nvPr>
-        </p:nvSpPr>
-        <p:spPr>
-          <a:xfrm>
-            <a:off x="457200" y="1447801"/>
-            <a:ext cx="8229600" cy="1295399"/>
-          </a:xfrm>
-        </p:spPr>
-        <p:txBody>
-          <a:bodyPr>
-            <a:normAutofit/>
-          </a:bodyPr>
-          <a:lstStyle/>
-          <a:p>
-            <a:r>
-              <a:rPr lang="en-US" sz="2000" smtClean="0"/>
-              <a:t>Player may or may not have an attached dynamics model</a:t>
-            </a:r>
-          </a:p>
-          <a:p>
-            <a:r>
-              <a:rPr lang="en-US" sz="2000" smtClean="0"/>
-              <a:t>If attached, then stick and throttle inputs are forwarded to the dynamics model</a:t>
-            </a:r>
+              <a:t>Human Input to Player</a:t>
+            </a:r>
+            <a:endParaRPr lang="en-US" dirty="0" smtClean="0"/>
           </a:p>
         </p:txBody>
       </p:sp>
       <p:pic>
         <p:nvPicPr>
-          <p:cNvPr id="5" name="Picture 2" descr="C:\Users\me\AppData\Local\Microsoft\Windows\Temporary Internet Files\Content.IE5\PUXV0NF7\MC900433959[1].png"/>
+          <p:cNvPr id="43011" name="Picture 6"/>
           <p:cNvPicPr>
             <a:picLocks noChangeAspect="1" noChangeArrowheads="1"/>
           </p:cNvPicPr>
@@ -4177,55 +4144,25 @@
           </a:stretch>
         </p:blipFill>
         <p:spPr bwMode="auto">
-          <a:xfrm flipH="1">
-            <a:off x="1828800" y="2971800"/>
-            <a:ext cx="609600" cy="609600"/>
+          <a:xfrm>
+            <a:off x="2590800" y="1524000"/>
+            <a:ext cx="3988317" cy="3870087"/>
           </a:xfrm>
           <a:prstGeom prst="rect">
             <a:avLst/>
           </a:prstGeom>
           <a:noFill/>
+          <a:ln w="25400">
+            <a:noFill/>
+            <a:miter lim="800000"/>
+            <a:headEnd/>
+            <a:tailEnd/>
+          </a:ln>
         </p:spPr>
       </p:pic>
-      <p:cxnSp>
-        <p:nvCxnSpPr>
-          <p:cNvPr id="6" name="Straight Arrow Connector 5"/>
-          <p:cNvCxnSpPr/>
-          <p:nvPr/>
-        </p:nvCxnSpPr>
-        <p:spPr>
-          <a:xfrm>
-            <a:off x="2514600" y="3276600"/>
-            <a:ext cx="685800" cy="0"/>
-          </a:xfrm>
-          <a:prstGeom prst="straightConnector1">
-            <a:avLst/>
-          </a:prstGeom>
-          <a:ln w="28575">
-            <a:solidFill>
-              <a:srgbClr val="FF0000"/>
-            </a:solidFill>
-            <a:tailEnd type="arrow"/>
-          </a:ln>
-        </p:spPr>
-        <p:style>
-          <a:lnRef idx="1">
-            <a:schemeClr val="accent1"/>
-          </a:lnRef>
-          <a:fillRef idx="0">
-            <a:schemeClr val="accent1"/>
-          </a:fillRef>
-          <a:effectRef idx="0">
-            <a:schemeClr val="accent1"/>
-          </a:effectRef>
-          <a:fontRef idx="minor">
-            <a:schemeClr val="tx1"/>
-          </a:fontRef>
-        </p:style>
-      </p:cxnSp>
       <p:pic>
         <p:nvPicPr>
-          <p:cNvPr id="6148" name="Picture 4"/>
+          <p:cNvPr id="5122" name="Picture 2" descr="C:\Users\me\AppData\Local\Microsoft\Windows\Temporary Internet Files\Content.IE5\PUXV0NF7\MC900433959[1].png"/>
           <p:cNvPicPr>
             <a:picLocks noChangeAspect="1" noChangeArrowheads="1"/>
           </p:cNvPicPr>
@@ -4239,20 +4176,14 @@
           </a:stretch>
         </p:blipFill>
         <p:spPr bwMode="auto">
-          <a:xfrm>
-            <a:off x="3352800" y="3048000"/>
-            <a:ext cx="3657600" cy="2295525"/>
+          <a:xfrm flipH="1">
+            <a:off x="685800" y="2667000"/>
+            <a:ext cx="1066800" cy="1066800"/>
           </a:xfrm>
           <a:prstGeom prst="rect">
             <a:avLst/>
           </a:prstGeom>
           <a:noFill/>
-          <a:ln w="9525">
-            <a:noFill/>
-            <a:miter lim="800000"/>
-            <a:headEnd/>
-            <a:tailEnd/>
-          </a:ln>
         </p:spPr>
       </p:pic>
       <p:cxnSp>
@@ -4263,8 +4194,8 @@
         </p:nvCxnSpPr>
         <p:spPr>
           <a:xfrm>
-            <a:off x="4038600" y="3733800"/>
-            <a:ext cx="685800" cy="990600"/>
+            <a:off x="1828800" y="3200400"/>
+            <a:ext cx="685800" cy="0"/>
           </a:xfrm>
           <a:prstGeom prst="straightConnector1">
             <a:avLst/>
@@ -4293,14 +4224,14 @@
       </p:cxnSp>
       <p:cxnSp>
         <p:nvCxnSpPr>
-          <p:cNvPr id="8" name="Straight Arrow Connector 7"/>
+          <p:cNvPr id="15" name="Straight Arrow Connector 14"/>
           <p:cNvCxnSpPr/>
           <p:nvPr/>
         </p:nvCxnSpPr>
         <p:spPr>
-          <a:xfrm flipV="1">
-            <a:off x="4419600" y="5334000"/>
-            <a:ext cx="228600" cy="381000"/>
+          <a:xfrm flipH="1">
+            <a:off x="6172200" y="4191000"/>
+            <a:ext cx="609600" cy="304800"/>
           </a:xfrm>
           <a:prstGeom prst="straightConnector1">
             <a:avLst/>
@@ -4329,14 +4260,14 @@
       </p:cxnSp>
       <p:sp>
         <p:nvSpPr>
-          <p:cNvPr id="9" name="TextBox 8"/>
+          <p:cNvPr id="17" name="TextBox 16"/>
           <p:cNvSpPr txBox="1"/>
           <p:nvPr/>
         </p:nvSpPr>
         <p:spPr>
           <a:xfrm>
-            <a:off x="3810000" y="5791200"/>
-            <a:ext cx="990600" cy="338554"/>
+            <a:off x="6629400" y="3810000"/>
+            <a:ext cx="2209800" cy="584775"/>
           </a:xfrm>
           <a:prstGeom prst="rect">
             <a:avLst/>
@@ -4352,7 +4283,7 @@
             <a:pPr algn="ctr"/>
             <a:r>
               <a:rPr lang="en-US" sz="1600" dirty="0" smtClean="0"/>
-              <a:t>Physics</a:t>
+              <a:t>Stick &amp; Throttle Inputs Arrive Here</a:t>
             </a:r>
             <a:endParaRPr lang="en-US" sz="1600" dirty="0"/>
           </a:p>
@@ -4407,7 +4338,7 @@
           <a:p>
             <a:r>
               <a:rPr lang="en-US" smtClean="0"/>
-              <a:t>Subclassed Player</a:t>
+              <a:t>Player w/DynamicsModel</a:t>
             </a:r>
             <a:endParaRPr lang="en-US"/>
           </a:p>
@@ -4426,7 +4357,7 @@
         <p:spPr>
           <a:xfrm>
             <a:off x="457200" y="1447801"/>
-            <a:ext cx="8229600" cy="838199"/>
+            <a:ext cx="8229600" cy="1295399"/>
           </a:xfrm>
         </p:spPr>
         <p:txBody>
@@ -4437,9 +4368,14 @@
           <a:p>
             <a:r>
               <a:rPr lang="en-US" sz="2000" smtClean="0"/>
-              <a:t>Stick and throttle functionality implemented in subclass</a:t>
-            </a:r>
-            <a:endParaRPr lang="en-US" sz="2000"/>
+              <a:t>Player may or may not have an attached dynamics model</a:t>
+            </a:r>
+          </a:p>
+          <a:p>
+            <a:r>
+              <a:rPr lang="en-US" sz="2000" smtClean="0"/>
+              <a:t>If attached, then stick and throttle inputs are forwarded to the dynamics model</a:t>
+            </a:r>
           </a:p>
         </p:txBody>
       </p:sp>
@@ -4460,7 +4396,7 @@
         </p:blipFill>
         <p:spPr bwMode="auto">
           <a:xfrm flipH="1">
-            <a:off x="2514600" y="2819400"/>
+            <a:off x="1828800" y="2971800"/>
             <a:ext cx="609600" cy="609600"/>
           </a:xfrm>
           <a:prstGeom prst="rect">
@@ -4477,8 +4413,76 @@
         </p:nvCxnSpPr>
         <p:spPr>
           <a:xfrm>
-            <a:off x="3200400" y="3124200"/>
+            <a:off x="2514600" y="3276600"/>
             <a:ext cx="685800" cy="0"/>
+          </a:xfrm>
+          <a:prstGeom prst="straightConnector1">
+            <a:avLst/>
+          </a:prstGeom>
+          <a:ln w="28575">
+            <a:solidFill>
+              <a:srgbClr val="FF0000"/>
+            </a:solidFill>
+            <a:tailEnd type="arrow"/>
+          </a:ln>
+        </p:spPr>
+        <p:style>
+          <a:lnRef idx="1">
+            <a:schemeClr val="accent1"/>
+          </a:lnRef>
+          <a:fillRef idx="0">
+            <a:schemeClr val="accent1"/>
+          </a:fillRef>
+          <a:effectRef idx="0">
+            <a:schemeClr val="accent1"/>
+          </a:effectRef>
+          <a:fontRef idx="minor">
+            <a:schemeClr val="tx1"/>
+          </a:fontRef>
+        </p:style>
+      </p:cxnSp>
+      <p:pic>
+        <p:nvPicPr>
+          <p:cNvPr id="6148" name="Picture 4"/>
+          <p:cNvPicPr>
+            <a:picLocks noChangeAspect="1" noChangeArrowheads="1"/>
+          </p:cNvPicPr>
+          <p:nvPr/>
+        </p:nvPicPr>
+        <p:blipFill>
+          <a:blip r:embed="rId3" cstate="print"/>
+          <a:srcRect/>
+          <a:stretch>
+            <a:fillRect/>
+          </a:stretch>
+        </p:blipFill>
+        <p:spPr bwMode="auto">
+          <a:xfrm>
+            <a:off x="3352800" y="3048000"/>
+            <a:ext cx="3657600" cy="2295525"/>
+          </a:xfrm>
+          <a:prstGeom prst="rect">
+            <a:avLst/>
+          </a:prstGeom>
+          <a:noFill/>
+          <a:ln w="9525">
+            <a:noFill/>
+            <a:miter lim="800000"/>
+            <a:headEnd/>
+            <a:tailEnd/>
+          </a:ln>
+        </p:spPr>
+      </p:pic>
+      <p:cxnSp>
+        <p:nvCxnSpPr>
+          <p:cNvPr id="11" name="Straight Arrow Connector 10"/>
+          <p:cNvCxnSpPr/>
+          <p:nvPr/>
+        </p:nvCxnSpPr>
+        <p:spPr>
+          <a:xfrm>
+            <a:off x="4038600" y="3733800"/>
+            <a:ext cx="685800" cy="990600"/>
           </a:xfrm>
           <a:prstGeom prst="straightConnector1">
             <a:avLst/>
@@ -4507,14 +4511,14 @@
       </p:cxnSp>
       <p:cxnSp>
         <p:nvCxnSpPr>
-          <p:cNvPr id="11" name="Straight Arrow Connector 10"/>
+          <p:cNvPr id="8" name="Straight Arrow Connector 7"/>
           <p:cNvCxnSpPr/>
           <p:nvPr/>
         </p:nvCxnSpPr>
         <p:spPr>
-          <a:xfrm>
-            <a:off x="5410200" y="3200400"/>
-            <a:ext cx="0" cy="990600"/>
+          <a:xfrm flipV="1">
+            <a:off x="4419600" y="5334000"/>
+            <a:ext cx="228600" cy="381000"/>
           </a:xfrm>
           <a:prstGeom prst="straightConnector1">
             <a:avLst/>
@@ -4541,38 +4545,37 @@
           </a:fontRef>
         </p:style>
       </p:cxnSp>
-      <p:pic>
-        <p:nvPicPr>
-          <p:cNvPr id="4098" name="Picture 2"/>
-          <p:cNvPicPr>
-            <a:picLocks noChangeAspect="1" noChangeArrowheads="1"/>
-          </p:cNvPicPr>
-          <p:nvPr/>
-        </p:nvPicPr>
-        <p:blipFill>
-          <a:blip r:embed="rId3" cstate="print"/>
-          <a:srcRect/>
-          <a:stretch>
-            <a:fillRect/>
-          </a:stretch>
-        </p:blipFill>
-        <p:spPr bwMode="auto">
-          <a:xfrm>
-            <a:off x="4038600" y="2819400"/>
-            <a:ext cx="1219200" cy="1695796"/>
+      <p:sp>
+        <p:nvSpPr>
+          <p:cNvPr id="9" name="TextBox 8"/>
+          <p:cNvSpPr txBox="1"/>
+          <p:nvPr/>
+        </p:nvSpPr>
+        <p:spPr>
+          <a:xfrm>
+            <a:off x="3810000" y="5791200"/>
+            <a:ext cx="990600" cy="338554"/>
           </a:xfrm>
           <a:prstGeom prst="rect">
             <a:avLst/>
           </a:prstGeom>
           <a:noFill/>
-          <a:ln w="9525">
-            <a:noFill/>
-            <a:miter lim="800000"/>
-            <a:headEnd/>
-            <a:tailEnd/>
-          </a:ln>
-        </p:spPr>
-      </p:pic>
+        </p:spPr>
+        <p:txBody>
+          <a:bodyPr wrap="square" rtlCol="0">
+            <a:spAutoFit/>
+          </a:bodyPr>
+          <a:lstStyle/>
+          <a:p>
+            <a:pPr algn="ctr"/>
+            <a:r>
+              <a:rPr lang="en-US" sz="1600" dirty="0" smtClean="0"/>
+              <a:t>Physics</a:t>
+            </a:r>
+            <a:endParaRPr lang="en-US" sz="1600" dirty="0"/>
+          </a:p>
+        </p:txBody>
+      </p:sp>
     </p:spTree>
   </p:cSld>
   <p:clrMapOvr>
@@ -4607,111 +4610,187 @@
       </p:grpSpPr>
       <p:sp>
         <p:nvSpPr>
-          <p:cNvPr id="3" name="Title 3"/>
-          <p:cNvSpPr txBox="1">
-            <a:spLocks/>
-          </p:cNvSpPr>
-          <p:nvPr/>
+          <p:cNvPr id="2" name="Title 1"/>
+          <p:cNvSpPr>
+            <a:spLocks noGrp="1"/>
+          </p:cNvSpPr>
+          <p:nvPr>
+            <p:ph type="title"/>
+          </p:nvPr>
+        </p:nvSpPr>
+        <p:spPr/>
+        <p:txBody>
+          <a:bodyPr/>
+          <a:lstStyle/>
+          <a:p>
+            <a:r>
+              <a:rPr lang="en-US" smtClean="0"/>
+              <a:t>Subclassed Player</a:t>
+            </a:r>
+            <a:endParaRPr lang="en-US"/>
+          </a:p>
+        </p:txBody>
+      </p:sp>
+      <p:sp>
+        <p:nvSpPr>
+          <p:cNvPr id="3" name="Content Placeholder 2"/>
+          <p:cNvSpPr>
+            <a:spLocks noGrp="1"/>
+          </p:cNvSpPr>
+          <p:nvPr>
+            <p:ph idx="1"/>
+          </p:nvPr>
         </p:nvSpPr>
         <p:spPr>
           <a:xfrm>
-            <a:off x="0" y="2514600"/>
-            <a:ext cx="9144000" cy="1219200"/>
-          </a:xfrm>
-          <a:prstGeom prst="rect">
-            <a:avLst/>
-          </a:prstGeom>
-        </p:spPr>
-        <p:txBody>
-          <a:bodyPr vert="horz" lIns="91440" tIns="45720" rIns="91440" bIns="45720" rtlCol="0" anchor="ctr">
+            <a:off x="457200" y="1447801"/>
+            <a:ext cx="8229600" cy="838199"/>
+          </a:xfrm>
+        </p:spPr>
+        <p:txBody>
+          <a:bodyPr>
             <a:normAutofit/>
           </a:bodyPr>
           <a:lstStyle/>
           <a:p>
-            <a:pPr marL="0" marR="0" lvl="0" indent="0" algn="ctr" defTabSz="914400" rtl="0" eaLnBrk="1" fontAlgn="auto" latinLnBrk="0" hangingPunct="1">
-              <a:lnSpc>
-                <a:spcPct val="100000"/>
-              </a:lnSpc>
-              <a:spcBef>
-                <a:spcPct val="0"/>
-              </a:spcBef>
-              <a:spcAft>
-                <a:spcPts val="0"/>
-              </a:spcAft>
-              <a:buClrTx/>
-              <a:buSzTx/>
-              <a:buFontTx/>
-              <a:buNone/>
-              <a:tabLst/>
-              <a:defRPr/>
-            </a:pPr>
-            <a:r>
-              <a:rPr kumimoji="0" lang="en-US" sz="4000" b="0" i="0" u="none" strike="noStrike" kern="1200" cap="none" spc="0" normalizeH="0" baseline="0" noProof="0" smtClean="0">
-                <a:ln>
-                  <a:noFill/>
-                </a:ln>
-                <a:solidFill>
-                  <a:schemeClr val="tx1"/>
-                </a:solidFill>
-                <a:effectLst/>
-                <a:uLnTx/>
-                <a:uFillTx/>
-                <a:latin typeface="+mj-lt"/>
-                <a:ea typeface="+mj-ea"/>
-                <a:cs typeface="+mj-cs"/>
-              </a:rPr>
-              <a:t>Dynamics Model “Auto Pilot”</a:t>
-            </a:r>
-            <a:br>
-              <a:rPr kumimoji="0" lang="en-US" sz="4000" b="0" i="0" u="none" strike="noStrike" kern="1200" cap="none" spc="0" normalizeH="0" baseline="0" noProof="0" smtClean="0">
-                <a:ln>
-                  <a:noFill/>
-                </a:ln>
-                <a:solidFill>
-                  <a:schemeClr val="tx1"/>
-                </a:solidFill>
-                <a:effectLst/>
-                <a:uLnTx/>
-                <a:uFillTx/>
-                <a:latin typeface="+mj-lt"/>
-                <a:ea typeface="+mj-ea"/>
-                <a:cs typeface="+mj-cs"/>
-              </a:rPr>
-            </a:br>
-            <a:r>
-              <a:rPr kumimoji="0" lang="en-US" sz="2000" b="0" i="0" u="none" strike="noStrike" kern="1200" cap="none" spc="0" normalizeH="0" baseline="0" noProof="0" smtClean="0">
-                <a:ln>
-                  <a:noFill/>
-                </a:ln>
-                <a:solidFill>
-                  <a:schemeClr val="tx1"/>
-                </a:solidFill>
-                <a:effectLst/>
-                <a:uLnTx/>
-                <a:uFillTx/>
-                <a:latin typeface="+mj-lt"/>
-                <a:ea typeface="+mj-ea"/>
-                <a:cs typeface="+mj-cs"/>
-              </a:rPr>
-              <a:t>(assumes DynamicModel or subclassing that includes an autopilot)</a:t>
-            </a:r>
-            <a:endParaRPr kumimoji="0" lang="en-US" sz="4000" b="0" i="0" u="none" strike="noStrike" kern="1200" cap="none" spc="0" normalizeH="0" baseline="0" noProof="0">
-              <a:ln>
-                <a:noFill/>
-              </a:ln>
-              <a:solidFill>
-                <a:schemeClr val="tx1"/>
-              </a:solidFill>
-              <a:effectLst/>
-              <a:uLnTx/>
-              <a:uFillTx/>
-              <a:latin typeface="+mj-lt"/>
-              <a:ea typeface="+mj-ea"/>
-              <a:cs typeface="+mj-cs"/>
-            </a:endParaRPr>
-          </a:p>
-        </p:txBody>
-      </p:sp>
+            <a:r>
+              <a:rPr lang="en-US" sz="2000" smtClean="0"/>
+              <a:t>Stick and throttle functionality implemented in subclass</a:t>
+            </a:r>
+            <a:endParaRPr lang="en-US" sz="2000"/>
+          </a:p>
+        </p:txBody>
+      </p:sp>
+      <p:pic>
+        <p:nvPicPr>
+          <p:cNvPr id="5" name="Picture 2" descr="C:\Users\me\AppData\Local\Microsoft\Windows\Temporary Internet Files\Content.IE5\PUXV0NF7\MC900433959[1].png"/>
+          <p:cNvPicPr>
+            <a:picLocks noChangeAspect="1" noChangeArrowheads="1"/>
+          </p:cNvPicPr>
+          <p:nvPr/>
+        </p:nvPicPr>
+        <p:blipFill>
+          <a:blip r:embed="rId2" cstate="print"/>
+          <a:srcRect/>
+          <a:stretch>
+            <a:fillRect/>
+          </a:stretch>
+        </p:blipFill>
+        <p:spPr bwMode="auto">
+          <a:xfrm flipH="1">
+            <a:off x="2514600" y="2819400"/>
+            <a:ext cx="609600" cy="609600"/>
+          </a:xfrm>
+          <a:prstGeom prst="rect">
+            <a:avLst/>
+          </a:prstGeom>
+          <a:noFill/>
+        </p:spPr>
+      </p:pic>
+      <p:cxnSp>
+        <p:nvCxnSpPr>
+          <p:cNvPr id="6" name="Straight Arrow Connector 5"/>
+          <p:cNvCxnSpPr/>
+          <p:nvPr/>
+        </p:nvCxnSpPr>
+        <p:spPr>
+          <a:xfrm>
+            <a:off x="3200400" y="3124200"/>
+            <a:ext cx="685800" cy="0"/>
+          </a:xfrm>
+          <a:prstGeom prst="straightConnector1">
+            <a:avLst/>
+          </a:prstGeom>
+          <a:ln w="28575">
+            <a:solidFill>
+              <a:srgbClr val="FF0000"/>
+            </a:solidFill>
+            <a:tailEnd type="arrow"/>
+          </a:ln>
+        </p:spPr>
+        <p:style>
+          <a:lnRef idx="1">
+            <a:schemeClr val="accent1"/>
+          </a:lnRef>
+          <a:fillRef idx="0">
+            <a:schemeClr val="accent1"/>
+          </a:fillRef>
+          <a:effectRef idx="0">
+            <a:schemeClr val="accent1"/>
+          </a:effectRef>
+          <a:fontRef idx="minor">
+            <a:schemeClr val="tx1"/>
+          </a:fontRef>
+        </p:style>
+      </p:cxnSp>
+      <p:cxnSp>
+        <p:nvCxnSpPr>
+          <p:cNvPr id="11" name="Straight Arrow Connector 10"/>
+          <p:cNvCxnSpPr/>
+          <p:nvPr/>
+        </p:nvCxnSpPr>
+        <p:spPr>
+          <a:xfrm>
+            <a:off x="5410200" y="3200400"/>
+            <a:ext cx="0" cy="990600"/>
+          </a:xfrm>
+          <a:prstGeom prst="straightConnector1">
+            <a:avLst/>
+          </a:prstGeom>
+          <a:ln w="28575">
+            <a:solidFill>
+              <a:srgbClr val="FF0000"/>
+            </a:solidFill>
+            <a:tailEnd type="arrow"/>
+          </a:ln>
+        </p:spPr>
+        <p:style>
+          <a:lnRef idx="1">
+            <a:schemeClr val="accent1"/>
+          </a:lnRef>
+          <a:fillRef idx="0">
+            <a:schemeClr val="accent1"/>
+          </a:fillRef>
+          <a:effectRef idx="0">
+            <a:schemeClr val="accent1"/>
+          </a:effectRef>
+          <a:fontRef idx="minor">
+            <a:schemeClr val="tx1"/>
+          </a:fontRef>
+        </p:style>
+      </p:cxnSp>
+      <p:pic>
+        <p:nvPicPr>
+          <p:cNvPr id="4098" name="Picture 2"/>
+          <p:cNvPicPr>
+            <a:picLocks noChangeAspect="1" noChangeArrowheads="1"/>
+          </p:cNvPicPr>
+          <p:nvPr/>
+        </p:nvPicPr>
+        <p:blipFill>
+          <a:blip r:embed="rId3" cstate="print"/>
+          <a:srcRect/>
+          <a:stretch>
+            <a:fillRect/>
+          </a:stretch>
+        </p:blipFill>
+        <p:spPr bwMode="auto">
+          <a:xfrm>
+            <a:off x="4038600" y="2819400"/>
+            <a:ext cx="1219200" cy="1695796"/>
+          </a:xfrm>
+          <a:prstGeom prst="rect">
+            <a:avLst/>
+          </a:prstGeom>
+          <a:noFill/>
+          <a:ln w="9525">
+            <a:noFill/>
+            <a:miter lim="800000"/>
+            <a:headEnd/>
+            <a:tailEnd/>
+          </a:ln>
+        </p:spPr>
+      </p:pic>
     </p:spTree>
   </p:cSld>
   <p:clrMapOvr>
@@ -4746,186 +4825,227 @@
       </p:grpSpPr>
       <p:sp>
         <p:nvSpPr>
-          <p:cNvPr id="2" name="Title 1"/>
-          <p:cNvSpPr>
-            <a:spLocks noGrp="1"/>
-          </p:cNvSpPr>
-          <p:nvPr>
-            <p:ph type="title"/>
-          </p:nvPr>
-        </p:nvSpPr>
-        <p:spPr/>
-        <p:txBody>
-          <a:bodyPr>
+          <p:cNvPr id="3" name="Title 3"/>
+          <p:cNvSpPr txBox="1">
+            <a:spLocks/>
+          </p:cNvSpPr>
+          <p:nvPr/>
+        </p:nvSpPr>
+        <p:spPr>
+          <a:xfrm>
+            <a:off x="0" y="2514600"/>
+            <a:ext cx="9144000" cy="1219200"/>
+          </a:xfrm>
+          <a:prstGeom prst="rect">
+            <a:avLst/>
+          </a:prstGeom>
+        </p:spPr>
+        <p:txBody>
+          <a:bodyPr vert="horz" lIns="91440" tIns="45720" rIns="91440" bIns="45720" rtlCol="0" anchor="ctr">
             <a:normAutofit/>
           </a:bodyPr>
           <a:lstStyle/>
           <a:p>
-            <a:r>
-              <a:rPr lang="en-US" smtClean="0"/>
-              <a:t>Composite Structure</a:t>
-            </a:r>
-            <a:endParaRPr lang="en-US" sz="4000"/>
-          </a:p>
-        </p:txBody>
-      </p:sp>
-      <p:sp>
-        <p:nvSpPr>
-          <p:cNvPr id="10" name="Content Placeholder 2"/>
-          <p:cNvSpPr>
-            <a:spLocks noGrp="1"/>
-          </p:cNvSpPr>
-          <p:nvPr>
-            <p:ph idx="1"/>
-          </p:nvPr>
-        </p:nvSpPr>
-        <p:spPr>
-          <a:xfrm>
-            <a:off x="457200" y="1447801"/>
-            <a:ext cx="8229600" cy="685800"/>
-          </a:xfrm>
-        </p:spPr>
-        <p:txBody>
-          <a:bodyPr>
-            <a:normAutofit/>
-          </a:bodyPr>
-          <a:lstStyle/>
-          <a:p>
-            <a:r>
-              <a:rPr lang="en-US" sz="2400" smtClean="0"/>
-              <a:t>General purpose interface to those sub-systems</a:t>
-            </a:r>
-            <a:endParaRPr lang="en-US" sz="2400"/>
-          </a:p>
-        </p:txBody>
-      </p:sp>
-      <p:sp>
-        <p:nvSpPr>
-          <p:cNvPr id="11" name="TextBox 10"/>
-          <p:cNvSpPr txBox="1"/>
-          <p:nvPr/>
-        </p:nvSpPr>
-        <p:spPr>
-          <a:xfrm>
-            <a:off x="0" y="5334000"/>
-            <a:ext cx="9144000" cy="338554"/>
-          </a:xfrm>
-          <a:prstGeom prst="rect">
-            <a:avLst/>
-          </a:prstGeom>
-          <a:noFill/>
-        </p:spPr>
-        <p:txBody>
-          <a:bodyPr wrap="square" rtlCol="0">
-            <a:spAutoFit/>
-          </a:bodyPr>
-          <a:lstStyle/>
-          <a:p>
-            <a:pPr algn="ctr"/>
-            <a:r>
-              <a:rPr lang="en-US" sz="1600" b="1" smtClean="0"/>
-              <a:t>from Player.h</a:t>
-            </a:r>
-            <a:endParaRPr lang="en-US" sz="1600" b="1"/>
-          </a:p>
-        </p:txBody>
-      </p:sp>
-      <p:pic>
-        <p:nvPicPr>
-          <p:cNvPr id="1027" name="Picture 3"/>
-          <p:cNvPicPr>
-            <a:picLocks noChangeAspect="1" noChangeArrowheads="1"/>
-          </p:cNvPicPr>
-          <p:nvPr/>
-        </p:nvPicPr>
-        <p:blipFill>
-          <a:blip r:embed="rId2" cstate="print"/>
-          <a:srcRect/>
-          <a:stretch>
-            <a:fillRect/>
-          </a:stretch>
-        </p:blipFill>
-        <p:spPr bwMode="auto">
-          <a:xfrm>
-            <a:off x="1447800" y="2514600"/>
-            <a:ext cx="6257925" cy="2609850"/>
-          </a:xfrm>
-          <a:prstGeom prst="rect">
-            <a:avLst/>
-          </a:prstGeom>
-          <a:noFill/>
-          <a:ln w="9525">
-            <a:noFill/>
-            <a:miter lim="800000"/>
-            <a:headEnd/>
-            <a:tailEnd/>
-          </a:ln>
-        </p:spPr>
-      </p:pic>
-      <p:cxnSp>
-        <p:nvCxnSpPr>
-          <p:cNvPr id="16" name="Straight Arrow Connector 15"/>
-          <p:cNvCxnSpPr/>
-          <p:nvPr/>
-        </p:nvCxnSpPr>
-        <p:spPr>
-          <a:xfrm flipV="1">
-            <a:off x="1223682" y="3245224"/>
-            <a:ext cx="381000" cy="76200"/>
-          </a:xfrm>
-          <a:prstGeom prst="straightConnector1">
-            <a:avLst/>
-          </a:prstGeom>
-          <a:ln w="28575">
-            <a:solidFill>
-              <a:srgbClr val="FF0000"/>
-            </a:solidFill>
-            <a:tailEnd type="arrow"/>
-          </a:ln>
-        </p:spPr>
-        <p:style>
-          <a:lnRef idx="1">
-            <a:schemeClr val="accent1"/>
-          </a:lnRef>
-          <a:fillRef idx="0">
-            <a:schemeClr val="accent1"/>
-          </a:fillRef>
-          <a:effectRef idx="0">
-            <a:schemeClr val="accent1"/>
-          </a:effectRef>
-          <a:fontRef idx="minor">
-            <a:schemeClr val="tx1"/>
-          </a:fontRef>
-        </p:style>
-      </p:cxnSp>
-      <p:sp>
-        <p:nvSpPr>
-          <p:cNvPr id="7" name="TextBox 6"/>
-          <p:cNvSpPr txBox="1"/>
-          <p:nvPr/>
-        </p:nvSpPr>
-        <p:spPr>
-          <a:xfrm>
-            <a:off x="152400" y="3124200"/>
-            <a:ext cx="1143000" cy="830997"/>
-          </a:xfrm>
-          <a:prstGeom prst="rect">
-            <a:avLst/>
-          </a:prstGeom>
-          <a:noFill/>
-        </p:spPr>
-        <p:txBody>
-          <a:bodyPr wrap="square" rtlCol="0">
-            <a:spAutoFit/>
-          </a:bodyPr>
-          <a:lstStyle/>
-          <a:p>
-            <a:pPr algn="ctr"/>
-            <a:r>
-              <a:rPr lang="en-US" sz="1600" smtClean="0"/>
-              <a:t>Must contain an auto pilot</a:t>
-            </a:r>
-            <a:endParaRPr lang="en-US" sz="1600"/>
+            <a:pPr marL="0" marR="0" lvl="0" indent="0" algn="ctr" defTabSz="914400" rtl="0" eaLnBrk="1" fontAlgn="auto" latinLnBrk="0" hangingPunct="1">
+              <a:lnSpc>
+                <a:spcPct val="100000"/>
+              </a:lnSpc>
+              <a:spcBef>
+                <a:spcPct val="0"/>
+              </a:spcBef>
+              <a:spcAft>
+                <a:spcPts val="0"/>
+              </a:spcAft>
+              <a:buClrTx/>
+              <a:buSzTx/>
+              <a:buFontTx/>
+              <a:buNone/>
+              <a:tabLst/>
+              <a:defRPr/>
+            </a:pPr>
+            <a:r>
+              <a:rPr kumimoji="0" lang="en-US" sz="4000" b="0" i="0" u="none" strike="noStrike" kern="1200" cap="none" spc="0" normalizeH="0" baseline="0" noProof="0" dirty="0" smtClean="0">
+                <a:ln>
+                  <a:noFill/>
+                </a:ln>
+                <a:solidFill>
+                  <a:schemeClr val="tx1"/>
+                </a:solidFill>
+                <a:effectLst/>
+                <a:uLnTx/>
+                <a:uFillTx/>
+                <a:latin typeface="+mj-lt"/>
+                <a:ea typeface="+mj-ea"/>
+                <a:cs typeface="+mj-cs"/>
+              </a:rPr>
+              <a:t>Dynamics Model </a:t>
+            </a:r>
+            <a:r>
+              <a:rPr kumimoji="0" lang="en-US" sz="4000" b="0" i="0" u="none" strike="noStrike" kern="1200" cap="none" spc="0" normalizeH="0" baseline="0" noProof="0" dirty="0" smtClean="0">
+                <a:ln>
+                  <a:noFill/>
+                </a:ln>
+                <a:solidFill>
+                  <a:schemeClr val="tx1"/>
+                </a:solidFill>
+                <a:effectLst/>
+                <a:uLnTx/>
+                <a:uFillTx/>
+                <a:latin typeface="+mj-lt"/>
+                <a:ea typeface="+mj-ea"/>
+                <a:cs typeface="+mj-cs"/>
+              </a:rPr>
+              <a:t>Autopilot</a:t>
+            </a:r>
+            <a:br>
+              <a:rPr kumimoji="0" lang="en-US" sz="4000" b="0" i="0" u="none" strike="noStrike" kern="1200" cap="none" spc="0" normalizeH="0" baseline="0" noProof="0" dirty="0" smtClean="0">
+                <a:ln>
+                  <a:noFill/>
+                </a:ln>
+                <a:solidFill>
+                  <a:schemeClr val="tx1"/>
+                </a:solidFill>
+                <a:effectLst/>
+                <a:uLnTx/>
+                <a:uFillTx/>
+                <a:latin typeface="+mj-lt"/>
+                <a:ea typeface="+mj-ea"/>
+                <a:cs typeface="+mj-cs"/>
+              </a:rPr>
+            </a:br>
+            <a:r>
+              <a:rPr kumimoji="0" lang="en-US" sz="2000" b="0" i="0" u="none" strike="noStrike" kern="1200" cap="none" spc="0" normalizeH="0" baseline="0" noProof="0" dirty="0" smtClean="0">
+                <a:ln>
+                  <a:noFill/>
+                </a:ln>
+                <a:solidFill>
+                  <a:schemeClr val="tx1"/>
+                </a:solidFill>
+                <a:effectLst/>
+                <a:uLnTx/>
+                <a:uFillTx/>
+                <a:latin typeface="+mj-lt"/>
+                <a:ea typeface="+mj-ea"/>
+                <a:cs typeface="+mj-cs"/>
+              </a:rPr>
+              <a:t>(</a:t>
+            </a:r>
+            <a:r>
+              <a:rPr kumimoji="0" lang="en-US" sz="2000" b="0" i="0" u="none" strike="noStrike" kern="1200" cap="none" spc="0" normalizeH="0" baseline="0" noProof="0" dirty="0" smtClean="0">
+                <a:ln>
+                  <a:noFill/>
+                </a:ln>
+                <a:solidFill>
+                  <a:schemeClr val="tx1"/>
+                </a:solidFill>
+                <a:effectLst/>
+                <a:uLnTx/>
+                <a:uFillTx/>
+                <a:latin typeface="+mj-lt"/>
+                <a:ea typeface="+mj-ea"/>
+                <a:cs typeface="+mj-cs"/>
+              </a:rPr>
+              <a:t>assumes </a:t>
+            </a:r>
+            <a:r>
+              <a:rPr kumimoji="0" lang="en-US" sz="2000" b="0" i="0" u="none" strike="noStrike" kern="1200" cap="none" spc="0" normalizeH="0" baseline="0" noProof="0" dirty="0" err="1" smtClean="0">
+                <a:ln>
+                  <a:noFill/>
+                </a:ln>
+                <a:solidFill>
+                  <a:schemeClr val="tx1"/>
+                </a:solidFill>
+                <a:effectLst/>
+                <a:uLnTx/>
+                <a:uFillTx/>
+                <a:latin typeface="+mj-lt"/>
+                <a:ea typeface="+mj-ea"/>
+                <a:cs typeface="+mj-cs"/>
+              </a:rPr>
+              <a:t>DynamicsModel</a:t>
+            </a:r>
+            <a:r>
+              <a:rPr kumimoji="0" lang="en-US" sz="2000" b="0" i="0" u="none" strike="noStrike" kern="1200" cap="none" spc="0" normalizeH="0" baseline="0" noProof="0" dirty="0" smtClean="0">
+                <a:ln>
+                  <a:noFill/>
+                </a:ln>
+                <a:solidFill>
+                  <a:schemeClr val="tx1"/>
+                </a:solidFill>
+                <a:effectLst/>
+                <a:uLnTx/>
+                <a:uFillTx/>
+                <a:latin typeface="+mj-lt"/>
+                <a:ea typeface="+mj-ea"/>
+                <a:cs typeface="+mj-cs"/>
+              </a:rPr>
+              <a:t> </a:t>
+            </a:r>
+            <a:r>
+              <a:rPr kumimoji="0" lang="en-US" sz="2000" b="0" i="0" u="none" strike="noStrike" kern="1200" cap="none" spc="0" normalizeH="0" baseline="0" noProof="0" dirty="0" smtClean="0">
+                <a:ln>
+                  <a:noFill/>
+                </a:ln>
+                <a:solidFill>
+                  <a:schemeClr val="tx1"/>
+                </a:solidFill>
+                <a:effectLst/>
+                <a:uLnTx/>
+                <a:uFillTx/>
+                <a:latin typeface="+mj-lt"/>
+                <a:ea typeface="+mj-ea"/>
+                <a:cs typeface="+mj-cs"/>
+              </a:rPr>
+              <a:t>or </a:t>
+            </a:r>
+            <a:r>
+              <a:rPr kumimoji="0" lang="en-US" sz="2000" b="0" i="0" u="none" strike="noStrike" kern="1200" cap="none" spc="0" normalizeH="0" baseline="0" noProof="0" dirty="0" smtClean="0">
+                <a:ln>
+                  <a:noFill/>
+                </a:ln>
+                <a:solidFill>
+                  <a:schemeClr val="tx1"/>
+                </a:solidFill>
+                <a:effectLst/>
+                <a:uLnTx/>
+                <a:uFillTx/>
+                <a:latin typeface="+mj-lt"/>
+                <a:ea typeface="+mj-ea"/>
+                <a:cs typeface="+mj-cs"/>
+              </a:rPr>
+              <a:t>sub-classing </a:t>
+            </a:r>
+            <a:r>
+              <a:rPr kumimoji="0" lang="en-US" sz="2000" b="0" i="0" u="none" strike="noStrike" kern="1200" cap="none" spc="0" normalizeH="0" baseline="0" noProof="0" dirty="0" smtClean="0">
+                <a:ln>
+                  <a:noFill/>
+                </a:ln>
+                <a:solidFill>
+                  <a:schemeClr val="tx1"/>
+                </a:solidFill>
+                <a:effectLst/>
+                <a:uLnTx/>
+                <a:uFillTx/>
+                <a:latin typeface="+mj-lt"/>
+                <a:ea typeface="+mj-ea"/>
+                <a:cs typeface="+mj-cs"/>
+              </a:rPr>
+              <a:t>that includes an autopilot)</a:t>
+            </a:r>
+            <a:endParaRPr kumimoji="0" lang="en-US" sz="4000" b="0" i="0" u="none" strike="noStrike" kern="1200" cap="none" spc="0" normalizeH="0" baseline="0" noProof="0" dirty="0">
+              <a:ln>
+                <a:noFill/>
+              </a:ln>
+              <a:solidFill>
+                <a:schemeClr val="tx1"/>
+              </a:solidFill>
+              <a:effectLst/>
+              <a:uLnTx/>
+              <a:uFillTx/>
+              <a:latin typeface="+mj-lt"/>
+              <a:ea typeface="+mj-ea"/>
+              <a:cs typeface="+mj-cs"/>
+            </a:endParaRPr>
           </a:p>
         </p:txBody>
       </p:sp>
@@ -4973,20 +5093,22 @@
         </p:nvSpPr>
         <p:spPr/>
         <p:txBody>
-          <a:bodyPr/>
+          <a:bodyPr>
+            <a:normAutofit/>
+          </a:bodyPr>
           <a:lstStyle/>
           <a:p>
             <a:r>
               <a:rPr lang="en-US" smtClean="0"/>
-              <a:t>Dynamics Model “Auto Pilot”</a:t>
-            </a:r>
-            <a:endParaRPr lang="en-US"/>
-          </a:p>
-        </p:txBody>
-      </p:sp>
-      <p:sp>
-        <p:nvSpPr>
-          <p:cNvPr id="3" name="Content Placeholder 2"/>
+              <a:t>Composite Structure</a:t>
+            </a:r>
+            <a:endParaRPr lang="en-US" sz="4000"/>
+          </a:p>
+        </p:txBody>
+      </p:sp>
+      <p:sp>
+        <p:nvSpPr>
+          <p:cNvPr id="10" name="Content Placeholder 2"/>
           <p:cNvSpPr>
             <a:spLocks noGrp="1"/>
           </p:cNvSpPr>
@@ -4994,28 +5116,35 @@
             <p:ph idx="1"/>
           </p:nvPr>
         </p:nvSpPr>
-        <p:spPr/>
-        <p:txBody>
-          <a:bodyPr/>
-          <a:lstStyle/>
-          <a:p>
-            <a:r>
-              <a:rPr lang="en-US" smtClean="0"/>
-              <a:t>Player interface to DynamicsModel “auto pilot” is driven by “commands”</a:t>
-            </a:r>
-            <a:endParaRPr lang="en-US"/>
-          </a:p>
-        </p:txBody>
-      </p:sp>
-      <p:sp>
-        <p:nvSpPr>
-          <p:cNvPr id="4" name="TextBox 3"/>
+        <p:spPr>
+          <a:xfrm>
+            <a:off x="457200" y="1447801"/>
+            <a:ext cx="8229600" cy="685800"/>
+          </a:xfrm>
+        </p:spPr>
+        <p:txBody>
+          <a:bodyPr>
+            <a:normAutofit/>
+          </a:bodyPr>
+          <a:lstStyle/>
+          <a:p>
+            <a:r>
+              <a:rPr lang="en-US" sz="2400" smtClean="0"/>
+              <a:t>General purpose interface to those sub-systems</a:t>
+            </a:r>
+            <a:endParaRPr lang="en-US" sz="2400"/>
+          </a:p>
+        </p:txBody>
+      </p:sp>
+      <p:sp>
+        <p:nvSpPr>
+          <p:cNvPr id="11" name="TextBox 10"/>
           <p:cNvSpPr txBox="1"/>
           <p:nvPr/>
         </p:nvSpPr>
         <p:spPr>
           <a:xfrm>
-            <a:off x="0" y="4876800"/>
+            <a:off x="0" y="5334000"/>
             <a:ext cx="9144000" cy="338554"/>
           </a:xfrm>
           <a:prstGeom prst="rect">
@@ -5040,7 +5169,7 @@
       </p:sp>
       <p:pic>
         <p:nvPicPr>
-          <p:cNvPr id="7171" name="Picture 3"/>
+          <p:cNvPr id="1027" name="Picture 3"/>
           <p:cNvPicPr>
             <a:picLocks noChangeAspect="1" noChangeArrowheads="1"/>
           </p:cNvPicPr>
@@ -5055,8 +5184,8 @@
         </p:blipFill>
         <p:spPr bwMode="auto">
           <a:xfrm>
-            <a:off x="152400" y="2743200"/>
-            <a:ext cx="8753475" cy="1933575"/>
+            <a:off x="1447800" y="2514600"/>
+            <a:ext cx="6257925" cy="2609850"/>
           </a:xfrm>
           <a:prstGeom prst="rect">
             <a:avLst/>
@@ -5070,6 +5199,73 @@
           </a:ln>
         </p:spPr>
       </p:pic>
+      <p:cxnSp>
+        <p:nvCxnSpPr>
+          <p:cNvPr id="16" name="Straight Arrow Connector 15"/>
+          <p:cNvCxnSpPr/>
+          <p:nvPr/>
+        </p:nvCxnSpPr>
+        <p:spPr>
+          <a:xfrm flipV="1">
+            <a:off x="1223682" y="3245224"/>
+            <a:ext cx="381000" cy="76200"/>
+          </a:xfrm>
+          <a:prstGeom prst="straightConnector1">
+            <a:avLst/>
+          </a:prstGeom>
+          <a:ln w="28575">
+            <a:solidFill>
+              <a:srgbClr val="FF0000"/>
+            </a:solidFill>
+            <a:tailEnd type="arrow"/>
+          </a:ln>
+        </p:spPr>
+        <p:style>
+          <a:lnRef idx="1">
+            <a:schemeClr val="accent1"/>
+          </a:lnRef>
+          <a:fillRef idx="0">
+            <a:schemeClr val="accent1"/>
+          </a:fillRef>
+          <a:effectRef idx="0">
+            <a:schemeClr val="accent1"/>
+          </a:effectRef>
+          <a:fontRef idx="minor">
+            <a:schemeClr val="tx1"/>
+          </a:fontRef>
+        </p:style>
+      </p:cxnSp>
+      <p:sp>
+        <p:nvSpPr>
+          <p:cNvPr id="7" name="TextBox 6"/>
+          <p:cNvSpPr txBox="1"/>
+          <p:nvPr/>
+        </p:nvSpPr>
+        <p:spPr>
+          <a:xfrm>
+            <a:off x="152400" y="3124200"/>
+            <a:ext cx="1143000" cy="830997"/>
+          </a:xfrm>
+          <a:prstGeom prst="rect">
+            <a:avLst/>
+          </a:prstGeom>
+          <a:noFill/>
+        </p:spPr>
+        <p:txBody>
+          <a:bodyPr wrap="square" rtlCol="0">
+            <a:spAutoFit/>
+          </a:bodyPr>
+          <a:lstStyle/>
+          <a:p>
+            <a:pPr algn="ctr"/>
+            <a:r>
+              <a:rPr lang="en-US" sz="1600" smtClean="0"/>
+              <a:t>Must contain an auto pilot</a:t>
+            </a:r>
+            <a:endParaRPr lang="en-US" sz="1600"/>
+          </a:p>
+        </p:txBody>
+      </p:sp>
     </p:spTree>
   </p:cSld>
   <p:clrMapOvr>
@@ -5118,16 +5314,90 @@
           <a:lstStyle/>
           <a:p>
             <a:r>
-              <a:rPr lang="en-US" smtClean="0"/>
-              <a:t>Dynamics Model “Auto Pilot”</a:t>
-            </a:r>
-            <a:endParaRPr lang="en-US"/>
+              <a:rPr lang="en-US" dirty="0" smtClean="0"/>
+              <a:t>Dynamics Model </a:t>
+            </a:r>
+            <a:r>
+              <a:rPr lang="en-US" dirty="0" smtClean="0"/>
+              <a:t>Autopilot</a:t>
+            </a:r>
+            <a:endParaRPr lang="en-US" dirty="0"/>
+          </a:p>
+        </p:txBody>
+      </p:sp>
+      <p:sp>
+        <p:nvSpPr>
+          <p:cNvPr id="3" name="Content Placeholder 2"/>
+          <p:cNvSpPr>
+            <a:spLocks noGrp="1"/>
+          </p:cNvSpPr>
+          <p:nvPr>
+            <p:ph idx="1"/>
+          </p:nvPr>
+        </p:nvSpPr>
+        <p:spPr/>
+        <p:txBody>
+          <a:bodyPr/>
+          <a:lstStyle/>
+          <a:p>
+            <a:r>
+              <a:rPr lang="en-US" dirty="0" smtClean="0"/>
+              <a:t>Player interface to </a:t>
+            </a:r>
+            <a:r>
+              <a:rPr lang="en-US" dirty="0" err="1" smtClean="0"/>
+              <a:t>DynamicsModel</a:t>
+            </a:r>
+            <a:r>
+              <a:rPr lang="en-US" dirty="0" smtClean="0"/>
+              <a:t> </a:t>
+            </a:r>
+            <a:r>
+              <a:rPr lang="en-US" dirty="0" smtClean="0"/>
+              <a:t>autopilot </a:t>
+            </a:r>
+            <a:r>
+              <a:rPr lang="en-US" dirty="0" smtClean="0"/>
+              <a:t>is driven by “commands”</a:t>
+            </a:r>
+            <a:endParaRPr lang="en-US" dirty="0"/>
+          </a:p>
+        </p:txBody>
+      </p:sp>
+      <p:sp>
+        <p:nvSpPr>
+          <p:cNvPr id="4" name="TextBox 3"/>
+          <p:cNvSpPr txBox="1"/>
+          <p:nvPr/>
+        </p:nvSpPr>
+        <p:spPr>
+          <a:xfrm>
+            <a:off x="0" y="4876800"/>
+            <a:ext cx="9144000" cy="338554"/>
+          </a:xfrm>
+          <a:prstGeom prst="rect">
+            <a:avLst/>
+          </a:prstGeom>
+          <a:noFill/>
+        </p:spPr>
+        <p:txBody>
+          <a:bodyPr wrap="square" rtlCol="0">
+            <a:spAutoFit/>
+          </a:bodyPr>
+          <a:lstStyle/>
+          <a:p>
+            <a:pPr algn="ctr"/>
+            <a:r>
+              <a:rPr lang="en-US" sz="1600" b="1" smtClean="0"/>
+              <a:t>from Player.h</a:t>
+            </a:r>
+            <a:endParaRPr lang="en-US" sz="1600" b="1"/>
           </a:p>
         </p:txBody>
       </p:sp>
       <p:pic>
         <p:nvPicPr>
-          <p:cNvPr id="8194" name="Picture 2"/>
+          <p:cNvPr id="7171" name="Picture 3"/>
           <p:cNvPicPr>
             <a:picLocks noChangeAspect="1" noChangeArrowheads="1"/>
           </p:cNvPicPr>
@@ -5142,8 +5412,8 @@
         </p:blipFill>
         <p:spPr bwMode="auto">
           <a:xfrm>
-            <a:off x="2057400" y="1447800"/>
-            <a:ext cx="4514850" cy="4724400"/>
+            <a:off x="152400" y="2743200"/>
+            <a:ext cx="8753475" cy="1933575"/>
           </a:xfrm>
           <a:prstGeom prst="rect">
             <a:avLst/>
@@ -5157,109 +5427,6 @@
           </a:ln>
         </p:spPr>
       </p:pic>
-      <p:sp>
-        <p:nvSpPr>
-          <p:cNvPr id="5" name="TextBox 4"/>
-          <p:cNvSpPr txBox="1"/>
-          <p:nvPr/>
-        </p:nvSpPr>
-        <p:spPr>
-          <a:xfrm>
-            <a:off x="0" y="6248400"/>
-            <a:ext cx="9144000" cy="338554"/>
-          </a:xfrm>
-          <a:prstGeom prst="rect">
-            <a:avLst/>
-          </a:prstGeom>
-          <a:noFill/>
-        </p:spPr>
-        <p:txBody>
-          <a:bodyPr wrap="square" rtlCol="0">
-            <a:spAutoFit/>
-          </a:bodyPr>
-          <a:lstStyle/>
-          <a:p>
-            <a:pPr algn="ctr"/>
-            <a:r>
-              <a:rPr lang="en-US" sz="1600" b="1" smtClean="0"/>
-              <a:t>from Player.cpp</a:t>
-            </a:r>
-            <a:endParaRPr lang="en-US" sz="1600" b="1"/>
-          </a:p>
-        </p:txBody>
-      </p:sp>
-      <p:cxnSp>
-        <p:nvCxnSpPr>
-          <p:cNvPr id="6" name="Straight Arrow Connector 5"/>
-          <p:cNvCxnSpPr/>
-          <p:nvPr/>
-        </p:nvCxnSpPr>
-        <p:spPr>
-          <a:xfrm flipV="1">
-            <a:off x="1828800" y="2057400"/>
-            <a:ext cx="381000" cy="76200"/>
-          </a:xfrm>
-          <a:prstGeom prst="straightConnector1">
-            <a:avLst/>
-          </a:prstGeom>
-          <a:ln w="28575">
-            <a:solidFill>
-              <a:srgbClr val="FF0000"/>
-            </a:solidFill>
-            <a:tailEnd type="arrow"/>
-          </a:ln>
-        </p:spPr>
-        <p:style>
-          <a:lnRef idx="1">
-            <a:schemeClr val="accent1"/>
-          </a:lnRef>
-          <a:fillRef idx="0">
-            <a:schemeClr val="accent1"/>
-          </a:fillRef>
-          <a:effectRef idx="0">
-            <a:schemeClr val="accent1"/>
-          </a:effectRef>
-          <a:fontRef idx="minor">
-            <a:schemeClr val="tx1"/>
-          </a:fontRef>
-        </p:style>
-      </p:cxnSp>
-      <p:cxnSp>
-        <p:nvCxnSpPr>
-          <p:cNvPr id="7" name="Straight Arrow Connector 6"/>
-          <p:cNvCxnSpPr/>
-          <p:nvPr/>
-        </p:nvCxnSpPr>
-        <p:spPr>
-          <a:xfrm flipV="1">
-            <a:off x="1828800" y="4495800"/>
-            <a:ext cx="381000" cy="76200"/>
-          </a:xfrm>
-          <a:prstGeom prst="straightConnector1">
-            <a:avLst/>
-          </a:prstGeom>
-          <a:ln w="28575">
-            <a:solidFill>
-              <a:srgbClr val="FF0000"/>
-            </a:solidFill>
-            <a:tailEnd type="arrow"/>
-          </a:ln>
-        </p:spPr>
-        <p:style>
-          <a:lnRef idx="1">
-            <a:schemeClr val="accent1"/>
-          </a:lnRef>
-          <a:fillRef idx="0">
-            <a:schemeClr val="accent1"/>
-          </a:fillRef>
-          <a:effectRef idx="0">
-            <a:schemeClr val="accent1"/>
-          </a:effectRef>
-          <a:fontRef idx="minor">
-            <a:schemeClr val="tx1"/>
-          </a:fontRef>
-        </p:style>
-      </p:cxnSp>
     </p:spTree>
   </p:cSld>
   <p:clrMapOvr>
@@ -5308,12 +5475,8 @@
           <a:lstStyle/>
           <a:p>
             <a:r>
-              <a:rPr lang="en-US" smtClean="0"/>
-              <a:t>Player Control – </a:t>
-            </a:r>
-            <a:r>
               <a:rPr lang="en-US" dirty="0" smtClean="0"/>
-              <a:t>Different Levels</a:t>
+              <a:t>Player Control – Different Levels</a:t>
             </a:r>
             <a:endParaRPr lang="en-US" dirty="0"/>
           </a:p>
@@ -5337,43 +5500,54 @@
           <a:lstStyle/>
           <a:p>
             <a:r>
-              <a:rPr lang="en-US" sz="3200" smtClean="0"/>
+              <a:rPr lang="en-US" sz="3200" dirty="0" smtClean="0"/>
               <a:t>Simple player dynamics</a:t>
             </a:r>
           </a:p>
           <a:p>
             <a:pPr lvl="1"/>
             <a:r>
-              <a:rPr lang="en-US" smtClean="0"/>
+              <a:rPr lang="en-US" dirty="0" smtClean="0"/>
               <a:t>Basic functionality</a:t>
             </a:r>
           </a:p>
           <a:p>
             <a:r>
-              <a:rPr lang="en-US" sz="3200" smtClean="0"/>
+              <a:rPr lang="en-US" sz="3200" dirty="0" smtClean="0"/>
               <a:t>Advanced player dynamics</a:t>
             </a:r>
           </a:p>
           <a:p>
             <a:pPr lvl="1"/>
             <a:r>
-              <a:rPr lang="en-US" smtClean="0"/>
+              <a:rPr lang="en-US" dirty="0" smtClean="0"/>
               <a:t>Direct stick input</a:t>
             </a:r>
           </a:p>
           <a:p>
             <a:pPr lvl="1"/>
             <a:r>
-              <a:rPr lang="en-US" smtClean="0"/>
-              <a:t>Auto pilot functionality</a:t>
-            </a:r>
-          </a:p>
-          <a:p>
-            <a:r>
-              <a:rPr lang="en-US" sz="3200" smtClean="0"/>
-              <a:t>Pilot / auto pilot</a:t>
-            </a:r>
-            <a:endParaRPr lang="en-US" sz="3200"/>
+              <a:rPr lang="en-US" dirty="0" smtClean="0"/>
+              <a:t>Autopilot </a:t>
+            </a:r>
+            <a:r>
+              <a:rPr lang="en-US" dirty="0" smtClean="0"/>
+              <a:t>functionality</a:t>
+            </a:r>
+          </a:p>
+          <a:p>
+            <a:r>
+              <a:rPr lang="en-US" sz="3200" dirty="0" smtClean="0"/>
+              <a:t>Pilot</a:t>
+            </a:r>
+          </a:p>
+          <a:p>
+            <a:pPr lvl="1"/>
+            <a:r>
+              <a:rPr lang="en-US" dirty="0" err="1" smtClean="0"/>
+              <a:t>AutoPilot</a:t>
+            </a:r>
+            <a:endParaRPr lang="en-US" dirty="0"/>
           </a:p>
         </p:txBody>
       </p:sp>
@@ -5425,56 +5599,20 @@
           <a:lstStyle/>
           <a:p>
             <a:r>
-              <a:rPr lang="en-US" smtClean="0"/>
-              <a:t>Dynamics Model “Auto Pilot”</a:t>
-            </a:r>
-            <a:endParaRPr lang="en-US"/>
-          </a:p>
-        </p:txBody>
-      </p:sp>
-      <p:sp>
-        <p:nvSpPr>
-          <p:cNvPr id="3" name="Content Placeholder 2"/>
-          <p:cNvSpPr>
-            <a:spLocks noGrp="1"/>
-          </p:cNvSpPr>
-          <p:nvPr>
-            <p:ph idx="1"/>
-          </p:nvPr>
-        </p:nvSpPr>
-        <p:spPr/>
-        <p:txBody>
-          <a:bodyPr>
-            <a:normAutofit/>
-          </a:bodyPr>
-          <a:lstStyle/>
-          <a:p>
-            <a:r>
-              <a:rPr lang="en-US" sz="2000" dirty="0" smtClean="0"/>
-              <a:t>Player may or may not have an attached dynamics model</a:t>
-            </a:r>
-          </a:p>
-          <a:p>
-            <a:r>
-              <a:rPr lang="en-US" sz="2000" dirty="0" smtClean="0"/>
-              <a:t>If attached, then stick and throttle inputs are forwarded to the dynamics model – </a:t>
-            </a:r>
-            <a:r>
-              <a:rPr lang="en-US" sz="2000" b="1" dirty="0" smtClean="0"/>
-              <a:t>some dynamics models do not include an autopilot!</a:t>
-            </a:r>
-          </a:p>
-          <a:p>
-            <a:r>
-              <a:rPr lang="en-US" sz="2000" dirty="0" smtClean="0"/>
-              <a:t>If overridden in subclass, subclass will receive inputs</a:t>
-            </a:r>
+              <a:rPr lang="en-US" dirty="0" smtClean="0"/>
+              <a:t>Dynamics Model </a:t>
+            </a:r>
+            <a:r>
+              <a:rPr lang="en-US" dirty="0" smtClean="0"/>
+              <a:t>Autopilot</a:t>
+            </a:r>
+            <a:endParaRPr lang="en-US" dirty="0"/>
           </a:p>
         </p:txBody>
       </p:sp>
       <p:pic>
         <p:nvPicPr>
-          <p:cNvPr id="5" name="Picture 2" descr="C:\Users\me\AppData\Local\Microsoft\Windows\Temporary Internet Files\Content.IE5\PUXV0NF7\MC900433959[1].png"/>
+          <p:cNvPr id="8194" name="Picture 2"/>
           <p:cNvPicPr>
             <a:picLocks noChangeAspect="1" noChangeArrowheads="1"/>
           </p:cNvPicPr>
@@ -5488,71 +5626,9 @@
           </a:stretch>
         </p:blipFill>
         <p:spPr bwMode="auto">
-          <a:xfrm flipH="1">
-            <a:off x="1828800" y="3200400"/>
-            <a:ext cx="609600" cy="609600"/>
-          </a:xfrm>
-          <a:prstGeom prst="rect">
-            <a:avLst/>
-          </a:prstGeom>
-          <a:noFill/>
-        </p:spPr>
-      </p:pic>
-      <p:cxnSp>
-        <p:nvCxnSpPr>
-          <p:cNvPr id="6" name="Straight Arrow Connector 5"/>
-          <p:cNvCxnSpPr/>
-          <p:nvPr/>
-        </p:nvCxnSpPr>
-        <p:spPr>
-          <a:xfrm>
-            <a:off x="2514600" y="3505200"/>
-            <a:ext cx="685800" cy="0"/>
-          </a:xfrm>
-          <a:prstGeom prst="straightConnector1">
-            <a:avLst/>
-          </a:prstGeom>
-          <a:ln w="28575">
-            <a:solidFill>
-              <a:srgbClr val="FF0000"/>
-            </a:solidFill>
-            <a:tailEnd type="arrow"/>
-          </a:ln>
-        </p:spPr>
-        <p:style>
-          <a:lnRef idx="1">
-            <a:schemeClr val="accent1"/>
-          </a:lnRef>
-          <a:fillRef idx="0">
-            <a:schemeClr val="accent1"/>
-          </a:fillRef>
-          <a:effectRef idx="0">
-            <a:schemeClr val="accent1"/>
-          </a:effectRef>
-          <a:fontRef idx="minor">
-            <a:schemeClr val="tx1"/>
-          </a:fontRef>
-        </p:style>
-      </p:cxnSp>
-      <p:pic>
-        <p:nvPicPr>
-          <p:cNvPr id="6148" name="Picture 4"/>
-          <p:cNvPicPr>
-            <a:picLocks noChangeAspect="1" noChangeArrowheads="1"/>
-          </p:cNvPicPr>
-          <p:nvPr/>
-        </p:nvPicPr>
-        <p:blipFill>
-          <a:blip r:embed="rId3" cstate="print"/>
-          <a:srcRect/>
-          <a:stretch>
-            <a:fillRect/>
-          </a:stretch>
-        </p:blipFill>
-        <p:spPr bwMode="auto">
-          <a:xfrm>
-            <a:off x="3352800" y="3276600"/>
-            <a:ext cx="3657600" cy="2295525"/>
+          <a:xfrm>
+            <a:off x="2057400" y="1447800"/>
+            <a:ext cx="4514850" cy="4724400"/>
           </a:xfrm>
           <a:prstGeom prst="rect">
             <a:avLst/>
@@ -5566,16 +5642,47 @@
           </a:ln>
         </p:spPr>
       </p:pic>
+      <p:sp>
+        <p:nvSpPr>
+          <p:cNvPr id="5" name="TextBox 4"/>
+          <p:cNvSpPr txBox="1"/>
+          <p:nvPr/>
+        </p:nvSpPr>
+        <p:spPr>
+          <a:xfrm>
+            <a:off x="0" y="6248400"/>
+            <a:ext cx="9144000" cy="338554"/>
+          </a:xfrm>
+          <a:prstGeom prst="rect">
+            <a:avLst/>
+          </a:prstGeom>
+          <a:noFill/>
+        </p:spPr>
+        <p:txBody>
+          <a:bodyPr wrap="square" rtlCol="0">
+            <a:spAutoFit/>
+          </a:bodyPr>
+          <a:lstStyle/>
+          <a:p>
+            <a:pPr algn="ctr"/>
+            <a:r>
+              <a:rPr lang="en-US" sz="1600" b="1" smtClean="0"/>
+              <a:t>from Player.cpp</a:t>
+            </a:r>
+            <a:endParaRPr lang="en-US" sz="1600" b="1"/>
+          </a:p>
+        </p:txBody>
+      </p:sp>
       <p:cxnSp>
         <p:nvCxnSpPr>
-          <p:cNvPr id="11" name="Straight Arrow Connector 10"/>
+          <p:cNvPr id="6" name="Straight Arrow Connector 5"/>
           <p:cNvCxnSpPr/>
           <p:nvPr/>
         </p:nvCxnSpPr>
         <p:spPr>
-          <a:xfrm>
-            <a:off x="4038600" y="3962400"/>
-            <a:ext cx="685800" cy="990600"/>
+          <a:xfrm flipV="1">
+            <a:off x="1828800" y="2057400"/>
+            <a:ext cx="381000" cy="76200"/>
           </a:xfrm>
           <a:prstGeom prst="straightConnector1">
             <a:avLst/>
@@ -5604,14 +5711,14 @@
       </p:cxnSp>
       <p:cxnSp>
         <p:nvCxnSpPr>
-          <p:cNvPr id="8" name="Straight Arrow Connector 7"/>
+          <p:cNvPr id="7" name="Straight Arrow Connector 6"/>
           <p:cNvCxnSpPr/>
           <p:nvPr/>
         </p:nvCxnSpPr>
         <p:spPr>
-          <a:xfrm flipH="1" flipV="1">
-            <a:off x="7086600" y="5410200"/>
-            <a:ext cx="533400" cy="457200"/>
+          <a:xfrm flipV="1">
+            <a:off x="1828800" y="4495800"/>
+            <a:ext cx="381000" cy="76200"/>
           </a:xfrm>
           <a:prstGeom prst="straightConnector1">
             <a:avLst/>
@@ -5638,104 +5745,6 @@
           </a:fontRef>
         </p:style>
       </p:cxnSp>
-      <p:cxnSp>
-        <p:nvCxnSpPr>
-          <p:cNvPr id="13" name="Straight Arrow Connector 12"/>
-          <p:cNvCxnSpPr/>
-          <p:nvPr/>
-        </p:nvCxnSpPr>
-        <p:spPr>
-          <a:xfrm flipV="1">
-            <a:off x="3657600" y="5410200"/>
-            <a:ext cx="914400" cy="457200"/>
-          </a:xfrm>
-          <a:prstGeom prst="straightConnector1">
-            <a:avLst/>
-          </a:prstGeom>
-          <a:ln w="28575">
-            <a:solidFill>
-              <a:srgbClr val="FF0000"/>
-            </a:solidFill>
-            <a:tailEnd type="arrow"/>
-          </a:ln>
-        </p:spPr>
-        <p:style>
-          <a:lnRef idx="1">
-            <a:schemeClr val="accent1"/>
-          </a:lnRef>
-          <a:fillRef idx="0">
-            <a:schemeClr val="accent1"/>
-          </a:fillRef>
-          <a:effectRef idx="0">
-            <a:schemeClr val="accent1"/>
-          </a:effectRef>
-          <a:fontRef idx="minor">
-            <a:schemeClr val="tx1"/>
-          </a:fontRef>
-        </p:style>
-      </p:cxnSp>
-      <p:sp>
-        <p:nvSpPr>
-          <p:cNvPr id="15" name="TextBox 14"/>
-          <p:cNvSpPr txBox="1"/>
-          <p:nvPr/>
-        </p:nvSpPr>
-        <p:spPr>
-          <a:xfrm>
-            <a:off x="2133600" y="5867400"/>
-            <a:ext cx="2667000" cy="584775"/>
-          </a:xfrm>
-          <a:prstGeom prst="rect">
-            <a:avLst/>
-          </a:prstGeom>
-          <a:noFill/>
-        </p:spPr>
-        <p:txBody>
-          <a:bodyPr wrap="square" rtlCol="0">
-            <a:spAutoFit/>
-          </a:bodyPr>
-          <a:lstStyle/>
-          <a:p>
-            <a:pPr algn="ctr"/>
-            <a:r>
-              <a:rPr lang="en-US" sz="1600" smtClean="0"/>
-              <a:t>May or may not include autopilot</a:t>
-            </a:r>
-            <a:endParaRPr lang="en-US" sz="1600" dirty="0"/>
-          </a:p>
-        </p:txBody>
-      </p:sp>
-      <p:sp>
-        <p:nvSpPr>
-          <p:cNvPr id="16" name="TextBox 15"/>
-          <p:cNvSpPr txBox="1"/>
-          <p:nvPr/>
-        </p:nvSpPr>
-        <p:spPr>
-          <a:xfrm>
-            <a:off x="6553200" y="5867400"/>
-            <a:ext cx="2133600" cy="338554"/>
-          </a:xfrm>
-          <a:prstGeom prst="rect">
-            <a:avLst/>
-          </a:prstGeom>
-          <a:noFill/>
-        </p:spPr>
-        <p:txBody>
-          <a:bodyPr wrap="square" rtlCol="0">
-            <a:spAutoFit/>
-          </a:bodyPr>
-          <a:lstStyle/>
-          <a:p>
-            <a:pPr algn="ctr"/>
-            <a:r>
-              <a:rPr lang="en-US" sz="1600" smtClean="0"/>
-              <a:t>Includes an autopilot</a:t>
-            </a:r>
-            <a:endParaRPr lang="en-US" sz="1600"/>
-          </a:p>
-        </p:txBody>
-      </p:sp>
     </p:spTree>
   </p:cSld>
   <p:clrMapOvr>
@@ -5770,142 +5779,332 @@
       </p:grpSpPr>
       <p:sp>
         <p:nvSpPr>
-          <p:cNvPr id="6" name="Title 3"/>
-          <p:cNvSpPr txBox="1">
-            <a:spLocks/>
-          </p:cNvSpPr>
-          <p:nvPr/>
-        </p:nvSpPr>
-        <p:spPr>
-          <a:xfrm>
-            <a:off x="0" y="2514600"/>
-            <a:ext cx="9144000" cy="1219200"/>
-          </a:xfrm>
-          <a:prstGeom prst="rect">
-            <a:avLst/>
-          </a:prstGeom>
-        </p:spPr>
-        <p:txBody>
-          <a:bodyPr vert="horz" lIns="91440" tIns="45720" rIns="91440" bIns="45720" rtlCol="0" anchor="ctr">
+          <p:cNvPr id="2" name="Title 1"/>
+          <p:cNvSpPr>
+            <a:spLocks noGrp="1"/>
+          </p:cNvSpPr>
+          <p:nvPr>
+            <p:ph type="title"/>
+          </p:nvPr>
+        </p:nvSpPr>
+        <p:spPr/>
+        <p:txBody>
+          <a:bodyPr/>
+          <a:lstStyle/>
+          <a:p>
+            <a:r>
+              <a:rPr lang="en-US" dirty="0" smtClean="0"/>
+              <a:t>Dynamics Model </a:t>
+            </a:r>
+            <a:r>
+              <a:rPr lang="en-US" dirty="0" smtClean="0"/>
+              <a:t>Autopilot</a:t>
+            </a:r>
+            <a:endParaRPr lang="en-US" dirty="0"/>
+          </a:p>
+        </p:txBody>
+      </p:sp>
+      <p:sp>
+        <p:nvSpPr>
+          <p:cNvPr id="3" name="Content Placeholder 2"/>
+          <p:cNvSpPr>
+            <a:spLocks noGrp="1"/>
+          </p:cNvSpPr>
+          <p:nvPr>
+            <p:ph idx="1"/>
+          </p:nvPr>
+        </p:nvSpPr>
+        <p:spPr/>
+        <p:txBody>
+          <a:bodyPr>
             <a:normAutofit/>
           </a:bodyPr>
           <a:lstStyle/>
           <a:p>
-            <a:pPr marL="0" marR="0" lvl="0" indent="0" algn="ctr" defTabSz="914400" rtl="0" eaLnBrk="1" fontAlgn="auto" latinLnBrk="0" hangingPunct="1">
-              <a:lnSpc>
-                <a:spcPct val="100000"/>
-              </a:lnSpc>
-              <a:spcBef>
-                <a:spcPct val="0"/>
-              </a:spcBef>
-              <a:spcAft>
-                <a:spcPts val="0"/>
-              </a:spcAft>
-              <a:buClrTx/>
-              <a:buSzTx/>
-              <a:buFontTx/>
-              <a:buNone/>
-              <a:tabLst/>
-              <a:defRPr/>
-            </a:pPr>
-            <a:r>
-              <a:rPr kumimoji="0" lang="en-US" sz="4400" b="0" i="0" u="none" strike="noStrike" kern="1200" cap="none" spc="0" normalizeH="0" baseline="0" noProof="0" smtClean="0">
-                <a:ln>
-                  <a:noFill/>
-                </a:ln>
-                <a:solidFill>
-                  <a:schemeClr val="tx1"/>
-                </a:solidFill>
-                <a:effectLst/>
-                <a:uLnTx/>
-                <a:uFillTx/>
-                <a:latin typeface="+mj-lt"/>
-                <a:ea typeface="+mj-ea"/>
-                <a:cs typeface="+mj-cs"/>
-              </a:rPr>
-              <a:t>Pilot</a:t>
-            </a:r>
-            <a:r>
-              <a:rPr kumimoji="0" lang="en-US" sz="4400" b="0" i="0" u="none" strike="noStrike" kern="1200" cap="none" spc="0" normalizeH="0" noProof="0" smtClean="0">
-                <a:ln>
-                  <a:noFill/>
-                </a:ln>
-                <a:solidFill>
-                  <a:schemeClr val="tx1"/>
-                </a:solidFill>
-                <a:effectLst/>
-                <a:uLnTx/>
-                <a:uFillTx/>
-                <a:latin typeface="+mj-lt"/>
-                <a:ea typeface="+mj-ea"/>
-                <a:cs typeface="+mj-cs"/>
-              </a:rPr>
-              <a:t> / AutoPilot</a:t>
-            </a:r>
-            <a:r>
-              <a:rPr kumimoji="0" lang="en-US" sz="4400" b="0" i="0" u="none" strike="noStrike" kern="1200" cap="none" spc="0" normalizeH="0" baseline="0" noProof="0" smtClean="0">
-                <a:ln>
-                  <a:noFill/>
-                </a:ln>
-                <a:solidFill>
-                  <a:schemeClr val="tx1"/>
-                </a:solidFill>
-                <a:effectLst/>
-                <a:uLnTx/>
-                <a:uFillTx/>
-                <a:latin typeface="+mj-lt"/>
-                <a:ea typeface="+mj-ea"/>
-                <a:cs typeface="+mj-cs"/>
-              </a:rPr>
-              <a:t/>
-            </a:r>
-            <a:br>
-              <a:rPr kumimoji="0" lang="en-US" sz="4400" b="0" i="0" u="none" strike="noStrike" kern="1200" cap="none" spc="0" normalizeH="0" baseline="0" noProof="0" smtClean="0">
-                <a:ln>
-                  <a:noFill/>
-                </a:ln>
-                <a:solidFill>
-                  <a:schemeClr val="tx1"/>
-                </a:solidFill>
-                <a:effectLst/>
-                <a:uLnTx/>
-                <a:uFillTx/>
-                <a:latin typeface="+mj-lt"/>
-                <a:ea typeface="+mj-ea"/>
-                <a:cs typeface="+mj-cs"/>
-              </a:rPr>
-            </a:br>
-            <a:r>
-              <a:rPr kumimoji="0" lang="en-US" sz="2400" b="0" i="0" u="none" strike="noStrike" kern="1200" cap="none" spc="0" normalizeH="0" baseline="0" noProof="0" smtClean="0">
-                <a:ln>
-                  <a:noFill/>
-                </a:ln>
-                <a:solidFill>
-                  <a:schemeClr val="tx1"/>
-                </a:solidFill>
-                <a:effectLst/>
-                <a:uLnTx/>
-                <a:uFillTx/>
-                <a:latin typeface="+mj-lt"/>
-                <a:ea typeface="+mj-ea"/>
-                <a:cs typeface="+mj-cs"/>
-              </a:rPr>
-              <a:t>(Not associated with a DynamicModel)</a:t>
-            </a:r>
-            <a:endParaRPr kumimoji="0" lang="en-US" sz="4400" b="0" i="0" u="none" strike="noStrike" kern="1200" cap="none" spc="0" normalizeH="0" baseline="0" noProof="0">
-              <a:ln>
-                <a:noFill/>
-              </a:ln>
-              <a:solidFill>
-                <a:schemeClr val="tx1"/>
-              </a:solidFill>
-              <a:effectLst/>
-              <a:uLnTx/>
-              <a:uFillTx/>
-              <a:latin typeface="+mj-lt"/>
-              <a:ea typeface="+mj-ea"/>
-              <a:cs typeface="+mj-cs"/>
-            </a:endParaRPr>
+            <a:r>
+              <a:rPr lang="en-US" sz="2000" dirty="0" smtClean="0"/>
+              <a:t>Player may or may not have an attached dynamics model</a:t>
+            </a:r>
+          </a:p>
+          <a:p>
+            <a:r>
+              <a:rPr lang="en-US" sz="2000" dirty="0" smtClean="0"/>
+              <a:t>If attached, then stick and throttle inputs are forwarded to the dynamics model – </a:t>
+            </a:r>
+            <a:r>
+              <a:rPr lang="en-US" sz="2000" b="1" dirty="0" smtClean="0"/>
+              <a:t>some dynamics models do not include an autopilot!</a:t>
+            </a:r>
+          </a:p>
+          <a:p>
+            <a:r>
+              <a:rPr lang="en-US" sz="2000" dirty="0" smtClean="0"/>
+              <a:t>If overridden in subclass, subclass will receive inputs</a:t>
+            </a:r>
+          </a:p>
+        </p:txBody>
+      </p:sp>
+      <p:pic>
+        <p:nvPicPr>
+          <p:cNvPr id="5" name="Picture 2" descr="C:\Users\me\AppData\Local\Microsoft\Windows\Temporary Internet Files\Content.IE5\PUXV0NF7\MC900433959[1].png"/>
+          <p:cNvPicPr>
+            <a:picLocks noChangeAspect="1" noChangeArrowheads="1"/>
+          </p:cNvPicPr>
+          <p:nvPr/>
+        </p:nvPicPr>
+        <p:blipFill>
+          <a:blip r:embed="rId2" cstate="print"/>
+          <a:srcRect/>
+          <a:stretch>
+            <a:fillRect/>
+          </a:stretch>
+        </p:blipFill>
+        <p:spPr bwMode="auto">
+          <a:xfrm flipH="1">
+            <a:off x="1828800" y="3200400"/>
+            <a:ext cx="609600" cy="609600"/>
+          </a:xfrm>
+          <a:prstGeom prst="rect">
+            <a:avLst/>
+          </a:prstGeom>
+          <a:noFill/>
+        </p:spPr>
+      </p:pic>
+      <p:cxnSp>
+        <p:nvCxnSpPr>
+          <p:cNvPr id="6" name="Straight Arrow Connector 5"/>
+          <p:cNvCxnSpPr/>
+          <p:nvPr/>
+        </p:nvCxnSpPr>
+        <p:spPr>
+          <a:xfrm>
+            <a:off x="2514600" y="3505200"/>
+            <a:ext cx="685800" cy="0"/>
+          </a:xfrm>
+          <a:prstGeom prst="straightConnector1">
+            <a:avLst/>
+          </a:prstGeom>
+          <a:ln w="28575">
+            <a:solidFill>
+              <a:srgbClr val="FF0000"/>
+            </a:solidFill>
+            <a:tailEnd type="arrow"/>
+          </a:ln>
+        </p:spPr>
+        <p:style>
+          <a:lnRef idx="1">
+            <a:schemeClr val="accent1"/>
+          </a:lnRef>
+          <a:fillRef idx="0">
+            <a:schemeClr val="accent1"/>
+          </a:fillRef>
+          <a:effectRef idx="0">
+            <a:schemeClr val="accent1"/>
+          </a:effectRef>
+          <a:fontRef idx="minor">
+            <a:schemeClr val="tx1"/>
+          </a:fontRef>
+        </p:style>
+      </p:cxnSp>
+      <p:pic>
+        <p:nvPicPr>
+          <p:cNvPr id="6148" name="Picture 4"/>
+          <p:cNvPicPr>
+            <a:picLocks noChangeAspect="1" noChangeArrowheads="1"/>
+          </p:cNvPicPr>
+          <p:nvPr/>
+        </p:nvPicPr>
+        <p:blipFill>
+          <a:blip r:embed="rId3" cstate="print"/>
+          <a:srcRect/>
+          <a:stretch>
+            <a:fillRect/>
+          </a:stretch>
+        </p:blipFill>
+        <p:spPr bwMode="auto">
+          <a:xfrm>
+            <a:off x="3352800" y="3276600"/>
+            <a:ext cx="3657600" cy="2295525"/>
+          </a:xfrm>
+          <a:prstGeom prst="rect">
+            <a:avLst/>
+          </a:prstGeom>
+          <a:noFill/>
+          <a:ln w="9525">
+            <a:noFill/>
+            <a:miter lim="800000"/>
+            <a:headEnd/>
+            <a:tailEnd/>
+          </a:ln>
+        </p:spPr>
+      </p:pic>
+      <p:cxnSp>
+        <p:nvCxnSpPr>
+          <p:cNvPr id="11" name="Straight Arrow Connector 10"/>
+          <p:cNvCxnSpPr/>
+          <p:nvPr/>
+        </p:nvCxnSpPr>
+        <p:spPr>
+          <a:xfrm>
+            <a:off x="4038600" y="3962400"/>
+            <a:ext cx="685800" cy="990600"/>
+          </a:xfrm>
+          <a:prstGeom prst="straightConnector1">
+            <a:avLst/>
+          </a:prstGeom>
+          <a:ln w="28575">
+            <a:solidFill>
+              <a:srgbClr val="FF0000"/>
+            </a:solidFill>
+            <a:tailEnd type="arrow"/>
+          </a:ln>
+        </p:spPr>
+        <p:style>
+          <a:lnRef idx="1">
+            <a:schemeClr val="accent1"/>
+          </a:lnRef>
+          <a:fillRef idx="0">
+            <a:schemeClr val="accent1"/>
+          </a:fillRef>
+          <a:effectRef idx="0">
+            <a:schemeClr val="accent1"/>
+          </a:effectRef>
+          <a:fontRef idx="minor">
+            <a:schemeClr val="tx1"/>
+          </a:fontRef>
+        </p:style>
+      </p:cxnSp>
+      <p:cxnSp>
+        <p:nvCxnSpPr>
+          <p:cNvPr id="8" name="Straight Arrow Connector 7"/>
+          <p:cNvCxnSpPr/>
+          <p:nvPr/>
+        </p:nvCxnSpPr>
+        <p:spPr>
+          <a:xfrm flipH="1" flipV="1">
+            <a:off x="7086600" y="5410200"/>
+            <a:ext cx="533400" cy="457200"/>
+          </a:xfrm>
+          <a:prstGeom prst="straightConnector1">
+            <a:avLst/>
+          </a:prstGeom>
+          <a:ln w="28575">
+            <a:solidFill>
+              <a:srgbClr val="FF0000"/>
+            </a:solidFill>
+            <a:tailEnd type="arrow"/>
+          </a:ln>
+        </p:spPr>
+        <p:style>
+          <a:lnRef idx="1">
+            <a:schemeClr val="accent1"/>
+          </a:lnRef>
+          <a:fillRef idx="0">
+            <a:schemeClr val="accent1"/>
+          </a:fillRef>
+          <a:effectRef idx="0">
+            <a:schemeClr val="accent1"/>
+          </a:effectRef>
+          <a:fontRef idx="minor">
+            <a:schemeClr val="tx1"/>
+          </a:fontRef>
+        </p:style>
+      </p:cxnSp>
+      <p:cxnSp>
+        <p:nvCxnSpPr>
+          <p:cNvPr id="13" name="Straight Arrow Connector 12"/>
+          <p:cNvCxnSpPr/>
+          <p:nvPr/>
+        </p:nvCxnSpPr>
+        <p:spPr>
+          <a:xfrm flipV="1">
+            <a:off x="3657600" y="5410200"/>
+            <a:ext cx="914400" cy="457200"/>
+          </a:xfrm>
+          <a:prstGeom prst="straightConnector1">
+            <a:avLst/>
+          </a:prstGeom>
+          <a:ln w="28575">
+            <a:solidFill>
+              <a:srgbClr val="FF0000"/>
+            </a:solidFill>
+            <a:tailEnd type="arrow"/>
+          </a:ln>
+        </p:spPr>
+        <p:style>
+          <a:lnRef idx="1">
+            <a:schemeClr val="accent1"/>
+          </a:lnRef>
+          <a:fillRef idx="0">
+            <a:schemeClr val="accent1"/>
+          </a:fillRef>
+          <a:effectRef idx="0">
+            <a:schemeClr val="accent1"/>
+          </a:effectRef>
+          <a:fontRef idx="minor">
+            <a:schemeClr val="tx1"/>
+          </a:fontRef>
+        </p:style>
+      </p:cxnSp>
+      <p:sp>
+        <p:nvSpPr>
+          <p:cNvPr id="15" name="TextBox 14"/>
+          <p:cNvSpPr txBox="1"/>
+          <p:nvPr/>
+        </p:nvSpPr>
+        <p:spPr>
+          <a:xfrm>
+            <a:off x="2133600" y="5867400"/>
+            <a:ext cx="2667000" cy="584775"/>
+          </a:xfrm>
+          <a:prstGeom prst="rect">
+            <a:avLst/>
+          </a:prstGeom>
+          <a:noFill/>
+        </p:spPr>
+        <p:txBody>
+          <a:bodyPr wrap="square" rtlCol="0">
+            <a:spAutoFit/>
+          </a:bodyPr>
+          <a:lstStyle/>
+          <a:p>
+            <a:pPr algn="ctr"/>
+            <a:r>
+              <a:rPr lang="en-US" sz="1600" smtClean="0"/>
+              <a:t>May or may not include autopilot</a:t>
+            </a:r>
+            <a:endParaRPr lang="en-US" sz="1600" dirty="0"/>
+          </a:p>
+        </p:txBody>
+      </p:sp>
+      <p:sp>
+        <p:nvSpPr>
+          <p:cNvPr id="16" name="TextBox 15"/>
+          <p:cNvSpPr txBox="1"/>
+          <p:nvPr/>
+        </p:nvSpPr>
+        <p:spPr>
+          <a:xfrm>
+            <a:off x="6553200" y="5867400"/>
+            <a:ext cx="2133600" cy="338554"/>
+          </a:xfrm>
+          <a:prstGeom prst="rect">
+            <a:avLst/>
+          </a:prstGeom>
+          <a:noFill/>
+        </p:spPr>
+        <p:txBody>
+          <a:bodyPr wrap="square" rtlCol="0">
+            <a:spAutoFit/>
+          </a:bodyPr>
+          <a:lstStyle/>
+          <a:p>
+            <a:pPr algn="ctr"/>
+            <a:r>
+              <a:rPr lang="en-US" sz="1600" smtClean="0"/>
+              <a:t>Includes an autopilot</a:t>
+            </a:r>
+            <a:endParaRPr lang="en-US" sz="1600"/>
           </a:p>
         </p:txBody>
       </p:sp>
@@ -5943,194 +6142,162 @@
       </p:grpSpPr>
       <p:sp>
         <p:nvSpPr>
-          <p:cNvPr id="2" name="Title 1"/>
-          <p:cNvSpPr>
-            <a:spLocks noGrp="1"/>
-          </p:cNvSpPr>
-          <p:nvPr>
-            <p:ph type="title"/>
-          </p:nvPr>
-        </p:nvSpPr>
-        <p:spPr/>
-        <p:txBody>
-          <a:bodyPr>
+          <p:cNvPr id="6" name="Title 3"/>
+          <p:cNvSpPr txBox="1">
+            <a:spLocks/>
+          </p:cNvSpPr>
+          <p:nvPr/>
+        </p:nvSpPr>
+        <p:spPr>
+          <a:xfrm>
+            <a:off x="0" y="2514600"/>
+            <a:ext cx="9144000" cy="1219200"/>
+          </a:xfrm>
+          <a:prstGeom prst="rect">
+            <a:avLst/>
+          </a:prstGeom>
+        </p:spPr>
+        <p:txBody>
+          <a:bodyPr vert="horz" lIns="91440" tIns="45720" rIns="91440" bIns="45720" rtlCol="0" anchor="ctr">
             <a:normAutofit/>
           </a:bodyPr>
           <a:lstStyle/>
           <a:p>
-            <a:r>
-              <a:rPr lang="en-US" smtClean="0"/>
-              <a:t>Composite Structure</a:t>
-            </a:r>
-            <a:endParaRPr lang="en-US" sz="4000"/>
-          </a:p>
-        </p:txBody>
-      </p:sp>
-      <p:sp>
-        <p:nvSpPr>
-          <p:cNvPr id="10" name="Content Placeholder 2"/>
-          <p:cNvSpPr>
-            <a:spLocks noGrp="1"/>
-          </p:cNvSpPr>
-          <p:nvPr>
-            <p:ph idx="1"/>
-          </p:nvPr>
-        </p:nvSpPr>
-        <p:spPr>
-          <a:xfrm>
-            <a:off x="457200" y="1447801"/>
-            <a:ext cx="8229600" cy="609600"/>
-          </a:xfrm>
-        </p:spPr>
-        <p:txBody>
-          <a:bodyPr>
-            <a:normAutofit/>
-          </a:bodyPr>
-          <a:lstStyle/>
-          <a:p>
-            <a:r>
-              <a:rPr lang="en-US" sz="2400" smtClean="0"/>
-              <a:t>General purpose interface to those sub-systems</a:t>
-            </a:r>
-            <a:endParaRPr lang="en-US" sz="2400"/>
-          </a:p>
-        </p:txBody>
-      </p:sp>
-      <p:sp>
-        <p:nvSpPr>
-          <p:cNvPr id="11" name="TextBox 10"/>
-          <p:cNvSpPr txBox="1"/>
-          <p:nvPr/>
-        </p:nvSpPr>
-        <p:spPr>
-          <a:xfrm>
-            <a:off x="0" y="5181600"/>
-            <a:ext cx="9144000" cy="338554"/>
-          </a:xfrm>
-          <a:prstGeom prst="rect">
-            <a:avLst/>
-          </a:prstGeom>
-          <a:noFill/>
-        </p:spPr>
-        <p:txBody>
-          <a:bodyPr wrap="square" rtlCol="0">
-            <a:spAutoFit/>
-          </a:bodyPr>
-          <a:lstStyle/>
-          <a:p>
-            <a:pPr algn="ctr"/>
-            <a:r>
-              <a:rPr lang="en-US" sz="1600" b="1" smtClean="0"/>
-              <a:t>from Player.h</a:t>
-            </a:r>
-            <a:endParaRPr lang="en-US" sz="1600" b="1"/>
-          </a:p>
-        </p:txBody>
-      </p:sp>
-      <p:pic>
-        <p:nvPicPr>
-          <p:cNvPr id="1027" name="Picture 3"/>
-          <p:cNvPicPr>
-            <a:picLocks noChangeAspect="1" noChangeArrowheads="1"/>
-          </p:cNvPicPr>
-          <p:nvPr/>
-        </p:nvPicPr>
-        <p:blipFill>
-          <a:blip r:embed="rId2" cstate="print"/>
-          <a:srcRect/>
-          <a:stretch>
-            <a:fillRect/>
-          </a:stretch>
-        </p:blipFill>
-        <p:spPr bwMode="auto">
-          <a:xfrm>
-            <a:off x="1447800" y="2362200"/>
-            <a:ext cx="6257925" cy="2609850"/>
-          </a:xfrm>
-          <a:prstGeom prst="rect">
-            <a:avLst/>
-          </a:prstGeom>
-          <a:noFill/>
-          <a:ln w="9525">
-            <a:noFill/>
-            <a:miter lim="800000"/>
-            <a:headEnd/>
-            <a:tailEnd/>
-          </a:ln>
-        </p:spPr>
-      </p:pic>
-      <p:cxnSp>
-        <p:nvCxnSpPr>
-          <p:cNvPr id="16" name="Straight Arrow Connector 15"/>
-          <p:cNvCxnSpPr/>
-          <p:nvPr/>
-        </p:nvCxnSpPr>
-        <p:spPr>
-          <a:xfrm flipV="1">
-            <a:off x="1219200" y="3429000"/>
-            <a:ext cx="381000" cy="76200"/>
-          </a:xfrm>
-          <a:prstGeom prst="straightConnector1">
-            <a:avLst/>
-          </a:prstGeom>
-          <a:ln w="28575">
-            <a:solidFill>
-              <a:srgbClr val="FF0000"/>
-            </a:solidFill>
-            <a:tailEnd type="arrow"/>
-          </a:ln>
-        </p:spPr>
-        <p:style>
-          <a:lnRef idx="1">
-            <a:schemeClr val="accent1"/>
-          </a:lnRef>
-          <a:fillRef idx="0">
-            <a:schemeClr val="accent1"/>
-          </a:fillRef>
-          <a:effectRef idx="0">
-            <a:schemeClr val="accent1"/>
-          </a:effectRef>
-          <a:fontRef idx="minor">
-            <a:schemeClr val="tx1"/>
-          </a:fontRef>
-        </p:style>
-      </p:cxnSp>
-      <p:cxnSp>
-        <p:nvCxnSpPr>
-          <p:cNvPr id="7" name="Straight Arrow Connector 6"/>
-          <p:cNvCxnSpPr/>
-          <p:nvPr/>
-        </p:nvCxnSpPr>
-        <p:spPr>
-          <a:xfrm flipV="1">
-            <a:off x="1219200" y="3733800"/>
-            <a:ext cx="381000" cy="76200"/>
-          </a:xfrm>
-          <a:prstGeom prst="straightConnector1">
-            <a:avLst/>
-          </a:prstGeom>
-          <a:ln w="28575">
-            <a:solidFill>
-              <a:srgbClr val="FF0000"/>
-            </a:solidFill>
-            <a:tailEnd type="arrow"/>
-          </a:ln>
-        </p:spPr>
-        <p:style>
-          <a:lnRef idx="1">
-            <a:schemeClr val="accent1"/>
-          </a:lnRef>
-          <a:fillRef idx="0">
-            <a:schemeClr val="accent1"/>
-          </a:fillRef>
-          <a:effectRef idx="0">
-            <a:schemeClr val="accent1"/>
-          </a:effectRef>
-          <a:fontRef idx="minor">
-            <a:schemeClr val="tx1"/>
-          </a:fontRef>
-        </p:style>
-      </p:cxnSp>
+            <a:pPr marL="0" marR="0" lvl="0" indent="0" algn="ctr" defTabSz="914400" rtl="0" eaLnBrk="1" fontAlgn="auto" latinLnBrk="0" hangingPunct="1">
+              <a:lnSpc>
+                <a:spcPct val="100000"/>
+              </a:lnSpc>
+              <a:spcBef>
+                <a:spcPct val="0"/>
+              </a:spcBef>
+              <a:spcAft>
+                <a:spcPts val="0"/>
+              </a:spcAft>
+              <a:buClrTx/>
+              <a:buSzTx/>
+              <a:buFontTx/>
+              <a:buNone/>
+              <a:tabLst/>
+              <a:defRPr/>
+            </a:pPr>
+            <a:r>
+              <a:rPr kumimoji="0" lang="en-US" sz="4400" b="0" i="0" u="none" strike="noStrike" kern="1200" cap="none" spc="0" normalizeH="0" baseline="0" noProof="0" dirty="0" smtClean="0">
+                <a:ln>
+                  <a:noFill/>
+                </a:ln>
+                <a:solidFill>
+                  <a:schemeClr val="tx1"/>
+                </a:solidFill>
+                <a:effectLst/>
+                <a:uLnTx/>
+                <a:uFillTx/>
+                <a:latin typeface="+mj-lt"/>
+                <a:ea typeface="+mj-ea"/>
+                <a:cs typeface="+mj-cs"/>
+              </a:rPr>
+              <a:t>Pilot</a:t>
+            </a:r>
+            <a:r>
+              <a:rPr kumimoji="0" lang="en-US" sz="4400" b="0" i="0" u="none" strike="noStrike" kern="1200" cap="none" spc="0" normalizeH="0" baseline="0" noProof="0" dirty="0" smtClean="0">
+                <a:ln>
+                  <a:noFill/>
+                </a:ln>
+                <a:solidFill>
+                  <a:schemeClr val="tx1"/>
+                </a:solidFill>
+                <a:effectLst/>
+                <a:uLnTx/>
+                <a:uFillTx/>
+                <a:latin typeface="+mj-lt"/>
+                <a:ea typeface="+mj-ea"/>
+                <a:cs typeface="+mj-cs"/>
+              </a:rPr>
+              <a:t/>
+            </a:r>
+            <a:br>
+              <a:rPr kumimoji="0" lang="en-US" sz="4400" b="0" i="0" u="none" strike="noStrike" kern="1200" cap="none" spc="0" normalizeH="0" baseline="0" noProof="0" dirty="0" smtClean="0">
+                <a:ln>
+                  <a:noFill/>
+                </a:ln>
+                <a:solidFill>
+                  <a:schemeClr val="tx1"/>
+                </a:solidFill>
+                <a:effectLst/>
+                <a:uLnTx/>
+                <a:uFillTx/>
+                <a:latin typeface="+mj-lt"/>
+                <a:ea typeface="+mj-ea"/>
+                <a:cs typeface="+mj-cs"/>
+              </a:rPr>
+            </a:br>
+            <a:r>
+              <a:rPr kumimoji="0" lang="en-US" sz="2400" b="0" i="0" u="none" strike="noStrike" kern="1200" cap="none" spc="0" normalizeH="0" baseline="0" noProof="0" dirty="0" smtClean="0">
+                <a:ln>
+                  <a:noFill/>
+                </a:ln>
+                <a:solidFill>
+                  <a:schemeClr val="tx1"/>
+                </a:solidFill>
+                <a:effectLst/>
+                <a:uLnTx/>
+                <a:uFillTx/>
+                <a:latin typeface="+mj-lt"/>
+                <a:ea typeface="+mj-ea"/>
+                <a:cs typeface="+mj-cs"/>
+              </a:rPr>
+              <a:t>(Not associated with a </a:t>
+            </a:r>
+            <a:r>
+              <a:rPr kumimoji="0" lang="en-US" sz="2400" b="0" i="0" u="none" strike="noStrike" kern="1200" cap="none" spc="0" normalizeH="0" baseline="0" noProof="0" dirty="0" err="1" smtClean="0">
+                <a:ln>
+                  <a:noFill/>
+                </a:ln>
+                <a:solidFill>
+                  <a:schemeClr val="tx1"/>
+                </a:solidFill>
+                <a:effectLst/>
+                <a:uLnTx/>
+                <a:uFillTx/>
+                <a:latin typeface="+mj-lt"/>
+                <a:ea typeface="+mj-ea"/>
+                <a:cs typeface="+mj-cs"/>
+              </a:rPr>
+              <a:t>DynamicsModel</a:t>
+            </a:r>
+            <a:r>
+              <a:rPr kumimoji="0" lang="en-US" sz="2400" b="0" i="0" u="none" strike="noStrike" kern="1200" cap="none" spc="0" normalizeH="0" baseline="0" noProof="0" dirty="0" smtClean="0">
+                <a:ln>
+                  <a:noFill/>
+                </a:ln>
+                <a:solidFill>
+                  <a:schemeClr val="tx1"/>
+                </a:solidFill>
+                <a:effectLst/>
+                <a:uLnTx/>
+                <a:uFillTx/>
+                <a:latin typeface="+mj-lt"/>
+                <a:ea typeface="+mj-ea"/>
+                <a:cs typeface="+mj-cs"/>
+              </a:rPr>
+              <a:t>)</a:t>
+            </a:r>
+            <a:endParaRPr kumimoji="0" lang="en-US" sz="4400" b="0" i="0" u="none" strike="noStrike" kern="1200" cap="none" spc="0" normalizeH="0" baseline="0" noProof="0" dirty="0">
+              <a:ln>
+                <a:noFill/>
+              </a:ln>
+              <a:solidFill>
+                <a:schemeClr val="tx1"/>
+              </a:solidFill>
+              <a:effectLst/>
+              <a:uLnTx/>
+              <a:uFillTx/>
+              <a:latin typeface="+mj-lt"/>
+              <a:ea typeface="+mj-ea"/>
+              <a:cs typeface="+mj-cs"/>
+            </a:endParaRPr>
+          </a:p>
+        </p:txBody>
+      </p:sp>
     </p:spTree>
   </p:cSld>
   <p:clrMapOvr>
@@ -6175,20 +6342,22 @@
         </p:nvSpPr>
         <p:spPr/>
         <p:txBody>
-          <a:bodyPr/>
+          <a:bodyPr>
+            <a:normAutofit/>
+          </a:bodyPr>
           <a:lstStyle/>
           <a:p>
             <a:r>
               <a:rPr lang="en-US" smtClean="0"/>
-              <a:t>Pilot / AutoPilot</a:t>
-            </a:r>
-            <a:endParaRPr lang="en-US"/>
-          </a:p>
-        </p:txBody>
-      </p:sp>
-      <p:sp>
-        <p:nvSpPr>
-          <p:cNvPr id="3" name="Content Placeholder 2"/>
+              <a:t>Composite Structure</a:t>
+            </a:r>
+            <a:endParaRPr lang="en-US" sz="4000"/>
+          </a:p>
+        </p:txBody>
+      </p:sp>
+      <p:sp>
+        <p:nvSpPr>
+          <p:cNvPr id="10" name="Content Placeholder 2"/>
           <p:cNvSpPr>
             <a:spLocks noGrp="1"/>
           </p:cNvSpPr>
@@ -6196,7 +6365,12 @@
             <p:ph idx="1"/>
           </p:nvPr>
         </p:nvSpPr>
-        <p:spPr/>
+        <p:spPr>
+          <a:xfrm>
+            <a:off x="457200" y="1447801"/>
+            <a:ext cx="8229600" cy="609600"/>
+          </a:xfrm>
+        </p:spPr>
         <p:txBody>
           <a:bodyPr>
             <a:normAutofit/>
@@ -6205,20 +6379,46 @@
           <a:p>
             <a:r>
               <a:rPr lang="en-US" sz="2400" smtClean="0"/>
-              <a:t>NOT part of DynamicsModel!</a:t>
-            </a:r>
-          </a:p>
-          <a:p>
-            <a:r>
-              <a:rPr lang="en-US" sz="2400" smtClean="0"/>
-              <a:t>Provides “higher level” functions than a dynamics model autopilot</a:t>
-            </a:r>
+              <a:t>General purpose interface to those sub-systems</a:t>
+            </a:r>
+            <a:endParaRPr lang="en-US" sz="2400"/>
+          </a:p>
+        </p:txBody>
+      </p:sp>
+      <p:sp>
+        <p:nvSpPr>
+          <p:cNvPr id="11" name="TextBox 10"/>
+          <p:cNvSpPr txBox="1"/>
+          <p:nvPr/>
+        </p:nvSpPr>
+        <p:spPr>
+          <a:xfrm>
+            <a:off x="0" y="5181600"/>
+            <a:ext cx="9144000" cy="338554"/>
+          </a:xfrm>
+          <a:prstGeom prst="rect">
+            <a:avLst/>
+          </a:prstGeom>
+          <a:noFill/>
+        </p:spPr>
+        <p:txBody>
+          <a:bodyPr wrap="square" rtlCol="0">
+            <a:spAutoFit/>
+          </a:bodyPr>
+          <a:lstStyle/>
+          <a:p>
+            <a:pPr algn="ctr"/>
+            <a:r>
+              <a:rPr lang="en-US" sz="1600" b="1" smtClean="0"/>
+              <a:t>from Player.h</a:t>
+            </a:r>
+            <a:endParaRPr lang="en-US" sz="1600" b="1"/>
           </a:p>
         </p:txBody>
       </p:sp>
       <p:pic>
         <p:nvPicPr>
-          <p:cNvPr id="9218" name="Picture 2"/>
+          <p:cNvPr id="1027" name="Picture 3"/>
           <p:cNvPicPr>
             <a:picLocks noChangeAspect="1" noChangeArrowheads="1"/>
           </p:cNvPicPr>
@@ -6233,8 +6433,8 @@
         </p:blipFill>
         <p:spPr bwMode="auto">
           <a:xfrm>
-            <a:off x="914400" y="2895600"/>
-            <a:ext cx="1152525" cy="3133725"/>
+            <a:off x="1447800" y="2362200"/>
+            <a:ext cx="6257925" cy="2609850"/>
           </a:xfrm>
           <a:prstGeom prst="rect">
             <a:avLst/>
@@ -6248,53 +6448,21 @@
           </a:ln>
         </p:spPr>
       </p:pic>
-      <p:pic>
-        <p:nvPicPr>
-          <p:cNvPr id="9220" name="Picture 4"/>
-          <p:cNvPicPr>
-            <a:picLocks noChangeAspect="1" noChangeArrowheads="1"/>
-          </p:cNvPicPr>
-          <p:nvPr/>
-        </p:nvPicPr>
-        <p:blipFill>
-          <a:blip r:embed="rId3" cstate="print"/>
-          <a:srcRect/>
-          <a:stretch>
-            <a:fillRect/>
-          </a:stretch>
-        </p:blipFill>
-        <p:spPr bwMode="auto">
-          <a:xfrm>
-            <a:off x="2438400" y="2971800"/>
-            <a:ext cx="6153150" cy="2914650"/>
-          </a:xfrm>
-          <a:prstGeom prst="rect">
-            <a:avLst/>
-          </a:prstGeom>
-          <a:noFill/>
-          <a:ln w="9525">
-            <a:noFill/>
-            <a:miter lim="800000"/>
-            <a:headEnd/>
-            <a:tailEnd/>
-          </a:ln>
-        </p:spPr>
-      </p:pic>
       <p:cxnSp>
         <p:nvCxnSpPr>
-          <p:cNvPr id="7" name="Straight Arrow Connector 6"/>
+          <p:cNvPr id="16" name="Straight Arrow Connector 15"/>
           <p:cNvCxnSpPr/>
           <p:nvPr/>
         </p:nvCxnSpPr>
         <p:spPr>
-          <a:xfrm flipH="1" flipV="1">
-            <a:off x="5029200" y="5638800"/>
-            <a:ext cx="609600" cy="76200"/>
+          <a:xfrm flipV="1">
+            <a:off x="1219200" y="3429000"/>
+            <a:ext cx="381000" cy="76200"/>
           </a:xfrm>
           <a:prstGeom prst="straightConnector1">
             <a:avLst/>
           </a:prstGeom>
-          <a:ln w="22225">
+          <a:ln w="28575">
             <a:solidFill>
               <a:srgbClr val="FF0000"/>
             </a:solidFill>
@@ -6316,36 +6484,42 @@
           </a:fontRef>
         </p:style>
       </p:cxnSp>
-      <p:sp>
-        <p:nvSpPr>
-          <p:cNvPr id="8" name="TextBox 7"/>
-          <p:cNvSpPr txBox="1"/>
-          <p:nvPr/>
-        </p:nvSpPr>
+      <p:cxnSp>
+        <p:nvCxnSpPr>
+          <p:cNvPr id="7" name="Straight Arrow Connector 6"/>
+          <p:cNvCxnSpPr/>
+          <p:nvPr/>
+        </p:nvCxnSpPr>
         <p:spPr>
-          <a:xfrm>
-            <a:off x="5638800" y="5486400"/>
-            <a:ext cx="2667000" cy="830997"/>
-          </a:xfrm>
-          <a:prstGeom prst="rect">
-            <a:avLst/>
-          </a:prstGeom>
-          <a:noFill/>
-        </p:spPr>
-        <p:txBody>
-          <a:bodyPr wrap="square" rtlCol="0">
-            <a:spAutoFit/>
-          </a:bodyPr>
-          <a:lstStyle/>
-          <a:p>
-            <a:r>
-              <a:rPr lang="en-US" sz="1600" smtClean="0"/>
-              <a:t>Base pilot class does nothing interesting, AutoPilot class adds functionality</a:t>
-            </a:r>
-            <a:endParaRPr lang="en-US" sz="1600"/>
-          </a:p>
-        </p:txBody>
-      </p:sp>
+          <a:xfrm flipV="1">
+            <a:off x="1219200" y="3733800"/>
+            <a:ext cx="381000" cy="76200"/>
+          </a:xfrm>
+          <a:prstGeom prst="straightConnector1">
+            <a:avLst/>
+          </a:prstGeom>
+          <a:ln w="28575">
+            <a:solidFill>
+              <a:srgbClr val="FF0000"/>
+            </a:solidFill>
+            <a:tailEnd type="arrow"/>
+          </a:ln>
+        </p:spPr>
+        <p:style>
+          <a:lnRef idx="1">
+            <a:schemeClr val="accent1"/>
+          </a:lnRef>
+          <a:fillRef idx="0">
+            <a:schemeClr val="accent1"/>
+          </a:fillRef>
+          <a:effectRef idx="0">
+            <a:schemeClr val="accent1"/>
+          </a:effectRef>
+          <a:fontRef idx="minor">
+            <a:schemeClr val="tx1"/>
+          </a:fontRef>
+        </p:style>
+      </p:cxnSp>
     </p:spTree>
   </p:cSld>
   <p:clrMapOvr>
@@ -6378,9 +6552,76 @@
           <a:chExt cx="0" cy="0"/>
         </a:xfrm>
       </p:grpSpPr>
+      <p:sp>
+        <p:nvSpPr>
+          <p:cNvPr id="2" name="Title 1"/>
+          <p:cNvSpPr>
+            <a:spLocks noGrp="1"/>
+          </p:cNvSpPr>
+          <p:nvPr>
+            <p:ph type="title"/>
+          </p:nvPr>
+        </p:nvSpPr>
+        <p:spPr/>
+        <p:txBody>
+          <a:bodyPr/>
+          <a:lstStyle/>
+          <a:p>
+            <a:r>
+              <a:rPr lang="en-US" dirty="0" smtClean="0"/>
+              <a:t>Pilot</a:t>
+            </a:r>
+            <a:endParaRPr lang="en-US" dirty="0"/>
+          </a:p>
+        </p:txBody>
+      </p:sp>
+      <p:sp>
+        <p:nvSpPr>
+          <p:cNvPr id="3" name="Content Placeholder 2"/>
+          <p:cNvSpPr>
+            <a:spLocks noGrp="1"/>
+          </p:cNvSpPr>
+          <p:nvPr>
+            <p:ph idx="1"/>
+          </p:nvPr>
+        </p:nvSpPr>
+        <p:spPr>
+          <a:xfrm>
+            <a:off x="457200" y="1447801"/>
+            <a:ext cx="8229600" cy="1143000"/>
+          </a:xfrm>
+        </p:spPr>
+        <p:txBody>
+          <a:bodyPr>
+            <a:normAutofit/>
+          </a:bodyPr>
+          <a:lstStyle/>
+          <a:p>
+            <a:r>
+              <a:rPr lang="en-US" sz="2400" dirty="0" smtClean="0"/>
+              <a:t>NOT part of </a:t>
+            </a:r>
+            <a:r>
+              <a:rPr lang="en-US" sz="2400" dirty="0" err="1" smtClean="0"/>
+              <a:t>DynamicsModel</a:t>
+            </a:r>
+            <a:r>
+              <a:rPr lang="en-US" sz="2400" dirty="0" smtClean="0"/>
+              <a:t>!</a:t>
+            </a:r>
+          </a:p>
+          <a:p>
+            <a:r>
+              <a:rPr lang="en-US" sz="2400" dirty="0" smtClean="0"/>
+              <a:t>General interface class to implement pilot decision logic</a:t>
+            </a:r>
+            <a:endParaRPr lang="en-US" sz="2400" dirty="0" smtClean="0"/>
+          </a:p>
+        </p:txBody>
+      </p:sp>
       <p:pic>
         <p:nvPicPr>
-          <p:cNvPr id="11267" name="Picture 3"/>
+          <p:cNvPr id="9218" name="Picture 2"/>
           <p:cNvPicPr>
             <a:picLocks noChangeAspect="1" noChangeArrowheads="1"/>
           </p:cNvPicPr>
@@ -6395,8 +6636,8 @@
         </p:blipFill>
         <p:spPr bwMode="auto">
           <a:xfrm>
-            <a:off x="914400" y="2590800"/>
-            <a:ext cx="7085575" cy="2438400"/>
+            <a:off x="838200" y="2590800"/>
+            <a:ext cx="1152525" cy="3133725"/>
           </a:xfrm>
           <a:prstGeom prst="rect">
             <a:avLst/>
@@ -6410,44 +6651,53 @@
           </a:ln>
         </p:spPr>
       </p:pic>
-      <p:sp>
-        <p:nvSpPr>
-          <p:cNvPr id="2" name="Title 1"/>
-          <p:cNvSpPr>
-            <a:spLocks noGrp="1"/>
-          </p:cNvSpPr>
-          <p:nvPr>
-            <p:ph type="title"/>
-          </p:nvPr>
-        </p:nvSpPr>
-        <p:spPr/>
-        <p:txBody>
-          <a:bodyPr/>
-          <a:lstStyle/>
-          <a:p>
-            <a:r>
-              <a:rPr lang="en-US" smtClean="0"/>
-              <a:t>Pilot / AutoPilot</a:t>
-            </a:r>
-            <a:endParaRPr lang="en-US"/>
-          </a:p>
-        </p:txBody>
-      </p:sp>
+      <p:pic>
+        <p:nvPicPr>
+          <p:cNvPr id="9220" name="Picture 4"/>
+          <p:cNvPicPr>
+            <a:picLocks noChangeAspect="1" noChangeArrowheads="1"/>
+          </p:cNvPicPr>
+          <p:nvPr/>
+        </p:nvPicPr>
+        <p:blipFill>
+          <a:blip r:embed="rId3" cstate="print"/>
+          <a:srcRect/>
+          <a:stretch>
+            <a:fillRect/>
+          </a:stretch>
+        </p:blipFill>
+        <p:spPr bwMode="auto">
+          <a:xfrm>
+            <a:off x="2362200" y="2667000"/>
+            <a:ext cx="6153150" cy="2914650"/>
+          </a:xfrm>
+          <a:prstGeom prst="rect">
+            <a:avLst/>
+          </a:prstGeom>
+          <a:noFill/>
+          <a:ln w="9525">
+            <a:noFill/>
+            <a:miter lim="800000"/>
+            <a:headEnd/>
+            <a:tailEnd/>
+          </a:ln>
+        </p:spPr>
+      </p:pic>
       <p:cxnSp>
         <p:nvCxnSpPr>
-          <p:cNvPr id="5" name="Straight Arrow Connector 4"/>
+          <p:cNvPr id="7" name="Straight Arrow Connector 6"/>
           <p:cNvCxnSpPr/>
           <p:nvPr/>
         </p:nvCxnSpPr>
         <p:spPr>
-          <a:xfrm flipH="1">
-            <a:off x="2732443" y="3624431"/>
-            <a:ext cx="762000" cy="0"/>
+          <a:xfrm flipH="1" flipV="1">
+            <a:off x="4953000" y="5334000"/>
+            <a:ext cx="609600" cy="76200"/>
           </a:xfrm>
           <a:prstGeom prst="straightConnector1">
             <a:avLst/>
           </a:prstGeom>
-          <a:ln w="25400">
+          <a:ln w="22225">
             <a:solidFill>
               <a:srgbClr val="FF0000"/>
             </a:solidFill>
@@ -6471,14 +6721,14 @@
       </p:cxnSp>
       <p:sp>
         <p:nvSpPr>
-          <p:cNvPr id="6" name="TextBox 5"/>
+          <p:cNvPr id="8" name="TextBox 7"/>
           <p:cNvSpPr txBox="1"/>
           <p:nvPr/>
         </p:nvSpPr>
         <p:spPr>
           <a:xfrm>
-            <a:off x="3646843" y="3472031"/>
-            <a:ext cx="2525357" cy="338554"/>
+            <a:off x="5562600" y="5181600"/>
+            <a:ext cx="2667000" cy="830997"/>
           </a:xfrm>
           <a:prstGeom prst="rect">
             <a:avLst/>
@@ -6492,129 +6742,10 @@
           <a:lstStyle/>
           <a:p>
             <a:r>
-              <a:rPr lang="en-US" sz="1600" dirty="0" smtClean="0"/>
-              <a:t>Decision Making</a:t>
-            </a:r>
-            <a:endParaRPr lang="en-US" sz="1600" dirty="0"/>
-          </a:p>
-        </p:txBody>
-      </p:sp>
-      <p:sp>
-        <p:nvSpPr>
-          <p:cNvPr id="11" name="Right Brace 10"/>
-          <p:cNvSpPr/>
-          <p:nvPr/>
-        </p:nvSpPr>
-        <p:spPr>
-          <a:xfrm>
-            <a:off x="3124200" y="3886200"/>
-            <a:ext cx="381000" cy="533400"/>
-          </a:xfrm>
-          <a:prstGeom prst="rightBrace">
-            <a:avLst>
-              <a:gd name="adj1" fmla="val 16803"/>
-              <a:gd name="adj2" fmla="val 50000"/>
-            </a:avLst>
-          </a:prstGeom>
-          <a:ln w="25400">
-            <a:solidFill>
-              <a:srgbClr val="FF0000"/>
-            </a:solidFill>
-          </a:ln>
-        </p:spPr>
-        <p:style>
-          <a:lnRef idx="1">
-            <a:schemeClr val="accent1"/>
-          </a:lnRef>
-          <a:fillRef idx="0">
-            <a:schemeClr val="accent1"/>
-          </a:fillRef>
-          <a:effectRef idx="0">
-            <a:schemeClr val="accent1"/>
-          </a:effectRef>
-          <a:fontRef idx="minor">
-            <a:schemeClr val="tx1"/>
-          </a:fontRef>
-        </p:style>
-        <p:txBody>
-          <a:bodyPr rtlCol="0" anchor="ctr"/>
-          <a:lstStyle/>
-          <a:p>
-            <a:pPr algn="ctr"/>
-            <a:endParaRPr lang="en-US"/>
-          </a:p>
-        </p:txBody>
-      </p:sp>
-      <p:sp>
-        <p:nvSpPr>
-          <p:cNvPr id="12" name="TextBox 11"/>
-          <p:cNvSpPr txBox="1"/>
-          <p:nvPr/>
-        </p:nvSpPr>
-        <p:spPr>
-          <a:xfrm>
-            <a:off x="3657600" y="3962400"/>
-            <a:ext cx="3200400" cy="338554"/>
-          </a:xfrm>
-          <a:prstGeom prst="rect">
-            <a:avLst/>
-          </a:prstGeom>
-          <a:noFill/>
-        </p:spPr>
-        <p:txBody>
-          <a:bodyPr wrap="square" rtlCol="0">
-            <a:spAutoFit/>
-          </a:bodyPr>
-          <a:lstStyle/>
-          <a:p>
-            <a:r>
-              <a:rPr lang="en-US" sz="1600" dirty="0" smtClean="0"/>
-              <a:t>Control</a:t>
-            </a:r>
-            <a:endParaRPr lang="en-US" sz="1600" dirty="0"/>
-          </a:p>
-        </p:txBody>
-      </p:sp>
-      <p:sp>
-        <p:nvSpPr>
-          <p:cNvPr id="8" name="Content Placeholder 2"/>
-          <p:cNvSpPr>
-            <a:spLocks noGrp="1"/>
-          </p:cNvSpPr>
-          <p:nvPr>
-            <p:ph idx="1"/>
-          </p:nvPr>
-        </p:nvSpPr>
-        <p:spPr>
-          <a:xfrm>
-            <a:off x="457200" y="1447801"/>
-            <a:ext cx="8229600" cy="1066800"/>
-          </a:xfrm>
-        </p:spPr>
-        <p:txBody>
-          <a:bodyPr>
-            <a:normAutofit/>
-          </a:bodyPr>
-          <a:lstStyle/>
-          <a:p>
-            <a:r>
-              <a:rPr lang="en-US" sz="2400" smtClean="0"/>
-              <a:t>Defined Autopilot functionality called in each frame</a:t>
-            </a:r>
-          </a:p>
-          <a:p>
-            <a:r>
-              <a:rPr lang="en-US" sz="2400" smtClean="0"/>
-              <a:t>Remember “process” is 4</a:t>
-            </a:r>
-            <a:r>
-              <a:rPr lang="en-US" sz="2400" baseline="30000" smtClean="0"/>
-              <a:t>th</a:t>
-            </a:r>
-            <a:r>
-              <a:rPr lang="en-US" sz="2400" smtClean="0"/>
-              <a:t> phase in each frame</a:t>
-            </a:r>
+              <a:rPr lang="en-US" sz="1600" smtClean="0"/>
+              <a:t>Base pilot class does nothing interesting, AutoPilot class adds functionality</a:t>
+            </a:r>
+            <a:endParaRPr lang="en-US" sz="1600"/>
           </a:p>
         </p:txBody>
       </p:sp>
@@ -6650,32 +6781,9 @@
           <a:chExt cx="0" cy="0"/>
         </a:xfrm>
       </p:grpSpPr>
-      <p:sp>
-        <p:nvSpPr>
-          <p:cNvPr id="2" name="Title 1"/>
-          <p:cNvSpPr>
-            <a:spLocks noGrp="1"/>
-          </p:cNvSpPr>
-          <p:nvPr>
-            <p:ph type="title"/>
-          </p:nvPr>
-        </p:nvSpPr>
-        <p:spPr/>
-        <p:txBody>
-          <a:bodyPr/>
-          <a:lstStyle/>
-          <a:p>
-            <a:r>
-              <a:rPr lang="en-US" smtClean="0"/>
-              <a:t>Pilot / AutoPilot</a:t>
-            </a:r>
-            <a:endParaRPr lang="en-US"/>
-          </a:p>
-        </p:txBody>
-      </p:sp>
       <p:pic>
         <p:nvPicPr>
-          <p:cNvPr id="12290" name="Picture 2"/>
+          <p:cNvPr id="11267" name="Picture 3"/>
           <p:cNvPicPr>
             <a:picLocks noChangeAspect="1" noChangeArrowheads="1"/>
           </p:cNvPicPr>
@@ -6690,8 +6798,8 @@
         </p:blipFill>
         <p:spPr bwMode="auto">
           <a:xfrm>
-            <a:off x="1828800" y="1219200"/>
-            <a:ext cx="5581650" cy="5442975"/>
+            <a:off x="914400" y="3505200"/>
+            <a:ext cx="7085575" cy="2438400"/>
           </a:xfrm>
           <a:prstGeom prst="rect">
             <a:avLst/>
@@ -6705,21 +6813,44 @@
           </a:ln>
         </p:spPr>
       </p:pic>
+      <p:sp>
+        <p:nvSpPr>
+          <p:cNvPr id="2" name="Title 1"/>
+          <p:cNvSpPr>
+            <a:spLocks noGrp="1"/>
+          </p:cNvSpPr>
+          <p:nvPr>
+            <p:ph type="title"/>
+          </p:nvPr>
+        </p:nvSpPr>
+        <p:spPr/>
+        <p:txBody>
+          <a:bodyPr/>
+          <a:lstStyle/>
+          <a:p>
+            <a:r>
+              <a:rPr lang="en-US" dirty="0" err="1" smtClean="0"/>
+              <a:t>AutoPilot</a:t>
+            </a:r>
+            <a:endParaRPr lang="en-US" dirty="0"/>
+          </a:p>
+        </p:txBody>
+      </p:sp>
       <p:cxnSp>
         <p:nvCxnSpPr>
-          <p:cNvPr id="6" name="Straight Arrow Connector 5"/>
+          <p:cNvPr id="5" name="Straight Arrow Connector 4"/>
           <p:cNvCxnSpPr/>
           <p:nvPr/>
         </p:nvCxnSpPr>
         <p:spPr>
-          <a:xfrm flipH="1" flipV="1">
-            <a:off x="5029200" y="3200400"/>
-            <a:ext cx="1447800" cy="457200"/>
+          <a:xfrm flipH="1">
+            <a:off x="2732443" y="4538831"/>
+            <a:ext cx="762000" cy="0"/>
           </a:xfrm>
           <a:prstGeom prst="straightConnector1">
             <a:avLst/>
           </a:prstGeom>
-          <a:ln w="22225">
+          <a:ln w="25400">
             <a:solidFill>
               <a:srgbClr val="FF0000"/>
             </a:solidFill>
@@ -6741,25 +6872,57 @@
           </a:fontRef>
         </p:style>
       </p:cxnSp>
-      <p:cxnSp>
-        <p:nvCxnSpPr>
-          <p:cNvPr id="9" name="Straight Arrow Connector 8"/>
-          <p:cNvCxnSpPr/>
-          <p:nvPr/>
-        </p:nvCxnSpPr>
+      <p:sp>
+        <p:nvSpPr>
+          <p:cNvPr id="6" name="TextBox 5"/>
+          <p:cNvSpPr txBox="1"/>
+          <p:nvPr/>
+        </p:nvSpPr>
         <p:spPr>
-          <a:xfrm flipH="1">
-            <a:off x="4876800" y="3886200"/>
-            <a:ext cx="1600200" cy="0"/>
-          </a:xfrm>
-          <a:prstGeom prst="straightConnector1">
-            <a:avLst/>
-          </a:prstGeom>
-          <a:ln w="22225">
+          <a:xfrm>
+            <a:off x="3646843" y="4386431"/>
+            <a:ext cx="3515957" cy="338554"/>
+          </a:xfrm>
+          <a:prstGeom prst="rect">
+            <a:avLst/>
+          </a:prstGeom>
+          <a:noFill/>
+        </p:spPr>
+        <p:txBody>
+          <a:bodyPr wrap="square" rtlCol="0">
+            <a:spAutoFit/>
+          </a:bodyPr>
+          <a:lstStyle/>
+          <a:p>
+            <a:r>
+              <a:rPr lang="en-US" sz="1600" dirty="0" smtClean="0"/>
+              <a:t>Behavior</a:t>
+            </a:r>
+            <a:endParaRPr lang="en-US" sz="1600" dirty="0"/>
+          </a:p>
+        </p:txBody>
+      </p:sp>
+      <p:sp>
+        <p:nvSpPr>
+          <p:cNvPr id="11" name="Right Brace 10"/>
+          <p:cNvSpPr/>
+          <p:nvPr/>
+        </p:nvSpPr>
+        <p:spPr>
+          <a:xfrm>
+            <a:off x="3124200" y="4800600"/>
+            <a:ext cx="381000" cy="533400"/>
+          </a:xfrm>
+          <a:prstGeom prst="rightBrace">
+            <a:avLst>
+              <a:gd name="adj1" fmla="val 16803"/>
+              <a:gd name="adj2" fmla="val 50000"/>
+            </a:avLst>
+          </a:prstGeom>
+          <a:ln w="25400">
             <a:solidFill>
               <a:srgbClr val="FF0000"/>
             </a:solidFill>
-            <a:tailEnd type="arrow"/>
           </a:ln>
         </p:spPr>
         <p:style>
@@ -6776,89 +6939,25 @@
             <a:schemeClr val="tx1"/>
           </a:fontRef>
         </p:style>
-      </p:cxnSp>
-      <p:cxnSp>
-        <p:nvCxnSpPr>
-          <p:cNvPr id="11" name="Straight Arrow Connector 10"/>
-          <p:cNvCxnSpPr/>
-          <p:nvPr/>
-        </p:nvCxnSpPr>
+        <p:txBody>
+          <a:bodyPr rtlCol="0" anchor="ctr"/>
+          <a:lstStyle/>
+          <a:p>
+            <a:pPr algn="ctr"/>
+            <a:endParaRPr lang="en-US"/>
+          </a:p>
+        </p:txBody>
+      </p:sp>
+      <p:sp>
+        <p:nvSpPr>
+          <p:cNvPr id="12" name="TextBox 11"/>
+          <p:cNvSpPr txBox="1"/>
+          <p:nvPr/>
+        </p:nvSpPr>
         <p:spPr>
-          <a:xfrm flipH="1">
-            <a:off x="4800600" y="4191000"/>
-            <a:ext cx="1676400" cy="685800"/>
-          </a:xfrm>
-          <a:prstGeom prst="straightConnector1">
-            <a:avLst/>
-          </a:prstGeom>
-          <a:ln w="22225">
-            <a:solidFill>
-              <a:srgbClr val="FF0000"/>
-            </a:solidFill>
-            <a:tailEnd type="arrow"/>
-          </a:ln>
-        </p:spPr>
-        <p:style>
-          <a:lnRef idx="1">
-            <a:schemeClr val="accent1"/>
-          </a:lnRef>
-          <a:fillRef idx="0">
-            <a:schemeClr val="accent1"/>
-          </a:fillRef>
-          <a:effectRef idx="0">
-            <a:schemeClr val="accent1"/>
-          </a:effectRef>
-          <a:fontRef idx="minor">
-            <a:schemeClr val="tx1"/>
-          </a:fontRef>
-        </p:style>
-      </p:cxnSp>
-      <p:cxnSp>
-        <p:nvCxnSpPr>
-          <p:cNvPr id="13" name="Straight Arrow Connector 12"/>
-          <p:cNvCxnSpPr/>
-          <p:nvPr/>
-        </p:nvCxnSpPr>
-        <p:spPr>
-          <a:xfrm flipH="1">
-            <a:off x="4953000" y="4419600"/>
-            <a:ext cx="1524000" cy="1371600"/>
-          </a:xfrm>
-          <a:prstGeom prst="straightConnector1">
-            <a:avLst/>
-          </a:prstGeom>
-          <a:ln w="22225">
-            <a:solidFill>
-              <a:srgbClr val="FF0000"/>
-            </a:solidFill>
-            <a:tailEnd type="arrow"/>
-          </a:ln>
-        </p:spPr>
-        <p:style>
-          <a:lnRef idx="1">
-            <a:schemeClr val="accent1"/>
-          </a:lnRef>
-          <a:fillRef idx="0">
-            <a:schemeClr val="accent1"/>
-          </a:fillRef>
-          <a:effectRef idx="0">
-            <a:schemeClr val="accent1"/>
-          </a:effectRef>
-          <a:fontRef idx="minor">
-            <a:schemeClr val="tx1"/>
-          </a:fontRef>
-        </p:style>
-      </p:cxnSp>
-      <p:sp>
-        <p:nvSpPr>
-          <p:cNvPr id="15" name="TextBox 14"/>
-          <p:cNvSpPr txBox="1"/>
-          <p:nvPr/>
-        </p:nvSpPr>
-        <p:spPr>
-          <a:xfrm>
-            <a:off x="6553200" y="3505200"/>
-            <a:ext cx="1981200" cy="1077218"/>
+          <a:xfrm>
+            <a:off x="3657600" y="4876800"/>
+            <a:ext cx="3200400" cy="338554"/>
           </a:xfrm>
           <a:prstGeom prst="rect">
             <a:avLst/>
@@ -6873,15 +6972,88 @@
           <a:p>
             <a:r>
               <a:rPr lang="en-US" sz="1600" dirty="0" smtClean="0"/>
-              <a:t>Decision making, (e.g., follow routes,</a:t>
-            </a:r>
-          </a:p>
-          <a:p>
-            <a:r>
-              <a:rPr lang="en-US" sz="1600" dirty="0" smtClean="0"/>
-              <a:t>loiter, follow another player, etc)</a:t>
+              <a:t>Control</a:t>
             </a:r>
             <a:endParaRPr lang="en-US" sz="1600" dirty="0"/>
+          </a:p>
+        </p:txBody>
+      </p:sp>
+      <p:sp>
+        <p:nvSpPr>
+          <p:cNvPr id="8" name="Content Placeholder 2"/>
+          <p:cNvSpPr>
+            <a:spLocks noGrp="1"/>
+          </p:cNvSpPr>
+          <p:nvPr>
+            <p:ph idx="1"/>
+          </p:nvPr>
+        </p:nvSpPr>
+        <p:spPr>
+          <a:xfrm>
+            <a:off x="457200" y="1447800"/>
+            <a:ext cx="8229600" cy="1828800"/>
+          </a:xfrm>
+        </p:spPr>
+        <p:txBody>
+          <a:bodyPr>
+            <a:noAutofit/>
+          </a:bodyPr>
+          <a:lstStyle/>
+          <a:p>
+            <a:r>
+              <a:rPr lang="en-US" sz="2000" dirty="0" err="1" smtClean="0"/>
+              <a:t>AutoPilot</a:t>
+            </a:r>
+            <a:r>
+              <a:rPr lang="en-US" sz="2000" dirty="0" smtClean="0"/>
+              <a:t> </a:t>
+            </a:r>
+            <a:r>
+              <a:rPr lang="en-US" sz="2000" dirty="0" smtClean="0"/>
+              <a:t>complements the functionality of the </a:t>
+            </a:r>
+            <a:r>
+              <a:rPr lang="en-US" sz="2000" dirty="0" err="1" smtClean="0"/>
+              <a:t>DynamicsModel</a:t>
+            </a:r>
+            <a:r>
+              <a:rPr lang="en-US" sz="2000" dirty="0" smtClean="0"/>
+              <a:t> autopilot or </a:t>
+            </a:r>
+            <a:r>
+              <a:rPr lang="en-US" sz="2000" dirty="0" err="1" smtClean="0"/>
+              <a:t>subclassed</a:t>
+            </a:r>
+            <a:r>
+              <a:rPr lang="en-US" sz="2000" dirty="0" smtClean="0"/>
+              <a:t> Player </a:t>
+            </a:r>
+            <a:r>
+              <a:rPr lang="en-US" sz="2000" dirty="0" smtClean="0"/>
+              <a:t>features (Flight Management System level capabilities)</a:t>
+            </a:r>
+            <a:endParaRPr lang="en-US" sz="2000" dirty="0" smtClean="0"/>
+          </a:p>
+          <a:p>
+            <a:r>
+              <a:rPr lang="en-US" sz="2000" dirty="0" smtClean="0"/>
+              <a:t>Defined functionality is called </a:t>
+            </a:r>
+            <a:r>
+              <a:rPr lang="en-US" sz="2000" dirty="0" smtClean="0"/>
+              <a:t>in each </a:t>
+            </a:r>
+            <a:r>
+              <a:rPr lang="en-US" sz="2000" dirty="0" smtClean="0"/>
+              <a:t>frame (process phase)</a:t>
+            </a:r>
+            <a:endParaRPr lang="en-US" sz="2000" dirty="0" smtClean="0"/>
+          </a:p>
+          <a:p>
+            <a:r>
+              <a:rPr lang="en-US" sz="2000" dirty="0" smtClean="0"/>
+              <a:t>As currently defined, it doesn’t make decisions</a:t>
+            </a:r>
           </a:p>
         </p:txBody>
       </p:sp>
@@ -6933,53 +7105,16 @@
           <a:lstStyle/>
           <a:p>
             <a:r>
-              <a:rPr lang="en-US" smtClean="0"/>
-              <a:t>Navigation</a:t>
-            </a:r>
-            <a:endParaRPr lang="en-US"/>
-          </a:p>
-        </p:txBody>
-      </p:sp>
-      <p:sp>
-        <p:nvSpPr>
-          <p:cNvPr id="3" name="Content Placeholder 2"/>
-          <p:cNvSpPr>
-            <a:spLocks noGrp="1"/>
-          </p:cNvSpPr>
-          <p:nvPr>
-            <p:ph idx="1"/>
-          </p:nvPr>
-        </p:nvSpPr>
-        <p:spPr/>
-        <p:txBody>
-          <a:bodyPr/>
-          <a:lstStyle/>
-          <a:p>
-            <a:r>
-              <a:rPr lang="en-US" smtClean="0"/>
-              <a:t>AutoPilot uses Navigation</a:t>
-            </a:r>
-          </a:p>
-          <a:p>
-            <a:pPr lvl="1"/>
-            <a:r>
-              <a:rPr lang="en-US" smtClean="0"/>
-              <a:t>Navigation contains routes, which contain steerpoints</a:t>
-            </a:r>
-          </a:p>
-          <a:p>
-            <a:pPr lvl="1"/>
-            <a:r>
-              <a:rPr lang="en-US" smtClean="0"/>
-              <a:t>Steerpoints can contain Actions!</a:t>
-            </a:r>
-            <a:endParaRPr lang="en-US"/>
+              <a:rPr lang="en-US" dirty="0" err="1" smtClean="0"/>
+              <a:t>AutoPilot</a:t>
+            </a:r>
+            <a:endParaRPr lang="en-US" dirty="0"/>
           </a:p>
         </p:txBody>
       </p:sp>
       <p:pic>
         <p:nvPicPr>
-          <p:cNvPr id="10243" name="Picture 3"/>
+          <p:cNvPr id="12290" name="Picture 2"/>
           <p:cNvPicPr>
             <a:picLocks noChangeAspect="1" noChangeArrowheads="1"/>
           </p:cNvPicPr>
@@ -6994,8 +7129,8 @@
         </p:blipFill>
         <p:spPr bwMode="auto">
           <a:xfrm>
-            <a:off x="685800" y="3276600"/>
-            <a:ext cx="3619500" cy="2266950"/>
+            <a:off x="1828800" y="1219200"/>
+            <a:ext cx="5581650" cy="5442975"/>
           </a:xfrm>
           <a:prstGeom prst="rect">
             <a:avLst/>
@@ -7009,38 +7144,194 @@
           </a:ln>
         </p:spPr>
       </p:pic>
-      <p:pic>
-        <p:nvPicPr>
-          <p:cNvPr id="10244" name="Picture 4"/>
-          <p:cNvPicPr>
-            <a:picLocks noChangeAspect="1" noChangeArrowheads="1"/>
-          </p:cNvPicPr>
-          <p:nvPr/>
-        </p:nvPicPr>
-        <p:blipFill>
-          <a:blip r:embed="rId3" cstate="print"/>
-          <a:srcRect/>
-          <a:stretch>
-            <a:fillRect/>
-          </a:stretch>
-        </p:blipFill>
-        <p:spPr bwMode="auto">
-          <a:xfrm>
-            <a:off x="4876800" y="3276600"/>
-            <a:ext cx="3590925" cy="1495425"/>
+      <p:cxnSp>
+        <p:nvCxnSpPr>
+          <p:cNvPr id="6" name="Straight Arrow Connector 5"/>
+          <p:cNvCxnSpPr/>
+          <p:nvPr/>
+        </p:nvCxnSpPr>
+        <p:spPr>
+          <a:xfrm flipH="1" flipV="1">
+            <a:off x="5029200" y="3200400"/>
+            <a:ext cx="838200" cy="381000"/>
+          </a:xfrm>
+          <a:prstGeom prst="straightConnector1">
+            <a:avLst/>
+          </a:prstGeom>
+          <a:ln w="22225">
+            <a:solidFill>
+              <a:srgbClr val="FF0000"/>
+            </a:solidFill>
+            <a:tailEnd type="arrow"/>
+          </a:ln>
+        </p:spPr>
+        <p:style>
+          <a:lnRef idx="1">
+            <a:schemeClr val="accent1"/>
+          </a:lnRef>
+          <a:fillRef idx="0">
+            <a:schemeClr val="accent1"/>
+          </a:fillRef>
+          <a:effectRef idx="0">
+            <a:schemeClr val="accent1"/>
+          </a:effectRef>
+          <a:fontRef idx="minor">
+            <a:schemeClr val="tx1"/>
+          </a:fontRef>
+        </p:style>
+      </p:cxnSp>
+      <p:cxnSp>
+        <p:nvCxnSpPr>
+          <p:cNvPr id="9" name="Straight Arrow Connector 8"/>
+          <p:cNvCxnSpPr/>
+          <p:nvPr/>
+        </p:nvCxnSpPr>
+        <p:spPr>
+          <a:xfrm flipH="1">
+            <a:off x="4876800" y="3886200"/>
+            <a:ext cx="914400" cy="0"/>
+          </a:xfrm>
+          <a:prstGeom prst="straightConnector1">
+            <a:avLst/>
+          </a:prstGeom>
+          <a:ln w="22225">
+            <a:solidFill>
+              <a:srgbClr val="FF0000"/>
+            </a:solidFill>
+            <a:tailEnd type="arrow"/>
+          </a:ln>
+        </p:spPr>
+        <p:style>
+          <a:lnRef idx="1">
+            <a:schemeClr val="accent1"/>
+          </a:lnRef>
+          <a:fillRef idx="0">
+            <a:schemeClr val="accent1"/>
+          </a:fillRef>
+          <a:effectRef idx="0">
+            <a:schemeClr val="accent1"/>
+          </a:effectRef>
+          <a:fontRef idx="minor">
+            <a:schemeClr val="tx1"/>
+          </a:fontRef>
+        </p:style>
+      </p:cxnSp>
+      <p:cxnSp>
+        <p:nvCxnSpPr>
+          <p:cNvPr id="11" name="Straight Arrow Connector 10"/>
+          <p:cNvCxnSpPr/>
+          <p:nvPr/>
+        </p:nvCxnSpPr>
+        <p:spPr>
+          <a:xfrm flipH="1">
+            <a:off x="4800600" y="4267200"/>
+            <a:ext cx="1066800" cy="609600"/>
+          </a:xfrm>
+          <a:prstGeom prst="straightConnector1">
+            <a:avLst/>
+          </a:prstGeom>
+          <a:ln w="22225">
+            <a:solidFill>
+              <a:srgbClr val="FF0000"/>
+            </a:solidFill>
+            <a:tailEnd type="arrow"/>
+          </a:ln>
+        </p:spPr>
+        <p:style>
+          <a:lnRef idx="1">
+            <a:schemeClr val="accent1"/>
+          </a:lnRef>
+          <a:fillRef idx="0">
+            <a:schemeClr val="accent1"/>
+          </a:fillRef>
+          <a:effectRef idx="0">
+            <a:schemeClr val="accent1"/>
+          </a:effectRef>
+          <a:fontRef idx="minor">
+            <a:schemeClr val="tx1"/>
+          </a:fontRef>
+        </p:style>
+      </p:cxnSp>
+      <p:cxnSp>
+        <p:nvCxnSpPr>
+          <p:cNvPr id="13" name="Straight Arrow Connector 12"/>
+          <p:cNvCxnSpPr/>
+          <p:nvPr/>
+        </p:nvCxnSpPr>
+        <p:spPr>
+          <a:xfrm flipH="1">
+            <a:off x="4953000" y="4419600"/>
+            <a:ext cx="1143000" cy="1371600"/>
+          </a:xfrm>
+          <a:prstGeom prst="straightConnector1">
+            <a:avLst/>
+          </a:prstGeom>
+          <a:ln w="22225">
+            <a:solidFill>
+              <a:srgbClr val="FF0000"/>
+            </a:solidFill>
+            <a:tailEnd type="arrow"/>
+          </a:ln>
+        </p:spPr>
+        <p:style>
+          <a:lnRef idx="1">
+            <a:schemeClr val="accent1"/>
+          </a:lnRef>
+          <a:fillRef idx="0">
+            <a:schemeClr val="accent1"/>
+          </a:fillRef>
+          <a:effectRef idx="0">
+            <a:schemeClr val="accent1"/>
+          </a:effectRef>
+          <a:fontRef idx="minor">
+            <a:schemeClr val="tx1"/>
+          </a:fontRef>
+        </p:style>
+      </p:cxnSp>
+      <p:sp>
+        <p:nvSpPr>
+          <p:cNvPr id="15" name="TextBox 14"/>
+          <p:cNvSpPr txBox="1"/>
+          <p:nvPr/>
+        </p:nvSpPr>
+        <p:spPr>
+          <a:xfrm>
+            <a:off x="5867400" y="3657600"/>
+            <a:ext cx="2590800" cy="584775"/>
           </a:xfrm>
           <a:prstGeom prst="rect">
             <a:avLst/>
           </a:prstGeom>
           <a:noFill/>
-          <a:ln w="9525">
-            <a:noFill/>
-            <a:miter lim="800000"/>
-            <a:headEnd/>
-            <a:tailEnd/>
-          </a:ln>
-        </p:spPr>
-      </p:pic>
+        </p:spPr>
+        <p:txBody>
+          <a:bodyPr wrap="square" rtlCol="0">
+            <a:spAutoFit/>
+          </a:bodyPr>
+          <a:lstStyle/>
+          <a:p>
+            <a:r>
+              <a:rPr lang="en-US" sz="1600" dirty="0" smtClean="0"/>
+              <a:t>Behavior </a:t>
+            </a:r>
+            <a:r>
+              <a:rPr lang="en-US" sz="1600" dirty="0" smtClean="0"/>
+              <a:t>(e.g., follow routes,</a:t>
+            </a:r>
+          </a:p>
+          <a:p>
+            <a:r>
+              <a:rPr lang="en-US" sz="1600" dirty="0" smtClean="0"/>
+              <a:t>loiter, follow another </a:t>
+            </a:r>
+            <a:r>
+              <a:rPr lang="en-US" sz="1600" dirty="0" smtClean="0"/>
+              <a:t>player)</a:t>
+            </a:r>
+            <a:endParaRPr lang="en-US" sz="1600" dirty="0"/>
+          </a:p>
+        </p:txBody>
+      </p:sp>
     </p:spTree>
   </p:cSld>
   <p:clrMapOvr>
@@ -7090,7 +7381,44 @@
           <a:p>
             <a:r>
               <a:rPr lang="en-US" smtClean="0"/>
-              <a:t>Example Input File</a:t>
+              <a:t>Navigation</a:t>
+            </a:r>
+            <a:endParaRPr lang="en-US"/>
+          </a:p>
+        </p:txBody>
+      </p:sp>
+      <p:sp>
+        <p:nvSpPr>
+          <p:cNvPr id="3" name="Content Placeholder 2"/>
+          <p:cNvSpPr>
+            <a:spLocks noGrp="1"/>
+          </p:cNvSpPr>
+          <p:nvPr>
+            <p:ph idx="1"/>
+          </p:nvPr>
+        </p:nvSpPr>
+        <p:spPr/>
+        <p:txBody>
+          <a:bodyPr/>
+          <a:lstStyle/>
+          <a:p>
+            <a:r>
+              <a:rPr lang="en-US" smtClean="0"/>
+              <a:t>AutoPilot uses Navigation</a:t>
+            </a:r>
+          </a:p>
+          <a:p>
+            <a:pPr lvl="1"/>
+            <a:r>
+              <a:rPr lang="en-US" smtClean="0"/>
+              <a:t>Navigation contains routes, which contain steerpoints</a:t>
+            </a:r>
+          </a:p>
+          <a:p>
+            <a:pPr lvl="1"/>
+            <a:r>
+              <a:rPr lang="en-US" smtClean="0"/>
+              <a:t>Steerpoints can contain Actions!</a:t>
             </a:r>
             <a:endParaRPr lang="en-US"/>
           </a:p>
@@ -7098,7 +7426,7 @@
       </p:sp>
       <p:pic>
         <p:nvPicPr>
-          <p:cNvPr id="13314" name="Picture 2"/>
+          <p:cNvPr id="10243" name="Picture 3"/>
           <p:cNvPicPr>
             <a:picLocks noChangeAspect="1" noChangeArrowheads="1"/>
           </p:cNvPicPr>
@@ -7113,8 +7441,8 @@
         </p:blipFill>
         <p:spPr bwMode="auto">
           <a:xfrm>
-            <a:off x="457200" y="1676400"/>
-            <a:ext cx="3181350" cy="4424394"/>
+            <a:off x="914400" y="3200400"/>
+            <a:ext cx="3619500" cy="2266950"/>
           </a:xfrm>
           <a:prstGeom prst="rect">
             <a:avLst/>
@@ -7128,204 +7456,38 @@
           </a:ln>
         </p:spPr>
       </p:pic>
-      <p:cxnSp>
-        <p:nvCxnSpPr>
-          <p:cNvPr id="5" name="Straight Arrow Connector 4"/>
-          <p:cNvCxnSpPr/>
-          <p:nvPr/>
-        </p:nvCxnSpPr>
-        <p:spPr>
-          <a:xfrm flipH="1">
-            <a:off x="3733800" y="2743200"/>
-            <a:ext cx="1143000" cy="76200"/>
-          </a:xfrm>
-          <a:prstGeom prst="straightConnector1">
-            <a:avLst/>
-          </a:prstGeom>
-          <a:ln w="22225">
-            <a:solidFill>
-              <a:srgbClr val="FF0000"/>
-            </a:solidFill>
-            <a:tailEnd type="arrow"/>
+      <p:pic>
+        <p:nvPicPr>
+          <p:cNvPr id="10244" name="Picture 4"/>
+          <p:cNvPicPr>
+            <a:picLocks noChangeAspect="1" noChangeArrowheads="1"/>
+          </p:cNvPicPr>
+          <p:nvPr/>
+        </p:nvPicPr>
+        <p:blipFill>
+          <a:blip r:embed="rId3" cstate="print"/>
+          <a:srcRect/>
+          <a:stretch>
+            <a:fillRect/>
+          </a:stretch>
+        </p:blipFill>
+        <p:spPr bwMode="auto">
+          <a:xfrm>
+            <a:off x="4876800" y="3276600"/>
+            <a:ext cx="3590925" cy="1495425"/>
+          </a:xfrm>
+          <a:prstGeom prst="rect">
+            <a:avLst/>
+          </a:prstGeom>
+          <a:noFill/>
+          <a:ln w="9525">
+            <a:noFill/>
+            <a:miter lim="800000"/>
+            <a:headEnd/>
+            <a:tailEnd/>
           </a:ln>
         </p:spPr>
-        <p:style>
-          <a:lnRef idx="1">
-            <a:schemeClr val="accent1"/>
-          </a:lnRef>
-          <a:fillRef idx="0">
-            <a:schemeClr val="accent1"/>
-          </a:fillRef>
-          <a:effectRef idx="0">
-            <a:schemeClr val="accent1"/>
-          </a:effectRef>
-          <a:fontRef idx="minor">
-            <a:schemeClr val="tx1"/>
-          </a:fontRef>
-        </p:style>
-      </p:cxnSp>
-      <p:sp>
-        <p:nvSpPr>
-          <p:cNvPr id="6" name="TextBox 5"/>
-          <p:cNvSpPr txBox="1"/>
-          <p:nvPr/>
-        </p:nvSpPr>
-        <p:spPr>
-          <a:xfrm>
-            <a:off x="4953000" y="2438400"/>
-            <a:ext cx="2895600" cy="584775"/>
-          </a:xfrm>
-          <a:prstGeom prst="rect">
-            <a:avLst/>
-          </a:prstGeom>
-          <a:noFill/>
-        </p:spPr>
-        <p:txBody>
-          <a:bodyPr wrap="square" rtlCol="0">
-            <a:spAutoFit/>
-          </a:bodyPr>
-          <a:lstStyle/>
-          <a:p>
-            <a:r>
-              <a:rPr lang="en-US" sz="1600" smtClean="0"/>
-              <a:t>RacModel has a auto pilot within its dynamic model</a:t>
-            </a:r>
-            <a:endParaRPr lang="en-US" sz="1600"/>
-          </a:p>
-        </p:txBody>
-      </p:sp>
-      <p:cxnSp>
-        <p:nvCxnSpPr>
-          <p:cNvPr id="8" name="Straight Arrow Connector 7"/>
-          <p:cNvCxnSpPr/>
-          <p:nvPr/>
-        </p:nvCxnSpPr>
-        <p:spPr>
-          <a:xfrm flipH="1" flipV="1">
-            <a:off x="2971800" y="3276600"/>
-            <a:ext cx="1828800" cy="228600"/>
-          </a:xfrm>
-          <a:prstGeom prst="straightConnector1">
-            <a:avLst/>
-          </a:prstGeom>
-          <a:ln w="22225">
-            <a:solidFill>
-              <a:srgbClr val="FF0000"/>
-            </a:solidFill>
-            <a:tailEnd type="arrow"/>
-          </a:ln>
-        </p:spPr>
-        <p:style>
-          <a:lnRef idx="1">
-            <a:schemeClr val="accent1"/>
-          </a:lnRef>
-          <a:fillRef idx="0">
-            <a:schemeClr val="accent1"/>
-          </a:fillRef>
-          <a:effectRef idx="0">
-            <a:schemeClr val="accent1"/>
-          </a:effectRef>
-          <a:fontRef idx="minor">
-            <a:schemeClr val="tx1"/>
-          </a:fontRef>
-        </p:style>
-      </p:cxnSp>
-      <p:sp>
-        <p:nvSpPr>
-          <p:cNvPr id="12" name="TextBox 11"/>
-          <p:cNvSpPr txBox="1"/>
-          <p:nvPr/>
-        </p:nvSpPr>
-        <p:spPr>
-          <a:xfrm>
-            <a:off x="4953000" y="3276600"/>
-            <a:ext cx="2895600" cy="830997"/>
-          </a:xfrm>
-          <a:prstGeom prst="rect">
-            <a:avLst/>
-          </a:prstGeom>
-          <a:noFill/>
-        </p:spPr>
-        <p:txBody>
-          <a:bodyPr wrap="square" rtlCol="0">
-            <a:spAutoFit/>
-          </a:bodyPr>
-          <a:lstStyle/>
-          <a:p>
-            <a:r>
-              <a:rPr lang="en-US" sz="1600" smtClean="0"/>
-              <a:t>Auto pilot that follows the defined route within navigation system</a:t>
-            </a:r>
-            <a:endParaRPr lang="en-US" sz="1600"/>
-          </a:p>
-        </p:txBody>
-      </p:sp>
-      <p:cxnSp>
-        <p:nvCxnSpPr>
-          <p:cNvPr id="13" name="Straight Arrow Connector 12"/>
-          <p:cNvCxnSpPr/>
-          <p:nvPr/>
-        </p:nvCxnSpPr>
-        <p:spPr>
-          <a:xfrm flipH="1">
-            <a:off x="2971800" y="4495800"/>
-            <a:ext cx="1828800" cy="228600"/>
-          </a:xfrm>
-          <a:prstGeom prst="straightConnector1">
-            <a:avLst/>
-          </a:prstGeom>
-          <a:ln w="22225">
-            <a:solidFill>
-              <a:srgbClr val="FF0000"/>
-            </a:solidFill>
-            <a:tailEnd type="arrow"/>
-          </a:ln>
-        </p:spPr>
-        <p:style>
-          <a:lnRef idx="1">
-            <a:schemeClr val="accent1"/>
-          </a:lnRef>
-          <a:fillRef idx="0">
-            <a:schemeClr val="accent1"/>
-          </a:fillRef>
-          <a:effectRef idx="0">
-            <a:schemeClr val="accent1"/>
-          </a:effectRef>
-          <a:fontRef idx="minor">
-            <a:schemeClr val="tx1"/>
-          </a:fontRef>
-        </p:style>
-      </p:cxnSp>
-      <p:sp>
-        <p:nvSpPr>
-          <p:cNvPr id="14" name="TextBox 13"/>
-          <p:cNvSpPr txBox="1"/>
-          <p:nvPr/>
-        </p:nvSpPr>
-        <p:spPr>
-          <a:xfrm>
-            <a:off x="4953000" y="4267200"/>
-            <a:ext cx="2895600" cy="584775"/>
-          </a:xfrm>
-          <a:prstGeom prst="rect">
-            <a:avLst/>
-          </a:prstGeom>
-          <a:noFill/>
-        </p:spPr>
-        <p:txBody>
-          <a:bodyPr wrap="square" rtlCol="0">
-            <a:spAutoFit/>
-          </a:bodyPr>
-          <a:lstStyle/>
-          <a:p>
-            <a:r>
-              <a:rPr lang="en-US" sz="1600" smtClean="0"/>
-              <a:t>Attached navigation system that includes a defined route</a:t>
-            </a:r>
-            <a:endParaRPr lang="en-US" sz="1600"/>
-          </a:p>
-        </p:txBody>
-      </p:sp>
+      </p:pic>
     </p:spTree>
   </p:cSld>
   <p:clrMapOvr>
@@ -7383,7 +7545,7 @@
       </p:sp>
       <p:pic>
         <p:nvPicPr>
-          <p:cNvPr id="14338" name="Picture 2"/>
+          <p:cNvPr id="13314" name="Picture 2"/>
           <p:cNvPicPr>
             <a:picLocks noChangeAspect="1" noChangeArrowheads="1"/>
           </p:cNvPicPr>
@@ -7398,8 +7560,8 @@
         </p:blipFill>
         <p:spPr bwMode="auto">
           <a:xfrm>
-            <a:off x="1371600" y="1676400"/>
-            <a:ext cx="6410325" cy="4562475"/>
+            <a:off x="457200" y="1676400"/>
+            <a:ext cx="3181350" cy="4424394"/>
           </a:xfrm>
           <a:prstGeom prst="rect">
             <a:avLst/>
@@ -7421,8 +7583,8 @@
         </p:nvCxnSpPr>
         <p:spPr>
           <a:xfrm flipH="1">
-            <a:off x="3048000" y="2362200"/>
-            <a:ext cx="1143000" cy="685800"/>
+            <a:off x="3733800" y="2743200"/>
+            <a:ext cx="1143000" cy="76200"/>
           </a:xfrm>
           <a:prstGeom prst="straightConnector1">
             <a:avLst/>
@@ -7457,7 +7619,7 @@
         </p:nvSpPr>
         <p:spPr>
           <a:xfrm>
-            <a:off x="4267200" y="2057400"/>
+            <a:off x="4953000" y="2438400"/>
             <a:ext cx="2895600" cy="584775"/>
           </a:xfrm>
           <a:prstGeom prst="rect">
@@ -7472,14 +7634,142 @@
           <a:lstStyle/>
           <a:p>
             <a:r>
-              <a:rPr lang="en-US" sz="1600" dirty="0" err="1" smtClean="0"/>
-              <a:t>Steerpoints</a:t>
-            </a:r>
-            <a:r>
-              <a:rPr lang="en-US" sz="1600" dirty="0" smtClean="0"/>
-              <a:t> define position and desired airspeed, etc</a:t>
-            </a:r>
-            <a:endParaRPr lang="en-US" sz="1600" dirty="0"/>
+              <a:rPr lang="en-US" sz="1600" smtClean="0"/>
+              <a:t>RacModel has a auto pilot within its dynamic model</a:t>
+            </a:r>
+            <a:endParaRPr lang="en-US" sz="1600"/>
+          </a:p>
+        </p:txBody>
+      </p:sp>
+      <p:cxnSp>
+        <p:nvCxnSpPr>
+          <p:cNvPr id="8" name="Straight Arrow Connector 7"/>
+          <p:cNvCxnSpPr/>
+          <p:nvPr/>
+        </p:nvCxnSpPr>
+        <p:spPr>
+          <a:xfrm flipH="1" flipV="1">
+            <a:off x="2971800" y="3276600"/>
+            <a:ext cx="1828800" cy="228600"/>
+          </a:xfrm>
+          <a:prstGeom prst="straightConnector1">
+            <a:avLst/>
+          </a:prstGeom>
+          <a:ln w="22225">
+            <a:solidFill>
+              <a:srgbClr val="FF0000"/>
+            </a:solidFill>
+            <a:tailEnd type="arrow"/>
+          </a:ln>
+        </p:spPr>
+        <p:style>
+          <a:lnRef idx="1">
+            <a:schemeClr val="accent1"/>
+          </a:lnRef>
+          <a:fillRef idx="0">
+            <a:schemeClr val="accent1"/>
+          </a:fillRef>
+          <a:effectRef idx="0">
+            <a:schemeClr val="accent1"/>
+          </a:effectRef>
+          <a:fontRef idx="minor">
+            <a:schemeClr val="tx1"/>
+          </a:fontRef>
+        </p:style>
+      </p:cxnSp>
+      <p:sp>
+        <p:nvSpPr>
+          <p:cNvPr id="12" name="TextBox 11"/>
+          <p:cNvSpPr txBox="1"/>
+          <p:nvPr/>
+        </p:nvSpPr>
+        <p:spPr>
+          <a:xfrm>
+            <a:off x="4953000" y="3276600"/>
+            <a:ext cx="2895600" cy="830997"/>
+          </a:xfrm>
+          <a:prstGeom prst="rect">
+            <a:avLst/>
+          </a:prstGeom>
+          <a:noFill/>
+        </p:spPr>
+        <p:txBody>
+          <a:bodyPr wrap="square" rtlCol="0">
+            <a:spAutoFit/>
+          </a:bodyPr>
+          <a:lstStyle/>
+          <a:p>
+            <a:r>
+              <a:rPr lang="en-US" sz="1600" smtClean="0"/>
+              <a:t>Auto pilot that follows the defined route within navigation system</a:t>
+            </a:r>
+            <a:endParaRPr lang="en-US" sz="1600"/>
+          </a:p>
+        </p:txBody>
+      </p:sp>
+      <p:cxnSp>
+        <p:nvCxnSpPr>
+          <p:cNvPr id="13" name="Straight Arrow Connector 12"/>
+          <p:cNvCxnSpPr/>
+          <p:nvPr/>
+        </p:nvCxnSpPr>
+        <p:spPr>
+          <a:xfrm flipH="1">
+            <a:off x="2971800" y="4495800"/>
+            <a:ext cx="1828800" cy="228600"/>
+          </a:xfrm>
+          <a:prstGeom prst="straightConnector1">
+            <a:avLst/>
+          </a:prstGeom>
+          <a:ln w="22225">
+            <a:solidFill>
+              <a:srgbClr val="FF0000"/>
+            </a:solidFill>
+            <a:tailEnd type="arrow"/>
+          </a:ln>
+        </p:spPr>
+        <p:style>
+          <a:lnRef idx="1">
+            <a:schemeClr val="accent1"/>
+          </a:lnRef>
+          <a:fillRef idx="0">
+            <a:schemeClr val="accent1"/>
+          </a:fillRef>
+          <a:effectRef idx="0">
+            <a:schemeClr val="accent1"/>
+          </a:effectRef>
+          <a:fontRef idx="minor">
+            <a:schemeClr val="tx1"/>
+          </a:fontRef>
+        </p:style>
+      </p:cxnSp>
+      <p:sp>
+        <p:nvSpPr>
+          <p:cNvPr id="14" name="TextBox 13"/>
+          <p:cNvSpPr txBox="1"/>
+          <p:nvPr/>
+        </p:nvSpPr>
+        <p:spPr>
+          <a:xfrm>
+            <a:off x="4953000" y="4267200"/>
+            <a:ext cx="2895600" cy="584775"/>
+          </a:xfrm>
+          <a:prstGeom prst="rect">
+            <a:avLst/>
+          </a:prstGeom>
+          <a:noFill/>
+        </p:spPr>
+        <p:txBody>
+          <a:bodyPr wrap="square" rtlCol="0">
+            <a:spAutoFit/>
+          </a:bodyPr>
+          <a:lstStyle/>
+          <a:p>
+            <a:r>
+              <a:rPr lang="en-US" sz="1600" smtClean="0"/>
+              <a:t>Attached navigation system that includes a defined route</a:t>
+            </a:r>
+            <a:endParaRPr lang="en-US" sz="1600"/>
           </a:p>
         </p:txBody>
       </p:sp>
@@ -7532,47 +7822,15 @@
           <a:p>
             <a:r>
               <a:rPr lang="en-US" smtClean="0"/>
-              <a:t>Steerpoint Actions</a:t>
+              <a:t>Example Input File</a:t>
             </a:r>
             <a:endParaRPr lang="en-US"/>
-          </a:p>
-        </p:txBody>
-      </p:sp>
-      <p:sp>
-        <p:nvSpPr>
-          <p:cNvPr id="3" name="Content Placeholder 2"/>
-          <p:cNvSpPr>
-            <a:spLocks noGrp="1"/>
-          </p:cNvSpPr>
-          <p:nvPr>
-            <p:ph idx="1"/>
-          </p:nvPr>
-        </p:nvSpPr>
-        <p:spPr/>
-        <p:txBody>
-          <a:bodyPr>
-            <a:normAutofit/>
-          </a:bodyPr>
-          <a:lstStyle/>
-          <a:p>
-            <a:r>
-              <a:rPr lang="en-US" sz="2400" smtClean="0"/>
-              <a:t>Steerpoint can have an associated Action</a:t>
-            </a:r>
-          </a:p>
-          <a:p>
-            <a:pPr lvl="1"/>
-            <a:r>
-              <a:rPr lang="en-US" sz="2000" smtClean="0"/>
-              <a:t>Examples: Take SAR image, release weapon, release decoy, etc</a:t>
-            </a:r>
-            <a:endParaRPr lang="en-US" sz="2000"/>
           </a:p>
         </p:txBody>
       </p:sp>
       <p:pic>
         <p:nvPicPr>
-          <p:cNvPr id="15362" name="Picture 2"/>
+          <p:cNvPr id="14338" name="Picture 2"/>
           <p:cNvPicPr>
             <a:picLocks noChangeAspect="1" noChangeArrowheads="1"/>
           </p:cNvPicPr>
@@ -7587,8 +7845,8 @@
         </p:blipFill>
         <p:spPr bwMode="auto">
           <a:xfrm>
-            <a:off x="609600" y="2514600"/>
-            <a:ext cx="1143000" cy="2315059"/>
+            <a:off x="1371600" y="1676400"/>
+            <a:ext cx="6410325" cy="4562475"/>
           </a:xfrm>
           <a:prstGeom prst="rect">
             <a:avLst/>
@@ -7602,38 +7860,76 @@
           </a:ln>
         </p:spPr>
       </p:pic>
-      <p:pic>
-        <p:nvPicPr>
-          <p:cNvPr id="1026" name="Picture 2"/>
-          <p:cNvPicPr>
-            <a:picLocks noChangeAspect="1" noChangeArrowheads="1"/>
-          </p:cNvPicPr>
-          <p:nvPr/>
-        </p:nvPicPr>
-        <p:blipFill>
-          <a:blip r:embed="rId3" cstate="print"/>
-          <a:srcRect/>
-          <a:stretch>
-            <a:fillRect/>
-          </a:stretch>
-        </p:blipFill>
-        <p:spPr bwMode="auto">
-          <a:xfrm>
-            <a:off x="2209800" y="2514600"/>
-            <a:ext cx="6191250" cy="3714750"/>
+      <p:cxnSp>
+        <p:nvCxnSpPr>
+          <p:cNvPr id="5" name="Straight Arrow Connector 4"/>
+          <p:cNvCxnSpPr/>
+          <p:nvPr/>
+        </p:nvCxnSpPr>
+        <p:spPr>
+          <a:xfrm flipH="1">
+            <a:off x="3048000" y="2362200"/>
+            <a:ext cx="1143000" cy="685800"/>
+          </a:xfrm>
+          <a:prstGeom prst="straightConnector1">
+            <a:avLst/>
+          </a:prstGeom>
+          <a:ln w="22225">
+            <a:solidFill>
+              <a:srgbClr val="FF0000"/>
+            </a:solidFill>
+            <a:tailEnd type="arrow"/>
+          </a:ln>
+        </p:spPr>
+        <p:style>
+          <a:lnRef idx="1">
+            <a:schemeClr val="accent1"/>
+          </a:lnRef>
+          <a:fillRef idx="0">
+            <a:schemeClr val="accent1"/>
+          </a:fillRef>
+          <a:effectRef idx="0">
+            <a:schemeClr val="accent1"/>
+          </a:effectRef>
+          <a:fontRef idx="minor">
+            <a:schemeClr val="tx1"/>
+          </a:fontRef>
+        </p:style>
+      </p:cxnSp>
+      <p:sp>
+        <p:nvSpPr>
+          <p:cNvPr id="6" name="TextBox 5"/>
+          <p:cNvSpPr txBox="1"/>
+          <p:nvPr/>
+        </p:nvSpPr>
+        <p:spPr>
+          <a:xfrm>
+            <a:off x="4267200" y="2057400"/>
+            <a:ext cx="2895600" cy="584775"/>
           </a:xfrm>
           <a:prstGeom prst="rect">
             <a:avLst/>
           </a:prstGeom>
           <a:noFill/>
-          <a:ln w="9525">
-            <a:noFill/>
-            <a:miter lim="800000"/>
-            <a:headEnd/>
-            <a:tailEnd/>
-          </a:ln>
-        </p:spPr>
-      </p:pic>
+        </p:spPr>
+        <p:txBody>
+          <a:bodyPr wrap="square" rtlCol="0">
+            <a:spAutoFit/>
+          </a:bodyPr>
+          <a:lstStyle/>
+          <a:p>
+            <a:r>
+              <a:rPr lang="en-US" sz="1600" dirty="0" err="1" smtClean="0"/>
+              <a:t>Steerpoints</a:t>
+            </a:r>
+            <a:r>
+              <a:rPr lang="en-US" sz="1600" dirty="0" smtClean="0"/>
+              <a:t> define position and desired airspeed, etc</a:t>
+            </a:r>
+            <a:endParaRPr lang="en-US" sz="1600" dirty="0"/>
+          </a:p>
+        </p:txBody>
+      </p:sp>
     </p:spTree>
   </p:cSld>
   <p:clrMapOvr>
@@ -7856,7 +8152,7 @@
           <a:p>
             <a:r>
               <a:rPr lang="en-US" smtClean="0"/>
-              <a:t>Flow of Decisions and Actions</a:t>
+              <a:t>Steerpoint Actions</a:t>
             </a:r>
             <a:endParaRPr lang="en-US"/>
           </a:p>
@@ -7881,23 +8177,22 @@
           <a:p>
             <a:r>
               <a:rPr lang="en-US" sz="2400" smtClean="0"/>
-              <a:t>AutoPilot determines “high level” things to do, and how to do it via commands to “dynamic model auto pilot” or even direct control in some cases</a:t>
-            </a:r>
-          </a:p>
-          <a:p>
-            <a:r>
-              <a:rPr lang="en-US" sz="2400" smtClean="0"/>
-              <a:t>Onboard computer could be used to determine “what to do” and allow AutoPilot to carry out decisions</a:t>
-            </a:r>
-          </a:p>
-          <a:p>
-            <a:endParaRPr lang="en-US" sz="2400"/>
+              <a:t>Steerpoint can have an associated Action</a:t>
+            </a:r>
+          </a:p>
+          <a:p>
+            <a:pPr lvl="1"/>
+            <a:r>
+              <a:rPr lang="en-US" sz="2000" smtClean="0"/>
+              <a:t>Examples: Take SAR image, release weapon, release decoy, etc</a:t>
+            </a:r>
+            <a:endParaRPr lang="en-US" sz="2000"/>
           </a:p>
         </p:txBody>
       </p:sp>
       <p:pic>
         <p:nvPicPr>
-          <p:cNvPr id="4" name="Picture 3"/>
+          <p:cNvPr id="15362" name="Picture 2"/>
           <p:cNvPicPr>
             <a:picLocks noChangeAspect="1" noChangeArrowheads="1"/>
           </p:cNvPicPr>
@@ -7912,8 +8207,8 @@
         </p:blipFill>
         <p:spPr bwMode="auto">
           <a:xfrm>
-            <a:off x="1600200" y="3733800"/>
-            <a:ext cx="6257925" cy="2609850"/>
+            <a:off x="609600" y="2514600"/>
+            <a:ext cx="1143000" cy="2315059"/>
           </a:xfrm>
           <a:prstGeom prst="rect">
             <a:avLst/>
@@ -7927,42 +8222,38 @@
           </a:ln>
         </p:spPr>
       </p:pic>
-      <p:cxnSp>
-        <p:nvCxnSpPr>
-          <p:cNvPr id="5" name="Straight Arrow Connector 4"/>
-          <p:cNvCxnSpPr/>
-          <p:nvPr/>
-        </p:nvCxnSpPr>
-        <p:spPr>
-          <a:xfrm flipV="1">
-            <a:off x="1371600" y="4953000"/>
-            <a:ext cx="381000" cy="76200"/>
-          </a:xfrm>
-          <a:prstGeom prst="straightConnector1">
-            <a:avLst/>
-          </a:prstGeom>
-          <a:ln w="28575">
-            <a:solidFill>
-              <a:srgbClr val="FF0000"/>
-            </a:solidFill>
-            <a:tailEnd type="arrow"/>
+      <p:pic>
+        <p:nvPicPr>
+          <p:cNvPr id="1026" name="Picture 2"/>
+          <p:cNvPicPr>
+            <a:picLocks noChangeAspect="1" noChangeArrowheads="1"/>
+          </p:cNvPicPr>
+          <p:nvPr/>
+        </p:nvPicPr>
+        <p:blipFill>
+          <a:blip r:embed="rId3" cstate="print"/>
+          <a:srcRect/>
+          <a:stretch>
+            <a:fillRect/>
+          </a:stretch>
+        </p:blipFill>
+        <p:spPr bwMode="auto">
+          <a:xfrm>
+            <a:off x="2209800" y="2514600"/>
+            <a:ext cx="6191250" cy="3714750"/>
+          </a:xfrm>
+          <a:prstGeom prst="rect">
+            <a:avLst/>
+          </a:prstGeom>
+          <a:noFill/>
+          <a:ln w="9525">
+            <a:noFill/>
+            <a:miter lim="800000"/>
+            <a:headEnd/>
+            <a:tailEnd/>
           </a:ln>
         </p:spPr>
-        <p:style>
-          <a:lnRef idx="1">
-            <a:schemeClr val="accent1"/>
-          </a:lnRef>
-          <a:fillRef idx="0">
-            <a:schemeClr val="accent1"/>
-          </a:fillRef>
-          <a:effectRef idx="0">
-            <a:schemeClr val="accent1"/>
-          </a:effectRef>
-          <a:fontRef idx="minor">
-            <a:schemeClr val="tx1"/>
-          </a:fontRef>
-        </p:style>
-      </p:cxnSp>
+      </p:pic>
     </p:spTree>
   </p:cSld>
   <p:clrMapOvr>
@@ -7997,48 +8288,147 @@
       </p:grpSpPr>
       <p:sp>
         <p:nvSpPr>
-          <p:cNvPr id="6" name="Title 3"/>
-          <p:cNvSpPr txBox="1">
-            <a:spLocks/>
-          </p:cNvSpPr>
-          <p:nvPr/>
+          <p:cNvPr id="2" name="Title 1"/>
+          <p:cNvSpPr>
+            <a:spLocks noGrp="1"/>
+          </p:cNvSpPr>
+          <p:nvPr>
+            <p:ph type="title"/>
+          </p:nvPr>
+        </p:nvSpPr>
+        <p:spPr/>
+        <p:txBody>
+          <a:bodyPr/>
+          <a:lstStyle/>
+          <a:p>
+            <a:r>
+              <a:rPr lang="en-US" smtClean="0"/>
+              <a:t>Flow of Decisions and Actions</a:t>
+            </a:r>
+            <a:endParaRPr lang="en-US"/>
+          </a:p>
+        </p:txBody>
+      </p:sp>
+      <p:sp>
+        <p:nvSpPr>
+          <p:cNvPr id="3" name="Content Placeholder 2"/>
+          <p:cNvSpPr>
+            <a:spLocks noGrp="1"/>
+          </p:cNvSpPr>
+          <p:nvPr>
+            <p:ph idx="1"/>
+          </p:nvPr>
         </p:nvSpPr>
         <p:spPr>
           <a:xfrm>
-            <a:off x="0" y="2514600"/>
-            <a:ext cx="9144000" cy="1219200"/>
+            <a:off x="457200" y="1447801"/>
+            <a:ext cx="8229600" cy="2057400"/>
+          </a:xfrm>
+        </p:spPr>
+        <p:txBody>
+          <a:bodyPr>
+            <a:normAutofit/>
+          </a:bodyPr>
+          <a:lstStyle/>
+          <a:p>
+            <a:r>
+              <a:rPr lang="en-US" sz="2400" dirty="0" err="1" smtClean="0"/>
+              <a:t>AutoPilot</a:t>
+            </a:r>
+            <a:r>
+              <a:rPr lang="en-US" sz="2400" dirty="0" smtClean="0"/>
+              <a:t> </a:t>
+            </a:r>
+            <a:r>
+              <a:rPr lang="en-US" sz="2400" dirty="0" smtClean="0"/>
+              <a:t>determines “high </a:t>
+            </a:r>
+            <a:r>
+              <a:rPr lang="en-US" sz="2400" dirty="0" smtClean="0"/>
+              <a:t>level” things to do, and how to do it via commands to “dynamic model auto pilot” or even direct control in some cases</a:t>
+            </a:r>
+          </a:p>
+          <a:p>
+            <a:r>
+              <a:rPr lang="en-US" sz="2400" dirty="0" smtClean="0"/>
+              <a:t>Onboard computer could </a:t>
+            </a:r>
+            <a:r>
+              <a:rPr lang="en-US" sz="2400" dirty="0" smtClean="0"/>
+              <a:t>also be used to perform related functions</a:t>
+            </a:r>
+            <a:endParaRPr lang="en-US" sz="2400" dirty="0"/>
+          </a:p>
+        </p:txBody>
+      </p:sp>
+      <p:pic>
+        <p:nvPicPr>
+          <p:cNvPr id="4" name="Picture 3"/>
+          <p:cNvPicPr>
+            <a:picLocks noChangeAspect="1" noChangeArrowheads="1"/>
+          </p:cNvPicPr>
+          <p:nvPr/>
+        </p:nvPicPr>
+        <p:blipFill>
+          <a:blip r:embed="rId2" cstate="print"/>
+          <a:srcRect/>
+          <a:stretch>
+            <a:fillRect/>
+          </a:stretch>
+        </p:blipFill>
+        <p:spPr bwMode="auto">
+          <a:xfrm>
+            <a:off x="1600200" y="3581400"/>
+            <a:ext cx="6257925" cy="2609850"/>
           </a:xfrm>
           <a:prstGeom prst="rect">
             <a:avLst/>
           </a:prstGeom>
-        </p:spPr>
-        <p:txBody>
-          <a:bodyPr vert="horz" lIns="91440" tIns="45720" rIns="91440" bIns="45720" rtlCol="0" anchor="ctr">
-            <a:noAutofit/>
-          </a:bodyPr>
-          <a:lstStyle/>
-          <a:p>
-            <a:pPr lvl="0" algn="ctr">
-              <a:spcBef>
-                <a:spcPct val="0"/>
-              </a:spcBef>
-              <a:defRPr/>
-            </a:pPr>
-            <a:r>
-              <a:rPr lang="en-US" sz="4400" smtClean="0"/>
-              <a:t>Pilot Structures</a:t>
-            </a:r>
-            <a:br>
-              <a:rPr lang="en-US" sz="4400" smtClean="0"/>
-            </a:br>
-            <a:r>
-              <a:rPr lang="en-US" sz="2400" smtClean="0"/>
-              <a:t>(Implementation of Functionality)</a:t>
-            </a:r>
-            <a:endParaRPr lang="en-US" sz="4400"/>
-          </a:p>
-        </p:txBody>
-      </p:sp>
+          <a:noFill/>
+          <a:ln w="9525">
+            <a:noFill/>
+            <a:miter lim="800000"/>
+            <a:headEnd/>
+            <a:tailEnd/>
+          </a:ln>
+        </p:spPr>
+      </p:pic>
+      <p:cxnSp>
+        <p:nvCxnSpPr>
+          <p:cNvPr id="5" name="Straight Arrow Connector 4"/>
+          <p:cNvCxnSpPr/>
+          <p:nvPr/>
+        </p:nvCxnSpPr>
+        <p:spPr>
+          <a:xfrm flipV="1">
+            <a:off x="1371600" y="4800600"/>
+            <a:ext cx="381000" cy="76200"/>
+          </a:xfrm>
+          <a:prstGeom prst="straightConnector1">
+            <a:avLst/>
+          </a:prstGeom>
+          <a:ln w="28575">
+            <a:solidFill>
+              <a:srgbClr val="FF0000"/>
+            </a:solidFill>
+            <a:tailEnd type="arrow"/>
+          </a:ln>
+        </p:spPr>
+        <p:style>
+          <a:lnRef idx="1">
+            <a:schemeClr val="accent1"/>
+          </a:lnRef>
+          <a:fillRef idx="0">
+            <a:schemeClr val="accent1"/>
+          </a:fillRef>
+          <a:effectRef idx="0">
+            <a:schemeClr val="accent1"/>
+          </a:effectRef>
+          <a:fontRef idx="minor">
+            <a:schemeClr val="tx1"/>
+          </a:fontRef>
+        </p:style>
+      </p:cxnSp>
     </p:spTree>
   </p:cSld>
   <p:clrMapOvr>
@@ -8071,343 +8461,47 @@
           <a:chExt cx="0" cy="0"/>
         </a:xfrm>
       </p:grpSpPr>
-      <p:pic>
-        <p:nvPicPr>
-          <p:cNvPr id="1026" name="Picture 2"/>
-          <p:cNvPicPr>
-            <a:picLocks noChangeAspect="1" noChangeArrowheads="1"/>
-          </p:cNvPicPr>
-          <p:nvPr/>
-        </p:nvPicPr>
-        <p:blipFill>
-          <a:blip r:embed="rId2"/>
-          <a:srcRect/>
-          <a:stretch>
-            <a:fillRect/>
-          </a:stretch>
-        </p:blipFill>
-        <p:spPr bwMode="auto">
-          <a:xfrm>
-            <a:off x="2362199" y="3406588"/>
-            <a:ext cx="4495801" cy="1851212"/>
+      <p:sp>
+        <p:nvSpPr>
+          <p:cNvPr id="6" name="Title 3"/>
+          <p:cNvSpPr txBox="1">
+            <a:spLocks/>
+          </p:cNvSpPr>
+          <p:nvPr/>
+        </p:nvSpPr>
+        <p:spPr>
+          <a:xfrm>
+            <a:off x="0" y="2514600"/>
+            <a:ext cx="9144000" cy="1219200"/>
           </a:xfrm>
           <a:prstGeom prst="rect">
             <a:avLst/>
           </a:prstGeom>
-          <a:noFill/>
-          <a:ln w="9525">
-            <a:noFill/>
-            <a:miter lim="800000"/>
-            <a:headEnd/>
-            <a:tailEnd/>
-          </a:ln>
-          <a:effectLst/>
-        </p:spPr>
-      </p:pic>
-      <p:sp>
-        <p:nvSpPr>
-          <p:cNvPr id="2" name="Title 1"/>
-          <p:cNvSpPr>
-            <a:spLocks noGrp="1"/>
-          </p:cNvSpPr>
-          <p:nvPr>
-            <p:ph type="title"/>
-          </p:nvPr>
-        </p:nvSpPr>
-        <p:spPr/>
-        <p:txBody>
-          <a:bodyPr/>
-          <a:lstStyle/>
-          <a:p>
-            <a:r>
-              <a:rPr lang="en-US" smtClean="0"/>
-              <a:t>Pilot Structures (Implementation)</a:t>
-            </a:r>
-            <a:endParaRPr lang="en-US"/>
-          </a:p>
-        </p:txBody>
-      </p:sp>
-      <p:sp>
-        <p:nvSpPr>
-          <p:cNvPr id="3" name="Content Placeholder 2"/>
-          <p:cNvSpPr>
-            <a:spLocks noGrp="1"/>
-          </p:cNvSpPr>
-          <p:nvPr>
-            <p:ph idx="1"/>
-          </p:nvPr>
-        </p:nvSpPr>
-        <p:spPr>
-          <a:xfrm>
-            <a:off x="457200" y="1447801"/>
-            <a:ext cx="8229600" cy="1600199"/>
-          </a:xfrm>
-        </p:spPr>
-        <p:txBody>
-          <a:bodyPr>
-            <a:normAutofit/>
+        </p:spPr>
+        <p:txBody>
+          <a:bodyPr vert="horz" lIns="91440" tIns="45720" rIns="91440" bIns="45720" rtlCol="0" anchor="ctr">
+            <a:noAutofit/>
           </a:bodyPr>
           <a:lstStyle/>
           <a:p>
+            <a:pPr lvl="0" algn="ctr">
+              <a:spcBef>
+                <a:spcPct val="0"/>
+              </a:spcBef>
+              <a:defRPr/>
+            </a:pPr>
+            <a:r>
+              <a:rPr lang="en-US" sz="4400" smtClean="0"/>
+              <a:t>Pilot Structures</a:t>
+            </a:r>
+            <a:br>
+              <a:rPr lang="en-US" sz="4400" smtClean="0"/>
+            </a:br>
             <a:r>
               <a:rPr lang="en-US" sz="2400" smtClean="0"/>
-              <a:t>Pilot functionality can be implemented several ways</a:t>
-            </a:r>
-          </a:p>
-          <a:p>
-            <a:pPr lvl="1"/>
-            <a:r>
-              <a:rPr lang="en-US" sz="2000" smtClean="0"/>
-              <a:t>Direct subclassing (e.g., AutoPilot, UBF Agent, etc)</a:t>
-            </a:r>
-          </a:p>
-          <a:p>
-            <a:pPr lvl="1"/>
-            <a:r>
-              <a:rPr lang="en-US" sz="2000" smtClean="0"/>
-              <a:t>Indirect interface to external software system (e.g., Soar, CLIPS, etc)</a:t>
-            </a:r>
-          </a:p>
-          <a:p>
-            <a:pPr lvl="1"/>
-            <a:r>
-              <a:rPr lang="en-US" sz="2000" smtClean="0"/>
-              <a:t>Maybe a scripting system</a:t>
-            </a:r>
-            <a:endParaRPr lang="en-US" sz="1600" smtClean="0"/>
-          </a:p>
-        </p:txBody>
-      </p:sp>
-      <p:pic>
-        <p:nvPicPr>
-          <p:cNvPr id="3074" name="Picture 2"/>
-          <p:cNvPicPr>
-            <a:picLocks noChangeAspect="1" noChangeArrowheads="1"/>
-          </p:cNvPicPr>
-          <p:nvPr/>
-        </p:nvPicPr>
-        <p:blipFill>
-          <a:blip r:embed="rId3" cstate="print"/>
-          <a:srcRect/>
-          <a:stretch>
-            <a:fillRect/>
-          </a:stretch>
-        </p:blipFill>
-        <p:spPr bwMode="auto">
-          <a:xfrm>
-            <a:off x="6096000" y="4495800"/>
-            <a:ext cx="585355" cy="658831"/>
-          </a:xfrm>
-          <a:prstGeom prst="rect">
-            <a:avLst/>
-          </a:prstGeom>
-          <a:noFill/>
-          <a:ln w="9525">
-            <a:noFill/>
-            <a:miter lim="800000"/>
-            <a:headEnd/>
-            <a:tailEnd/>
-          </a:ln>
-        </p:spPr>
-      </p:pic>
-      <p:cxnSp>
-        <p:nvCxnSpPr>
-          <p:cNvPr id="6" name="Straight Arrow Connector 5"/>
-          <p:cNvCxnSpPr/>
-          <p:nvPr/>
-        </p:nvCxnSpPr>
-        <p:spPr>
-          <a:xfrm flipH="1" flipV="1">
-            <a:off x="6096000" y="5334000"/>
-            <a:ext cx="228600" cy="381000"/>
-          </a:xfrm>
-          <a:prstGeom prst="straightConnector1">
-            <a:avLst/>
-          </a:prstGeom>
-          <a:ln w="22225">
-            <a:solidFill>
-              <a:srgbClr val="FF0000"/>
-            </a:solidFill>
-            <a:tailEnd type="arrow"/>
-          </a:ln>
-        </p:spPr>
-        <p:style>
-          <a:lnRef idx="1">
-            <a:schemeClr val="accent1"/>
-          </a:lnRef>
-          <a:fillRef idx="0">
-            <a:schemeClr val="accent1"/>
-          </a:fillRef>
-          <a:effectRef idx="0">
-            <a:schemeClr val="accent1"/>
-          </a:effectRef>
-          <a:fontRef idx="minor">
-            <a:schemeClr val="tx1"/>
-          </a:fontRef>
-        </p:style>
-      </p:cxnSp>
-      <p:sp>
-        <p:nvSpPr>
-          <p:cNvPr id="7" name="TextBox 6"/>
-          <p:cNvSpPr txBox="1"/>
-          <p:nvPr/>
-        </p:nvSpPr>
-        <p:spPr>
-          <a:xfrm>
-            <a:off x="5867400" y="5715000"/>
-            <a:ext cx="1600200" cy="338554"/>
-          </a:xfrm>
-          <a:prstGeom prst="rect">
-            <a:avLst/>
-          </a:prstGeom>
-          <a:noFill/>
-        </p:spPr>
-        <p:txBody>
-          <a:bodyPr wrap="square" rtlCol="0">
-            <a:spAutoFit/>
-          </a:bodyPr>
-          <a:lstStyle/>
-          <a:p>
-            <a:pPr algn="ctr"/>
-            <a:r>
-              <a:rPr lang="en-US" sz="1600" dirty="0" smtClean="0"/>
-              <a:t>Decision Making</a:t>
-            </a:r>
-            <a:endParaRPr lang="en-US" sz="1600" dirty="0"/>
-          </a:p>
-        </p:txBody>
-      </p:sp>
-      <p:cxnSp>
-        <p:nvCxnSpPr>
-          <p:cNvPr id="10" name="Straight Arrow Connector 9"/>
-          <p:cNvCxnSpPr/>
-          <p:nvPr/>
-        </p:nvCxnSpPr>
-        <p:spPr>
-          <a:xfrm rot="5400000" flipH="1" flipV="1">
-            <a:off x="3810000" y="5257800"/>
-            <a:ext cx="381000" cy="76200"/>
-          </a:xfrm>
-          <a:prstGeom prst="straightConnector1">
-            <a:avLst/>
-          </a:prstGeom>
-          <a:ln w="22225">
-            <a:solidFill>
-              <a:srgbClr val="FF0000"/>
-            </a:solidFill>
-            <a:tailEnd type="arrow"/>
-          </a:ln>
-        </p:spPr>
-        <p:style>
-          <a:lnRef idx="1">
-            <a:schemeClr val="accent1"/>
-          </a:lnRef>
-          <a:fillRef idx="0">
-            <a:schemeClr val="accent1"/>
-          </a:fillRef>
-          <a:effectRef idx="0">
-            <a:schemeClr val="accent1"/>
-          </a:effectRef>
-          <a:fontRef idx="minor">
-            <a:schemeClr val="tx1"/>
-          </a:fontRef>
-        </p:style>
-      </p:cxnSp>
-      <p:sp>
-        <p:nvSpPr>
-          <p:cNvPr id="11" name="TextBox 10"/>
-          <p:cNvSpPr txBox="1"/>
-          <p:nvPr/>
-        </p:nvSpPr>
-        <p:spPr>
-          <a:xfrm>
-            <a:off x="3429000" y="5486400"/>
-            <a:ext cx="1066800" cy="338554"/>
-          </a:xfrm>
-          <a:prstGeom prst="rect">
-            <a:avLst/>
-          </a:prstGeom>
-          <a:noFill/>
-        </p:spPr>
-        <p:txBody>
-          <a:bodyPr wrap="square" rtlCol="0">
-            <a:spAutoFit/>
-          </a:bodyPr>
-          <a:lstStyle/>
-          <a:p>
-            <a:pPr algn="ctr"/>
-            <a:r>
-              <a:rPr lang="en-US" sz="1600" smtClean="0"/>
-              <a:t>Behavior</a:t>
-            </a:r>
-            <a:endParaRPr lang="en-US" sz="1600" dirty="0"/>
-          </a:p>
-        </p:txBody>
-      </p:sp>
-      <p:cxnSp>
-        <p:nvCxnSpPr>
-          <p:cNvPr id="12" name="Straight Arrow Connector 11"/>
-          <p:cNvCxnSpPr/>
-          <p:nvPr/>
-        </p:nvCxnSpPr>
-        <p:spPr>
-          <a:xfrm rot="10800000" flipV="1">
-            <a:off x="4177554" y="3646073"/>
-            <a:ext cx="394447" cy="56350"/>
-          </a:xfrm>
-          <a:prstGeom prst="straightConnector1">
-            <a:avLst/>
-          </a:prstGeom>
-          <a:ln w="22225">
-            <a:solidFill>
-              <a:srgbClr val="FF0000"/>
-            </a:solidFill>
-            <a:tailEnd type="arrow"/>
-          </a:ln>
-        </p:spPr>
-        <p:style>
-          <a:lnRef idx="1">
-            <a:schemeClr val="accent1"/>
-          </a:lnRef>
-          <a:fillRef idx="0">
-            <a:schemeClr val="accent1"/>
-          </a:fillRef>
-          <a:effectRef idx="0">
-            <a:schemeClr val="accent1"/>
-          </a:effectRef>
-          <a:fontRef idx="minor">
-            <a:schemeClr val="tx1"/>
-          </a:fontRef>
-        </p:style>
-      </p:cxnSp>
-      <p:sp>
-        <p:nvSpPr>
-          <p:cNvPr id="13" name="TextBox 12"/>
-          <p:cNvSpPr txBox="1"/>
-          <p:nvPr/>
-        </p:nvSpPr>
-        <p:spPr>
-          <a:xfrm>
-            <a:off x="4495800" y="3429000"/>
-            <a:ext cx="1066800" cy="338554"/>
-          </a:xfrm>
-          <a:prstGeom prst="rect">
-            <a:avLst/>
-          </a:prstGeom>
-          <a:noFill/>
-        </p:spPr>
-        <p:txBody>
-          <a:bodyPr wrap="square" rtlCol="0">
-            <a:spAutoFit/>
-          </a:bodyPr>
-          <a:lstStyle/>
-          <a:p>
-            <a:pPr algn="ctr"/>
-            <a:r>
-              <a:rPr lang="en-US" sz="1600" smtClean="0"/>
-              <a:t>Control</a:t>
-            </a:r>
-            <a:endParaRPr lang="en-US" sz="1600" dirty="0"/>
+              <a:t>(Implementation of Functionality)</a:t>
+            </a:r>
+            <a:endParaRPr lang="en-US" sz="4400"/>
           </a:p>
         </p:txBody>
       </p:sp>
@@ -8443,6 +8537,39 @@
           <a:chExt cx="0" cy="0"/>
         </a:xfrm>
       </p:grpSpPr>
+      <p:pic>
+        <p:nvPicPr>
+          <p:cNvPr id="1026" name="Picture 2"/>
+          <p:cNvPicPr>
+            <a:picLocks noChangeAspect="1" noChangeArrowheads="1"/>
+          </p:cNvPicPr>
+          <p:nvPr/>
+        </p:nvPicPr>
+        <p:blipFill>
+          <a:blip r:embed="rId2" cstate="print"/>
+          <a:srcRect/>
+          <a:stretch>
+            <a:fillRect/>
+          </a:stretch>
+        </p:blipFill>
+        <p:spPr bwMode="auto">
+          <a:xfrm>
+            <a:off x="2362199" y="3406588"/>
+            <a:ext cx="4495801" cy="1851212"/>
+          </a:xfrm>
+          <a:prstGeom prst="rect">
+            <a:avLst/>
+          </a:prstGeom>
+          <a:noFill/>
+          <a:ln w="9525">
+            <a:noFill/>
+            <a:miter lim="800000"/>
+            <a:headEnd/>
+            <a:tailEnd/>
+          </a:ln>
+          <a:effectLst/>
+        </p:spPr>
+      </p:pic>
       <p:sp>
         <p:nvSpPr>
           <p:cNvPr id="2" name="Title 1"/>
@@ -8460,7 +8587,7 @@
           <a:p>
             <a:r>
               <a:rPr lang="en-US" smtClean="0"/>
-              <a:t>Summary</a:t>
+              <a:t>Pilot Structures (Implementation)</a:t>
             </a:r>
             <a:endParaRPr lang="en-US"/>
           </a:p>
@@ -8476,36 +8603,332 @@
             <p:ph idx="1"/>
           </p:nvPr>
         </p:nvSpPr>
+        <p:spPr>
+          <a:xfrm>
+            <a:off x="457200" y="1447801"/>
+            <a:ext cx="8229600" cy="1600199"/>
+          </a:xfrm>
+        </p:spPr>
+        <p:txBody>
+          <a:bodyPr>
+            <a:normAutofit/>
+          </a:bodyPr>
+          <a:lstStyle/>
+          <a:p>
+            <a:r>
+              <a:rPr lang="en-US" sz="2400" smtClean="0"/>
+              <a:t>Pilot functionality can be implemented several ways</a:t>
+            </a:r>
+          </a:p>
+          <a:p>
+            <a:pPr lvl="1"/>
+            <a:r>
+              <a:rPr lang="en-US" sz="2000" smtClean="0"/>
+              <a:t>Direct subclassing (e.g., AutoPilot, UBF Agent, etc)</a:t>
+            </a:r>
+          </a:p>
+          <a:p>
+            <a:pPr lvl="1"/>
+            <a:r>
+              <a:rPr lang="en-US" sz="2000" smtClean="0"/>
+              <a:t>Indirect interface to external software system (e.g., Soar, CLIPS, etc)</a:t>
+            </a:r>
+          </a:p>
+          <a:p>
+            <a:pPr lvl="1"/>
+            <a:r>
+              <a:rPr lang="en-US" sz="2000" smtClean="0"/>
+              <a:t>Maybe a scripting system</a:t>
+            </a:r>
+            <a:endParaRPr lang="en-US" sz="1600" smtClean="0"/>
+          </a:p>
+        </p:txBody>
+      </p:sp>
+      <p:pic>
+        <p:nvPicPr>
+          <p:cNvPr id="3074" name="Picture 2"/>
+          <p:cNvPicPr>
+            <a:picLocks noChangeAspect="1" noChangeArrowheads="1"/>
+          </p:cNvPicPr>
+          <p:nvPr/>
+        </p:nvPicPr>
+        <p:blipFill>
+          <a:blip r:embed="rId3" cstate="print"/>
+          <a:srcRect/>
+          <a:stretch>
+            <a:fillRect/>
+          </a:stretch>
+        </p:blipFill>
+        <p:spPr bwMode="auto">
+          <a:xfrm>
+            <a:off x="6096000" y="4495800"/>
+            <a:ext cx="585355" cy="658831"/>
+          </a:xfrm>
+          <a:prstGeom prst="rect">
+            <a:avLst/>
+          </a:prstGeom>
+          <a:noFill/>
+          <a:ln w="9525">
+            <a:noFill/>
+            <a:miter lim="800000"/>
+            <a:headEnd/>
+            <a:tailEnd/>
+          </a:ln>
+        </p:spPr>
+      </p:pic>
+      <p:cxnSp>
+        <p:nvCxnSpPr>
+          <p:cNvPr id="6" name="Straight Arrow Connector 5"/>
+          <p:cNvCxnSpPr/>
+          <p:nvPr/>
+        </p:nvCxnSpPr>
+        <p:spPr>
+          <a:xfrm flipH="1" flipV="1">
+            <a:off x="6096000" y="5334000"/>
+            <a:ext cx="228600" cy="381000"/>
+          </a:xfrm>
+          <a:prstGeom prst="straightConnector1">
+            <a:avLst/>
+          </a:prstGeom>
+          <a:ln w="22225">
+            <a:solidFill>
+              <a:srgbClr val="FF0000"/>
+            </a:solidFill>
+            <a:tailEnd type="arrow"/>
+          </a:ln>
+        </p:spPr>
+        <p:style>
+          <a:lnRef idx="1">
+            <a:schemeClr val="accent1"/>
+          </a:lnRef>
+          <a:fillRef idx="0">
+            <a:schemeClr val="accent1"/>
+          </a:fillRef>
+          <a:effectRef idx="0">
+            <a:schemeClr val="accent1"/>
+          </a:effectRef>
+          <a:fontRef idx="minor">
+            <a:schemeClr val="tx1"/>
+          </a:fontRef>
+        </p:style>
+      </p:cxnSp>
+      <p:sp>
+        <p:nvSpPr>
+          <p:cNvPr id="7" name="TextBox 6"/>
+          <p:cNvSpPr txBox="1"/>
+          <p:nvPr/>
+        </p:nvSpPr>
+        <p:spPr>
+          <a:xfrm>
+            <a:off x="5867400" y="5715000"/>
+            <a:ext cx="1600200" cy="338554"/>
+          </a:xfrm>
+          <a:prstGeom prst="rect">
+            <a:avLst/>
+          </a:prstGeom>
+          <a:noFill/>
+        </p:spPr>
+        <p:txBody>
+          <a:bodyPr wrap="square" rtlCol="0">
+            <a:spAutoFit/>
+          </a:bodyPr>
+          <a:lstStyle/>
+          <a:p>
+            <a:pPr algn="ctr"/>
+            <a:r>
+              <a:rPr lang="en-US" sz="1600" dirty="0" smtClean="0"/>
+              <a:t>Decision Making</a:t>
+            </a:r>
+            <a:endParaRPr lang="en-US" sz="1600" dirty="0"/>
+          </a:p>
+        </p:txBody>
+      </p:sp>
+      <p:cxnSp>
+        <p:nvCxnSpPr>
+          <p:cNvPr id="10" name="Straight Arrow Connector 9"/>
+          <p:cNvCxnSpPr/>
+          <p:nvPr/>
+        </p:nvCxnSpPr>
+        <p:spPr>
+          <a:xfrm rot="5400000" flipH="1" flipV="1">
+            <a:off x="3810000" y="5257800"/>
+            <a:ext cx="381000" cy="76200"/>
+          </a:xfrm>
+          <a:prstGeom prst="straightConnector1">
+            <a:avLst/>
+          </a:prstGeom>
+          <a:ln w="22225">
+            <a:solidFill>
+              <a:srgbClr val="FF0000"/>
+            </a:solidFill>
+            <a:tailEnd type="arrow"/>
+          </a:ln>
+        </p:spPr>
+        <p:style>
+          <a:lnRef idx="1">
+            <a:schemeClr val="accent1"/>
+          </a:lnRef>
+          <a:fillRef idx="0">
+            <a:schemeClr val="accent1"/>
+          </a:fillRef>
+          <a:effectRef idx="0">
+            <a:schemeClr val="accent1"/>
+          </a:effectRef>
+          <a:fontRef idx="minor">
+            <a:schemeClr val="tx1"/>
+          </a:fontRef>
+        </p:style>
+      </p:cxnSp>
+      <p:sp>
+        <p:nvSpPr>
+          <p:cNvPr id="11" name="TextBox 10"/>
+          <p:cNvSpPr txBox="1"/>
+          <p:nvPr/>
+        </p:nvSpPr>
+        <p:spPr>
+          <a:xfrm>
+            <a:off x="3429000" y="5486400"/>
+            <a:ext cx="1066800" cy="338554"/>
+          </a:xfrm>
+          <a:prstGeom prst="rect">
+            <a:avLst/>
+          </a:prstGeom>
+          <a:noFill/>
+        </p:spPr>
+        <p:txBody>
+          <a:bodyPr wrap="square" rtlCol="0">
+            <a:spAutoFit/>
+          </a:bodyPr>
+          <a:lstStyle/>
+          <a:p>
+            <a:pPr algn="ctr"/>
+            <a:r>
+              <a:rPr lang="en-US" sz="1600" smtClean="0"/>
+              <a:t>Behavior</a:t>
+            </a:r>
+            <a:endParaRPr lang="en-US" sz="1600" dirty="0"/>
+          </a:p>
+        </p:txBody>
+      </p:sp>
+      <p:cxnSp>
+        <p:nvCxnSpPr>
+          <p:cNvPr id="12" name="Straight Arrow Connector 11"/>
+          <p:cNvCxnSpPr/>
+          <p:nvPr/>
+        </p:nvCxnSpPr>
+        <p:spPr>
+          <a:xfrm rot="10800000" flipV="1">
+            <a:off x="4177554" y="3646073"/>
+            <a:ext cx="394447" cy="56350"/>
+          </a:xfrm>
+          <a:prstGeom prst="straightConnector1">
+            <a:avLst/>
+          </a:prstGeom>
+          <a:ln w="22225">
+            <a:solidFill>
+              <a:srgbClr val="FF0000"/>
+            </a:solidFill>
+            <a:tailEnd type="arrow"/>
+          </a:ln>
+        </p:spPr>
+        <p:style>
+          <a:lnRef idx="1">
+            <a:schemeClr val="accent1"/>
+          </a:lnRef>
+          <a:fillRef idx="0">
+            <a:schemeClr val="accent1"/>
+          </a:fillRef>
+          <a:effectRef idx="0">
+            <a:schemeClr val="accent1"/>
+          </a:effectRef>
+          <a:fontRef idx="minor">
+            <a:schemeClr val="tx1"/>
+          </a:fontRef>
+        </p:style>
+      </p:cxnSp>
+      <p:sp>
+        <p:nvSpPr>
+          <p:cNvPr id="13" name="TextBox 12"/>
+          <p:cNvSpPr txBox="1"/>
+          <p:nvPr/>
+        </p:nvSpPr>
+        <p:spPr>
+          <a:xfrm>
+            <a:off x="4495800" y="3429000"/>
+            <a:ext cx="1066800" cy="338554"/>
+          </a:xfrm>
+          <a:prstGeom prst="rect">
+            <a:avLst/>
+          </a:prstGeom>
+          <a:noFill/>
+        </p:spPr>
+        <p:txBody>
+          <a:bodyPr wrap="square" rtlCol="0">
+            <a:spAutoFit/>
+          </a:bodyPr>
+          <a:lstStyle/>
+          <a:p>
+            <a:pPr algn="ctr"/>
+            <a:r>
+              <a:rPr lang="en-US" sz="1600" smtClean="0"/>
+              <a:t>Control</a:t>
+            </a:r>
+            <a:endParaRPr lang="en-US" sz="1600" dirty="0"/>
+          </a:p>
+        </p:txBody>
+      </p:sp>
+    </p:spTree>
+  </p:cSld>
+  <p:clrMapOvr>
+    <a:masterClrMapping/>
+  </p:clrMapOvr>
+  <p:timing>
+    <p:tnLst>
+      <p:par>
+        <p:cTn id="1" dur="indefinite" restart="never" nodeType="tmRoot"/>
+      </p:par>
+    </p:tnLst>
+  </p:timing>
+</p:sld>
+</file>
+
+<file path=ppt/slides/slide34.xml><?xml version="1.0" encoding="utf-8"?>
+<p:sld xmlns:a="http://schemas.openxmlformats.org/drawingml/2006/main" xmlns:r="http://schemas.openxmlformats.org/officeDocument/2006/relationships" xmlns:p="http://schemas.openxmlformats.org/presentationml/2006/main">
+  <p:cSld>
+    <p:spTree>
+      <p:nvGrpSpPr>
+        <p:cNvPr id="1" name=""/>
+        <p:cNvGrpSpPr/>
+        <p:nvPr/>
+      </p:nvGrpSpPr>
+      <p:grpSpPr>
+        <a:xfrm>
+          <a:off x="0" y="0"/>
+          <a:ext cx="0" cy="0"/>
+          <a:chOff x="0" y="0"/>
+          <a:chExt cx="0" cy="0"/>
+        </a:xfrm>
+      </p:grpSpPr>
+      <p:sp>
+        <p:nvSpPr>
+          <p:cNvPr id="2" name="Title 1"/>
+          <p:cNvSpPr>
+            <a:spLocks noGrp="1"/>
+          </p:cNvSpPr>
+          <p:nvPr>
+            <p:ph type="ctrTitle"/>
+          </p:nvPr>
+        </p:nvSpPr>
         <p:spPr/>
         <p:txBody>
           <a:bodyPr/>
           <a:lstStyle/>
           <a:p>
             <a:r>
-              <a:rPr lang="en-US" smtClean="0"/>
-              <a:t>Lots of places to add “intelligent” behaviors</a:t>
-            </a:r>
-          </a:p>
-          <a:p>
-            <a:pPr lvl="1"/>
-            <a:r>
-              <a:rPr lang="en-US" smtClean="0"/>
-              <a:t>AutoPilot</a:t>
-            </a:r>
-          </a:p>
-          <a:p>
-            <a:pPr lvl="1"/>
-            <a:r>
-              <a:rPr lang="en-US" smtClean="0"/>
-              <a:t>Onboard Computer</a:t>
-            </a:r>
-          </a:p>
-          <a:p>
-            <a:pPr lvl="2"/>
-            <a:r>
-              <a:rPr lang="en-US" smtClean="0"/>
-              <a:t>Could act as the “Actor” for UBF</a:t>
-            </a:r>
+              <a:rPr lang="en-US" dirty="0" smtClean="0"/>
+              <a:t>EOF</a:t>
+            </a:r>
+            <a:endParaRPr lang="en-US" dirty="0"/>
           </a:p>
         </p:txBody>
       </p:sp>
@@ -8988,142 +9411,1502 @@
       </p:grpSpPr>
       <p:sp>
         <p:nvSpPr>
-          <p:cNvPr id="6" name="Title 3"/>
-          <p:cNvSpPr txBox="1">
-            <a:spLocks/>
-          </p:cNvSpPr>
-          <p:nvPr/>
-        </p:nvSpPr>
-        <p:spPr>
-          <a:xfrm>
-            <a:off x="0" y="2514600"/>
-            <a:ext cx="9144000" cy="1219200"/>
+          <p:cNvPr id="184322" name="Rectangle 2"/>
+          <p:cNvSpPr>
+            <a:spLocks noChangeArrowheads="1"/>
+          </p:cNvSpPr>
+          <p:nvPr/>
+        </p:nvSpPr>
+        <p:spPr bwMode="auto">
+          <a:xfrm>
+            <a:off x="3962400" y="2362200"/>
+            <a:ext cx="1066800" cy="2286000"/>
           </a:xfrm>
           <a:prstGeom prst="rect">
             <a:avLst/>
           </a:prstGeom>
-        </p:spPr>
-        <p:txBody>
-          <a:bodyPr vert="horz" lIns="91440" tIns="45720" rIns="91440" bIns="45720" rtlCol="0" anchor="ctr">
+          <a:solidFill>
+            <a:srgbClr val="00CCFF"/>
+          </a:solidFill>
+          <a:ln w="9525" algn="ctr">
+            <a:solidFill>
+              <a:schemeClr val="tx1"/>
+            </a:solidFill>
+            <a:miter lim="800000"/>
+            <a:headEnd/>
+            <a:tailEnd/>
+          </a:ln>
+          <a:effectLst/>
+        </p:spPr>
+        <p:txBody>
+          <a:bodyPr anchor="ctr">
+            <a:spAutoFit/>
+          </a:bodyPr>
+          <a:lstStyle/>
+          <a:p>
+            <a:endParaRPr lang="en-US"/>
+          </a:p>
+        </p:txBody>
+      </p:sp>
+      <p:sp>
+        <p:nvSpPr>
+          <p:cNvPr id="184323" name="Rectangle 3"/>
+          <p:cNvSpPr>
+            <a:spLocks noGrp="1" noChangeArrowheads="1"/>
+          </p:cNvSpPr>
+          <p:nvPr>
+            <p:ph type="title"/>
+          </p:nvPr>
+        </p:nvSpPr>
+        <p:spPr/>
+        <p:txBody>
+          <a:bodyPr>
             <a:normAutofit/>
           </a:bodyPr>
           <a:lstStyle/>
           <a:p>
-            <a:pPr marL="0" marR="0" lvl="0" indent="0" algn="ctr" defTabSz="914400" rtl="0" eaLnBrk="1" fontAlgn="auto" latinLnBrk="0" hangingPunct="1">
-              <a:lnSpc>
-                <a:spcPct val="100000"/>
-              </a:lnSpc>
-              <a:spcBef>
-                <a:spcPct val="0"/>
-              </a:spcBef>
-              <a:spcAft>
-                <a:spcPts val="0"/>
-              </a:spcAft>
-              <a:buClrTx/>
-              <a:buSzTx/>
-              <a:buFontTx/>
-              <a:buNone/>
-              <a:tabLst/>
-              <a:defRPr/>
-            </a:pPr>
-            <a:r>
-              <a:rPr kumimoji="0" lang="en-US" sz="4400" b="0" i="0" u="none" strike="noStrike" kern="1200" cap="none" spc="0" normalizeH="0" baseline="0" noProof="0" smtClean="0">
-                <a:ln>
-                  <a:noFill/>
-                </a:ln>
-                <a:solidFill>
-                  <a:schemeClr val="tx1"/>
-                </a:solidFill>
-                <a:effectLst/>
-                <a:uLnTx/>
-                <a:uFillTx/>
-                <a:latin typeface="+mj-lt"/>
-                <a:ea typeface="+mj-ea"/>
-                <a:cs typeface="+mj-cs"/>
-              </a:rPr>
-              <a:t>Simple Player</a:t>
-            </a:r>
-            <a:r>
-              <a:rPr kumimoji="0" lang="en-US" sz="4400" b="0" i="0" u="none" strike="noStrike" kern="1200" cap="none" spc="0" normalizeH="0" noProof="0" smtClean="0">
-                <a:ln>
-                  <a:noFill/>
-                </a:ln>
-                <a:solidFill>
-                  <a:schemeClr val="tx1"/>
-                </a:solidFill>
-                <a:effectLst/>
-                <a:uLnTx/>
-                <a:uFillTx/>
-                <a:latin typeface="+mj-lt"/>
-                <a:ea typeface="+mj-ea"/>
-                <a:cs typeface="+mj-cs"/>
-              </a:rPr>
-              <a:t> Dynamics</a:t>
-            </a:r>
-            <a:r>
-              <a:rPr kumimoji="0" lang="en-US" sz="4400" b="0" i="0" u="none" strike="noStrike" kern="1200" cap="none" spc="0" normalizeH="0" baseline="0" noProof="0" smtClean="0">
-                <a:ln>
-                  <a:noFill/>
-                </a:ln>
-                <a:solidFill>
-                  <a:schemeClr val="tx1"/>
-                </a:solidFill>
-                <a:effectLst/>
-                <a:uLnTx/>
-                <a:uFillTx/>
-                <a:latin typeface="+mj-lt"/>
-                <a:ea typeface="+mj-ea"/>
-                <a:cs typeface="+mj-cs"/>
-              </a:rPr>
-              <a:t/>
-            </a:r>
-            <a:br>
-              <a:rPr kumimoji="0" lang="en-US" sz="4400" b="0" i="0" u="none" strike="noStrike" kern="1200" cap="none" spc="0" normalizeH="0" baseline="0" noProof="0" smtClean="0">
-                <a:ln>
-                  <a:noFill/>
-                </a:ln>
-                <a:solidFill>
-                  <a:schemeClr val="tx1"/>
-                </a:solidFill>
-                <a:effectLst/>
-                <a:uLnTx/>
-                <a:uFillTx/>
-                <a:latin typeface="+mj-lt"/>
-                <a:ea typeface="+mj-ea"/>
-                <a:cs typeface="+mj-cs"/>
-              </a:rPr>
-            </a:br>
-            <a:r>
-              <a:rPr kumimoji="0" lang="en-US" sz="2400" b="0" i="0" u="none" strike="noStrike" kern="1200" cap="none" spc="0" normalizeH="0" baseline="0" noProof="0" smtClean="0">
-                <a:ln>
-                  <a:noFill/>
-                </a:ln>
-                <a:solidFill>
-                  <a:schemeClr val="tx1"/>
-                </a:solidFill>
-                <a:effectLst/>
-                <a:uLnTx/>
-                <a:uFillTx/>
-                <a:latin typeface="+mj-lt"/>
-                <a:ea typeface="+mj-ea"/>
-                <a:cs typeface="+mj-cs"/>
-              </a:rPr>
-              <a:t>(DynamicModel not required)</a:t>
-            </a:r>
-            <a:endParaRPr kumimoji="0" lang="en-US" sz="4400" b="0" i="0" u="none" strike="noStrike" kern="1200" cap="none" spc="0" normalizeH="0" baseline="0" noProof="0">
-              <a:ln>
-                <a:noFill/>
-              </a:ln>
-              <a:solidFill>
-                <a:schemeClr val="tx1"/>
-              </a:solidFill>
-              <a:effectLst/>
-              <a:uLnTx/>
-              <a:uFillTx/>
-              <a:latin typeface="+mj-lt"/>
-              <a:ea typeface="+mj-ea"/>
-              <a:cs typeface="+mj-cs"/>
-            </a:endParaRPr>
+            <a:r>
+              <a:rPr lang="en-US" dirty="0" smtClean="0"/>
+              <a:t>Generalized 6DOF Aero Model</a:t>
+            </a:r>
+            <a:endParaRPr lang="en-US" dirty="0"/>
+          </a:p>
+        </p:txBody>
+      </p:sp>
+      <p:sp>
+        <p:nvSpPr>
+          <p:cNvPr id="184324" name="Rectangle 4"/>
+          <p:cNvSpPr>
+            <a:spLocks noChangeArrowheads="1"/>
+          </p:cNvSpPr>
+          <p:nvPr/>
+        </p:nvSpPr>
+        <p:spPr bwMode="auto">
+          <a:xfrm>
+            <a:off x="304800" y="2971800"/>
+            <a:ext cx="990600" cy="533400"/>
+          </a:xfrm>
+          <a:prstGeom prst="rect">
+            <a:avLst/>
+          </a:prstGeom>
+          <a:solidFill>
+            <a:srgbClr val="00FFFF"/>
+          </a:solidFill>
+          <a:ln w="9525">
+            <a:solidFill>
+              <a:schemeClr val="tx1"/>
+            </a:solidFill>
+            <a:miter lim="800000"/>
+            <a:headEnd/>
+            <a:tailEnd/>
+          </a:ln>
+          <a:effectLst/>
+        </p:spPr>
+        <p:txBody>
+          <a:bodyPr wrap="none" anchor="ctr"/>
+          <a:lstStyle/>
+          <a:p>
+            <a:r>
+              <a:rPr lang="en-US" sz="1400" dirty="0" smtClean="0"/>
+              <a:t>Autopilot</a:t>
+            </a:r>
+            <a:endParaRPr lang="en-US" sz="1400" dirty="0"/>
+          </a:p>
+        </p:txBody>
+      </p:sp>
+      <p:sp>
+        <p:nvSpPr>
+          <p:cNvPr id="184325" name="Rectangle 5"/>
+          <p:cNvSpPr>
+            <a:spLocks noChangeArrowheads="1"/>
+          </p:cNvSpPr>
+          <p:nvPr/>
+        </p:nvSpPr>
+        <p:spPr bwMode="auto">
+          <a:xfrm>
+            <a:off x="5257800" y="1447800"/>
+            <a:ext cx="1004888" cy="609600"/>
+          </a:xfrm>
+          <a:prstGeom prst="rect">
+            <a:avLst/>
+          </a:prstGeom>
+          <a:solidFill>
+            <a:srgbClr val="00FFFF"/>
+          </a:solidFill>
+          <a:ln w="9525">
+            <a:solidFill>
+              <a:schemeClr val="tx1"/>
+            </a:solidFill>
+            <a:miter lim="800000"/>
+            <a:headEnd/>
+            <a:tailEnd/>
+          </a:ln>
+          <a:effectLst/>
+        </p:spPr>
+        <p:txBody>
+          <a:bodyPr wrap="none" anchor="ctr"/>
+          <a:lstStyle/>
+          <a:p>
+            <a:r>
+              <a:rPr lang="en-US" sz="1400"/>
+              <a:t>Engine(s)</a:t>
+            </a:r>
+          </a:p>
+        </p:txBody>
+      </p:sp>
+      <p:sp>
+        <p:nvSpPr>
+          <p:cNvPr id="184326" name="Rectangle 6"/>
+          <p:cNvSpPr>
+            <a:spLocks noChangeArrowheads="1"/>
+          </p:cNvSpPr>
+          <p:nvPr/>
+        </p:nvSpPr>
+        <p:spPr bwMode="auto">
+          <a:xfrm>
+            <a:off x="2743200" y="2971800"/>
+            <a:ext cx="990600" cy="685800"/>
+          </a:xfrm>
+          <a:prstGeom prst="rect">
+            <a:avLst/>
+          </a:prstGeom>
+          <a:solidFill>
+            <a:srgbClr val="00FFFF"/>
+          </a:solidFill>
+          <a:ln w="9525">
+            <a:solidFill>
+              <a:schemeClr val="tx1"/>
+            </a:solidFill>
+            <a:miter lim="800000"/>
+            <a:headEnd/>
+            <a:tailEnd/>
+          </a:ln>
+          <a:effectLst/>
+        </p:spPr>
+        <p:txBody>
+          <a:bodyPr wrap="none" anchor="ctr"/>
+          <a:lstStyle/>
+          <a:p>
+            <a:r>
+              <a:rPr lang="en-US" sz="1400"/>
+              <a:t>Control </a:t>
+            </a:r>
+          </a:p>
+          <a:p>
+            <a:r>
+              <a:rPr lang="en-US" sz="1400"/>
+              <a:t>Surfaces</a:t>
+            </a:r>
+          </a:p>
+        </p:txBody>
+      </p:sp>
+      <p:sp>
+        <p:nvSpPr>
+          <p:cNvPr id="184328" name="Rectangle 8"/>
+          <p:cNvSpPr>
+            <a:spLocks noChangeArrowheads="1"/>
+          </p:cNvSpPr>
+          <p:nvPr/>
+        </p:nvSpPr>
+        <p:spPr bwMode="auto">
+          <a:xfrm>
+            <a:off x="3962400" y="2286000"/>
+            <a:ext cx="1066800" cy="381000"/>
+          </a:xfrm>
+          <a:prstGeom prst="rect">
+            <a:avLst/>
+          </a:prstGeom>
+          <a:noFill/>
+          <a:ln w="9525">
+            <a:noFill/>
+            <a:miter lim="800000"/>
+            <a:headEnd/>
+            <a:tailEnd/>
+          </a:ln>
+          <a:effectLst/>
+        </p:spPr>
+        <p:txBody>
+          <a:bodyPr wrap="none" anchor="ctr"/>
+          <a:lstStyle/>
+          <a:p>
+            <a:r>
+              <a:rPr lang="en-US" sz="1400"/>
+              <a:t>Coefficients</a:t>
+            </a:r>
+          </a:p>
+        </p:txBody>
+      </p:sp>
+      <p:sp>
+        <p:nvSpPr>
+          <p:cNvPr id="184329" name="AutoShape 9"/>
+          <p:cNvSpPr>
+            <a:spLocks/>
+          </p:cNvSpPr>
+          <p:nvPr/>
+        </p:nvSpPr>
+        <p:spPr bwMode="auto">
+          <a:xfrm>
+            <a:off x="4038600" y="2590800"/>
+            <a:ext cx="228600" cy="1905000"/>
+          </a:xfrm>
+          <a:prstGeom prst="leftBrace">
+            <a:avLst>
+              <a:gd name="adj1" fmla="val 69444"/>
+              <a:gd name="adj2" fmla="val 50000"/>
+            </a:avLst>
+          </a:prstGeom>
+          <a:noFill/>
+          <a:ln w="9525">
+            <a:solidFill>
+              <a:schemeClr val="tx1"/>
+            </a:solidFill>
+            <a:round/>
+            <a:headEnd/>
+            <a:tailEnd/>
+          </a:ln>
+          <a:effectLst/>
+        </p:spPr>
+        <p:txBody>
+          <a:bodyPr wrap="none" anchor="ctr"/>
+          <a:lstStyle/>
+          <a:p>
+            <a:endParaRPr lang="en-US"/>
+          </a:p>
+        </p:txBody>
+      </p:sp>
+      <p:sp>
+        <p:nvSpPr>
+          <p:cNvPr id="184330" name="AutoShape 10"/>
+          <p:cNvSpPr>
+            <a:spLocks/>
+          </p:cNvSpPr>
+          <p:nvPr/>
+        </p:nvSpPr>
+        <p:spPr bwMode="auto">
+          <a:xfrm>
+            <a:off x="4648200" y="2590800"/>
+            <a:ext cx="228600" cy="1905000"/>
+          </a:xfrm>
+          <a:prstGeom prst="rightBrace">
+            <a:avLst>
+              <a:gd name="adj1" fmla="val 69444"/>
+              <a:gd name="adj2" fmla="val 51620"/>
+            </a:avLst>
+          </a:prstGeom>
+          <a:noFill/>
+          <a:ln w="9525">
+            <a:solidFill>
+              <a:schemeClr val="tx1"/>
+            </a:solidFill>
+            <a:round/>
+            <a:headEnd/>
+            <a:tailEnd/>
+          </a:ln>
+          <a:effectLst/>
+        </p:spPr>
+        <p:txBody>
+          <a:bodyPr wrap="none" anchor="ctr"/>
+          <a:lstStyle/>
+          <a:p>
+            <a:endParaRPr lang="en-US"/>
+          </a:p>
+        </p:txBody>
+      </p:sp>
+      <p:sp>
+        <p:nvSpPr>
+          <p:cNvPr id="184331" name="Rectangle 11"/>
+          <p:cNvSpPr>
+            <a:spLocks noChangeArrowheads="1"/>
+          </p:cNvSpPr>
+          <p:nvPr/>
+        </p:nvSpPr>
+        <p:spPr bwMode="auto">
+          <a:xfrm>
+            <a:off x="4114800" y="2667000"/>
+            <a:ext cx="685800" cy="304800"/>
+          </a:xfrm>
+          <a:prstGeom prst="rect">
+            <a:avLst/>
+          </a:prstGeom>
+          <a:noFill/>
+          <a:ln w="9525">
+            <a:noFill/>
+            <a:miter lim="800000"/>
+            <a:headEnd/>
+            <a:tailEnd/>
+          </a:ln>
+          <a:effectLst/>
+        </p:spPr>
+        <p:txBody>
+          <a:bodyPr wrap="none" anchor="ctr"/>
+          <a:lstStyle/>
+          <a:p>
+            <a:r>
+              <a:rPr lang="en-US" sz="1400"/>
+              <a:t>Lift</a:t>
+            </a:r>
+          </a:p>
+        </p:txBody>
+      </p:sp>
+      <p:sp>
+        <p:nvSpPr>
+          <p:cNvPr id="184332" name="Rectangle 12"/>
+          <p:cNvSpPr>
+            <a:spLocks noChangeArrowheads="1"/>
+          </p:cNvSpPr>
+          <p:nvPr/>
+        </p:nvSpPr>
+        <p:spPr bwMode="auto">
+          <a:xfrm>
+            <a:off x="4114800" y="2971800"/>
+            <a:ext cx="685800" cy="304800"/>
+          </a:xfrm>
+          <a:prstGeom prst="rect">
+            <a:avLst/>
+          </a:prstGeom>
+          <a:noFill/>
+          <a:ln w="9525">
+            <a:noFill/>
+            <a:miter lim="800000"/>
+            <a:headEnd/>
+            <a:tailEnd/>
+          </a:ln>
+          <a:effectLst/>
+        </p:spPr>
+        <p:txBody>
+          <a:bodyPr wrap="none" anchor="ctr"/>
+          <a:lstStyle/>
+          <a:p>
+            <a:r>
+              <a:rPr lang="en-US" sz="1400"/>
+              <a:t>Drag</a:t>
+            </a:r>
+          </a:p>
+        </p:txBody>
+      </p:sp>
+      <p:sp>
+        <p:nvSpPr>
+          <p:cNvPr id="184333" name="Rectangle 13"/>
+          <p:cNvSpPr>
+            <a:spLocks noChangeArrowheads="1"/>
+          </p:cNvSpPr>
+          <p:nvPr/>
+        </p:nvSpPr>
+        <p:spPr bwMode="auto">
+          <a:xfrm>
+            <a:off x="4114800" y="3276600"/>
+            <a:ext cx="685800" cy="304800"/>
+          </a:xfrm>
+          <a:prstGeom prst="rect">
+            <a:avLst/>
+          </a:prstGeom>
+          <a:noFill/>
+          <a:ln w="9525">
+            <a:noFill/>
+            <a:miter lim="800000"/>
+            <a:headEnd/>
+            <a:tailEnd/>
+          </a:ln>
+          <a:effectLst/>
+        </p:spPr>
+        <p:txBody>
+          <a:bodyPr wrap="none" anchor="ctr"/>
+          <a:lstStyle/>
+          <a:p>
+            <a:r>
+              <a:rPr lang="en-US" sz="1400"/>
+              <a:t>Side</a:t>
+            </a:r>
+          </a:p>
+        </p:txBody>
+      </p:sp>
+      <p:sp>
+        <p:nvSpPr>
+          <p:cNvPr id="184334" name="Rectangle 14"/>
+          <p:cNvSpPr>
+            <a:spLocks noChangeArrowheads="1"/>
+          </p:cNvSpPr>
+          <p:nvPr/>
+        </p:nvSpPr>
+        <p:spPr bwMode="auto">
+          <a:xfrm>
+            <a:off x="4114800" y="3581400"/>
+            <a:ext cx="685800" cy="304800"/>
+          </a:xfrm>
+          <a:prstGeom prst="rect">
+            <a:avLst/>
+          </a:prstGeom>
+          <a:noFill/>
+          <a:ln w="9525">
+            <a:noFill/>
+            <a:miter lim="800000"/>
+            <a:headEnd/>
+            <a:tailEnd/>
+          </a:ln>
+          <a:effectLst/>
+        </p:spPr>
+        <p:txBody>
+          <a:bodyPr wrap="none" anchor="ctr"/>
+          <a:lstStyle/>
+          <a:p>
+            <a:r>
+              <a:rPr lang="en-US" sz="1400"/>
+              <a:t>Roll</a:t>
+            </a:r>
+          </a:p>
+        </p:txBody>
+      </p:sp>
+      <p:sp>
+        <p:nvSpPr>
+          <p:cNvPr id="184335" name="Rectangle 15"/>
+          <p:cNvSpPr>
+            <a:spLocks noChangeArrowheads="1"/>
+          </p:cNvSpPr>
+          <p:nvPr/>
+        </p:nvSpPr>
+        <p:spPr bwMode="auto">
+          <a:xfrm>
+            <a:off x="4114800" y="3886200"/>
+            <a:ext cx="685800" cy="304800"/>
+          </a:xfrm>
+          <a:prstGeom prst="rect">
+            <a:avLst/>
+          </a:prstGeom>
+          <a:noFill/>
+          <a:ln w="9525">
+            <a:noFill/>
+            <a:miter lim="800000"/>
+            <a:headEnd/>
+            <a:tailEnd/>
+          </a:ln>
+          <a:effectLst/>
+        </p:spPr>
+        <p:txBody>
+          <a:bodyPr wrap="none" anchor="ctr"/>
+          <a:lstStyle/>
+          <a:p>
+            <a:r>
+              <a:rPr lang="en-US" sz="1400"/>
+              <a:t>Pitch</a:t>
+            </a:r>
+          </a:p>
+        </p:txBody>
+      </p:sp>
+      <p:sp>
+        <p:nvSpPr>
+          <p:cNvPr id="184336" name="Rectangle 16"/>
+          <p:cNvSpPr>
+            <a:spLocks noChangeArrowheads="1"/>
+          </p:cNvSpPr>
+          <p:nvPr/>
+        </p:nvSpPr>
+        <p:spPr bwMode="auto">
+          <a:xfrm>
+            <a:off x="4114800" y="4191000"/>
+            <a:ext cx="685800" cy="304800"/>
+          </a:xfrm>
+          <a:prstGeom prst="rect">
+            <a:avLst/>
+          </a:prstGeom>
+          <a:noFill/>
+          <a:ln w="9525">
+            <a:noFill/>
+            <a:miter lim="800000"/>
+            <a:headEnd/>
+            <a:tailEnd/>
+          </a:ln>
+          <a:effectLst/>
+        </p:spPr>
+        <p:txBody>
+          <a:bodyPr wrap="none" anchor="ctr"/>
+          <a:lstStyle/>
+          <a:p>
+            <a:r>
+              <a:rPr lang="en-US" sz="1400"/>
+              <a:t>Yaw</a:t>
+            </a:r>
+          </a:p>
+        </p:txBody>
+      </p:sp>
+      <p:sp>
+        <p:nvSpPr>
+          <p:cNvPr id="184337" name="Rectangle 17"/>
+          <p:cNvSpPr>
+            <a:spLocks noChangeArrowheads="1"/>
+          </p:cNvSpPr>
+          <p:nvPr/>
+        </p:nvSpPr>
+        <p:spPr bwMode="auto">
+          <a:xfrm>
+            <a:off x="1524000" y="2971800"/>
+            <a:ext cx="990600" cy="685800"/>
+          </a:xfrm>
+          <a:prstGeom prst="rect">
+            <a:avLst/>
+          </a:prstGeom>
+          <a:solidFill>
+            <a:srgbClr val="00FFFF"/>
+          </a:solidFill>
+          <a:ln w="9525">
+            <a:solidFill>
+              <a:schemeClr val="tx1"/>
+            </a:solidFill>
+            <a:miter lim="800000"/>
+            <a:headEnd/>
+            <a:tailEnd/>
+          </a:ln>
+          <a:effectLst/>
+        </p:spPr>
+        <p:txBody>
+          <a:bodyPr wrap="none" anchor="ctr"/>
+          <a:lstStyle/>
+          <a:p>
+            <a:r>
+              <a:rPr lang="en-US" sz="1400" dirty="0"/>
+              <a:t>Flight </a:t>
+            </a:r>
+          </a:p>
+          <a:p>
+            <a:r>
+              <a:rPr lang="en-US" sz="1400" dirty="0"/>
+              <a:t>Control</a:t>
+            </a:r>
+          </a:p>
+          <a:p>
+            <a:r>
+              <a:rPr lang="en-US" sz="1400" dirty="0"/>
+              <a:t>System</a:t>
+            </a:r>
+          </a:p>
+        </p:txBody>
+      </p:sp>
+      <p:sp>
+        <p:nvSpPr>
+          <p:cNvPr id="184338" name="Rectangle 18"/>
+          <p:cNvSpPr>
+            <a:spLocks noChangeArrowheads="1"/>
+          </p:cNvSpPr>
+          <p:nvPr/>
+        </p:nvSpPr>
+        <p:spPr bwMode="auto">
+          <a:xfrm>
+            <a:off x="5257800" y="2971800"/>
+            <a:ext cx="1447800" cy="685800"/>
+          </a:xfrm>
+          <a:prstGeom prst="rect">
+            <a:avLst/>
+          </a:prstGeom>
+          <a:solidFill>
+            <a:srgbClr val="00CCFF"/>
+          </a:solidFill>
+          <a:ln w="9525">
+            <a:solidFill>
+              <a:schemeClr val="tx1"/>
+            </a:solidFill>
+            <a:miter lim="800000"/>
+            <a:headEnd/>
+            <a:tailEnd/>
+          </a:ln>
+          <a:effectLst/>
+        </p:spPr>
+        <p:txBody>
+          <a:bodyPr wrap="none" anchor="ctr"/>
+          <a:lstStyle/>
+          <a:p>
+            <a:r>
+              <a:rPr lang="en-US" sz="1400"/>
+              <a:t>Forces</a:t>
+            </a:r>
+          </a:p>
+          <a:p>
+            <a:r>
+              <a:rPr lang="en-US" sz="1400"/>
+              <a:t>And </a:t>
+            </a:r>
+          </a:p>
+          <a:p>
+            <a:r>
+              <a:rPr lang="en-US" sz="1400"/>
+              <a:t>Moments</a:t>
+            </a:r>
+          </a:p>
+        </p:txBody>
+      </p:sp>
+      <p:sp>
+        <p:nvSpPr>
+          <p:cNvPr id="184339" name="Rectangle 19"/>
+          <p:cNvSpPr>
+            <a:spLocks noChangeArrowheads="1"/>
+          </p:cNvSpPr>
+          <p:nvPr/>
+        </p:nvSpPr>
+        <p:spPr bwMode="auto">
+          <a:xfrm>
+            <a:off x="6934200" y="2971800"/>
+            <a:ext cx="990600" cy="685800"/>
+          </a:xfrm>
+          <a:prstGeom prst="rect">
+            <a:avLst/>
+          </a:prstGeom>
+          <a:solidFill>
+            <a:srgbClr val="00CCFF"/>
+          </a:solidFill>
+          <a:ln w="9525">
+            <a:solidFill>
+              <a:schemeClr val="tx1"/>
+            </a:solidFill>
+            <a:miter lim="800000"/>
+            <a:headEnd/>
+            <a:tailEnd/>
+          </a:ln>
+          <a:effectLst/>
+        </p:spPr>
+        <p:txBody>
+          <a:bodyPr wrap="none" anchor="ctr"/>
+          <a:lstStyle/>
+          <a:p>
+            <a:r>
+              <a:rPr lang="en-US" sz="1400"/>
+              <a:t>EOM</a:t>
+            </a:r>
+          </a:p>
+          <a:p>
+            <a:r>
+              <a:rPr lang="en-US" sz="1400"/>
+              <a:t>F = m*a</a:t>
+            </a:r>
+          </a:p>
+        </p:txBody>
+      </p:sp>
+      <p:sp>
+        <p:nvSpPr>
+          <p:cNvPr id="184340" name="Rectangle 20"/>
+          <p:cNvSpPr>
+            <a:spLocks noChangeArrowheads="1"/>
+          </p:cNvSpPr>
+          <p:nvPr/>
+        </p:nvSpPr>
+        <p:spPr bwMode="auto">
+          <a:xfrm>
+            <a:off x="5243513" y="4114800"/>
+            <a:ext cx="1004887" cy="609600"/>
+          </a:xfrm>
+          <a:prstGeom prst="rect">
+            <a:avLst/>
+          </a:prstGeom>
+          <a:solidFill>
+            <a:srgbClr val="00CCFF"/>
+          </a:solidFill>
+          <a:ln w="9525">
+            <a:solidFill>
+              <a:schemeClr val="tx1"/>
+            </a:solidFill>
+            <a:miter lim="800000"/>
+            <a:headEnd/>
+            <a:tailEnd/>
+          </a:ln>
+          <a:effectLst/>
+        </p:spPr>
+        <p:txBody>
+          <a:bodyPr wrap="none" anchor="ctr"/>
+          <a:lstStyle/>
+          <a:p>
+            <a:r>
+              <a:rPr lang="en-US" sz="1400"/>
+              <a:t>Wt &amp; CG</a:t>
+            </a:r>
+          </a:p>
+        </p:txBody>
+      </p:sp>
+      <p:sp>
+        <p:nvSpPr>
+          <p:cNvPr id="184341" name="Rectangle 21"/>
+          <p:cNvSpPr>
+            <a:spLocks noChangeArrowheads="1"/>
+          </p:cNvSpPr>
+          <p:nvPr/>
+        </p:nvSpPr>
+        <p:spPr bwMode="auto">
+          <a:xfrm>
+            <a:off x="8139113" y="2743200"/>
+            <a:ext cx="1004887" cy="457200"/>
+          </a:xfrm>
+          <a:prstGeom prst="rect">
+            <a:avLst/>
+          </a:prstGeom>
+          <a:noFill/>
+          <a:ln w="9525">
+            <a:noFill/>
+            <a:miter lim="800000"/>
+            <a:headEnd/>
+            <a:tailEnd/>
+          </a:ln>
+          <a:effectLst/>
+        </p:spPr>
+        <p:txBody>
+          <a:bodyPr wrap="none" anchor="ctr"/>
+          <a:lstStyle/>
+          <a:p>
+            <a:r>
+              <a:rPr lang="en-US" sz="1400" dirty="0"/>
+              <a:t>Aircraft</a:t>
+            </a:r>
+          </a:p>
+          <a:p>
+            <a:r>
+              <a:rPr lang="en-US" sz="1400" dirty="0"/>
+              <a:t>State</a:t>
+            </a:r>
+          </a:p>
+        </p:txBody>
+      </p:sp>
+      <p:sp>
+        <p:nvSpPr>
+          <p:cNvPr id="184342" name="Line 22"/>
+          <p:cNvSpPr>
+            <a:spLocks noChangeShapeType="1"/>
+          </p:cNvSpPr>
+          <p:nvPr/>
+        </p:nvSpPr>
+        <p:spPr bwMode="auto">
+          <a:xfrm>
+            <a:off x="1295400" y="3276600"/>
+            <a:ext cx="228600" cy="0"/>
+          </a:xfrm>
+          <a:prstGeom prst="line">
+            <a:avLst/>
+          </a:prstGeom>
+          <a:noFill/>
+          <a:ln w="9525">
+            <a:solidFill>
+              <a:schemeClr val="tx1"/>
+            </a:solidFill>
+            <a:round/>
+            <a:headEnd/>
+            <a:tailEnd type="triangle" w="med" len="med"/>
+          </a:ln>
+          <a:effectLst/>
+        </p:spPr>
+        <p:txBody>
+          <a:bodyPr/>
+          <a:lstStyle/>
+          <a:p>
+            <a:endParaRPr lang="en-US"/>
+          </a:p>
+        </p:txBody>
+      </p:sp>
+      <p:sp>
+        <p:nvSpPr>
+          <p:cNvPr id="184343" name="Line 23"/>
+          <p:cNvSpPr>
+            <a:spLocks noChangeShapeType="1"/>
+          </p:cNvSpPr>
+          <p:nvPr/>
+        </p:nvSpPr>
+        <p:spPr bwMode="auto">
+          <a:xfrm>
+            <a:off x="1981200" y="1600200"/>
+            <a:ext cx="0" cy="1371600"/>
+          </a:xfrm>
+          <a:prstGeom prst="line">
+            <a:avLst/>
+          </a:prstGeom>
+          <a:noFill/>
+          <a:ln w="9525">
+            <a:solidFill>
+              <a:schemeClr val="tx1"/>
+            </a:solidFill>
+            <a:round/>
+            <a:headEnd/>
+            <a:tailEnd type="triangle" w="med" len="med"/>
+          </a:ln>
+          <a:effectLst/>
+        </p:spPr>
+        <p:txBody>
+          <a:bodyPr/>
+          <a:lstStyle/>
+          <a:p>
+            <a:endParaRPr lang="en-US"/>
+          </a:p>
+        </p:txBody>
+      </p:sp>
+      <p:sp>
+        <p:nvSpPr>
+          <p:cNvPr id="184344" name="Line 24"/>
+          <p:cNvSpPr>
+            <a:spLocks noChangeShapeType="1"/>
+          </p:cNvSpPr>
+          <p:nvPr/>
+        </p:nvSpPr>
+        <p:spPr bwMode="auto">
+          <a:xfrm>
+            <a:off x="1295400" y="1600200"/>
+            <a:ext cx="3962400" cy="0"/>
+          </a:xfrm>
+          <a:prstGeom prst="line">
+            <a:avLst/>
+          </a:prstGeom>
+          <a:noFill/>
+          <a:ln w="9525">
+            <a:solidFill>
+              <a:schemeClr val="tx1"/>
+            </a:solidFill>
+            <a:round/>
+            <a:headEnd/>
+            <a:tailEnd type="triangle" w="med" len="med"/>
+          </a:ln>
+          <a:effectLst/>
+        </p:spPr>
+        <p:txBody>
+          <a:bodyPr/>
+          <a:lstStyle/>
+          <a:p>
+            <a:endParaRPr lang="en-US"/>
+          </a:p>
+        </p:txBody>
+      </p:sp>
+      <p:sp>
+        <p:nvSpPr>
+          <p:cNvPr id="184345" name="Line 25"/>
+          <p:cNvSpPr>
+            <a:spLocks noChangeShapeType="1"/>
+          </p:cNvSpPr>
+          <p:nvPr/>
+        </p:nvSpPr>
+        <p:spPr bwMode="auto">
+          <a:xfrm>
+            <a:off x="3124200" y="1600200"/>
+            <a:ext cx="0" cy="1371600"/>
+          </a:xfrm>
+          <a:prstGeom prst="line">
+            <a:avLst/>
+          </a:prstGeom>
+          <a:noFill/>
+          <a:ln w="9525">
+            <a:solidFill>
+              <a:schemeClr val="tx1"/>
+            </a:solidFill>
+            <a:round/>
+            <a:headEnd/>
+            <a:tailEnd type="triangle" w="med" len="med"/>
+          </a:ln>
+          <a:effectLst/>
+        </p:spPr>
+        <p:txBody>
+          <a:bodyPr/>
+          <a:lstStyle/>
+          <a:p>
+            <a:endParaRPr lang="en-US"/>
+          </a:p>
+        </p:txBody>
+      </p:sp>
+      <p:sp>
+        <p:nvSpPr>
+          <p:cNvPr id="184346" name="Line 26"/>
+          <p:cNvSpPr>
+            <a:spLocks noChangeShapeType="1"/>
+          </p:cNvSpPr>
+          <p:nvPr/>
+        </p:nvSpPr>
+        <p:spPr bwMode="auto">
+          <a:xfrm>
+            <a:off x="2514600" y="3276600"/>
+            <a:ext cx="228600" cy="0"/>
+          </a:xfrm>
+          <a:prstGeom prst="line">
+            <a:avLst/>
+          </a:prstGeom>
+          <a:noFill/>
+          <a:ln w="9525">
+            <a:solidFill>
+              <a:schemeClr val="tx1"/>
+            </a:solidFill>
+            <a:round/>
+            <a:headEnd/>
+            <a:tailEnd type="triangle" w="med" len="med"/>
+          </a:ln>
+          <a:effectLst/>
+        </p:spPr>
+        <p:txBody>
+          <a:bodyPr/>
+          <a:lstStyle/>
+          <a:p>
+            <a:endParaRPr lang="en-US"/>
+          </a:p>
+        </p:txBody>
+      </p:sp>
+      <p:sp>
+        <p:nvSpPr>
+          <p:cNvPr id="184347" name="Line 27"/>
+          <p:cNvSpPr>
+            <a:spLocks noChangeShapeType="1"/>
+          </p:cNvSpPr>
+          <p:nvPr/>
+        </p:nvSpPr>
+        <p:spPr bwMode="auto">
+          <a:xfrm>
+            <a:off x="3733800" y="3276600"/>
+            <a:ext cx="228600" cy="0"/>
+          </a:xfrm>
+          <a:prstGeom prst="line">
+            <a:avLst/>
+          </a:prstGeom>
+          <a:noFill/>
+          <a:ln w="9525">
+            <a:solidFill>
+              <a:schemeClr val="tx1"/>
+            </a:solidFill>
+            <a:round/>
+            <a:headEnd/>
+            <a:tailEnd type="triangle" w="med" len="med"/>
+          </a:ln>
+          <a:effectLst/>
+        </p:spPr>
+        <p:txBody>
+          <a:bodyPr/>
+          <a:lstStyle/>
+          <a:p>
+            <a:endParaRPr lang="en-US"/>
+          </a:p>
+        </p:txBody>
+      </p:sp>
+      <p:sp>
+        <p:nvSpPr>
+          <p:cNvPr id="184349" name="Line 29"/>
+          <p:cNvSpPr>
+            <a:spLocks noChangeShapeType="1"/>
+          </p:cNvSpPr>
+          <p:nvPr/>
+        </p:nvSpPr>
+        <p:spPr bwMode="auto">
+          <a:xfrm>
+            <a:off x="5715000" y="2057400"/>
+            <a:ext cx="0" cy="914400"/>
+          </a:xfrm>
+          <a:prstGeom prst="line">
+            <a:avLst/>
+          </a:prstGeom>
+          <a:noFill/>
+          <a:ln w="9525">
+            <a:solidFill>
+              <a:schemeClr val="tx1"/>
+            </a:solidFill>
+            <a:round/>
+            <a:headEnd/>
+            <a:tailEnd type="triangle" w="med" len="med"/>
+          </a:ln>
+          <a:effectLst/>
+        </p:spPr>
+        <p:txBody>
+          <a:bodyPr/>
+          <a:lstStyle/>
+          <a:p>
+            <a:endParaRPr lang="en-US"/>
+          </a:p>
+        </p:txBody>
+      </p:sp>
+      <p:sp>
+        <p:nvSpPr>
+          <p:cNvPr id="184350" name="Line 30"/>
+          <p:cNvSpPr>
+            <a:spLocks noChangeShapeType="1"/>
+          </p:cNvSpPr>
+          <p:nvPr/>
+        </p:nvSpPr>
+        <p:spPr bwMode="auto">
+          <a:xfrm>
+            <a:off x="5029200" y="3276600"/>
+            <a:ext cx="228600" cy="0"/>
+          </a:xfrm>
+          <a:prstGeom prst="line">
+            <a:avLst/>
+          </a:prstGeom>
+          <a:noFill/>
+          <a:ln w="9525">
+            <a:solidFill>
+              <a:schemeClr val="tx1"/>
+            </a:solidFill>
+            <a:round/>
+            <a:headEnd/>
+            <a:tailEnd type="triangle" w="med" len="med"/>
+          </a:ln>
+          <a:effectLst/>
+        </p:spPr>
+        <p:txBody>
+          <a:bodyPr/>
+          <a:lstStyle/>
+          <a:p>
+            <a:endParaRPr lang="en-US"/>
+          </a:p>
+        </p:txBody>
+      </p:sp>
+      <p:sp>
+        <p:nvSpPr>
+          <p:cNvPr id="184351" name="Line 31"/>
+          <p:cNvSpPr>
+            <a:spLocks noChangeShapeType="1"/>
+          </p:cNvSpPr>
+          <p:nvPr/>
+        </p:nvSpPr>
+        <p:spPr bwMode="auto">
+          <a:xfrm>
+            <a:off x="7924800" y="3276600"/>
+            <a:ext cx="381000" cy="0"/>
+          </a:xfrm>
+          <a:prstGeom prst="line">
+            <a:avLst/>
+          </a:prstGeom>
+          <a:noFill/>
+          <a:ln w="9525">
+            <a:solidFill>
+              <a:schemeClr val="tx1"/>
+            </a:solidFill>
+            <a:round/>
+            <a:headEnd/>
+            <a:tailEnd type="triangle" w="med" len="med"/>
+          </a:ln>
+          <a:effectLst/>
+        </p:spPr>
+        <p:txBody>
+          <a:bodyPr/>
+          <a:lstStyle/>
+          <a:p>
+            <a:endParaRPr lang="en-US"/>
+          </a:p>
+        </p:txBody>
+      </p:sp>
+      <p:sp>
+        <p:nvSpPr>
+          <p:cNvPr id="184352" name="Line 32"/>
+          <p:cNvSpPr>
+            <a:spLocks noChangeShapeType="1"/>
+          </p:cNvSpPr>
+          <p:nvPr/>
+        </p:nvSpPr>
+        <p:spPr bwMode="auto">
+          <a:xfrm flipV="1">
+            <a:off x="5715000" y="3657600"/>
+            <a:ext cx="0" cy="457200"/>
+          </a:xfrm>
+          <a:prstGeom prst="line">
+            <a:avLst/>
+          </a:prstGeom>
+          <a:noFill/>
+          <a:ln w="9525">
+            <a:solidFill>
+              <a:schemeClr val="tx1"/>
+            </a:solidFill>
+            <a:round/>
+            <a:headEnd/>
+            <a:tailEnd type="triangle" w="med" len="med"/>
+          </a:ln>
+          <a:effectLst/>
+        </p:spPr>
+        <p:txBody>
+          <a:bodyPr/>
+          <a:lstStyle/>
+          <a:p>
+            <a:endParaRPr lang="en-US"/>
+          </a:p>
+        </p:txBody>
+      </p:sp>
+      <p:sp>
+        <p:nvSpPr>
+          <p:cNvPr id="184353" name="Line 33"/>
+          <p:cNvSpPr>
+            <a:spLocks noChangeShapeType="1"/>
+          </p:cNvSpPr>
+          <p:nvPr/>
+        </p:nvSpPr>
+        <p:spPr bwMode="auto">
+          <a:xfrm>
+            <a:off x="8077200" y="3276600"/>
+            <a:ext cx="0" cy="2895600"/>
+          </a:xfrm>
+          <a:prstGeom prst="line">
+            <a:avLst/>
+          </a:prstGeom>
+          <a:noFill/>
+          <a:ln w="9525">
+            <a:solidFill>
+              <a:schemeClr val="tx1"/>
+            </a:solidFill>
+            <a:round/>
+            <a:headEnd/>
+            <a:tailEnd/>
+          </a:ln>
+          <a:effectLst/>
+        </p:spPr>
+        <p:txBody>
+          <a:bodyPr/>
+          <a:lstStyle/>
+          <a:p>
+            <a:endParaRPr lang="en-US"/>
+          </a:p>
+        </p:txBody>
+      </p:sp>
+      <p:sp>
+        <p:nvSpPr>
+          <p:cNvPr id="184354" name="Line 34"/>
+          <p:cNvSpPr>
+            <a:spLocks noChangeShapeType="1"/>
+          </p:cNvSpPr>
+          <p:nvPr/>
+        </p:nvSpPr>
+        <p:spPr bwMode="auto">
+          <a:xfrm flipH="1" flipV="1">
+            <a:off x="2133600" y="6172200"/>
+            <a:ext cx="5943600" cy="0"/>
+          </a:xfrm>
+          <a:prstGeom prst="line">
+            <a:avLst/>
+          </a:prstGeom>
+          <a:noFill/>
+          <a:ln w="9525">
+            <a:solidFill>
+              <a:schemeClr val="tx1"/>
+            </a:solidFill>
+            <a:round/>
+            <a:headEnd/>
+            <a:tailEnd/>
+          </a:ln>
+          <a:effectLst/>
+        </p:spPr>
+        <p:txBody>
+          <a:bodyPr/>
+          <a:lstStyle/>
+          <a:p>
+            <a:endParaRPr lang="en-US"/>
+          </a:p>
+        </p:txBody>
+      </p:sp>
+      <p:sp>
+        <p:nvSpPr>
+          <p:cNvPr id="184355" name="Line 35"/>
+          <p:cNvSpPr>
+            <a:spLocks noChangeShapeType="1"/>
+          </p:cNvSpPr>
+          <p:nvPr/>
+        </p:nvSpPr>
+        <p:spPr bwMode="auto">
+          <a:xfrm flipV="1">
+            <a:off x="3352800" y="4114800"/>
+            <a:ext cx="0" cy="2057400"/>
+          </a:xfrm>
+          <a:prstGeom prst="line">
+            <a:avLst/>
+          </a:prstGeom>
+          <a:noFill/>
+          <a:ln w="9525">
+            <a:solidFill>
+              <a:schemeClr val="tx1"/>
+            </a:solidFill>
+            <a:round/>
+            <a:headEnd/>
+            <a:tailEnd/>
+          </a:ln>
+          <a:effectLst/>
+        </p:spPr>
+        <p:txBody>
+          <a:bodyPr/>
+          <a:lstStyle/>
+          <a:p>
+            <a:endParaRPr lang="en-US"/>
+          </a:p>
+        </p:txBody>
+      </p:sp>
+      <p:sp>
+        <p:nvSpPr>
+          <p:cNvPr id="184356" name="Line 36"/>
+          <p:cNvSpPr>
+            <a:spLocks noChangeShapeType="1"/>
+          </p:cNvSpPr>
+          <p:nvPr/>
+        </p:nvSpPr>
+        <p:spPr bwMode="auto">
+          <a:xfrm>
+            <a:off x="3352800" y="4114800"/>
+            <a:ext cx="609600" cy="0"/>
+          </a:xfrm>
+          <a:prstGeom prst="line">
+            <a:avLst/>
+          </a:prstGeom>
+          <a:noFill/>
+          <a:ln w="9525">
+            <a:solidFill>
+              <a:schemeClr val="tx1"/>
+            </a:solidFill>
+            <a:round/>
+            <a:headEnd/>
+            <a:tailEnd type="triangle" w="med" len="med"/>
+          </a:ln>
+          <a:effectLst/>
+        </p:spPr>
+        <p:txBody>
+          <a:bodyPr/>
+          <a:lstStyle/>
+          <a:p>
+            <a:endParaRPr lang="en-US"/>
+          </a:p>
+        </p:txBody>
+      </p:sp>
+      <p:sp>
+        <p:nvSpPr>
+          <p:cNvPr id="184357" name="Line 37"/>
+          <p:cNvSpPr>
+            <a:spLocks noChangeShapeType="1"/>
+          </p:cNvSpPr>
+          <p:nvPr/>
+        </p:nvSpPr>
+        <p:spPr bwMode="auto">
+          <a:xfrm flipH="1" flipV="1">
+            <a:off x="2133600" y="3657600"/>
+            <a:ext cx="0" cy="2514600"/>
+          </a:xfrm>
+          <a:prstGeom prst="line">
+            <a:avLst/>
+          </a:prstGeom>
+          <a:noFill/>
+          <a:ln w="9525">
+            <a:solidFill>
+              <a:schemeClr val="tx1"/>
+            </a:solidFill>
+            <a:round/>
+            <a:headEnd/>
+            <a:tailEnd type="triangle" w="med" len="med"/>
+          </a:ln>
+          <a:effectLst/>
+        </p:spPr>
+        <p:txBody>
+          <a:bodyPr/>
+          <a:lstStyle/>
+          <a:p>
+            <a:endParaRPr lang="en-US"/>
+          </a:p>
+        </p:txBody>
+      </p:sp>
+      <p:sp>
+        <p:nvSpPr>
+          <p:cNvPr id="184358" name="Rectangle 38"/>
+          <p:cNvSpPr>
+            <a:spLocks noChangeArrowheads="1"/>
+          </p:cNvSpPr>
+          <p:nvPr/>
+        </p:nvSpPr>
+        <p:spPr bwMode="auto">
+          <a:xfrm>
+            <a:off x="6005513" y="4953000"/>
+            <a:ext cx="1004887" cy="609600"/>
+          </a:xfrm>
+          <a:prstGeom prst="rect">
+            <a:avLst/>
+          </a:prstGeom>
+          <a:solidFill>
+            <a:srgbClr val="CCFFCC"/>
+          </a:solidFill>
+          <a:ln w="9525">
+            <a:solidFill>
+              <a:schemeClr val="tx1"/>
+            </a:solidFill>
+            <a:miter lim="800000"/>
+            <a:headEnd/>
+            <a:tailEnd/>
+          </a:ln>
+          <a:effectLst/>
+        </p:spPr>
+        <p:txBody>
+          <a:bodyPr wrap="none" anchor="ctr"/>
+          <a:lstStyle/>
+          <a:p>
+            <a:r>
+              <a:rPr lang="en-US" sz="1400"/>
+              <a:t>Ground</a:t>
+            </a:r>
+          </a:p>
+          <a:p>
+            <a:r>
+              <a:rPr lang="en-US" sz="1400"/>
+              <a:t>Reactions</a:t>
+            </a:r>
+          </a:p>
+        </p:txBody>
+      </p:sp>
+      <p:sp>
+        <p:nvSpPr>
+          <p:cNvPr id="184359" name="Rectangle 39"/>
+          <p:cNvSpPr>
+            <a:spLocks noChangeArrowheads="1"/>
+          </p:cNvSpPr>
+          <p:nvPr/>
+        </p:nvSpPr>
+        <p:spPr bwMode="auto">
+          <a:xfrm>
+            <a:off x="304800" y="1295400"/>
+            <a:ext cx="990600" cy="533400"/>
+          </a:xfrm>
+          <a:prstGeom prst="rect">
+            <a:avLst/>
+          </a:prstGeom>
+          <a:solidFill>
+            <a:srgbClr val="CCFFCC"/>
+          </a:solidFill>
+          <a:ln w="9525">
+            <a:solidFill>
+              <a:schemeClr val="tx1"/>
+            </a:solidFill>
+            <a:miter lim="800000"/>
+            <a:headEnd/>
+            <a:tailEnd/>
+          </a:ln>
+          <a:effectLst/>
+        </p:spPr>
+        <p:txBody>
+          <a:bodyPr wrap="none" anchor="ctr"/>
+          <a:lstStyle/>
+          <a:p>
+            <a:r>
+              <a:rPr lang="en-US" sz="1400"/>
+              <a:t>Pilot</a:t>
+            </a:r>
+          </a:p>
+        </p:txBody>
+      </p:sp>
+      <p:sp>
+        <p:nvSpPr>
+          <p:cNvPr id="184360" name="Line 40"/>
+          <p:cNvSpPr>
+            <a:spLocks noChangeShapeType="1"/>
+          </p:cNvSpPr>
+          <p:nvPr/>
+        </p:nvSpPr>
+        <p:spPr bwMode="auto">
+          <a:xfrm flipV="1">
+            <a:off x="6477000" y="3657600"/>
+            <a:ext cx="0" cy="1295400"/>
+          </a:xfrm>
+          <a:prstGeom prst="line">
+            <a:avLst/>
+          </a:prstGeom>
+          <a:noFill/>
+          <a:ln w="9525">
+            <a:solidFill>
+              <a:schemeClr val="tx1"/>
+            </a:solidFill>
+            <a:round/>
+            <a:headEnd/>
+            <a:tailEnd type="triangle" w="med" len="med"/>
+          </a:ln>
+          <a:effectLst/>
+        </p:spPr>
+        <p:txBody>
+          <a:bodyPr/>
+          <a:lstStyle/>
+          <a:p>
+            <a:endParaRPr lang="en-US"/>
+          </a:p>
+        </p:txBody>
+      </p:sp>
+      <p:sp>
+        <p:nvSpPr>
+          <p:cNvPr id="184361" name="Line 41"/>
+          <p:cNvSpPr>
+            <a:spLocks noChangeShapeType="1"/>
+          </p:cNvSpPr>
+          <p:nvPr/>
+        </p:nvSpPr>
+        <p:spPr bwMode="auto">
+          <a:xfrm>
+            <a:off x="6705600" y="3276600"/>
+            <a:ext cx="228600" cy="0"/>
+          </a:xfrm>
+          <a:prstGeom prst="line">
+            <a:avLst/>
+          </a:prstGeom>
+          <a:noFill/>
+          <a:ln w="9525">
+            <a:solidFill>
+              <a:schemeClr val="tx1"/>
+            </a:solidFill>
+            <a:round/>
+            <a:headEnd/>
+            <a:tailEnd type="triangle" w="med" len="med"/>
+          </a:ln>
+          <a:effectLst/>
+        </p:spPr>
+        <p:txBody>
+          <a:bodyPr/>
+          <a:lstStyle/>
+          <a:p>
+            <a:endParaRPr lang="en-US"/>
+          </a:p>
+        </p:txBody>
+      </p:sp>
+      <p:cxnSp>
+        <p:nvCxnSpPr>
+          <p:cNvPr id="41" name="Straight Arrow Connector 40"/>
+          <p:cNvCxnSpPr>
+            <a:stCxn id="43" idx="0"/>
+          </p:cNvCxnSpPr>
+          <p:nvPr/>
+        </p:nvCxnSpPr>
+        <p:spPr>
+          <a:xfrm flipH="1" flipV="1">
+            <a:off x="990600" y="3657600"/>
+            <a:ext cx="114300" cy="457200"/>
+          </a:xfrm>
+          <a:prstGeom prst="straightConnector1">
+            <a:avLst/>
+          </a:prstGeom>
+          <a:ln w="28575">
+            <a:solidFill>
+              <a:srgbClr val="FF0000"/>
+            </a:solidFill>
+            <a:tailEnd type="arrow"/>
+          </a:ln>
+        </p:spPr>
+        <p:style>
+          <a:lnRef idx="1">
+            <a:schemeClr val="accent1"/>
+          </a:lnRef>
+          <a:fillRef idx="0">
+            <a:schemeClr val="accent1"/>
+          </a:fillRef>
+          <a:effectRef idx="0">
+            <a:schemeClr val="accent1"/>
+          </a:effectRef>
+          <a:fontRef idx="minor">
+            <a:schemeClr val="tx1"/>
+          </a:fontRef>
+        </p:style>
+      </p:cxnSp>
+      <p:sp>
+        <p:nvSpPr>
+          <p:cNvPr id="43" name="TextBox 42"/>
+          <p:cNvSpPr txBox="1"/>
+          <p:nvPr/>
+        </p:nvSpPr>
+        <p:spPr>
+          <a:xfrm>
+            <a:off x="152400" y="4114800"/>
+            <a:ext cx="1905000" cy="2062103"/>
+          </a:xfrm>
+          <a:prstGeom prst="rect">
+            <a:avLst/>
+          </a:prstGeom>
+          <a:noFill/>
+        </p:spPr>
+        <p:txBody>
+          <a:bodyPr wrap="square" rtlCol="0">
+            <a:spAutoFit/>
+          </a:bodyPr>
+          <a:lstStyle/>
+          <a:p>
+            <a:pPr algn="ctr"/>
+            <a:r>
+              <a:rPr lang="en-US" sz="1600" dirty="0" smtClean="0"/>
+              <a:t>Features and capabilities of the autopilot vary.  Because of that, different “levels” of autopilot functionality is defined.</a:t>
+            </a:r>
+            <a:endParaRPr lang="en-US" sz="1600" dirty="0"/>
           </a:p>
         </p:txBody>
       </p:sp>
@@ -9161,105 +10944,142 @@
       </p:grpSpPr>
       <p:sp>
         <p:nvSpPr>
-          <p:cNvPr id="2" name="Title 1"/>
-          <p:cNvSpPr>
-            <a:spLocks noGrp="1"/>
-          </p:cNvSpPr>
-          <p:nvPr>
-            <p:ph type="title"/>
-          </p:nvPr>
-        </p:nvSpPr>
-        <p:spPr/>
-        <p:txBody>
-          <a:bodyPr/>
-          <a:lstStyle/>
-          <a:p>
-            <a:r>
-              <a:rPr lang="en-US" smtClean="0"/>
-              <a:t>Simple Player Dynamics</a:t>
-            </a:r>
-            <a:endParaRPr lang="en-US"/>
-          </a:p>
-        </p:txBody>
-      </p:sp>
-      <p:sp>
-        <p:nvSpPr>
-          <p:cNvPr id="3" name="Content Placeholder 2"/>
-          <p:cNvSpPr>
-            <a:spLocks noGrp="1"/>
-          </p:cNvSpPr>
-          <p:nvPr>
-            <p:ph idx="1"/>
-          </p:nvPr>
-        </p:nvSpPr>
-        <p:spPr/>
-        <p:txBody>
-          <a:bodyPr/>
-          <a:lstStyle/>
-          <a:p>
-            <a:r>
-              <a:rPr lang="en-US" smtClean="0"/>
-              <a:t>Every Player can do the following</a:t>
-            </a:r>
-          </a:p>
-          <a:p>
-            <a:pPr lvl="1"/>
-            <a:r>
-              <a:rPr lang="en-US" smtClean="0"/>
-              <a:t>Set position</a:t>
-            </a:r>
-          </a:p>
-          <a:p>
-            <a:pPr lvl="2"/>
-            <a:r>
-              <a:rPr lang="en-US" smtClean="0"/>
-              <a:t>North/East/Down (NED) (x, y, altitude)</a:t>
-            </a:r>
-          </a:p>
-          <a:p>
-            <a:pPr lvl="2"/>
-            <a:r>
-              <a:rPr lang="en-US" smtClean="0"/>
-              <a:t>Geodetic (lat, long, altitude)</a:t>
-            </a:r>
-          </a:p>
-          <a:p>
-            <a:pPr lvl="2"/>
-            <a:r>
-              <a:rPr lang="en-US" smtClean="0"/>
-              <a:t>Geocentric (ECEF) (x, y, z)</a:t>
-            </a:r>
-          </a:p>
-          <a:p>
-            <a:pPr lvl="1"/>
-            <a:r>
-              <a:rPr lang="en-US" smtClean="0"/>
-              <a:t>Set roll, pitch &amp; heading</a:t>
-            </a:r>
-          </a:p>
-          <a:p>
-            <a:pPr lvl="1"/>
-            <a:r>
-              <a:rPr lang="en-US" smtClean="0"/>
-              <a:t>Initial velocity</a:t>
-            </a:r>
-          </a:p>
-          <a:p>
-            <a:pPr lvl="2"/>
-            <a:r>
-              <a:rPr lang="en-US" smtClean="0"/>
-              <a:t>Player has a built-in dynamics model for simple movement</a:t>
-            </a:r>
-          </a:p>
-          <a:p>
-            <a:pPr lvl="1"/>
-            <a:endParaRPr lang="en-US" smtClean="0"/>
-          </a:p>
-          <a:p>
-            <a:r>
-              <a:rPr lang="en-US" smtClean="0"/>
-              <a:t>Simple player dynamics model useful for testing</a:t>
-            </a:r>
+          <p:cNvPr id="6" name="Title 3"/>
+          <p:cNvSpPr txBox="1">
+            <a:spLocks/>
+          </p:cNvSpPr>
+          <p:nvPr/>
+        </p:nvSpPr>
+        <p:spPr>
+          <a:xfrm>
+            <a:off x="0" y="2514600"/>
+            <a:ext cx="9144000" cy="1219200"/>
+          </a:xfrm>
+          <a:prstGeom prst="rect">
+            <a:avLst/>
+          </a:prstGeom>
+        </p:spPr>
+        <p:txBody>
+          <a:bodyPr vert="horz" lIns="91440" tIns="45720" rIns="91440" bIns="45720" rtlCol="0" anchor="ctr">
+            <a:normAutofit/>
+          </a:bodyPr>
+          <a:lstStyle/>
+          <a:p>
+            <a:pPr marL="0" marR="0" lvl="0" indent="0" algn="ctr" defTabSz="914400" rtl="0" eaLnBrk="1" fontAlgn="auto" latinLnBrk="0" hangingPunct="1">
+              <a:lnSpc>
+                <a:spcPct val="100000"/>
+              </a:lnSpc>
+              <a:spcBef>
+                <a:spcPct val="0"/>
+              </a:spcBef>
+              <a:spcAft>
+                <a:spcPts val="0"/>
+              </a:spcAft>
+              <a:buClrTx/>
+              <a:buSzTx/>
+              <a:buFontTx/>
+              <a:buNone/>
+              <a:tabLst/>
+              <a:defRPr/>
+            </a:pPr>
+            <a:r>
+              <a:rPr kumimoji="0" lang="en-US" sz="4400" b="0" i="0" u="none" strike="noStrike" kern="1200" cap="none" spc="0" normalizeH="0" baseline="0" noProof="0" smtClean="0">
+                <a:ln>
+                  <a:noFill/>
+                </a:ln>
+                <a:solidFill>
+                  <a:schemeClr val="tx1"/>
+                </a:solidFill>
+                <a:effectLst/>
+                <a:uLnTx/>
+                <a:uFillTx/>
+                <a:latin typeface="+mj-lt"/>
+                <a:ea typeface="+mj-ea"/>
+                <a:cs typeface="+mj-cs"/>
+              </a:rPr>
+              <a:t>Simple Player</a:t>
+            </a:r>
+            <a:r>
+              <a:rPr kumimoji="0" lang="en-US" sz="4400" b="0" i="0" u="none" strike="noStrike" kern="1200" cap="none" spc="0" normalizeH="0" noProof="0" smtClean="0">
+                <a:ln>
+                  <a:noFill/>
+                </a:ln>
+                <a:solidFill>
+                  <a:schemeClr val="tx1"/>
+                </a:solidFill>
+                <a:effectLst/>
+                <a:uLnTx/>
+                <a:uFillTx/>
+                <a:latin typeface="+mj-lt"/>
+                <a:ea typeface="+mj-ea"/>
+                <a:cs typeface="+mj-cs"/>
+              </a:rPr>
+              <a:t> Dynamics</a:t>
+            </a:r>
+            <a:r>
+              <a:rPr kumimoji="0" lang="en-US" sz="4400" b="0" i="0" u="none" strike="noStrike" kern="1200" cap="none" spc="0" normalizeH="0" baseline="0" noProof="0" smtClean="0">
+                <a:ln>
+                  <a:noFill/>
+                </a:ln>
+                <a:solidFill>
+                  <a:schemeClr val="tx1"/>
+                </a:solidFill>
+                <a:effectLst/>
+                <a:uLnTx/>
+                <a:uFillTx/>
+                <a:latin typeface="+mj-lt"/>
+                <a:ea typeface="+mj-ea"/>
+                <a:cs typeface="+mj-cs"/>
+              </a:rPr>
+              <a:t/>
+            </a:r>
+            <a:br>
+              <a:rPr kumimoji="0" lang="en-US" sz="4400" b="0" i="0" u="none" strike="noStrike" kern="1200" cap="none" spc="0" normalizeH="0" baseline="0" noProof="0" smtClean="0">
+                <a:ln>
+                  <a:noFill/>
+                </a:ln>
+                <a:solidFill>
+                  <a:schemeClr val="tx1"/>
+                </a:solidFill>
+                <a:effectLst/>
+                <a:uLnTx/>
+                <a:uFillTx/>
+                <a:latin typeface="+mj-lt"/>
+                <a:ea typeface="+mj-ea"/>
+                <a:cs typeface="+mj-cs"/>
+              </a:rPr>
+            </a:br>
+            <a:r>
+              <a:rPr kumimoji="0" lang="en-US" sz="2400" b="0" i="0" u="none" strike="noStrike" kern="1200" cap="none" spc="0" normalizeH="0" baseline="0" noProof="0" smtClean="0">
+                <a:ln>
+                  <a:noFill/>
+                </a:ln>
+                <a:solidFill>
+                  <a:schemeClr val="tx1"/>
+                </a:solidFill>
+                <a:effectLst/>
+                <a:uLnTx/>
+                <a:uFillTx/>
+                <a:latin typeface="+mj-lt"/>
+                <a:ea typeface="+mj-ea"/>
+                <a:cs typeface="+mj-cs"/>
+              </a:rPr>
+              <a:t>(DynamicModel not required)</a:t>
+            </a:r>
+            <a:endParaRPr kumimoji="0" lang="en-US" sz="4400" b="0" i="0" u="none" strike="noStrike" kern="1200" cap="none" spc="0" normalizeH="0" baseline="0" noProof="0">
+              <a:ln>
+                <a:noFill/>
+              </a:ln>
+              <a:solidFill>
+                <a:schemeClr val="tx1"/>
+              </a:solidFill>
+              <a:effectLst/>
+              <a:uLnTx/>
+              <a:uFillTx/>
+              <a:latin typeface="+mj-lt"/>
+              <a:ea typeface="+mj-ea"/>
+              <a:cs typeface="+mj-cs"/>
+            </a:endParaRPr>
           </a:p>
         </p:txBody>
       </p:sp>
@@ -9297,38 +11117,105 @@
       </p:grpSpPr>
       <p:sp>
         <p:nvSpPr>
-          <p:cNvPr id="4" name="Title 3"/>
+          <p:cNvPr id="2" name="Title 1"/>
           <p:cNvSpPr>
             <a:spLocks noGrp="1"/>
           </p:cNvSpPr>
           <p:nvPr>
-            <p:ph type="ctrTitle"/>
+            <p:ph type="title"/>
           </p:nvPr>
         </p:nvSpPr>
-        <p:spPr>
-          <a:xfrm>
-            <a:off x="0" y="2514600"/>
-            <a:ext cx="9144000" cy="1219200"/>
-          </a:xfrm>
-        </p:spPr>
-        <p:txBody>
-          <a:bodyPr>
-            <a:normAutofit/>
-          </a:bodyPr>
+        <p:spPr/>
+        <p:txBody>
+          <a:bodyPr/>
           <a:lstStyle/>
           <a:p>
             <a:r>
               <a:rPr lang="en-US" smtClean="0"/>
-              <a:t>Direct Stick Input</a:t>
-            </a:r>
-            <a:br>
+              <a:t>Simple Player Dynamics</a:t>
+            </a:r>
+            <a:endParaRPr lang="en-US"/>
+          </a:p>
+        </p:txBody>
+      </p:sp>
+      <p:sp>
+        <p:nvSpPr>
+          <p:cNvPr id="3" name="Content Placeholder 2"/>
+          <p:cNvSpPr>
+            <a:spLocks noGrp="1"/>
+          </p:cNvSpPr>
+          <p:nvPr>
+            <p:ph idx="1"/>
+          </p:nvPr>
+        </p:nvSpPr>
+        <p:spPr/>
+        <p:txBody>
+          <a:bodyPr/>
+          <a:lstStyle/>
+          <a:p>
+            <a:r>
               <a:rPr lang="en-US" smtClean="0"/>
-            </a:br>
-            <a:r>
-              <a:rPr lang="en-US" sz="2400" smtClean="0"/>
-              <a:t>(assumes DynamicsModel or Subclassing)</a:t>
-            </a:r>
-            <a:endParaRPr lang="en-US"/>
+              <a:t>Every Player can do the following</a:t>
+            </a:r>
+          </a:p>
+          <a:p>
+            <a:pPr lvl="1"/>
+            <a:r>
+              <a:rPr lang="en-US" smtClean="0"/>
+              <a:t>Set position</a:t>
+            </a:r>
+          </a:p>
+          <a:p>
+            <a:pPr lvl="2"/>
+            <a:r>
+              <a:rPr lang="en-US" smtClean="0"/>
+              <a:t>North/East/Down (NED) (x, y, altitude)</a:t>
+            </a:r>
+          </a:p>
+          <a:p>
+            <a:pPr lvl="2"/>
+            <a:r>
+              <a:rPr lang="en-US" smtClean="0"/>
+              <a:t>Geodetic (lat, long, altitude)</a:t>
+            </a:r>
+          </a:p>
+          <a:p>
+            <a:pPr lvl="2"/>
+            <a:r>
+              <a:rPr lang="en-US" smtClean="0"/>
+              <a:t>Geocentric (ECEF) (x, y, z)</a:t>
+            </a:r>
+          </a:p>
+          <a:p>
+            <a:pPr lvl="1"/>
+            <a:r>
+              <a:rPr lang="en-US" smtClean="0"/>
+              <a:t>Set roll, pitch &amp; heading</a:t>
+            </a:r>
+          </a:p>
+          <a:p>
+            <a:pPr lvl="1"/>
+            <a:r>
+              <a:rPr lang="en-US" smtClean="0"/>
+              <a:t>Initial velocity</a:t>
+            </a:r>
+          </a:p>
+          <a:p>
+            <a:pPr lvl="2"/>
+            <a:r>
+              <a:rPr lang="en-US" smtClean="0"/>
+              <a:t>Player has a built-in dynamics model for simple movement</a:t>
+            </a:r>
+          </a:p>
+          <a:p>
+            <a:pPr lvl="1"/>
+            <a:endParaRPr lang="en-US" smtClean="0"/>
+          </a:p>
+          <a:p>
+            <a:r>
+              <a:rPr lang="en-US" smtClean="0"/>
+              <a:t>Simple player dynamics model useful for testing</a:t>
+            </a:r>
           </a:p>
         </p:txBody>
       </p:sp>
@@ -9366,15 +11253,20 @@
       </p:grpSpPr>
       <p:sp>
         <p:nvSpPr>
-          <p:cNvPr id="2" name="Title 1"/>
+          <p:cNvPr id="4" name="Title 3"/>
           <p:cNvSpPr>
             <a:spLocks noGrp="1"/>
           </p:cNvSpPr>
           <p:nvPr>
-            <p:ph type="title"/>
+            <p:ph type="ctrTitle"/>
           </p:nvPr>
         </p:nvSpPr>
-        <p:spPr/>
+        <p:spPr>
+          <a:xfrm>
+            <a:off x="0" y="2514600"/>
+            <a:ext cx="9144000" cy="1219200"/>
+          </a:xfrm>
+        </p:spPr>
         <p:txBody>
           <a:bodyPr>
             <a:normAutofit/>
@@ -9383,169 +11275,16 @@
           <a:p>
             <a:r>
               <a:rPr lang="en-US" smtClean="0"/>
-              <a:t>Composite Structure</a:t>
-            </a:r>
-            <a:endParaRPr lang="en-US" sz="4000"/>
-          </a:p>
-        </p:txBody>
-      </p:sp>
-      <p:sp>
-        <p:nvSpPr>
-          <p:cNvPr id="10" name="Content Placeholder 2"/>
-          <p:cNvSpPr>
-            <a:spLocks noGrp="1"/>
-          </p:cNvSpPr>
-          <p:nvPr>
-            <p:ph idx="1"/>
-          </p:nvPr>
-        </p:nvSpPr>
-        <p:spPr>
-          <a:xfrm>
-            <a:off x="457200" y="1447801"/>
-            <a:ext cx="8229600" cy="838200"/>
-          </a:xfrm>
-        </p:spPr>
-        <p:txBody>
-          <a:bodyPr>
-            <a:normAutofit/>
-          </a:bodyPr>
-          <a:lstStyle/>
-          <a:p>
+              <a:t>Direct Stick Input</a:t>
+            </a:r>
+            <a:br>
+              <a:rPr lang="en-US" smtClean="0"/>
+            </a:br>
             <a:r>
               <a:rPr lang="en-US" sz="2400" smtClean="0"/>
-              <a:t>General purpose interface to those sub-systems</a:t>
-            </a:r>
-            <a:endParaRPr lang="en-US" sz="2400"/>
-          </a:p>
-        </p:txBody>
-      </p:sp>
-      <p:sp>
-        <p:nvSpPr>
-          <p:cNvPr id="11" name="TextBox 10"/>
-          <p:cNvSpPr txBox="1"/>
-          <p:nvPr/>
-        </p:nvSpPr>
-        <p:spPr>
-          <a:xfrm>
-            <a:off x="0" y="5257800"/>
-            <a:ext cx="9144000" cy="338554"/>
-          </a:xfrm>
-          <a:prstGeom prst="rect">
-            <a:avLst/>
-          </a:prstGeom>
-          <a:noFill/>
-        </p:spPr>
-        <p:txBody>
-          <a:bodyPr wrap="square" rtlCol="0">
-            <a:spAutoFit/>
-          </a:bodyPr>
-          <a:lstStyle/>
-          <a:p>
-            <a:pPr algn="ctr"/>
-            <a:r>
-              <a:rPr lang="en-US" sz="1600" b="1" smtClean="0"/>
-              <a:t>from Player.h</a:t>
-            </a:r>
-            <a:endParaRPr lang="en-US" sz="1600" b="1"/>
-          </a:p>
-        </p:txBody>
-      </p:sp>
-      <p:pic>
-        <p:nvPicPr>
-          <p:cNvPr id="1027" name="Picture 3"/>
-          <p:cNvPicPr>
-            <a:picLocks noChangeAspect="1" noChangeArrowheads="1"/>
-          </p:cNvPicPr>
-          <p:nvPr/>
-        </p:nvPicPr>
-        <p:blipFill>
-          <a:blip r:embed="rId2" cstate="print"/>
-          <a:srcRect/>
-          <a:stretch>
-            <a:fillRect/>
-          </a:stretch>
-        </p:blipFill>
-        <p:spPr bwMode="auto">
-          <a:xfrm>
-            <a:off x="1447800" y="2438400"/>
-            <a:ext cx="6257925" cy="2609850"/>
-          </a:xfrm>
-          <a:prstGeom prst="rect">
-            <a:avLst/>
-          </a:prstGeom>
-          <a:noFill/>
-          <a:ln w="9525">
-            <a:noFill/>
-            <a:miter lim="800000"/>
-            <a:headEnd/>
-            <a:tailEnd/>
-          </a:ln>
-        </p:spPr>
-      </p:pic>
-      <p:cxnSp>
-        <p:nvCxnSpPr>
-          <p:cNvPr id="16" name="Straight Arrow Connector 15"/>
-          <p:cNvCxnSpPr/>
-          <p:nvPr/>
-        </p:nvCxnSpPr>
-        <p:spPr>
-          <a:xfrm flipV="1">
-            <a:off x="1223682" y="3169024"/>
-            <a:ext cx="381000" cy="76200"/>
-          </a:xfrm>
-          <a:prstGeom prst="straightConnector1">
-            <a:avLst/>
-          </a:prstGeom>
-          <a:ln w="28575">
-            <a:solidFill>
-              <a:srgbClr val="FF0000"/>
-            </a:solidFill>
-            <a:tailEnd type="arrow"/>
-          </a:ln>
-        </p:spPr>
-        <p:style>
-          <a:lnRef idx="1">
-            <a:schemeClr val="accent1"/>
-          </a:lnRef>
-          <a:fillRef idx="0">
-            <a:schemeClr val="accent1"/>
-          </a:fillRef>
-          <a:effectRef idx="0">
-            <a:schemeClr val="accent1"/>
-          </a:effectRef>
-          <a:fontRef idx="minor">
-            <a:schemeClr val="tx1"/>
-          </a:fontRef>
-        </p:style>
-      </p:cxnSp>
-      <p:sp>
-        <p:nvSpPr>
-          <p:cNvPr id="7" name="TextBox 6"/>
-          <p:cNvSpPr txBox="1"/>
-          <p:nvPr/>
-        </p:nvSpPr>
-        <p:spPr>
-          <a:xfrm>
-            <a:off x="130885" y="3089238"/>
-            <a:ext cx="1143000" cy="338554"/>
-          </a:xfrm>
-          <a:prstGeom prst="rect">
-            <a:avLst/>
-          </a:prstGeom>
-          <a:noFill/>
-        </p:spPr>
-        <p:txBody>
-          <a:bodyPr wrap="square" rtlCol="0">
-            <a:spAutoFit/>
-          </a:bodyPr>
-          <a:lstStyle/>
-          <a:p>
-            <a:pPr algn="ctr"/>
-            <a:r>
-              <a:rPr lang="en-US" sz="1600" smtClean="0"/>
-              <a:t>Required</a:t>
-            </a:r>
-            <a:endParaRPr lang="en-US" sz="1600"/>
+              <a:t>(assumes DynamicsModel or Subclassing)</a:t>
+            </a:r>
+            <a:endParaRPr lang="en-US"/>
           </a:p>
         </p:txBody>
       </p:sp>

--- a/doc/player-agent.pptx
+++ b/doc/player-agent.pptx
@@ -11,34 +11,35 @@
     <p:sldId id="288" r:id="rId5"/>
     <p:sldId id="257" r:id="rId6"/>
     <p:sldId id="292" r:id="rId7"/>
-    <p:sldId id="263" r:id="rId8"/>
-    <p:sldId id="271" r:id="rId9"/>
-    <p:sldId id="270" r:id="rId10"/>
-    <p:sldId id="282" r:id="rId11"/>
-    <p:sldId id="258" r:id="rId12"/>
-    <p:sldId id="261" r:id="rId13"/>
-    <p:sldId id="262" r:id="rId14"/>
-    <p:sldId id="265" r:id="rId15"/>
-    <p:sldId id="266" r:id="rId16"/>
-    <p:sldId id="291" r:id="rId17"/>
-    <p:sldId id="267" r:id="rId18"/>
-    <p:sldId id="283" r:id="rId19"/>
-    <p:sldId id="268" r:id="rId20"/>
-    <p:sldId id="269" r:id="rId21"/>
-    <p:sldId id="272" r:id="rId22"/>
-    <p:sldId id="286" r:id="rId23"/>
-    <p:sldId id="281" r:id="rId24"/>
-    <p:sldId id="260" r:id="rId25"/>
-    <p:sldId id="275" r:id="rId26"/>
-    <p:sldId id="276" r:id="rId27"/>
-    <p:sldId id="274" r:id="rId28"/>
-    <p:sldId id="277" r:id="rId29"/>
-    <p:sldId id="278" r:id="rId30"/>
-    <p:sldId id="279" r:id="rId31"/>
-    <p:sldId id="284" r:id="rId32"/>
-    <p:sldId id="290" r:id="rId33"/>
-    <p:sldId id="289" r:id="rId34"/>
-    <p:sldId id="280" r:id="rId35"/>
+    <p:sldId id="293" r:id="rId8"/>
+    <p:sldId id="263" r:id="rId9"/>
+    <p:sldId id="271" r:id="rId10"/>
+    <p:sldId id="270" r:id="rId11"/>
+    <p:sldId id="282" r:id="rId12"/>
+    <p:sldId id="258" r:id="rId13"/>
+    <p:sldId id="261" r:id="rId14"/>
+    <p:sldId id="262" r:id="rId15"/>
+    <p:sldId id="265" r:id="rId16"/>
+    <p:sldId id="266" r:id="rId17"/>
+    <p:sldId id="291" r:id="rId18"/>
+    <p:sldId id="267" r:id="rId19"/>
+    <p:sldId id="283" r:id="rId20"/>
+    <p:sldId id="268" r:id="rId21"/>
+    <p:sldId id="269" r:id="rId22"/>
+    <p:sldId id="272" r:id="rId23"/>
+    <p:sldId id="286" r:id="rId24"/>
+    <p:sldId id="281" r:id="rId25"/>
+    <p:sldId id="260" r:id="rId26"/>
+    <p:sldId id="275" r:id="rId27"/>
+    <p:sldId id="276" r:id="rId28"/>
+    <p:sldId id="274" r:id="rId29"/>
+    <p:sldId id="277" r:id="rId30"/>
+    <p:sldId id="278" r:id="rId31"/>
+    <p:sldId id="279" r:id="rId32"/>
+    <p:sldId id="284" r:id="rId33"/>
+    <p:sldId id="290" r:id="rId34"/>
+    <p:sldId id="289" r:id="rId35"/>
+    <p:sldId id="280" r:id="rId36"/>
   </p:sldIdLst>
   <p:sldSz cx="9144000" cy="6858000" type="screen4x3"/>
   <p:notesSz cx="6858000" cy="9144000"/>
@@ -322,7 +323,7 @@
             <a:fld id="{1D8BD707-D9CF-40AE-B4C6-C98DA3205C09}" type="datetimeFigureOut">
               <a:rPr lang="en-US" smtClean="0"/>
               <a:pPr/>
-              <a:t>3/4/2013</a:t>
+              <a:t>3/5/2013</a:t>
             </a:fld>
             <a:endParaRPr lang="en-US"/>
           </a:p>
@@ -489,7 +490,7 @@
             <a:fld id="{1D8BD707-D9CF-40AE-B4C6-C98DA3205C09}" type="datetimeFigureOut">
               <a:rPr lang="en-US" smtClean="0"/>
               <a:pPr/>
-              <a:t>3/4/2013</a:t>
+              <a:t>3/5/2013</a:t>
             </a:fld>
             <a:endParaRPr lang="en-US"/>
           </a:p>
@@ -666,7 +667,7 @@
             <a:fld id="{1D8BD707-D9CF-40AE-B4C6-C98DA3205C09}" type="datetimeFigureOut">
               <a:rPr lang="en-US" smtClean="0"/>
               <a:pPr/>
-              <a:t>3/4/2013</a:t>
+              <a:t>3/5/2013</a:t>
             </a:fld>
             <a:endParaRPr lang="en-US"/>
           </a:p>
@@ -1074,7 +1075,7 @@
             <a:fld id="{1D8BD707-D9CF-40AE-B4C6-C98DA3205C09}" type="datetimeFigureOut">
               <a:rPr lang="en-US" smtClean="0"/>
               <a:pPr/>
-              <a:t>3/4/2013</a:t>
+              <a:t>3/5/2013</a:t>
             </a:fld>
             <a:endParaRPr lang="en-US"/>
           </a:p>
@@ -1359,7 +1360,7 @@
             <a:fld id="{1D8BD707-D9CF-40AE-B4C6-C98DA3205C09}" type="datetimeFigureOut">
               <a:rPr lang="en-US" smtClean="0"/>
               <a:pPr/>
-              <a:t>3/4/2013</a:t>
+              <a:t>3/5/2013</a:t>
             </a:fld>
             <a:endParaRPr lang="en-US"/>
           </a:p>
@@ -1778,7 +1779,7 @@
             <a:fld id="{1D8BD707-D9CF-40AE-B4C6-C98DA3205C09}" type="datetimeFigureOut">
               <a:rPr lang="en-US" smtClean="0"/>
               <a:pPr/>
-              <a:t>3/4/2013</a:t>
+              <a:t>3/5/2013</a:t>
             </a:fld>
             <a:endParaRPr lang="en-US"/>
           </a:p>
@@ -1893,7 +1894,7 @@
             <a:fld id="{1D8BD707-D9CF-40AE-B4C6-C98DA3205C09}" type="datetimeFigureOut">
               <a:rPr lang="en-US" smtClean="0"/>
               <a:pPr/>
-              <a:t>3/4/2013</a:t>
+              <a:t>3/5/2013</a:t>
             </a:fld>
             <a:endParaRPr lang="en-US"/>
           </a:p>
@@ -1985,7 +1986,7 @@
             <a:fld id="{1D8BD707-D9CF-40AE-B4C6-C98DA3205C09}" type="datetimeFigureOut">
               <a:rPr lang="en-US" smtClean="0"/>
               <a:pPr/>
-              <a:t>3/4/2013</a:t>
+              <a:t>3/5/2013</a:t>
             </a:fld>
             <a:endParaRPr lang="en-US"/>
           </a:p>
@@ -2259,7 +2260,7 @@
             <a:fld id="{1D8BD707-D9CF-40AE-B4C6-C98DA3205C09}" type="datetimeFigureOut">
               <a:rPr lang="en-US" smtClean="0"/>
               <a:pPr/>
-              <a:t>3/4/2013</a:t>
+              <a:t>3/5/2013</a:t>
             </a:fld>
             <a:endParaRPr lang="en-US"/>
           </a:p>
@@ -2509,7 +2510,7 @@
             <a:fld id="{1D8BD707-D9CF-40AE-B4C6-C98DA3205C09}" type="datetimeFigureOut">
               <a:rPr lang="en-US" smtClean="0"/>
               <a:pPr/>
-              <a:t>3/4/2013</a:t>
+              <a:t>3/5/2013</a:t>
             </a:fld>
             <a:endParaRPr lang="en-US"/>
           </a:p>
@@ -2719,7 +2720,7 @@
             <a:fld id="{1D8BD707-D9CF-40AE-B4C6-C98DA3205C09}" type="datetimeFigureOut">
               <a:rPr lang="en-US" smtClean="0"/>
               <a:pPr/>
-              <a:t>3/4/2013</a:t>
+              <a:t>3/5/2013</a:t>
             </a:fld>
             <a:endParaRPr lang="en-US"/>
           </a:p>
@@ -3414,15 +3415,20 @@
       </p:grpSpPr>
       <p:sp>
         <p:nvSpPr>
-          <p:cNvPr id="2" name="Title 1"/>
+          <p:cNvPr id="4" name="Title 3"/>
           <p:cNvSpPr>
             <a:spLocks noGrp="1"/>
           </p:cNvSpPr>
           <p:nvPr>
-            <p:ph type="title"/>
+            <p:ph type="ctrTitle"/>
           </p:nvPr>
         </p:nvSpPr>
-        <p:spPr/>
+        <p:spPr>
+          <a:xfrm>
+            <a:off x="0" y="2514600"/>
+            <a:ext cx="9144000" cy="1219200"/>
+          </a:xfrm>
+        </p:spPr>
         <p:txBody>
           <a:bodyPr>
             <a:normAutofit/>
@@ -3431,169 +3437,16 @@
           <a:p>
             <a:r>
               <a:rPr lang="en-US" smtClean="0"/>
-              <a:t>Composite Structure</a:t>
-            </a:r>
-            <a:endParaRPr lang="en-US" sz="4000"/>
-          </a:p>
-        </p:txBody>
-      </p:sp>
-      <p:sp>
-        <p:nvSpPr>
-          <p:cNvPr id="10" name="Content Placeholder 2"/>
-          <p:cNvSpPr>
-            <a:spLocks noGrp="1"/>
-          </p:cNvSpPr>
-          <p:nvPr>
-            <p:ph idx="1"/>
-          </p:nvPr>
-        </p:nvSpPr>
-        <p:spPr>
-          <a:xfrm>
-            <a:off x="457200" y="1447801"/>
-            <a:ext cx="8229600" cy="838200"/>
-          </a:xfrm>
-        </p:spPr>
-        <p:txBody>
-          <a:bodyPr>
-            <a:normAutofit/>
-          </a:bodyPr>
-          <a:lstStyle/>
-          <a:p>
+              <a:t>Direct Stick Input</a:t>
+            </a:r>
+            <a:br>
+              <a:rPr lang="en-US" smtClean="0"/>
+            </a:br>
             <a:r>
               <a:rPr lang="en-US" sz="2400" smtClean="0"/>
-              <a:t>General purpose interface to those sub-systems</a:t>
-            </a:r>
-            <a:endParaRPr lang="en-US" sz="2400"/>
-          </a:p>
-        </p:txBody>
-      </p:sp>
-      <p:sp>
-        <p:nvSpPr>
-          <p:cNvPr id="11" name="TextBox 10"/>
-          <p:cNvSpPr txBox="1"/>
-          <p:nvPr/>
-        </p:nvSpPr>
-        <p:spPr>
-          <a:xfrm>
-            <a:off x="0" y="5257800"/>
-            <a:ext cx="9144000" cy="338554"/>
-          </a:xfrm>
-          <a:prstGeom prst="rect">
-            <a:avLst/>
-          </a:prstGeom>
-          <a:noFill/>
-        </p:spPr>
-        <p:txBody>
-          <a:bodyPr wrap="square" rtlCol="0">
-            <a:spAutoFit/>
-          </a:bodyPr>
-          <a:lstStyle/>
-          <a:p>
-            <a:pPr algn="ctr"/>
-            <a:r>
-              <a:rPr lang="en-US" sz="1600" b="1" smtClean="0"/>
-              <a:t>from Player.h</a:t>
-            </a:r>
-            <a:endParaRPr lang="en-US" sz="1600" b="1"/>
-          </a:p>
-        </p:txBody>
-      </p:sp>
-      <p:pic>
-        <p:nvPicPr>
-          <p:cNvPr id="1027" name="Picture 3"/>
-          <p:cNvPicPr>
-            <a:picLocks noChangeAspect="1" noChangeArrowheads="1"/>
-          </p:cNvPicPr>
-          <p:nvPr/>
-        </p:nvPicPr>
-        <p:blipFill>
-          <a:blip r:embed="rId2" cstate="print"/>
-          <a:srcRect/>
-          <a:stretch>
-            <a:fillRect/>
-          </a:stretch>
-        </p:blipFill>
-        <p:spPr bwMode="auto">
-          <a:xfrm>
-            <a:off x="1447800" y="2438400"/>
-            <a:ext cx="6257925" cy="2609850"/>
-          </a:xfrm>
-          <a:prstGeom prst="rect">
-            <a:avLst/>
-          </a:prstGeom>
-          <a:noFill/>
-          <a:ln w="9525">
-            <a:noFill/>
-            <a:miter lim="800000"/>
-            <a:headEnd/>
-            <a:tailEnd/>
-          </a:ln>
-        </p:spPr>
-      </p:pic>
-      <p:cxnSp>
-        <p:nvCxnSpPr>
-          <p:cNvPr id="16" name="Straight Arrow Connector 15"/>
-          <p:cNvCxnSpPr/>
-          <p:nvPr/>
-        </p:nvCxnSpPr>
-        <p:spPr>
-          <a:xfrm flipV="1">
-            <a:off x="1223682" y="3169024"/>
-            <a:ext cx="381000" cy="76200"/>
-          </a:xfrm>
-          <a:prstGeom prst="straightConnector1">
-            <a:avLst/>
-          </a:prstGeom>
-          <a:ln w="28575">
-            <a:solidFill>
-              <a:srgbClr val="FF0000"/>
-            </a:solidFill>
-            <a:tailEnd type="arrow"/>
-          </a:ln>
-        </p:spPr>
-        <p:style>
-          <a:lnRef idx="1">
-            <a:schemeClr val="accent1"/>
-          </a:lnRef>
-          <a:fillRef idx="0">
-            <a:schemeClr val="accent1"/>
-          </a:fillRef>
-          <a:effectRef idx="0">
-            <a:schemeClr val="accent1"/>
-          </a:effectRef>
-          <a:fontRef idx="minor">
-            <a:schemeClr val="tx1"/>
-          </a:fontRef>
-        </p:style>
-      </p:cxnSp>
-      <p:sp>
-        <p:nvSpPr>
-          <p:cNvPr id="7" name="TextBox 6"/>
-          <p:cNvSpPr txBox="1"/>
-          <p:nvPr/>
-        </p:nvSpPr>
-        <p:spPr>
-          <a:xfrm>
-            <a:off x="130885" y="3089238"/>
-            <a:ext cx="1143000" cy="338554"/>
-          </a:xfrm>
-          <a:prstGeom prst="rect">
-            <a:avLst/>
-          </a:prstGeom>
-          <a:noFill/>
-        </p:spPr>
-        <p:txBody>
-          <a:bodyPr wrap="square" rtlCol="0">
-            <a:spAutoFit/>
-          </a:bodyPr>
-          <a:lstStyle/>
-          <a:p>
-            <a:pPr algn="ctr"/>
-            <a:r>
-              <a:rPr lang="en-US" sz="1600" smtClean="0"/>
-              <a:t>Required</a:t>
-            </a:r>
-            <a:endParaRPr lang="en-US" sz="1600"/>
+              <a:t>(assumes DynamicsModel or Subclassing)</a:t>
+            </a:r>
+            <a:endParaRPr lang="en-US"/>
           </a:p>
         </p:txBody>
       </p:sp>
@@ -3641,20 +3494,83 @@
         </p:nvSpPr>
         <p:spPr/>
         <p:txBody>
-          <a:bodyPr/>
+          <a:bodyPr>
+            <a:normAutofit/>
+          </a:bodyPr>
           <a:lstStyle/>
           <a:p>
             <a:r>
               <a:rPr lang="en-US" smtClean="0"/>
-              <a:t>Direct Stick Input</a:t>
-            </a:r>
-            <a:endParaRPr lang="en-US"/>
+              <a:t>Composite Structure</a:t>
+            </a:r>
+            <a:endParaRPr lang="en-US" sz="4000"/>
+          </a:p>
+        </p:txBody>
+      </p:sp>
+      <p:sp>
+        <p:nvSpPr>
+          <p:cNvPr id="10" name="Content Placeholder 2"/>
+          <p:cNvSpPr>
+            <a:spLocks noGrp="1"/>
+          </p:cNvSpPr>
+          <p:nvPr>
+            <p:ph idx="1"/>
+          </p:nvPr>
+        </p:nvSpPr>
+        <p:spPr>
+          <a:xfrm>
+            <a:off x="457200" y="1447801"/>
+            <a:ext cx="8229600" cy="838200"/>
+          </a:xfrm>
+        </p:spPr>
+        <p:txBody>
+          <a:bodyPr>
+            <a:normAutofit/>
+          </a:bodyPr>
+          <a:lstStyle/>
+          <a:p>
+            <a:r>
+              <a:rPr lang="en-US" sz="2400" smtClean="0"/>
+              <a:t>General purpose interface to those sub-systems</a:t>
+            </a:r>
+            <a:endParaRPr lang="en-US" sz="2400"/>
+          </a:p>
+        </p:txBody>
+      </p:sp>
+      <p:sp>
+        <p:nvSpPr>
+          <p:cNvPr id="11" name="TextBox 10"/>
+          <p:cNvSpPr txBox="1"/>
+          <p:nvPr/>
+        </p:nvSpPr>
+        <p:spPr>
+          <a:xfrm>
+            <a:off x="0" y="5257800"/>
+            <a:ext cx="9144000" cy="338554"/>
+          </a:xfrm>
+          <a:prstGeom prst="rect">
+            <a:avLst/>
+          </a:prstGeom>
+          <a:noFill/>
+        </p:spPr>
+        <p:txBody>
+          <a:bodyPr wrap="square" rtlCol="0">
+            <a:spAutoFit/>
+          </a:bodyPr>
+          <a:lstStyle/>
+          <a:p>
+            <a:pPr algn="ctr"/>
+            <a:r>
+              <a:rPr lang="en-US" sz="1600" b="1" smtClean="0"/>
+              <a:t>from Player.h</a:t>
+            </a:r>
+            <a:endParaRPr lang="en-US" sz="1600" b="1"/>
           </a:p>
         </p:txBody>
       </p:sp>
       <p:pic>
         <p:nvPicPr>
-          <p:cNvPr id="2051" name="Picture 3"/>
+          <p:cNvPr id="1027" name="Picture 3"/>
           <p:cNvPicPr>
             <a:picLocks noChangeAspect="1" noChangeArrowheads="1"/>
           </p:cNvPicPr>
@@ -3669,8 +3585,8 @@
         </p:blipFill>
         <p:spPr bwMode="auto">
           <a:xfrm>
-            <a:off x="1295400" y="1447800"/>
-            <a:ext cx="6915150" cy="4610100"/>
+            <a:off x="1447800" y="2438400"/>
+            <a:ext cx="6257925" cy="2609850"/>
           </a:xfrm>
           <a:prstGeom prst="rect">
             <a:avLst/>
@@ -3684,6 +3600,42 @@
           </a:ln>
         </p:spPr>
       </p:pic>
+      <p:cxnSp>
+        <p:nvCxnSpPr>
+          <p:cNvPr id="16" name="Straight Arrow Connector 15"/>
+          <p:cNvCxnSpPr/>
+          <p:nvPr/>
+        </p:nvCxnSpPr>
+        <p:spPr>
+          <a:xfrm flipV="1">
+            <a:off x="1223682" y="3169024"/>
+            <a:ext cx="381000" cy="76200"/>
+          </a:xfrm>
+          <a:prstGeom prst="straightConnector1">
+            <a:avLst/>
+          </a:prstGeom>
+          <a:ln w="28575">
+            <a:solidFill>
+              <a:srgbClr val="FF0000"/>
+            </a:solidFill>
+            <a:tailEnd type="arrow"/>
+          </a:ln>
+        </p:spPr>
+        <p:style>
+          <a:lnRef idx="1">
+            <a:schemeClr val="accent1"/>
+          </a:lnRef>
+          <a:fillRef idx="0">
+            <a:schemeClr val="accent1"/>
+          </a:fillRef>
+          <a:effectRef idx="0">
+            <a:schemeClr val="accent1"/>
+          </a:effectRef>
+          <a:fontRef idx="minor">
+            <a:schemeClr val="tx1"/>
+          </a:fontRef>
+        </p:style>
+      </p:cxnSp>
       <p:sp>
         <p:nvSpPr>
           <p:cNvPr id="7" name="TextBox 6"/>
@@ -3692,8 +3644,8 @@
         </p:nvSpPr>
         <p:spPr>
           <a:xfrm>
-            <a:off x="0" y="6248400"/>
-            <a:ext cx="9144000" cy="338554"/>
+            <a:off x="130885" y="3089238"/>
+            <a:ext cx="1143000" cy="338554"/>
           </a:xfrm>
           <a:prstGeom prst="rect">
             <a:avLst/>
@@ -3708,10 +3660,10 @@
           <a:p>
             <a:pPr algn="ctr"/>
             <a:r>
-              <a:rPr lang="en-US" sz="1600" b="1" smtClean="0"/>
-              <a:t>from Player.h</a:t>
-            </a:r>
-            <a:endParaRPr lang="en-US" sz="1600" b="1"/>
+              <a:rPr lang="en-US" sz="1600" smtClean="0"/>
+              <a:t>Required</a:t>
+            </a:r>
+            <a:endParaRPr lang="en-US" sz="1600"/>
           </a:p>
         </p:txBody>
       </p:sp>
@@ -3770,40 +3722,9 @@
           </a:p>
         </p:txBody>
       </p:sp>
-      <p:sp>
-        <p:nvSpPr>
-          <p:cNvPr id="3" name="Content Placeholder 2"/>
-          <p:cNvSpPr>
-            <a:spLocks noGrp="1"/>
-          </p:cNvSpPr>
-          <p:nvPr>
-            <p:ph idx="1"/>
-          </p:nvPr>
-        </p:nvSpPr>
-        <p:spPr/>
-        <p:txBody>
-          <a:bodyPr>
-            <a:normAutofit/>
-          </a:bodyPr>
-          <a:lstStyle/>
-          <a:p>
-            <a:r>
-              <a:rPr lang="en-US" sz="2400" smtClean="0"/>
-              <a:t>Requires a DynamicsModel to do anything meaningful</a:t>
-            </a:r>
-          </a:p>
-          <a:p>
-            <a:r>
-              <a:rPr lang="en-US" sz="2400" smtClean="0"/>
-              <a:t>Functionality can be implemented in subclass</a:t>
-            </a:r>
-            <a:endParaRPr lang="en-US" sz="2400"/>
-          </a:p>
-        </p:txBody>
-      </p:sp>
       <p:pic>
         <p:nvPicPr>
-          <p:cNvPr id="3074" name="Picture 2"/>
+          <p:cNvPr id="2051" name="Picture 3"/>
           <p:cNvPicPr>
             <a:picLocks noChangeAspect="1" noChangeArrowheads="1"/>
           </p:cNvPicPr>
@@ -3818,8 +3739,8 @@
         </p:blipFill>
         <p:spPr bwMode="auto">
           <a:xfrm>
-            <a:off x="1295400" y="2514600"/>
-            <a:ext cx="6638925" cy="3419475"/>
+            <a:off x="1295400" y="1447800"/>
+            <a:ext cx="6915150" cy="4610100"/>
           </a:xfrm>
           <a:prstGeom prst="rect">
             <a:avLst/>
@@ -3833,16 +3754,47 @@
           </a:ln>
         </p:spPr>
       </p:pic>
+      <p:sp>
+        <p:nvSpPr>
+          <p:cNvPr id="7" name="TextBox 6"/>
+          <p:cNvSpPr txBox="1"/>
+          <p:nvPr/>
+        </p:nvSpPr>
+        <p:spPr>
+          <a:xfrm>
+            <a:off x="0" y="6248400"/>
+            <a:ext cx="9144000" cy="338554"/>
+          </a:xfrm>
+          <a:prstGeom prst="rect">
+            <a:avLst/>
+          </a:prstGeom>
+          <a:noFill/>
+        </p:spPr>
+        <p:txBody>
+          <a:bodyPr wrap="square" rtlCol="0">
+            <a:spAutoFit/>
+          </a:bodyPr>
+          <a:lstStyle/>
+          <a:p>
+            <a:pPr algn="ctr"/>
+            <a:r>
+              <a:rPr lang="en-US" sz="1600" b="1" smtClean="0"/>
+              <a:t>from Player.h</a:t>
+            </a:r>
+            <a:endParaRPr lang="en-US" sz="1600" b="1"/>
+          </a:p>
+        </p:txBody>
+      </p:sp>
       <p:cxnSp>
         <p:nvCxnSpPr>
-          <p:cNvPr id="5" name="Straight Arrow Connector 4"/>
+          <p:cNvPr id="15" name="Straight Arrow Connector 14"/>
           <p:cNvCxnSpPr/>
           <p:nvPr/>
         </p:nvCxnSpPr>
         <p:spPr>
           <a:xfrm flipV="1">
-            <a:off x="1066800" y="3581400"/>
-            <a:ext cx="381000" cy="76200"/>
+            <a:off x="1066800" y="2438400"/>
+            <a:ext cx="228600" cy="152400"/>
           </a:xfrm>
           <a:prstGeom prst="straightConnector1">
             <a:avLst/>
@@ -3871,14 +3823,14 @@
       </p:cxnSp>
       <p:cxnSp>
         <p:nvCxnSpPr>
-          <p:cNvPr id="6" name="Straight Arrow Connector 5"/>
+          <p:cNvPr id="17" name="Straight Arrow Connector 16"/>
           <p:cNvCxnSpPr/>
           <p:nvPr/>
         </p:nvCxnSpPr>
         <p:spPr>
           <a:xfrm flipV="1">
-            <a:off x="1066800" y="5334000"/>
-            <a:ext cx="381000" cy="76200"/>
+            <a:off x="1066800" y="3505200"/>
+            <a:ext cx="228600" cy="152400"/>
           </a:xfrm>
           <a:prstGeom prst="straightConnector1">
             <a:avLst/>
@@ -3905,37 +3857,42 @@
           </a:fontRef>
         </p:style>
       </p:cxnSp>
-      <p:sp>
-        <p:nvSpPr>
-          <p:cNvPr id="7" name="TextBox 6"/>
-          <p:cNvSpPr txBox="1"/>
-          <p:nvPr/>
-        </p:nvSpPr>
+      <p:cxnSp>
+        <p:nvCxnSpPr>
+          <p:cNvPr id="18" name="Straight Arrow Connector 17"/>
+          <p:cNvCxnSpPr/>
+          <p:nvPr/>
+        </p:nvCxnSpPr>
         <p:spPr>
-          <a:xfrm>
-            <a:off x="0" y="6096000"/>
-            <a:ext cx="9144000" cy="338554"/>
-          </a:xfrm>
-          <a:prstGeom prst="rect">
-            <a:avLst/>
-          </a:prstGeom>
-          <a:noFill/>
-        </p:spPr>
-        <p:txBody>
-          <a:bodyPr wrap="square" rtlCol="0">
-            <a:spAutoFit/>
-          </a:bodyPr>
-          <a:lstStyle/>
-          <a:p>
-            <a:pPr algn="ctr"/>
-            <a:r>
-              <a:rPr lang="en-US" sz="1600" b="1" smtClean="0"/>
-              <a:t>from Player.cpp</a:t>
-            </a:r>
-            <a:endParaRPr lang="en-US" sz="1600" b="1"/>
-          </a:p>
-        </p:txBody>
-      </p:sp>
+          <a:xfrm flipV="1">
+            <a:off x="1066800" y="5943600"/>
+            <a:ext cx="228600" cy="152400"/>
+          </a:xfrm>
+          <a:prstGeom prst="straightConnector1">
+            <a:avLst/>
+          </a:prstGeom>
+          <a:ln w="28575">
+            <a:solidFill>
+              <a:srgbClr val="FF0000"/>
+            </a:solidFill>
+            <a:tailEnd type="arrow"/>
+          </a:ln>
+        </p:spPr>
+        <p:style>
+          <a:lnRef idx="1">
+            <a:schemeClr val="accent1"/>
+          </a:lnRef>
+          <a:fillRef idx="0">
+            <a:schemeClr val="accent1"/>
+          </a:fillRef>
+          <a:effectRef idx="0">
+            <a:schemeClr val="accent1"/>
+          </a:effectRef>
+          <a:fontRef idx="minor">
+            <a:schemeClr val="tx1"/>
+          </a:fontRef>
+        </p:style>
+      </p:cxnSp>
     </p:spTree>
   </p:cSld>
   <p:clrMapOvr>
@@ -3985,15 +3942,46 @@
           <a:p>
             <a:r>
               <a:rPr lang="en-US" smtClean="0"/>
-              <a:t>Input File Example</a:t>
+              <a:t>Direct Stick Input</a:t>
             </a:r>
             <a:endParaRPr lang="en-US"/>
+          </a:p>
+        </p:txBody>
+      </p:sp>
+      <p:sp>
+        <p:nvSpPr>
+          <p:cNvPr id="3" name="Content Placeholder 2"/>
+          <p:cNvSpPr>
+            <a:spLocks noGrp="1"/>
+          </p:cNvSpPr>
+          <p:nvPr>
+            <p:ph idx="1"/>
+          </p:nvPr>
+        </p:nvSpPr>
+        <p:spPr/>
+        <p:txBody>
+          <a:bodyPr>
+            <a:normAutofit/>
+          </a:bodyPr>
+          <a:lstStyle/>
+          <a:p>
+            <a:r>
+              <a:rPr lang="en-US" sz="2400" smtClean="0"/>
+              <a:t>Requires a DynamicsModel to do anything meaningful</a:t>
+            </a:r>
+          </a:p>
+          <a:p>
+            <a:r>
+              <a:rPr lang="en-US" sz="2400" smtClean="0"/>
+              <a:t>Functionality can be implemented in subclass</a:t>
+            </a:r>
+            <a:endParaRPr lang="en-US" sz="2400"/>
           </a:p>
         </p:txBody>
       </p:sp>
       <p:pic>
         <p:nvPicPr>
-          <p:cNvPr id="4098" name="Picture 2"/>
+          <p:cNvPr id="3074" name="Picture 2"/>
           <p:cNvPicPr>
             <a:picLocks noChangeAspect="1" noChangeArrowheads="1"/>
           </p:cNvPicPr>
@@ -4008,8 +3996,8 @@
         </p:blipFill>
         <p:spPr bwMode="auto">
           <a:xfrm>
-            <a:off x="1219200" y="1371600"/>
-            <a:ext cx="6334125" cy="5114925"/>
+            <a:off x="1295400" y="2514600"/>
+            <a:ext cx="6638925" cy="3419475"/>
           </a:xfrm>
           <a:prstGeom prst="rect">
             <a:avLst/>
@@ -4023,50 +4011,106 @@
           </a:ln>
         </p:spPr>
       </p:pic>
-      <p:sp>
-        <p:nvSpPr>
-          <p:cNvPr id="7" name="Rounded Rectangle 6"/>
-          <p:cNvSpPr/>
-          <p:nvPr/>
-        </p:nvSpPr>
+      <p:cxnSp>
+        <p:nvCxnSpPr>
+          <p:cNvPr id="5" name="Straight Arrow Connector 4"/>
+          <p:cNvCxnSpPr/>
+          <p:nvPr/>
+        </p:nvCxnSpPr>
         <p:spPr>
-          <a:xfrm>
-            <a:off x="1828800" y="5638800"/>
-            <a:ext cx="2895600" cy="914400"/>
-          </a:xfrm>
-          <a:prstGeom prst="roundRect">
-            <a:avLst/>
-          </a:prstGeom>
-          <a:noFill/>
-          <a:ln>
+          <a:xfrm flipV="1">
+            <a:off x="1066800" y="3581400"/>
+            <a:ext cx="381000" cy="76200"/>
+          </a:xfrm>
+          <a:prstGeom prst="straightConnector1">
+            <a:avLst/>
+          </a:prstGeom>
+          <a:ln w="28575">
             <a:solidFill>
               <a:srgbClr val="FF0000"/>
             </a:solidFill>
-            <a:prstDash val="sysDash"/>
+            <a:tailEnd type="arrow"/>
           </a:ln>
         </p:spPr>
         <p:style>
-          <a:lnRef idx="2">
-            <a:schemeClr val="accent1">
-              <a:shade val="50000"/>
-            </a:schemeClr>
+          <a:lnRef idx="1">
+            <a:schemeClr val="accent1"/>
           </a:lnRef>
-          <a:fillRef idx="1">
+          <a:fillRef idx="0">
             <a:schemeClr val="accent1"/>
           </a:fillRef>
           <a:effectRef idx="0">
             <a:schemeClr val="accent1"/>
           </a:effectRef>
           <a:fontRef idx="minor">
-            <a:schemeClr val="lt1"/>
+            <a:schemeClr val="tx1"/>
           </a:fontRef>
         </p:style>
-        <p:txBody>
-          <a:bodyPr rtlCol="0" anchor="ctr"/>
+      </p:cxnSp>
+      <p:cxnSp>
+        <p:nvCxnSpPr>
+          <p:cNvPr id="6" name="Straight Arrow Connector 5"/>
+          <p:cNvCxnSpPr/>
+          <p:nvPr/>
+        </p:nvCxnSpPr>
+        <p:spPr>
+          <a:xfrm flipV="1">
+            <a:off x="1066800" y="5334000"/>
+            <a:ext cx="381000" cy="76200"/>
+          </a:xfrm>
+          <a:prstGeom prst="straightConnector1">
+            <a:avLst/>
+          </a:prstGeom>
+          <a:ln w="28575">
+            <a:solidFill>
+              <a:srgbClr val="FF0000"/>
+            </a:solidFill>
+            <a:tailEnd type="arrow"/>
+          </a:ln>
+        </p:spPr>
+        <p:style>
+          <a:lnRef idx="1">
+            <a:schemeClr val="accent1"/>
+          </a:lnRef>
+          <a:fillRef idx="0">
+            <a:schemeClr val="accent1"/>
+          </a:fillRef>
+          <a:effectRef idx="0">
+            <a:schemeClr val="accent1"/>
+          </a:effectRef>
+          <a:fontRef idx="minor">
+            <a:schemeClr val="tx1"/>
+          </a:fontRef>
+        </p:style>
+      </p:cxnSp>
+      <p:sp>
+        <p:nvSpPr>
+          <p:cNvPr id="7" name="TextBox 6"/>
+          <p:cNvSpPr txBox="1"/>
+          <p:nvPr/>
+        </p:nvSpPr>
+        <p:spPr>
+          <a:xfrm>
+            <a:off x="0" y="6096000"/>
+            <a:ext cx="9144000" cy="338554"/>
+          </a:xfrm>
+          <a:prstGeom prst="rect">
+            <a:avLst/>
+          </a:prstGeom>
+          <a:noFill/>
+        </p:spPr>
+        <p:txBody>
+          <a:bodyPr wrap="square" rtlCol="0">
+            <a:spAutoFit/>
+          </a:bodyPr>
           <a:lstStyle/>
           <a:p>
             <a:pPr algn="ctr"/>
-            <a:endParaRPr lang="en-US"/>
+            <a:r>
+              <a:rPr lang="en-US" sz="1600" b="1" smtClean="0"/>
+              <a:t>from Player.cpp</a:t>
+            </a:r>
+            <a:endParaRPr lang="en-US" sz="1600" b="1"/>
           </a:p>
         </p:txBody>
       </p:sp>
@@ -4104,9 +4148,9 @@
       </p:grpSpPr>
       <p:sp>
         <p:nvSpPr>
-          <p:cNvPr id="26626" name="Rectangle 2"/>
-          <p:cNvSpPr>
-            <a:spLocks noGrp="1" noRot="1" noChangeArrowheads="1"/>
+          <p:cNvPr id="2" name="Title 1"/>
+          <p:cNvSpPr>
+            <a:spLocks noGrp="1"/>
           </p:cNvSpPr>
           <p:nvPr>
             <p:ph type="title"/>
@@ -4117,20 +4161,17 @@
           <a:bodyPr/>
           <a:lstStyle/>
           <a:p>
-            <a:pPr eaLnBrk="1" hangingPunct="1">
-              <a:defRPr/>
-            </a:pPr>
             <a:r>
               <a:rPr lang="en-US" smtClean="0"/>
-              <a:t>Human Input to Player</a:t>
-            </a:r>
-            <a:endParaRPr lang="en-US" dirty="0" smtClean="0"/>
+              <a:t>Input File Example</a:t>
+            </a:r>
+            <a:endParaRPr lang="en-US"/>
           </a:p>
         </p:txBody>
       </p:sp>
       <p:pic>
         <p:nvPicPr>
-          <p:cNvPr id="43011" name="Picture 6"/>
+          <p:cNvPr id="4098" name="Picture 2"/>
           <p:cNvPicPr>
             <a:picLocks noChangeAspect="1" noChangeArrowheads="1"/>
           </p:cNvPicPr>
@@ -4145,14 +4186,14 @@
         </p:blipFill>
         <p:spPr bwMode="auto">
           <a:xfrm>
-            <a:off x="2590800" y="1524000"/>
-            <a:ext cx="3988317" cy="3870087"/>
+            <a:off x="1219200" y="1371600"/>
+            <a:ext cx="6334125" cy="5114925"/>
           </a:xfrm>
           <a:prstGeom prst="rect">
             <a:avLst/>
           </a:prstGeom>
           <a:noFill/>
-          <a:ln w="25400">
+          <a:ln w="9525">
             <a:noFill/>
             <a:miter lim="800000"/>
             <a:headEnd/>
@@ -4160,132 +4201,50 @@
           </a:ln>
         </p:spPr>
       </p:pic>
-      <p:pic>
-        <p:nvPicPr>
-          <p:cNvPr id="5122" name="Picture 2" descr="C:\Users\me\AppData\Local\Microsoft\Windows\Temporary Internet Files\Content.IE5\PUXV0NF7\MC900433959[1].png"/>
-          <p:cNvPicPr>
-            <a:picLocks noChangeAspect="1" noChangeArrowheads="1"/>
-          </p:cNvPicPr>
-          <p:nvPr/>
-        </p:nvPicPr>
-        <p:blipFill>
-          <a:blip r:embed="rId3" cstate="print"/>
-          <a:srcRect/>
-          <a:stretch>
-            <a:fillRect/>
-          </a:stretch>
-        </p:blipFill>
-        <p:spPr bwMode="auto">
-          <a:xfrm flipH="1">
-            <a:off x="685800" y="2667000"/>
-            <a:ext cx="1066800" cy="1066800"/>
-          </a:xfrm>
-          <a:prstGeom prst="rect">
+      <p:sp>
+        <p:nvSpPr>
+          <p:cNvPr id="7" name="Rounded Rectangle 6"/>
+          <p:cNvSpPr/>
+          <p:nvPr/>
+        </p:nvSpPr>
+        <p:spPr>
+          <a:xfrm>
+            <a:off x="1828800" y="5638800"/>
+            <a:ext cx="2895600" cy="914400"/>
+          </a:xfrm>
+          <a:prstGeom prst="roundRect">
             <a:avLst/>
           </a:prstGeom>
           <a:noFill/>
-        </p:spPr>
-      </p:pic>
-      <p:cxnSp>
-        <p:nvCxnSpPr>
-          <p:cNvPr id="11" name="Straight Arrow Connector 10"/>
-          <p:cNvCxnSpPr/>
-          <p:nvPr/>
-        </p:nvCxnSpPr>
-        <p:spPr>
-          <a:xfrm>
-            <a:off x="1828800" y="3200400"/>
-            <a:ext cx="685800" cy="0"/>
-          </a:xfrm>
-          <a:prstGeom prst="straightConnector1">
-            <a:avLst/>
-          </a:prstGeom>
-          <a:ln w="28575">
+          <a:ln>
             <a:solidFill>
               <a:srgbClr val="FF0000"/>
             </a:solidFill>
-            <a:tailEnd type="arrow"/>
+            <a:prstDash val="sysDash"/>
           </a:ln>
         </p:spPr>
         <p:style>
-          <a:lnRef idx="1">
-            <a:schemeClr val="accent1"/>
+          <a:lnRef idx="2">
+            <a:schemeClr val="accent1">
+              <a:shade val="50000"/>
+            </a:schemeClr>
           </a:lnRef>
-          <a:fillRef idx="0">
+          <a:fillRef idx="1">
             <a:schemeClr val="accent1"/>
           </a:fillRef>
           <a:effectRef idx="0">
             <a:schemeClr val="accent1"/>
           </a:effectRef>
           <a:fontRef idx="minor">
-            <a:schemeClr val="tx1"/>
+            <a:schemeClr val="lt1"/>
           </a:fontRef>
         </p:style>
-      </p:cxnSp>
-      <p:cxnSp>
-        <p:nvCxnSpPr>
-          <p:cNvPr id="15" name="Straight Arrow Connector 14"/>
-          <p:cNvCxnSpPr/>
-          <p:nvPr/>
-        </p:nvCxnSpPr>
-        <p:spPr>
-          <a:xfrm flipH="1">
-            <a:off x="6172200" y="4191000"/>
-            <a:ext cx="609600" cy="304800"/>
-          </a:xfrm>
-          <a:prstGeom prst="straightConnector1">
-            <a:avLst/>
-          </a:prstGeom>
-          <a:ln w="28575">
-            <a:solidFill>
-              <a:srgbClr val="FF0000"/>
-            </a:solidFill>
-            <a:tailEnd type="arrow"/>
-          </a:ln>
-        </p:spPr>
-        <p:style>
-          <a:lnRef idx="1">
-            <a:schemeClr val="accent1"/>
-          </a:lnRef>
-          <a:fillRef idx="0">
-            <a:schemeClr val="accent1"/>
-          </a:fillRef>
-          <a:effectRef idx="0">
-            <a:schemeClr val="accent1"/>
-          </a:effectRef>
-          <a:fontRef idx="minor">
-            <a:schemeClr val="tx1"/>
-          </a:fontRef>
-        </p:style>
-      </p:cxnSp>
-      <p:sp>
-        <p:nvSpPr>
-          <p:cNvPr id="17" name="TextBox 16"/>
-          <p:cNvSpPr txBox="1"/>
-          <p:nvPr/>
-        </p:nvSpPr>
-        <p:spPr>
-          <a:xfrm>
-            <a:off x="6629400" y="3810000"/>
-            <a:ext cx="2209800" cy="584775"/>
-          </a:xfrm>
-          <a:prstGeom prst="rect">
-            <a:avLst/>
-          </a:prstGeom>
-          <a:noFill/>
-        </p:spPr>
-        <p:txBody>
-          <a:bodyPr wrap="square" rtlCol="0">
-            <a:spAutoFit/>
-          </a:bodyPr>
+        <p:txBody>
+          <a:bodyPr rtlCol="0" anchor="ctr"/>
           <a:lstStyle/>
           <a:p>
             <a:pPr algn="ctr"/>
-            <a:r>
-              <a:rPr lang="en-US" sz="1600" dirty="0" smtClean="0"/>
-              <a:t>Stick &amp; Throttle Inputs Arrive Here</a:t>
-            </a:r>
-            <a:endParaRPr lang="en-US" sz="1600" dirty="0"/>
+            <a:endParaRPr lang="en-US"/>
           </a:p>
         </p:txBody>
       </p:sp>
@@ -4323,9 +4282,9 @@
       </p:grpSpPr>
       <p:sp>
         <p:nvSpPr>
-          <p:cNvPr id="2" name="Title 1"/>
-          <p:cNvSpPr>
-            <a:spLocks noGrp="1"/>
+          <p:cNvPr id="26626" name="Rectangle 2"/>
+          <p:cNvSpPr>
+            <a:spLocks noGrp="1" noRot="1" noChangeArrowheads="1"/>
           </p:cNvSpPr>
           <p:nvPr>
             <p:ph type="title"/>
@@ -4336,52 +4295,20 @@
           <a:bodyPr/>
           <a:lstStyle/>
           <a:p>
+            <a:pPr eaLnBrk="1" hangingPunct="1">
+              <a:defRPr/>
+            </a:pPr>
             <a:r>
               <a:rPr lang="en-US" smtClean="0"/>
-              <a:t>Player w/DynamicsModel</a:t>
-            </a:r>
-            <a:endParaRPr lang="en-US"/>
-          </a:p>
-        </p:txBody>
-      </p:sp>
-      <p:sp>
-        <p:nvSpPr>
-          <p:cNvPr id="3" name="Content Placeholder 2"/>
-          <p:cNvSpPr>
-            <a:spLocks noGrp="1"/>
-          </p:cNvSpPr>
-          <p:nvPr>
-            <p:ph idx="1"/>
-          </p:nvPr>
-        </p:nvSpPr>
-        <p:spPr>
-          <a:xfrm>
-            <a:off x="457200" y="1447801"/>
-            <a:ext cx="8229600" cy="1295399"/>
-          </a:xfrm>
-        </p:spPr>
-        <p:txBody>
-          <a:bodyPr>
-            <a:normAutofit/>
-          </a:bodyPr>
-          <a:lstStyle/>
-          <a:p>
-            <a:r>
-              <a:rPr lang="en-US" sz="2000" smtClean="0"/>
-              <a:t>Player may or may not have an attached dynamics model</a:t>
-            </a:r>
-          </a:p>
-          <a:p>
-            <a:r>
-              <a:rPr lang="en-US" sz="2000" smtClean="0"/>
-              <a:t>If attached, then stick and throttle inputs are forwarded to the dynamics model</a:t>
-            </a:r>
+              <a:t>Human Input to Player</a:t>
+            </a:r>
+            <a:endParaRPr lang="en-US" dirty="0" smtClean="0"/>
           </a:p>
         </p:txBody>
       </p:sp>
       <p:pic>
         <p:nvPicPr>
-          <p:cNvPr id="5" name="Picture 2" descr="C:\Users\me\AppData\Local\Microsoft\Windows\Temporary Internet Files\Content.IE5\PUXV0NF7\MC900433959[1].png"/>
+          <p:cNvPr id="43011" name="Picture 6"/>
           <p:cNvPicPr>
             <a:picLocks noChangeAspect="1" noChangeArrowheads="1"/>
           </p:cNvPicPr>
@@ -4395,55 +4322,25 @@
           </a:stretch>
         </p:blipFill>
         <p:spPr bwMode="auto">
-          <a:xfrm flipH="1">
-            <a:off x="1828800" y="2971800"/>
-            <a:ext cx="609600" cy="609600"/>
+          <a:xfrm>
+            <a:off x="2590800" y="1524000"/>
+            <a:ext cx="3988317" cy="3870087"/>
           </a:xfrm>
           <a:prstGeom prst="rect">
             <a:avLst/>
           </a:prstGeom>
           <a:noFill/>
+          <a:ln w="25400">
+            <a:noFill/>
+            <a:miter lim="800000"/>
+            <a:headEnd/>
+            <a:tailEnd/>
+          </a:ln>
         </p:spPr>
       </p:pic>
-      <p:cxnSp>
-        <p:nvCxnSpPr>
-          <p:cNvPr id="6" name="Straight Arrow Connector 5"/>
-          <p:cNvCxnSpPr/>
-          <p:nvPr/>
-        </p:nvCxnSpPr>
-        <p:spPr>
-          <a:xfrm>
-            <a:off x="2514600" y="3276600"/>
-            <a:ext cx="685800" cy="0"/>
-          </a:xfrm>
-          <a:prstGeom prst="straightConnector1">
-            <a:avLst/>
-          </a:prstGeom>
-          <a:ln w="28575">
-            <a:solidFill>
-              <a:srgbClr val="FF0000"/>
-            </a:solidFill>
-            <a:tailEnd type="arrow"/>
-          </a:ln>
-        </p:spPr>
-        <p:style>
-          <a:lnRef idx="1">
-            <a:schemeClr val="accent1"/>
-          </a:lnRef>
-          <a:fillRef idx="0">
-            <a:schemeClr val="accent1"/>
-          </a:fillRef>
-          <a:effectRef idx="0">
-            <a:schemeClr val="accent1"/>
-          </a:effectRef>
-          <a:fontRef idx="minor">
-            <a:schemeClr val="tx1"/>
-          </a:fontRef>
-        </p:style>
-      </p:cxnSp>
       <p:pic>
         <p:nvPicPr>
-          <p:cNvPr id="6148" name="Picture 4"/>
+          <p:cNvPr id="5122" name="Picture 2" descr="C:\Users\me\AppData\Local\Microsoft\Windows\Temporary Internet Files\Content.IE5\PUXV0NF7\MC900433959[1].png"/>
           <p:cNvPicPr>
             <a:picLocks noChangeAspect="1" noChangeArrowheads="1"/>
           </p:cNvPicPr>
@@ -4457,20 +4354,14 @@
           </a:stretch>
         </p:blipFill>
         <p:spPr bwMode="auto">
-          <a:xfrm>
-            <a:off x="3352800" y="3048000"/>
-            <a:ext cx="3657600" cy="2295525"/>
+          <a:xfrm flipH="1">
+            <a:off x="685800" y="2667000"/>
+            <a:ext cx="1066800" cy="1066800"/>
           </a:xfrm>
           <a:prstGeom prst="rect">
             <a:avLst/>
           </a:prstGeom>
           <a:noFill/>
-          <a:ln w="9525">
-            <a:noFill/>
-            <a:miter lim="800000"/>
-            <a:headEnd/>
-            <a:tailEnd/>
-          </a:ln>
         </p:spPr>
       </p:pic>
       <p:cxnSp>
@@ -4481,8 +4372,8 @@
         </p:nvCxnSpPr>
         <p:spPr>
           <a:xfrm>
-            <a:off x="4038600" y="3733800"/>
-            <a:ext cx="685800" cy="990600"/>
+            <a:off x="1828800" y="3200400"/>
+            <a:ext cx="685800" cy="0"/>
           </a:xfrm>
           <a:prstGeom prst="straightConnector1">
             <a:avLst/>
@@ -4511,14 +4402,14 @@
       </p:cxnSp>
       <p:cxnSp>
         <p:nvCxnSpPr>
-          <p:cNvPr id="8" name="Straight Arrow Connector 7"/>
+          <p:cNvPr id="15" name="Straight Arrow Connector 14"/>
           <p:cNvCxnSpPr/>
           <p:nvPr/>
         </p:nvCxnSpPr>
         <p:spPr>
-          <a:xfrm flipV="1">
-            <a:off x="4419600" y="5334000"/>
-            <a:ext cx="228600" cy="381000"/>
+          <a:xfrm flipH="1">
+            <a:off x="6172200" y="4191000"/>
+            <a:ext cx="609600" cy="304800"/>
           </a:xfrm>
           <a:prstGeom prst="straightConnector1">
             <a:avLst/>
@@ -4547,14 +4438,14 @@
       </p:cxnSp>
       <p:sp>
         <p:nvSpPr>
-          <p:cNvPr id="9" name="TextBox 8"/>
+          <p:cNvPr id="17" name="TextBox 16"/>
           <p:cNvSpPr txBox="1"/>
           <p:nvPr/>
         </p:nvSpPr>
         <p:spPr>
           <a:xfrm>
-            <a:off x="3810000" y="5791200"/>
-            <a:ext cx="990600" cy="338554"/>
+            <a:off x="6629400" y="3810000"/>
+            <a:ext cx="2209800" cy="584775"/>
           </a:xfrm>
           <a:prstGeom prst="rect">
             <a:avLst/>
@@ -4570,7 +4461,7 @@
             <a:pPr algn="ctr"/>
             <a:r>
               <a:rPr lang="en-US" sz="1600" dirty="0" smtClean="0"/>
-              <a:t>Physics</a:t>
+              <a:t>Stick &amp; Throttle Inputs Arrive Here</a:t>
             </a:r>
             <a:endParaRPr lang="en-US" sz="1600" dirty="0"/>
           </a:p>
@@ -4625,7 +4516,7 @@
           <a:p>
             <a:r>
               <a:rPr lang="en-US" smtClean="0"/>
-              <a:t>Subclassed Player</a:t>
+              <a:t>Player w/DynamicsModel</a:t>
             </a:r>
             <a:endParaRPr lang="en-US"/>
           </a:p>
@@ -4644,7 +4535,7 @@
         <p:spPr>
           <a:xfrm>
             <a:off x="457200" y="1447801"/>
-            <a:ext cx="8229600" cy="838199"/>
+            <a:ext cx="8229600" cy="1295399"/>
           </a:xfrm>
         </p:spPr>
         <p:txBody>
@@ -4655,9 +4546,14 @@
           <a:p>
             <a:r>
               <a:rPr lang="en-US" sz="2000" smtClean="0"/>
-              <a:t>Stick and throttle functionality implemented in subclass</a:t>
-            </a:r>
-            <a:endParaRPr lang="en-US" sz="2000"/>
+              <a:t>Player may or may not have an attached dynamics model</a:t>
+            </a:r>
+          </a:p>
+          <a:p>
+            <a:r>
+              <a:rPr lang="en-US" sz="2000" smtClean="0"/>
+              <a:t>If attached, then stick and throttle inputs are forwarded to the dynamics model</a:t>
+            </a:r>
           </a:p>
         </p:txBody>
       </p:sp>
@@ -4678,7 +4574,7 @@
         </p:blipFill>
         <p:spPr bwMode="auto">
           <a:xfrm flipH="1">
-            <a:off x="2514600" y="2819400"/>
+            <a:off x="1828800" y="2971800"/>
             <a:ext cx="609600" cy="609600"/>
           </a:xfrm>
           <a:prstGeom prst="rect">
@@ -4695,44 +4591,8 @@
         </p:nvCxnSpPr>
         <p:spPr>
           <a:xfrm>
-            <a:off x="3200400" y="3124200"/>
+            <a:off x="2514600" y="3276600"/>
             <a:ext cx="685800" cy="0"/>
-          </a:xfrm>
-          <a:prstGeom prst="straightConnector1">
-            <a:avLst/>
-          </a:prstGeom>
-          <a:ln w="28575">
-            <a:solidFill>
-              <a:srgbClr val="FF0000"/>
-            </a:solidFill>
-            <a:tailEnd type="arrow"/>
-          </a:ln>
-        </p:spPr>
-        <p:style>
-          <a:lnRef idx="1">
-            <a:schemeClr val="accent1"/>
-          </a:lnRef>
-          <a:fillRef idx="0">
-            <a:schemeClr val="accent1"/>
-          </a:fillRef>
-          <a:effectRef idx="0">
-            <a:schemeClr val="accent1"/>
-          </a:effectRef>
-          <a:fontRef idx="minor">
-            <a:schemeClr val="tx1"/>
-          </a:fontRef>
-        </p:style>
-      </p:cxnSp>
-      <p:cxnSp>
-        <p:nvCxnSpPr>
-          <p:cNvPr id="11" name="Straight Arrow Connector 10"/>
-          <p:cNvCxnSpPr/>
-          <p:nvPr/>
-        </p:nvCxnSpPr>
-        <p:spPr>
-          <a:xfrm>
-            <a:off x="5410200" y="3200400"/>
-            <a:ext cx="0" cy="990600"/>
           </a:xfrm>
           <a:prstGeom prst="straightConnector1">
             <a:avLst/>
@@ -4761,7 +4621,7 @@
       </p:cxnSp>
       <p:pic>
         <p:nvPicPr>
-          <p:cNvPr id="4098" name="Picture 2"/>
+          <p:cNvPr id="6148" name="Picture 4"/>
           <p:cNvPicPr>
             <a:picLocks noChangeAspect="1" noChangeArrowheads="1"/>
           </p:cNvPicPr>
@@ -4776,8 +4636,8 @@
         </p:blipFill>
         <p:spPr bwMode="auto">
           <a:xfrm>
-            <a:off x="4038600" y="2819400"/>
-            <a:ext cx="1219200" cy="1695796"/>
+            <a:off x="3352800" y="3048000"/>
+            <a:ext cx="3657600" cy="2295525"/>
           </a:xfrm>
           <a:prstGeom prst="rect">
             <a:avLst/>
@@ -4791,6 +4651,109 @@
           </a:ln>
         </p:spPr>
       </p:pic>
+      <p:cxnSp>
+        <p:nvCxnSpPr>
+          <p:cNvPr id="11" name="Straight Arrow Connector 10"/>
+          <p:cNvCxnSpPr/>
+          <p:nvPr/>
+        </p:nvCxnSpPr>
+        <p:spPr>
+          <a:xfrm>
+            <a:off x="4038600" y="3733800"/>
+            <a:ext cx="685800" cy="990600"/>
+          </a:xfrm>
+          <a:prstGeom prst="straightConnector1">
+            <a:avLst/>
+          </a:prstGeom>
+          <a:ln w="28575">
+            <a:solidFill>
+              <a:srgbClr val="FF0000"/>
+            </a:solidFill>
+            <a:tailEnd type="arrow"/>
+          </a:ln>
+        </p:spPr>
+        <p:style>
+          <a:lnRef idx="1">
+            <a:schemeClr val="accent1"/>
+          </a:lnRef>
+          <a:fillRef idx="0">
+            <a:schemeClr val="accent1"/>
+          </a:fillRef>
+          <a:effectRef idx="0">
+            <a:schemeClr val="accent1"/>
+          </a:effectRef>
+          <a:fontRef idx="minor">
+            <a:schemeClr val="tx1"/>
+          </a:fontRef>
+        </p:style>
+      </p:cxnSp>
+      <p:cxnSp>
+        <p:nvCxnSpPr>
+          <p:cNvPr id="8" name="Straight Arrow Connector 7"/>
+          <p:cNvCxnSpPr/>
+          <p:nvPr/>
+        </p:nvCxnSpPr>
+        <p:spPr>
+          <a:xfrm flipV="1">
+            <a:off x="4419600" y="5334000"/>
+            <a:ext cx="228600" cy="381000"/>
+          </a:xfrm>
+          <a:prstGeom prst="straightConnector1">
+            <a:avLst/>
+          </a:prstGeom>
+          <a:ln w="28575">
+            <a:solidFill>
+              <a:srgbClr val="FF0000"/>
+            </a:solidFill>
+            <a:tailEnd type="arrow"/>
+          </a:ln>
+        </p:spPr>
+        <p:style>
+          <a:lnRef idx="1">
+            <a:schemeClr val="accent1"/>
+          </a:lnRef>
+          <a:fillRef idx="0">
+            <a:schemeClr val="accent1"/>
+          </a:fillRef>
+          <a:effectRef idx="0">
+            <a:schemeClr val="accent1"/>
+          </a:effectRef>
+          <a:fontRef idx="minor">
+            <a:schemeClr val="tx1"/>
+          </a:fontRef>
+        </p:style>
+      </p:cxnSp>
+      <p:sp>
+        <p:nvSpPr>
+          <p:cNvPr id="9" name="TextBox 8"/>
+          <p:cNvSpPr txBox="1"/>
+          <p:nvPr/>
+        </p:nvSpPr>
+        <p:spPr>
+          <a:xfrm>
+            <a:off x="3810000" y="5791200"/>
+            <a:ext cx="990600" cy="338554"/>
+          </a:xfrm>
+          <a:prstGeom prst="rect">
+            <a:avLst/>
+          </a:prstGeom>
+          <a:noFill/>
+        </p:spPr>
+        <p:txBody>
+          <a:bodyPr wrap="square" rtlCol="0">
+            <a:spAutoFit/>
+          </a:bodyPr>
+          <a:lstStyle/>
+          <a:p>
+            <a:pPr algn="ctr"/>
+            <a:r>
+              <a:rPr lang="en-US" sz="1600" dirty="0" smtClean="0"/>
+              <a:t>Physics</a:t>
+            </a:r>
+            <a:endParaRPr lang="en-US" sz="1600" dirty="0"/>
+          </a:p>
+        </p:txBody>
+      </p:sp>
     </p:spTree>
   </p:cSld>
   <p:clrMapOvr>
@@ -4825,230 +4788,187 @@
       </p:grpSpPr>
       <p:sp>
         <p:nvSpPr>
-          <p:cNvPr id="3" name="Title 3"/>
-          <p:cNvSpPr txBox="1">
-            <a:spLocks/>
-          </p:cNvSpPr>
-          <p:nvPr/>
+          <p:cNvPr id="2" name="Title 1"/>
+          <p:cNvSpPr>
+            <a:spLocks noGrp="1"/>
+          </p:cNvSpPr>
+          <p:nvPr>
+            <p:ph type="title"/>
+          </p:nvPr>
+        </p:nvSpPr>
+        <p:spPr/>
+        <p:txBody>
+          <a:bodyPr/>
+          <a:lstStyle/>
+          <a:p>
+            <a:r>
+              <a:rPr lang="en-US" smtClean="0"/>
+              <a:t>Subclassed Player</a:t>
+            </a:r>
+            <a:endParaRPr lang="en-US"/>
+          </a:p>
+        </p:txBody>
+      </p:sp>
+      <p:sp>
+        <p:nvSpPr>
+          <p:cNvPr id="3" name="Content Placeholder 2"/>
+          <p:cNvSpPr>
+            <a:spLocks noGrp="1"/>
+          </p:cNvSpPr>
+          <p:nvPr>
+            <p:ph idx="1"/>
+          </p:nvPr>
         </p:nvSpPr>
         <p:spPr>
           <a:xfrm>
-            <a:off x="0" y="2514600"/>
-            <a:ext cx="9144000" cy="1219200"/>
-          </a:xfrm>
-          <a:prstGeom prst="rect">
-            <a:avLst/>
-          </a:prstGeom>
-        </p:spPr>
-        <p:txBody>
-          <a:bodyPr vert="horz" lIns="91440" tIns="45720" rIns="91440" bIns="45720" rtlCol="0" anchor="ctr">
+            <a:off x="457200" y="1447801"/>
+            <a:ext cx="8229600" cy="838199"/>
+          </a:xfrm>
+        </p:spPr>
+        <p:txBody>
+          <a:bodyPr>
             <a:normAutofit/>
           </a:bodyPr>
           <a:lstStyle/>
           <a:p>
-            <a:pPr marL="0" marR="0" lvl="0" indent="0" algn="ctr" defTabSz="914400" rtl="0" eaLnBrk="1" fontAlgn="auto" latinLnBrk="0" hangingPunct="1">
-              <a:lnSpc>
-                <a:spcPct val="100000"/>
-              </a:lnSpc>
-              <a:spcBef>
-                <a:spcPct val="0"/>
-              </a:spcBef>
-              <a:spcAft>
-                <a:spcPts val="0"/>
-              </a:spcAft>
-              <a:buClrTx/>
-              <a:buSzTx/>
-              <a:buFontTx/>
-              <a:buNone/>
-              <a:tabLst/>
-              <a:defRPr/>
-            </a:pPr>
-            <a:r>
-              <a:rPr kumimoji="0" lang="en-US" sz="4000" b="0" i="0" u="none" strike="noStrike" kern="1200" cap="none" spc="0" normalizeH="0" baseline="0" noProof="0" dirty="0" smtClean="0">
-                <a:ln>
-                  <a:noFill/>
-                </a:ln>
-                <a:solidFill>
-                  <a:schemeClr val="tx1"/>
-                </a:solidFill>
-                <a:effectLst/>
-                <a:uLnTx/>
-                <a:uFillTx/>
-                <a:latin typeface="+mj-lt"/>
-                <a:ea typeface="+mj-ea"/>
-                <a:cs typeface="+mj-cs"/>
-              </a:rPr>
-              <a:t>Dynamics Model </a:t>
-            </a:r>
-            <a:r>
-              <a:rPr kumimoji="0" lang="en-US" sz="4000" b="0" i="0" u="none" strike="noStrike" kern="1200" cap="none" spc="0" normalizeH="0" baseline="0" noProof="0" dirty="0" smtClean="0">
-                <a:ln>
-                  <a:noFill/>
-                </a:ln>
-                <a:solidFill>
-                  <a:schemeClr val="tx1"/>
-                </a:solidFill>
-                <a:effectLst/>
-                <a:uLnTx/>
-                <a:uFillTx/>
-                <a:latin typeface="+mj-lt"/>
-                <a:ea typeface="+mj-ea"/>
-                <a:cs typeface="+mj-cs"/>
-              </a:rPr>
-              <a:t>Autopilot</a:t>
-            </a:r>
-            <a:br>
-              <a:rPr kumimoji="0" lang="en-US" sz="4000" b="0" i="0" u="none" strike="noStrike" kern="1200" cap="none" spc="0" normalizeH="0" baseline="0" noProof="0" dirty="0" smtClean="0">
-                <a:ln>
-                  <a:noFill/>
-                </a:ln>
-                <a:solidFill>
-                  <a:schemeClr val="tx1"/>
-                </a:solidFill>
-                <a:effectLst/>
-                <a:uLnTx/>
-                <a:uFillTx/>
-                <a:latin typeface="+mj-lt"/>
-                <a:ea typeface="+mj-ea"/>
-                <a:cs typeface="+mj-cs"/>
-              </a:rPr>
-            </a:br>
-            <a:r>
-              <a:rPr kumimoji="0" lang="en-US" sz="2000" b="0" i="0" u="none" strike="noStrike" kern="1200" cap="none" spc="0" normalizeH="0" baseline="0" noProof="0" dirty="0" smtClean="0">
-                <a:ln>
-                  <a:noFill/>
-                </a:ln>
-                <a:solidFill>
-                  <a:schemeClr val="tx1"/>
-                </a:solidFill>
-                <a:effectLst/>
-                <a:uLnTx/>
-                <a:uFillTx/>
-                <a:latin typeface="+mj-lt"/>
-                <a:ea typeface="+mj-ea"/>
-                <a:cs typeface="+mj-cs"/>
-              </a:rPr>
-              <a:t>(</a:t>
-            </a:r>
-            <a:r>
-              <a:rPr kumimoji="0" lang="en-US" sz="2000" b="0" i="0" u="none" strike="noStrike" kern="1200" cap="none" spc="0" normalizeH="0" baseline="0" noProof="0" dirty="0" smtClean="0">
-                <a:ln>
-                  <a:noFill/>
-                </a:ln>
-                <a:solidFill>
-                  <a:schemeClr val="tx1"/>
-                </a:solidFill>
-                <a:effectLst/>
-                <a:uLnTx/>
-                <a:uFillTx/>
-                <a:latin typeface="+mj-lt"/>
-                <a:ea typeface="+mj-ea"/>
-                <a:cs typeface="+mj-cs"/>
-              </a:rPr>
-              <a:t>assumes </a:t>
-            </a:r>
-            <a:r>
-              <a:rPr kumimoji="0" lang="en-US" sz="2000" b="0" i="0" u="none" strike="noStrike" kern="1200" cap="none" spc="0" normalizeH="0" baseline="0" noProof="0" dirty="0" err="1" smtClean="0">
-                <a:ln>
-                  <a:noFill/>
-                </a:ln>
-                <a:solidFill>
-                  <a:schemeClr val="tx1"/>
-                </a:solidFill>
-                <a:effectLst/>
-                <a:uLnTx/>
-                <a:uFillTx/>
-                <a:latin typeface="+mj-lt"/>
-                <a:ea typeface="+mj-ea"/>
-                <a:cs typeface="+mj-cs"/>
-              </a:rPr>
-              <a:t>DynamicsModel</a:t>
-            </a:r>
-            <a:r>
-              <a:rPr kumimoji="0" lang="en-US" sz="2000" b="0" i="0" u="none" strike="noStrike" kern="1200" cap="none" spc="0" normalizeH="0" baseline="0" noProof="0" dirty="0" smtClean="0">
-                <a:ln>
-                  <a:noFill/>
-                </a:ln>
-                <a:solidFill>
-                  <a:schemeClr val="tx1"/>
-                </a:solidFill>
-                <a:effectLst/>
-                <a:uLnTx/>
-                <a:uFillTx/>
-                <a:latin typeface="+mj-lt"/>
-                <a:ea typeface="+mj-ea"/>
-                <a:cs typeface="+mj-cs"/>
-              </a:rPr>
-              <a:t> </a:t>
-            </a:r>
-            <a:r>
-              <a:rPr kumimoji="0" lang="en-US" sz="2000" b="0" i="0" u="none" strike="noStrike" kern="1200" cap="none" spc="0" normalizeH="0" baseline="0" noProof="0" dirty="0" smtClean="0">
-                <a:ln>
-                  <a:noFill/>
-                </a:ln>
-                <a:solidFill>
-                  <a:schemeClr val="tx1"/>
-                </a:solidFill>
-                <a:effectLst/>
-                <a:uLnTx/>
-                <a:uFillTx/>
-                <a:latin typeface="+mj-lt"/>
-                <a:ea typeface="+mj-ea"/>
-                <a:cs typeface="+mj-cs"/>
-              </a:rPr>
-              <a:t>or </a:t>
-            </a:r>
-            <a:r>
-              <a:rPr kumimoji="0" lang="en-US" sz="2000" b="0" i="0" u="none" strike="noStrike" kern="1200" cap="none" spc="0" normalizeH="0" baseline="0" noProof="0" dirty="0" smtClean="0">
-                <a:ln>
-                  <a:noFill/>
-                </a:ln>
-                <a:solidFill>
-                  <a:schemeClr val="tx1"/>
-                </a:solidFill>
-                <a:effectLst/>
-                <a:uLnTx/>
-                <a:uFillTx/>
-                <a:latin typeface="+mj-lt"/>
-                <a:ea typeface="+mj-ea"/>
-                <a:cs typeface="+mj-cs"/>
-              </a:rPr>
-              <a:t>sub-classing </a:t>
-            </a:r>
-            <a:r>
-              <a:rPr kumimoji="0" lang="en-US" sz="2000" b="0" i="0" u="none" strike="noStrike" kern="1200" cap="none" spc="0" normalizeH="0" baseline="0" noProof="0" dirty="0" smtClean="0">
-                <a:ln>
-                  <a:noFill/>
-                </a:ln>
-                <a:solidFill>
-                  <a:schemeClr val="tx1"/>
-                </a:solidFill>
-                <a:effectLst/>
-                <a:uLnTx/>
-                <a:uFillTx/>
-                <a:latin typeface="+mj-lt"/>
-                <a:ea typeface="+mj-ea"/>
-                <a:cs typeface="+mj-cs"/>
-              </a:rPr>
-              <a:t>that includes an autopilot)</a:t>
-            </a:r>
-            <a:endParaRPr kumimoji="0" lang="en-US" sz="4000" b="0" i="0" u="none" strike="noStrike" kern="1200" cap="none" spc="0" normalizeH="0" baseline="0" noProof="0" dirty="0">
-              <a:ln>
-                <a:noFill/>
-              </a:ln>
-              <a:solidFill>
-                <a:schemeClr val="tx1"/>
-              </a:solidFill>
-              <a:effectLst/>
-              <a:uLnTx/>
-              <a:uFillTx/>
-              <a:latin typeface="+mj-lt"/>
-              <a:ea typeface="+mj-ea"/>
-              <a:cs typeface="+mj-cs"/>
-            </a:endParaRPr>
-          </a:p>
-        </p:txBody>
-      </p:sp>
+            <a:r>
+              <a:rPr lang="en-US" sz="2000" smtClean="0"/>
+              <a:t>Stick and throttle functionality implemented in subclass</a:t>
+            </a:r>
+            <a:endParaRPr lang="en-US" sz="2000"/>
+          </a:p>
+        </p:txBody>
+      </p:sp>
+      <p:pic>
+        <p:nvPicPr>
+          <p:cNvPr id="5" name="Picture 2" descr="C:\Users\me\AppData\Local\Microsoft\Windows\Temporary Internet Files\Content.IE5\PUXV0NF7\MC900433959[1].png"/>
+          <p:cNvPicPr>
+            <a:picLocks noChangeAspect="1" noChangeArrowheads="1"/>
+          </p:cNvPicPr>
+          <p:nvPr/>
+        </p:nvPicPr>
+        <p:blipFill>
+          <a:blip r:embed="rId2" cstate="print"/>
+          <a:srcRect/>
+          <a:stretch>
+            <a:fillRect/>
+          </a:stretch>
+        </p:blipFill>
+        <p:spPr bwMode="auto">
+          <a:xfrm flipH="1">
+            <a:off x="2514600" y="2819400"/>
+            <a:ext cx="609600" cy="609600"/>
+          </a:xfrm>
+          <a:prstGeom prst="rect">
+            <a:avLst/>
+          </a:prstGeom>
+          <a:noFill/>
+        </p:spPr>
+      </p:pic>
+      <p:cxnSp>
+        <p:nvCxnSpPr>
+          <p:cNvPr id="6" name="Straight Arrow Connector 5"/>
+          <p:cNvCxnSpPr/>
+          <p:nvPr/>
+        </p:nvCxnSpPr>
+        <p:spPr>
+          <a:xfrm>
+            <a:off x="3200400" y="3124200"/>
+            <a:ext cx="685800" cy="0"/>
+          </a:xfrm>
+          <a:prstGeom prst="straightConnector1">
+            <a:avLst/>
+          </a:prstGeom>
+          <a:ln w="28575">
+            <a:solidFill>
+              <a:srgbClr val="FF0000"/>
+            </a:solidFill>
+            <a:tailEnd type="arrow"/>
+          </a:ln>
+        </p:spPr>
+        <p:style>
+          <a:lnRef idx="1">
+            <a:schemeClr val="accent1"/>
+          </a:lnRef>
+          <a:fillRef idx="0">
+            <a:schemeClr val="accent1"/>
+          </a:fillRef>
+          <a:effectRef idx="0">
+            <a:schemeClr val="accent1"/>
+          </a:effectRef>
+          <a:fontRef idx="minor">
+            <a:schemeClr val="tx1"/>
+          </a:fontRef>
+        </p:style>
+      </p:cxnSp>
+      <p:cxnSp>
+        <p:nvCxnSpPr>
+          <p:cNvPr id="11" name="Straight Arrow Connector 10"/>
+          <p:cNvCxnSpPr/>
+          <p:nvPr/>
+        </p:nvCxnSpPr>
+        <p:spPr>
+          <a:xfrm>
+            <a:off x="5410200" y="3200400"/>
+            <a:ext cx="0" cy="990600"/>
+          </a:xfrm>
+          <a:prstGeom prst="straightConnector1">
+            <a:avLst/>
+          </a:prstGeom>
+          <a:ln w="28575">
+            <a:solidFill>
+              <a:srgbClr val="FF0000"/>
+            </a:solidFill>
+            <a:tailEnd type="arrow"/>
+          </a:ln>
+        </p:spPr>
+        <p:style>
+          <a:lnRef idx="1">
+            <a:schemeClr val="accent1"/>
+          </a:lnRef>
+          <a:fillRef idx="0">
+            <a:schemeClr val="accent1"/>
+          </a:fillRef>
+          <a:effectRef idx="0">
+            <a:schemeClr val="accent1"/>
+          </a:effectRef>
+          <a:fontRef idx="minor">
+            <a:schemeClr val="tx1"/>
+          </a:fontRef>
+        </p:style>
+      </p:cxnSp>
+      <p:pic>
+        <p:nvPicPr>
+          <p:cNvPr id="4098" name="Picture 2"/>
+          <p:cNvPicPr>
+            <a:picLocks noChangeAspect="1" noChangeArrowheads="1"/>
+          </p:cNvPicPr>
+          <p:nvPr/>
+        </p:nvPicPr>
+        <p:blipFill>
+          <a:blip r:embed="rId3" cstate="print"/>
+          <a:srcRect/>
+          <a:stretch>
+            <a:fillRect/>
+          </a:stretch>
+        </p:blipFill>
+        <p:spPr bwMode="auto">
+          <a:xfrm>
+            <a:off x="4038600" y="2819400"/>
+            <a:ext cx="1219200" cy="1695796"/>
+          </a:xfrm>
+          <a:prstGeom prst="rect">
+            <a:avLst/>
+          </a:prstGeom>
+          <a:noFill/>
+          <a:ln w="9525">
+            <a:noFill/>
+            <a:miter lim="800000"/>
+            <a:headEnd/>
+            <a:tailEnd/>
+          </a:ln>
+        </p:spPr>
+      </p:pic>
     </p:spTree>
   </p:cSld>
   <p:clrMapOvr>
@@ -5083,186 +5003,142 @@
       </p:grpSpPr>
       <p:sp>
         <p:nvSpPr>
-          <p:cNvPr id="2" name="Title 1"/>
-          <p:cNvSpPr>
-            <a:spLocks noGrp="1"/>
-          </p:cNvSpPr>
-          <p:nvPr>
-            <p:ph type="title"/>
-          </p:nvPr>
-        </p:nvSpPr>
-        <p:spPr/>
-        <p:txBody>
-          <a:bodyPr>
+          <p:cNvPr id="3" name="Title 3"/>
+          <p:cNvSpPr txBox="1">
+            <a:spLocks/>
+          </p:cNvSpPr>
+          <p:nvPr/>
+        </p:nvSpPr>
+        <p:spPr>
+          <a:xfrm>
+            <a:off x="0" y="2514600"/>
+            <a:ext cx="9144000" cy="1219200"/>
+          </a:xfrm>
+          <a:prstGeom prst="rect">
+            <a:avLst/>
+          </a:prstGeom>
+        </p:spPr>
+        <p:txBody>
+          <a:bodyPr vert="horz" lIns="91440" tIns="45720" rIns="91440" bIns="45720" rtlCol="0" anchor="ctr">
             <a:normAutofit/>
           </a:bodyPr>
           <a:lstStyle/>
           <a:p>
-            <a:r>
-              <a:rPr lang="en-US" smtClean="0"/>
-              <a:t>Composite Structure</a:t>
-            </a:r>
-            <a:endParaRPr lang="en-US" sz="4000"/>
-          </a:p>
-        </p:txBody>
-      </p:sp>
-      <p:sp>
-        <p:nvSpPr>
-          <p:cNvPr id="10" name="Content Placeholder 2"/>
-          <p:cNvSpPr>
-            <a:spLocks noGrp="1"/>
-          </p:cNvSpPr>
-          <p:nvPr>
-            <p:ph idx="1"/>
-          </p:nvPr>
-        </p:nvSpPr>
-        <p:spPr>
-          <a:xfrm>
-            <a:off x="457200" y="1447801"/>
-            <a:ext cx="8229600" cy="685800"/>
-          </a:xfrm>
-        </p:spPr>
-        <p:txBody>
-          <a:bodyPr>
-            <a:normAutofit/>
-          </a:bodyPr>
-          <a:lstStyle/>
-          <a:p>
-            <a:r>
-              <a:rPr lang="en-US" sz="2400" smtClean="0"/>
-              <a:t>General purpose interface to those sub-systems</a:t>
-            </a:r>
-            <a:endParaRPr lang="en-US" sz="2400"/>
-          </a:p>
-        </p:txBody>
-      </p:sp>
-      <p:sp>
-        <p:nvSpPr>
-          <p:cNvPr id="11" name="TextBox 10"/>
-          <p:cNvSpPr txBox="1"/>
-          <p:nvPr/>
-        </p:nvSpPr>
-        <p:spPr>
-          <a:xfrm>
-            <a:off x="0" y="5334000"/>
-            <a:ext cx="9144000" cy="338554"/>
-          </a:xfrm>
-          <a:prstGeom prst="rect">
-            <a:avLst/>
-          </a:prstGeom>
-          <a:noFill/>
-        </p:spPr>
-        <p:txBody>
-          <a:bodyPr wrap="square" rtlCol="0">
-            <a:spAutoFit/>
-          </a:bodyPr>
-          <a:lstStyle/>
-          <a:p>
-            <a:pPr algn="ctr"/>
-            <a:r>
-              <a:rPr lang="en-US" sz="1600" b="1" smtClean="0"/>
-              <a:t>from Player.h</a:t>
-            </a:r>
-            <a:endParaRPr lang="en-US" sz="1600" b="1"/>
-          </a:p>
-        </p:txBody>
-      </p:sp>
-      <p:pic>
-        <p:nvPicPr>
-          <p:cNvPr id="1027" name="Picture 3"/>
-          <p:cNvPicPr>
-            <a:picLocks noChangeAspect="1" noChangeArrowheads="1"/>
-          </p:cNvPicPr>
-          <p:nvPr/>
-        </p:nvPicPr>
-        <p:blipFill>
-          <a:blip r:embed="rId2" cstate="print"/>
-          <a:srcRect/>
-          <a:stretch>
-            <a:fillRect/>
-          </a:stretch>
-        </p:blipFill>
-        <p:spPr bwMode="auto">
-          <a:xfrm>
-            <a:off x="1447800" y="2514600"/>
-            <a:ext cx="6257925" cy="2609850"/>
-          </a:xfrm>
-          <a:prstGeom prst="rect">
-            <a:avLst/>
-          </a:prstGeom>
-          <a:noFill/>
-          <a:ln w="9525">
-            <a:noFill/>
-            <a:miter lim="800000"/>
-            <a:headEnd/>
-            <a:tailEnd/>
-          </a:ln>
-        </p:spPr>
-      </p:pic>
-      <p:cxnSp>
-        <p:nvCxnSpPr>
-          <p:cNvPr id="16" name="Straight Arrow Connector 15"/>
-          <p:cNvCxnSpPr/>
-          <p:nvPr/>
-        </p:nvCxnSpPr>
-        <p:spPr>
-          <a:xfrm flipV="1">
-            <a:off x="1223682" y="3245224"/>
-            <a:ext cx="381000" cy="76200"/>
-          </a:xfrm>
-          <a:prstGeom prst="straightConnector1">
-            <a:avLst/>
-          </a:prstGeom>
-          <a:ln w="28575">
-            <a:solidFill>
-              <a:srgbClr val="FF0000"/>
-            </a:solidFill>
-            <a:tailEnd type="arrow"/>
-          </a:ln>
-        </p:spPr>
-        <p:style>
-          <a:lnRef idx="1">
-            <a:schemeClr val="accent1"/>
-          </a:lnRef>
-          <a:fillRef idx="0">
-            <a:schemeClr val="accent1"/>
-          </a:fillRef>
-          <a:effectRef idx="0">
-            <a:schemeClr val="accent1"/>
-          </a:effectRef>
-          <a:fontRef idx="minor">
-            <a:schemeClr val="tx1"/>
-          </a:fontRef>
-        </p:style>
-      </p:cxnSp>
-      <p:sp>
-        <p:nvSpPr>
-          <p:cNvPr id="7" name="TextBox 6"/>
-          <p:cNvSpPr txBox="1"/>
-          <p:nvPr/>
-        </p:nvSpPr>
-        <p:spPr>
-          <a:xfrm>
-            <a:off x="152400" y="3124200"/>
-            <a:ext cx="1143000" cy="830997"/>
-          </a:xfrm>
-          <a:prstGeom prst="rect">
-            <a:avLst/>
-          </a:prstGeom>
-          <a:noFill/>
-        </p:spPr>
-        <p:txBody>
-          <a:bodyPr wrap="square" rtlCol="0">
-            <a:spAutoFit/>
-          </a:bodyPr>
-          <a:lstStyle/>
-          <a:p>
-            <a:pPr algn="ctr"/>
-            <a:r>
-              <a:rPr lang="en-US" sz="1600" smtClean="0"/>
-              <a:t>Must contain an auto pilot</a:t>
-            </a:r>
-            <a:endParaRPr lang="en-US" sz="1600"/>
+            <a:pPr marL="0" marR="0" lvl="0" indent="0" algn="ctr" defTabSz="914400" rtl="0" eaLnBrk="1" fontAlgn="auto" latinLnBrk="0" hangingPunct="1">
+              <a:lnSpc>
+                <a:spcPct val="100000"/>
+              </a:lnSpc>
+              <a:spcBef>
+                <a:spcPct val="0"/>
+              </a:spcBef>
+              <a:spcAft>
+                <a:spcPts val="0"/>
+              </a:spcAft>
+              <a:buClrTx/>
+              <a:buSzTx/>
+              <a:buFontTx/>
+              <a:buNone/>
+              <a:tabLst/>
+              <a:defRPr/>
+            </a:pPr>
+            <a:r>
+              <a:rPr kumimoji="0" lang="en-US" sz="4000" b="0" i="0" u="none" strike="noStrike" kern="1200" cap="none" spc="0" normalizeH="0" baseline="0" noProof="0" dirty="0" smtClean="0">
+                <a:ln>
+                  <a:noFill/>
+                </a:ln>
+                <a:solidFill>
+                  <a:schemeClr val="tx1"/>
+                </a:solidFill>
+                <a:effectLst/>
+                <a:uLnTx/>
+                <a:uFillTx/>
+                <a:latin typeface="+mj-lt"/>
+                <a:ea typeface="+mj-ea"/>
+                <a:cs typeface="+mj-cs"/>
+              </a:rPr>
+              <a:t>Dynamics Model Autopilot</a:t>
+            </a:r>
+            <a:br>
+              <a:rPr kumimoji="0" lang="en-US" sz="4000" b="0" i="0" u="none" strike="noStrike" kern="1200" cap="none" spc="0" normalizeH="0" baseline="0" noProof="0" dirty="0" smtClean="0">
+                <a:ln>
+                  <a:noFill/>
+                </a:ln>
+                <a:solidFill>
+                  <a:schemeClr val="tx1"/>
+                </a:solidFill>
+                <a:effectLst/>
+                <a:uLnTx/>
+                <a:uFillTx/>
+                <a:latin typeface="+mj-lt"/>
+                <a:ea typeface="+mj-ea"/>
+                <a:cs typeface="+mj-cs"/>
+              </a:rPr>
+            </a:br>
+            <a:r>
+              <a:rPr kumimoji="0" lang="en-US" sz="2000" b="0" i="0" u="none" strike="noStrike" kern="1200" cap="none" spc="0" normalizeH="0" baseline="0" noProof="0" dirty="0" smtClean="0">
+                <a:ln>
+                  <a:noFill/>
+                </a:ln>
+                <a:solidFill>
+                  <a:schemeClr val="tx1"/>
+                </a:solidFill>
+                <a:effectLst/>
+                <a:uLnTx/>
+                <a:uFillTx/>
+                <a:latin typeface="+mj-lt"/>
+                <a:ea typeface="+mj-ea"/>
+                <a:cs typeface="+mj-cs"/>
+              </a:rPr>
+              <a:t>(assumes </a:t>
+            </a:r>
+            <a:r>
+              <a:rPr kumimoji="0" lang="en-US" sz="2000" b="0" i="0" u="none" strike="noStrike" kern="1200" cap="none" spc="0" normalizeH="0" baseline="0" noProof="0" dirty="0" err="1" smtClean="0">
+                <a:ln>
+                  <a:noFill/>
+                </a:ln>
+                <a:solidFill>
+                  <a:schemeClr val="tx1"/>
+                </a:solidFill>
+                <a:effectLst/>
+                <a:uLnTx/>
+                <a:uFillTx/>
+                <a:latin typeface="+mj-lt"/>
+                <a:ea typeface="+mj-ea"/>
+                <a:cs typeface="+mj-cs"/>
+              </a:rPr>
+              <a:t>DynamicsModel</a:t>
+            </a:r>
+            <a:r>
+              <a:rPr kumimoji="0" lang="en-US" sz="2000" b="0" i="0" u="none" strike="noStrike" kern="1200" cap="none" spc="0" normalizeH="0" baseline="0" noProof="0" dirty="0" smtClean="0">
+                <a:ln>
+                  <a:noFill/>
+                </a:ln>
+                <a:solidFill>
+                  <a:schemeClr val="tx1"/>
+                </a:solidFill>
+                <a:effectLst/>
+                <a:uLnTx/>
+                <a:uFillTx/>
+                <a:latin typeface="+mj-lt"/>
+                <a:ea typeface="+mj-ea"/>
+                <a:cs typeface="+mj-cs"/>
+              </a:rPr>
+              <a:t> or sub-classing that includes an autopilot)</a:t>
+            </a:r>
+            <a:endParaRPr kumimoji="0" lang="en-US" sz="4000" b="0" i="0" u="none" strike="noStrike" kern="1200" cap="none" spc="0" normalizeH="0" baseline="0" noProof="0" dirty="0">
+              <a:ln>
+                <a:noFill/>
+              </a:ln>
+              <a:solidFill>
+                <a:schemeClr val="tx1"/>
+              </a:solidFill>
+              <a:effectLst/>
+              <a:uLnTx/>
+              <a:uFillTx/>
+              <a:latin typeface="+mj-lt"/>
+              <a:ea typeface="+mj-ea"/>
+              <a:cs typeface="+mj-cs"/>
+            </a:endParaRPr>
           </a:p>
         </p:txBody>
       </p:sp>
@@ -5310,24 +5186,22 @@
         </p:nvSpPr>
         <p:spPr/>
         <p:txBody>
-          <a:bodyPr/>
-          <a:lstStyle/>
-          <a:p>
-            <a:r>
-              <a:rPr lang="en-US" dirty="0" smtClean="0"/>
-              <a:t>Dynamics Model </a:t>
-            </a:r>
-            <a:r>
-              <a:rPr lang="en-US" dirty="0" smtClean="0"/>
-              <a:t>Autopilot</a:t>
-            </a:r>
-            <a:endParaRPr lang="en-US" dirty="0"/>
-          </a:p>
-        </p:txBody>
-      </p:sp>
-      <p:sp>
-        <p:nvSpPr>
-          <p:cNvPr id="3" name="Content Placeholder 2"/>
+          <a:bodyPr>
+            <a:normAutofit/>
+          </a:bodyPr>
+          <a:lstStyle/>
+          <a:p>
+            <a:r>
+              <a:rPr lang="en-US" smtClean="0"/>
+              <a:t>Composite Structure</a:t>
+            </a:r>
+            <a:endParaRPr lang="en-US" sz="4000"/>
+          </a:p>
+        </p:txBody>
+      </p:sp>
+      <p:sp>
+        <p:nvSpPr>
+          <p:cNvPr id="10" name="Content Placeholder 2"/>
           <p:cNvSpPr>
             <a:spLocks noGrp="1"/>
           </p:cNvSpPr>
@@ -5335,44 +5209,35 @@
             <p:ph idx="1"/>
           </p:nvPr>
         </p:nvSpPr>
-        <p:spPr/>
-        <p:txBody>
-          <a:bodyPr/>
-          <a:lstStyle/>
-          <a:p>
-            <a:r>
-              <a:rPr lang="en-US" dirty="0" smtClean="0"/>
-              <a:t>Player interface to </a:t>
-            </a:r>
-            <a:r>
-              <a:rPr lang="en-US" dirty="0" err="1" smtClean="0"/>
-              <a:t>DynamicsModel</a:t>
-            </a:r>
-            <a:r>
-              <a:rPr lang="en-US" dirty="0" smtClean="0"/>
-              <a:t> </a:t>
-            </a:r>
-            <a:r>
-              <a:rPr lang="en-US" dirty="0" smtClean="0"/>
-              <a:t>autopilot </a:t>
-            </a:r>
-            <a:r>
-              <a:rPr lang="en-US" dirty="0" smtClean="0"/>
-              <a:t>is driven by “commands”</a:t>
-            </a:r>
-            <a:endParaRPr lang="en-US" dirty="0"/>
-          </a:p>
-        </p:txBody>
-      </p:sp>
-      <p:sp>
-        <p:nvSpPr>
-          <p:cNvPr id="4" name="TextBox 3"/>
+        <p:spPr>
+          <a:xfrm>
+            <a:off x="457200" y="1447801"/>
+            <a:ext cx="8229600" cy="685800"/>
+          </a:xfrm>
+        </p:spPr>
+        <p:txBody>
+          <a:bodyPr>
+            <a:normAutofit/>
+          </a:bodyPr>
+          <a:lstStyle/>
+          <a:p>
+            <a:r>
+              <a:rPr lang="en-US" sz="2400" smtClean="0"/>
+              <a:t>General purpose interface to those sub-systems</a:t>
+            </a:r>
+            <a:endParaRPr lang="en-US" sz="2400"/>
+          </a:p>
+        </p:txBody>
+      </p:sp>
+      <p:sp>
+        <p:nvSpPr>
+          <p:cNvPr id="11" name="TextBox 10"/>
           <p:cNvSpPr txBox="1"/>
           <p:nvPr/>
         </p:nvSpPr>
         <p:spPr>
           <a:xfrm>
-            <a:off x="0" y="4876800"/>
+            <a:off x="0" y="5334000"/>
             <a:ext cx="9144000" cy="338554"/>
           </a:xfrm>
           <a:prstGeom prst="rect">
@@ -5397,7 +5262,7 @@
       </p:sp>
       <p:pic>
         <p:nvPicPr>
-          <p:cNvPr id="7171" name="Picture 3"/>
+          <p:cNvPr id="1027" name="Picture 3"/>
           <p:cNvPicPr>
             <a:picLocks noChangeAspect="1" noChangeArrowheads="1"/>
           </p:cNvPicPr>
@@ -5412,8 +5277,8 @@
         </p:blipFill>
         <p:spPr bwMode="auto">
           <a:xfrm>
-            <a:off x="152400" y="2743200"/>
-            <a:ext cx="8753475" cy="1933575"/>
+            <a:off x="1447800" y="2514600"/>
+            <a:ext cx="6257925" cy="2609850"/>
           </a:xfrm>
           <a:prstGeom prst="rect">
             <a:avLst/>
@@ -5427,6 +5292,73 @@
           </a:ln>
         </p:spPr>
       </p:pic>
+      <p:cxnSp>
+        <p:nvCxnSpPr>
+          <p:cNvPr id="16" name="Straight Arrow Connector 15"/>
+          <p:cNvCxnSpPr/>
+          <p:nvPr/>
+        </p:nvCxnSpPr>
+        <p:spPr>
+          <a:xfrm flipV="1">
+            <a:off x="1223682" y="3245224"/>
+            <a:ext cx="381000" cy="76200"/>
+          </a:xfrm>
+          <a:prstGeom prst="straightConnector1">
+            <a:avLst/>
+          </a:prstGeom>
+          <a:ln w="28575">
+            <a:solidFill>
+              <a:srgbClr val="FF0000"/>
+            </a:solidFill>
+            <a:tailEnd type="arrow"/>
+          </a:ln>
+        </p:spPr>
+        <p:style>
+          <a:lnRef idx="1">
+            <a:schemeClr val="accent1"/>
+          </a:lnRef>
+          <a:fillRef idx="0">
+            <a:schemeClr val="accent1"/>
+          </a:fillRef>
+          <a:effectRef idx="0">
+            <a:schemeClr val="accent1"/>
+          </a:effectRef>
+          <a:fontRef idx="minor">
+            <a:schemeClr val="tx1"/>
+          </a:fontRef>
+        </p:style>
+      </p:cxnSp>
+      <p:sp>
+        <p:nvSpPr>
+          <p:cNvPr id="7" name="TextBox 6"/>
+          <p:cNvSpPr txBox="1"/>
+          <p:nvPr/>
+        </p:nvSpPr>
+        <p:spPr>
+          <a:xfrm>
+            <a:off x="152400" y="3124200"/>
+            <a:ext cx="1143000" cy="830997"/>
+          </a:xfrm>
+          <a:prstGeom prst="rect">
+            <a:avLst/>
+          </a:prstGeom>
+          <a:noFill/>
+        </p:spPr>
+        <p:txBody>
+          <a:bodyPr wrap="square" rtlCol="0">
+            <a:spAutoFit/>
+          </a:bodyPr>
+          <a:lstStyle/>
+          <a:p>
+            <a:pPr algn="ctr"/>
+            <a:r>
+              <a:rPr lang="en-US" sz="1600" smtClean="0"/>
+              <a:t>Must contain an auto pilot</a:t>
+            </a:r>
+            <a:endParaRPr lang="en-US" sz="1600"/>
+          </a:p>
+        </p:txBody>
+      </p:sp>
     </p:spTree>
   </p:cSld>
   <p:clrMapOvr>
@@ -5471,12 +5403,18 @@
         </p:nvSpPr>
         <p:spPr/>
         <p:txBody>
-          <a:bodyPr/>
+          <a:bodyPr>
+            <a:normAutofit fontScale="90000"/>
+          </a:bodyPr>
           <a:lstStyle/>
           <a:p>
             <a:r>
               <a:rPr lang="en-US" dirty="0" smtClean="0"/>
-              <a:t>Player Control – Different Levels</a:t>
+              <a:t>Player Control </a:t>
+            </a:r>
+            <a:r>
+              <a:rPr lang="en-US" dirty="0" smtClean="0"/>
+              <a:t>– Layers of Functionality</a:t>
             </a:r>
             <a:endParaRPr lang="en-US" dirty="0"/>
           </a:p>
@@ -5528,11 +5466,7 @@
             <a:pPr lvl="1"/>
             <a:r>
               <a:rPr lang="en-US" dirty="0" smtClean="0"/>
-              <a:t>Autopilot </a:t>
-            </a:r>
-            <a:r>
-              <a:rPr lang="en-US" dirty="0" smtClean="0"/>
-              <a:t>functionality</a:t>
+              <a:t>Autopilot functionality</a:t>
             </a:r>
           </a:p>
           <a:p>
@@ -5600,19 +5534,77 @@
           <a:p>
             <a:r>
               <a:rPr lang="en-US" dirty="0" smtClean="0"/>
-              <a:t>Dynamics Model </a:t>
-            </a:r>
+              <a:t>Dynamics Model Autopilot</a:t>
+            </a:r>
+            <a:endParaRPr lang="en-US" dirty="0"/>
+          </a:p>
+        </p:txBody>
+      </p:sp>
+      <p:sp>
+        <p:nvSpPr>
+          <p:cNvPr id="3" name="Content Placeholder 2"/>
+          <p:cNvSpPr>
+            <a:spLocks noGrp="1"/>
+          </p:cNvSpPr>
+          <p:nvPr>
+            <p:ph idx="1"/>
+          </p:nvPr>
+        </p:nvSpPr>
+        <p:spPr/>
+        <p:txBody>
+          <a:bodyPr/>
+          <a:lstStyle/>
+          <a:p>
             <a:r>
               <a:rPr lang="en-US" dirty="0" smtClean="0"/>
-              <a:t>Autopilot</a:t>
+              <a:t>Player interface to </a:t>
+            </a:r>
+            <a:r>
+              <a:rPr lang="en-US" dirty="0" err="1" smtClean="0"/>
+              <a:t>DynamicsModel</a:t>
+            </a:r>
+            <a:r>
+              <a:rPr lang="en-US" dirty="0" smtClean="0"/>
+              <a:t> autopilot is driven by “commands”</a:t>
             </a:r>
             <a:endParaRPr lang="en-US" dirty="0"/>
+          </a:p>
+        </p:txBody>
+      </p:sp>
+      <p:sp>
+        <p:nvSpPr>
+          <p:cNvPr id="4" name="TextBox 3"/>
+          <p:cNvSpPr txBox="1"/>
+          <p:nvPr/>
+        </p:nvSpPr>
+        <p:spPr>
+          <a:xfrm>
+            <a:off x="0" y="4876800"/>
+            <a:ext cx="9144000" cy="338554"/>
+          </a:xfrm>
+          <a:prstGeom prst="rect">
+            <a:avLst/>
+          </a:prstGeom>
+          <a:noFill/>
+        </p:spPr>
+        <p:txBody>
+          <a:bodyPr wrap="square" rtlCol="0">
+            <a:spAutoFit/>
+          </a:bodyPr>
+          <a:lstStyle/>
+          <a:p>
+            <a:pPr algn="ctr"/>
+            <a:r>
+              <a:rPr lang="en-US" sz="1600" b="1" smtClean="0"/>
+              <a:t>from Player.h</a:t>
+            </a:r>
+            <a:endParaRPr lang="en-US" sz="1600" b="1"/>
           </a:p>
         </p:txBody>
       </p:sp>
       <p:pic>
         <p:nvPicPr>
-          <p:cNvPr id="8194" name="Picture 2"/>
+          <p:cNvPr id="7171" name="Picture 3"/>
           <p:cNvPicPr>
             <a:picLocks noChangeAspect="1" noChangeArrowheads="1"/>
           </p:cNvPicPr>
@@ -5627,8 +5619,8 @@
         </p:blipFill>
         <p:spPr bwMode="auto">
           <a:xfrm>
-            <a:off x="2057400" y="1447800"/>
-            <a:ext cx="4514850" cy="4724400"/>
+            <a:off x="152400" y="2743200"/>
+            <a:ext cx="8753475" cy="1933575"/>
           </a:xfrm>
           <a:prstGeom prst="rect">
             <a:avLst/>
@@ -5642,37 +5634,6 @@
           </a:ln>
         </p:spPr>
       </p:pic>
-      <p:sp>
-        <p:nvSpPr>
-          <p:cNvPr id="5" name="TextBox 4"/>
-          <p:cNvSpPr txBox="1"/>
-          <p:nvPr/>
-        </p:nvSpPr>
-        <p:spPr>
-          <a:xfrm>
-            <a:off x="0" y="6248400"/>
-            <a:ext cx="9144000" cy="338554"/>
-          </a:xfrm>
-          <a:prstGeom prst="rect">
-            <a:avLst/>
-          </a:prstGeom>
-          <a:noFill/>
-        </p:spPr>
-        <p:txBody>
-          <a:bodyPr wrap="square" rtlCol="0">
-            <a:spAutoFit/>
-          </a:bodyPr>
-          <a:lstStyle/>
-          <a:p>
-            <a:pPr algn="ctr"/>
-            <a:r>
-              <a:rPr lang="en-US" sz="1600" b="1" smtClean="0"/>
-              <a:t>from Player.cpp</a:t>
-            </a:r>
-            <a:endParaRPr lang="en-US" sz="1600" b="1"/>
-          </a:p>
-        </p:txBody>
-      </p:sp>
       <p:cxnSp>
         <p:nvCxnSpPr>
           <p:cNvPr id="6" name="Straight Arrow Connector 5"/>
@@ -5681,44 +5642,8 @@
         </p:nvCxnSpPr>
         <p:spPr>
           <a:xfrm flipV="1">
-            <a:off x="1828800" y="2057400"/>
-            <a:ext cx="381000" cy="76200"/>
-          </a:xfrm>
-          <a:prstGeom prst="straightConnector1">
-            <a:avLst/>
-          </a:prstGeom>
-          <a:ln w="28575">
-            <a:solidFill>
-              <a:srgbClr val="FF0000"/>
-            </a:solidFill>
-            <a:tailEnd type="arrow"/>
-          </a:ln>
-        </p:spPr>
-        <p:style>
-          <a:lnRef idx="1">
-            <a:schemeClr val="accent1"/>
-          </a:lnRef>
-          <a:fillRef idx="0">
-            <a:schemeClr val="accent1"/>
-          </a:fillRef>
-          <a:effectRef idx="0">
-            <a:schemeClr val="accent1"/>
-          </a:effectRef>
-          <a:fontRef idx="minor">
-            <a:schemeClr val="tx1"/>
-          </a:fontRef>
-        </p:style>
-      </p:cxnSp>
-      <p:cxnSp>
-        <p:nvCxnSpPr>
-          <p:cNvPr id="7" name="Straight Arrow Connector 6"/>
-          <p:cNvCxnSpPr/>
-          <p:nvPr/>
-        </p:nvCxnSpPr>
-        <p:spPr>
-          <a:xfrm flipV="1">
-            <a:off x="1828800" y="4495800"/>
-            <a:ext cx="381000" cy="76200"/>
+            <a:off x="457200" y="4724400"/>
+            <a:ext cx="0" cy="304800"/>
           </a:xfrm>
           <a:prstGeom prst="straightConnector1">
             <a:avLst/>
@@ -5794,59 +5719,15 @@
           <a:p>
             <a:r>
               <a:rPr lang="en-US" dirty="0" smtClean="0"/>
-              <a:t>Dynamics Model </a:t>
-            </a:r>
-            <a:r>
-              <a:rPr lang="en-US" dirty="0" smtClean="0"/>
-              <a:t>Autopilot</a:t>
+              <a:t>Dynamics Model Autopilot</a:t>
             </a:r>
             <a:endParaRPr lang="en-US" dirty="0"/>
-          </a:p>
-        </p:txBody>
-      </p:sp>
-      <p:sp>
-        <p:nvSpPr>
-          <p:cNvPr id="3" name="Content Placeholder 2"/>
-          <p:cNvSpPr>
-            <a:spLocks noGrp="1"/>
-          </p:cNvSpPr>
-          <p:nvPr>
-            <p:ph idx="1"/>
-          </p:nvPr>
-        </p:nvSpPr>
-        <p:spPr/>
-        <p:txBody>
-          <a:bodyPr>
-            <a:normAutofit/>
-          </a:bodyPr>
-          <a:lstStyle/>
-          <a:p>
-            <a:r>
-              <a:rPr lang="en-US" sz="2000" dirty="0" smtClean="0"/>
-              <a:t>Player may or may not have an attached dynamics model</a:t>
-            </a:r>
-          </a:p>
-          <a:p>
-            <a:r>
-              <a:rPr lang="en-US" sz="2000" dirty="0" smtClean="0"/>
-              <a:t>If attached, then stick and throttle inputs are forwarded to the dynamics model – </a:t>
-            </a:r>
-            <a:r>
-              <a:rPr lang="en-US" sz="2000" b="1" dirty="0" smtClean="0"/>
-              <a:t>some dynamics models do not include an autopilot!</a:t>
-            </a:r>
-          </a:p>
-          <a:p>
-            <a:r>
-              <a:rPr lang="en-US" sz="2000" dirty="0" smtClean="0"/>
-              <a:t>If overridden in subclass, subclass will receive inputs</a:t>
-            </a:r>
           </a:p>
         </p:txBody>
       </p:sp>
       <p:pic>
         <p:nvPicPr>
-          <p:cNvPr id="5" name="Picture 2" descr="C:\Users\me\AppData\Local\Microsoft\Windows\Temporary Internet Files\Content.IE5\PUXV0NF7\MC900433959[1].png"/>
+          <p:cNvPr id="8194" name="Picture 2"/>
           <p:cNvPicPr>
             <a:picLocks noChangeAspect="1" noChangeArrowheads="1"/>
           </p:cNvPicPr>
@@ -5860,71 +5741,9 @@
           </a:stretch>
         </p:blipFill>
         <p:spPr bwMode="auto">
-          <a:xfrm flipH="1">
-            <a:off x="1828800" y="3200400"/>
-            <a:ext cx="609600" cy="609600"/>
-          </a:xfrm>
-          <a:prstGeom prst="rect">
-            <a:avLst/>
-          </a:prstGeom>
-          <a:noFill/>
-        </p:spPr>
-      </p:pic>
-      <p:cxnSp>
-        <p:nvCxnSpPr>
-          <p:cNvPr id="6" name="Straight Arrow Connector 5"/>
-          <p:cNvCxnSpPr/>
-          <p:nvPr/>
-        </p:nvCxnSpPr>
-        <p:spPr>
-          <a:xfrm>
-            <a:off x="2514600" y="3505200"/>
-            <a:ext cx="685800" cy="0"/>
-          </a:xfrm>
-          <a:prstGeom prst="straightConnector1">
-            <a:avLst/>
-          </a:prstGeom>
-          <a:ln w="28575">
-            <a:solidFill>
-              <a:srgbClr val="FF0000"/>
-            </a:solidFill>
-            <a:tailEnd type="arrow"/>
-          </a:ln>
-        </p:spPr>
-        <p:style>
-          <a:lnRef idx="1">
-            <a:schemeClr val="accent1"/>
-          </a:lnRef>
-          <a:fillRef idx="0">
-            <a:schemeClr val="accent1"/>
-          </a:fillRef>
-          <a:effectRef idx="0">
-            <a:schemeClr val="accent1"/>
-          </a:effectRef>
-          <a:fontRef idx="minor">
-            <a:schemeClr val="tx1"/>
-          </a:fontRef>
-        </p:style>
-      </p:cxnSp>
-      <p:pic>
-        <p:nvPicPr>
-          <p:cNvPr id="6148" name="Picture 4"/>
-          <p:cNvPicPr>
-            <a:picLocks noChangeAspect="1" noChangeArrowheads="1"/>
-          </p:cNvPicPr>
-          <p:nvPr/>
-        </p:nvPicPr>
-        <p:blipFill>
-          <a:blip r:embed="rId3" cstate="print"/>
-          <a:srcRect/>
-          <a:stretch>
-            <a:fillRect/>
-          </a:stretch>
-        </p:blipFill>
-        <p:spPr bwMode="auto">
-          <a:xfrm>
-            <a:off x="3352800" y="3276600"/>
-            <a:ext cx="3657600" cy="2295525"/>
+          <a:xfrm>
+            <a:off x="2057400" y="1447800"/>
+            <a:ext cx="4514850" cy="4724400"/>
           </a:xfrm>
           <a:prstGeom prst="rect">
             <a:avLst/>
@@ -5938,16 +5757,47 @@
           </a:ln>
         </p:spPr>
       </p:pic>
+      <p:sp>
+        <p:nvSpPr>
+          <p:cNvPr id="5" name="TextBox 4"/>
+          <p:cNvSpPr txBox="1"/>
+          <p:nvPr/>
+        </p:nvSpPr>
+        <p:spPr>
+          <a:xfrm>
+            <a:off x="0" y="6248400"/>
+            <a:ext cx="9144000" cy="338554"/>
+          </a:xfrm>
+          <a:prstGeom prst="rect">
+            <a:avLst/>
+          </a:prstGeom>
+          <a:noFill/>
+        </p:spPr>
+        <p:txBody>
+          <a:bodyPr wrap="square" rtlCol="0">
+            <a:spAutoFit/>
+          </a:bodyPr>
+          <a:lstStyle/>
+          <a:p>
+            <a:pPr algn="ctr"/>
+            <a:r>
+              <a:rPr lang="en-US" sz="1600" b="1" smtClean="0"/>
+              <a:t>from Player.cpp</a:t>
+            </a:r>
+            <a:endParaRPr lang="en-US" sz="1600" b="1"/>
+          </a:p>
+        </p:txBody>
+      </p:sp>
       <p:cxnSp>
         <p:nvCxnSpPr>
-          <p:cNvPr id="11" name="Straight Arrow Connector 10"/>
+          <p:cNvPr id="6" name="Straight Arrow Connector 5"/>
           <p:cNvCxnSpPr/>
           <p:nvPr/>
         </p:nvCxnSpPr>
         <p:spPr>
-          <a:xfrm>
-            <a:off x="4038600" y="3962400"/>
-            <a:ext cx="685800" cy="990600"/>
+          <a:xfrm flipV="1">
+            <a:off x="1828800" y="2057400"/>
+            <a:ext cx="381000" cy="76200"/>
           </a:xfrm>
           <a:prstGeom prst="straightConnector1">
             <a:avLst/>
@@ -5976,14 +5826,14 @@
       </p:cxnSp>
       <p:cxnSp>
         <p:nvCxnSpPr>
-          <p:cNvPr id="8" name="Straight Arrow Connector 7"/>
+          <p:cNvPr id="7" name="Straight Arrow Connector 6"/>
           <p:cNvCxnSpPr/>
           <p:nvPr/>
         </p:nvCxnSpPr>
         <p:spPr>
-          <a:xfrm flipH="1" flipV="1">
-            <a:off x="7086600" y="5410200"/>
-            <a:ext cx="533400" cy="457200"/>
+          <a:xfrm flipV="1">
+            <a:off x="1828800" y="4495800"/>
+            <a:ext cx="381000" cy="76200"/>
           </a:xfrm>
           <a:prstGeom prst="straightConnector1">
             <a:avLst/>
@@ -6010,104 +5860,6 @@
           </a:fontRef>
         </p:style>
       </p:cxnSp>
-      <p:cxnSp>
-        <p:nvCxnSpPr>
-          <p:cNvPr id="13" name="Straight Arrow Connector 12"/>
-          <p:cNvCxnSpPr/>
-          <p:nvPr/>
-        </p:nvCxnSpPr>
-        <p:spPr>
-          <a:xfrm flipV="1">
-            <a:off x="3657600" y="5410200"/>
-            <a:ext cx="914400" cy="457200"/>
-          </a:xfrm>
-          <a:prstGeom prst="straightConnector1">
-            <a:avLst/>
-          </a:prstGeom>
-          <a:ln w="28575">
-            <a:solidFill>
-              <a:srgbClr val="FF0000"/>
-            </a:solidFill>
-            <a:tailEnd type="arrow"/>
-          </a:ln>
-        </p:spPr>
-        <p:style>
-          <a:lnRef idx="1">
-            <a:schemeClr val="accent1"/>
-          </a:lnRef>
-          <a:fillRef idx="0">
-            <a:schemeClr val="accent1"/>
-          </a:fillRef>
-          <a:effectRef idx="0">
-            <a:schemeClr val="accent1"/>
-          </a:effectRef>
-          <a:fontRef idx="minor">
-            <a:schemeClr val="tx1"/>
-          </a:fontRef>
-        </p:style>
-      </p:cxnSp>
-      <p:sp>
-        <p:nvSpPr>
-          <p:cNvPr id="15" name="TextBox 14"/>
-          <p:cNvSpPr txBox="1"/>
-          <p:nvPr/>
-        </p:nvSpPr>
-        <p:spPr>
-          <a:xfrm>
-            <a:off x="2133600" y="5867400"/>
-            <a:ext cx="2667000" cy="584775"/>
-          </a:xfrm>
-          <a:prstGeom prst="rect">
-            <a:avLst/>
-          </a:prstGeom>
-          <a:noFill/>
-        </p:spPr>
-        <p:txBody>
-          <a:bodyPr wrap="square" rtlCol="0">
-            <a:spAutoFit/>
-          </a:bodyPr>
-          <a:lstStyle/>
-          <a:p>
-            <a:pPr algn="ctr"/>
-            <a:r>
-              <a:rPr lang="en-US" sz="1600" smtClean="0"/>
-              <a:t>May or may not include autopilot</a:t>
-            </a:r>
-            <a:endParaRPr lang="en-US" sz="1600" dirty="0"/>
-          </a:p>
-        </p:txBody>
-      </p:sp>
-      <p:sp>
-        <p:nvSpPr>
-          <p:cNvPr id="16" name="TextBox 15"/>
-          <p:cNvSpPr txBox="1"/>
-          <p:nvPr/>
-        </p:nvSpPr>
-        <p:spPr>
-          <a:xfrm>
-            <a:off x="6553200" y="5867400"/>
-            <a:ext cx="2133600" cy="338554"/>
-          </a:xfrm>
-          <a:prstGeom prst="rect">
-            <a:avLst/>
-          </a:prstGeom>
-          <a:noFill/>
-        </p:spPr>
-        <p:txBody>
-          <a:bodyPr wrap="square" rtlCol="0">
-            <a:spAutoFit/>
-          </a:bodyPr>
-          <a:lstStyle/>
-          <a:p>
-            <a:pPr algn="ctr"/>
-            <a:r>
-              <a:rPr lang="en-US" sz="1600" smtClean="0"/>
-              <a:t>Includes an autopilot</a:t>
-            </a:r>
-            <a:endParaRPr lang="en-US" sz="1600"/>
-          </a:p>
-        </p:txBody>
-      </p:sp>
     </p:spTree>
   </p:cSld>
   <p:clrMapOvr>
@@ -6142,159 +5894,328 @@
       </p:grpSpPr>
       <p:sp>
         <p:nvSpPr>
-          <p:cNvPr id="6" name="Title 3"/>
-          <p:cNvSpPr txBox="1">
-            <a:spLocks/>
-          </p:cNvSpPr>
-          <p:nvPr/>
-        </p:nvSpPr>
-        <p:spPr>
-          <a:xfrm>
-            <a:off x="0" y="2514600"/>
-            <a:ext cx="9144000" cy="1219200"/>
-          </a:xfrm>
-          <a:prstGeom prst="rect">
-            <a:avLst/>
-          </a:prstGeom>
-        </p:spPr>
-        <p:txBody>
-          <a:bodyPr vert="horz" lIns="91440" tIns="45720" rIns="91440" bIns="45720" rtlCol="0" anchor="ctr">
+          <p:cNvPr id="2" name="Title 1"/>
+          <p:cNvSpPr>
+            <a:spLocks noGrp="1"/>
+          </p:cNvSpPr>
+          <p:nvPr>
+            <p:ph type="title"/>
+          </p:nvPr>
+        </p:nvSpPr>
+        <p:spPr/>
+        <p:txBody>
+          <a:bodyPr/>
+          <a:lstStyle/>
+          <a:p>
+            <a:r>
+              <a:rPr lang="en-US" dirty="0" smtClean="0"/>
+              <a:t>Dynamics Model Autopilot</a:t>
+            </a:r>
+            <a:endParaRPr lang="en-US" dirty="0"/>
+          </a:p>
+        </p:txBody>
+      </p:sp>
+      <p:sp>
+        <p:nvSpPr>
+          <p:cNvPr id="3" name="Content Placeholder 2"/>
+          <p:cNvSpPr>
+            <a:spLocks noGrp="1"/>
+          </p:cNvSpPr>
+          <p:nvPr>
+            <p:ph idx="1"/>
+          </p:nvPr>
+        </p:nvSpPr>
+        <p:spPr/>
+        <p:txBody>
+          <a:bodyPr>
             <a:normAutofit/>
           </a:bodyPr>
           <a:lstStyle/>
           <a:p>
-            <a:pPr marL="0" marR="0" lvl="0" indent="0" algn="ctr" defTabSz="914400" rtl="0" eaLnBrk="1" fontAlgn="auto" latinLnBrk="0" hangingPunct="1">
-              <a:lnSpc>
-                <a:spcPct val="100000"/>
-              </a:lnSpc>
-              <a:spcBef>
-                <a:spcPct val="0"/>
-              </a:spcBef>
-              <a:spcAft>
-                <a:spcPts val="0"/>
-              </a:spcAft>
-              <a:buClrTx/>
-              <a:buSzTx/>
-              <a:buFontTx/>
-              <a:buNone/>
-              <a:tabLst/>
-              <a:defRPr/>
-            </a:pPr>
-            <a:r>
-              <a:rPr kumimoji="0" lang="en-US" sz="4400" b="0" i="0" u="none" strike="noStrike" kern="1200" cap="none" spc="0" normalizeH="0" baseline="0" noProof="0" dirty="0" smtClean="0">
-                <a:ln>
-                  <a:noFill/>
-                </a:ln>
-                <a:solidFill>
-                  <a:schemeClr val="tx1"/>
-                </a:solidFill>
-                <a:effectLst/>
-                <a:uLnTx/>
-                <a:uFillTx/>
-                <a:latin typeface="+mj-lt"/>
-                <a:ea typeface="+mj-ea"/>
-                <a:cs typeface="+mj-cs"/>
-              </a:rPr>
-              <a:t>Pilot</a:t>
-            </a:r>
-            <a:r>
-              <a:rPr kumimoji="0" lang="en-US" sz="4400" b="0" i="0" u="none" strike="noStrike" kern="1200" cap="none" spc="0" normalizeH="0" baseline="0" noProof="0" dirty="0" smtClean="0">
-                <a:ln>
-                  <a:noFill/>
-                </a:ln>
-                <a:solidFill>
-                  <a:schemeClr val="tx1"/>
-                </a:solidFill>
-                <a:effectLst/>
-                <a:uLnTx/>
-                <a:uFillTx/>
-                <a:latin typeface="+mj-lt"/>
-                <a:ea typeface="+mj-ea"/>
-                <a:cs typeface="+mj-cs"/>
-              </a:rPr>
-              <a:t/>
-            </a:r>
-            <a:br>
-              <a:rPr kumimoji="0" lang="en-US" sz="4400" b="0" i="0" u="none" strike="noStrike" kern="1200" cap="none" spc="0" normalizeH="0" baseline="0" noProof="0" dirty="0" smtClean="0">
-                <a:ln>
-                  <a:noFill/>
-                </a:ln>
-                <a:solidFill>
-                  <a:schemeClr val="tx1"/>
-                </a:solidFill>
-                <a:effectLst/>
-                <a:uLnTx/>
-                <a:uFillTx/>
-                <a:latin typeface="+mj-lt"/>
-                <a:ea typeface="+mj-ea"/>
-                <a:cs typeface="+mj-cs"/>
-              </a:rPr>
-            </a:br>
-            <a:r>
-              <a:rPr kumimoji="0" lang="en-US" sz="2400" b="0" i="0" u="none" strike="noStrike" kern="1200" cap="none" spc="0" normalizeH="0" baseline="0" noProof="0" dirty="0" smtClean="0">
-                <a:ln>
-                  <a:noFill/>
-                </a:ln>
-                <a:solidFill>
-                  <a:schemeClr val="tx1"/>
-                </a:solidFill>
-                <a:effectLst/>
-                <a:uLnTx/>
-                <a:uFillTx/>
-                <a:latin typeface="+mj-lt"/>
-                <a:ea typeface="+mj-ea"/>
-                <a:cs typeface="+mj-cs"/>
-              </a:rPr>
-              <a:t>(Not associated with a </a:t>
-            </a:r>
-            <a:r>
-              <a:rPr kumimoji="0" lang="en-US" sz="2400" b="0" i="0" u="none" strike="noStrike" kern="1200" cap="none" spc="0" normalizeH="0" baseline="0" noProof="0" dirty="0" err="1" smtClean="0">
-                <a:ln>
-                  <a:noFill/>
-                </a:ln>
-                <a:solidFill>
-                  <a:schemeClr val="tx1"/>
-                </a:solidFill>
-                <a:effectLst/>
-                <a:uLnTx/>
-                <a:uFillTx/>
-                <a:latin typeface="+mj-lt"/>
-                <a:ea typeface="+mj-ea"/>
-                <a:cs typeface="+mj-cs"/>
-              </a:rPr>
-              <a:t>DynamicsModel</a:t>
-            </a:r>
-            <a:r>
-              <a:rPr kumimoji="0" lang="en-US" sz="2400" b="0" i="0" u="none" strike="noStrike" kern="1200" cap="none" spc="0" normalizeH="0" baseline="0" noProof="0" dirty="0" smtClean="0">
-                <a:ln>
-                  <a:noFill/>
-                </a:ln>
-                <a:solidFill>
-                  <a:schemeClr val="tx1"/>
-                </a:solidFill>
-                <a:effectLst/>
-                <a:uLnTx/>
-                <a:uFillTx/>
-                <a:latin typeface="+mj-lt"/>
-                <a:ea typeface="+mj-ea"/>
-                <a:cs typeface="+mj-cs"/>
-              </a:rPr>
-              <a:t>)</a:t>
-            </a:r>
-            <a:endParaRPr kumimoji="0" lang="en-US" sz="4400" b="0" i="0" u="none" strike="noStrike" kern="1200" cap="none" spc="0" normalizeH="0" baseline="0" noProof="0" dirty="0">
-              <a:ln>
-                <a:noFill/>
-              </a:ln>
-              <a:solidFill>
-                <a:schemeClr val="tx1"/>
-              </a:solidFill>
-              <a:effectLst/>
-              <a:uLnTx/>
-              <a:uFillTx/>
-              <a:latin typeface="+mj-lt"/>
-              <a:ea typeface="+mj-ea"/>
-              <a:cs typeface="+mj-cs"/>
-            </a:endParaRPr>
+            <a:r>
+              <a:rPr lang="en-US" sz="2000" dirty="0" smtClean="0"/>
+              <a:t>Player may or may not have an attached dynamics model</a:t>
+            </a:r>
+          </a:p>
+          <a:p>
+            <a:r>
+              <a:rPr lang="en-US" sz="2000" dirty="0" smtClean="0"/>
+              <a:t>If attached, then stick and throttle inputs are forwarded to the dynamics model – </a:t>
+            </a:r>
+            <a:r>
+              <a:rPr lang="en-US" sz="2000" b="1" dirty="0" smtClean="0"/>
+              <a:t>some dynamics models do not include an autopilot!</a:t>
+            </a:r>
+          </a:p>
+          <a:p>
+            <a:r>
+              <a:rPr lang="en-US" sz="2000" dirty="0" smtClean="0"/>
+              <a:t>If overridden in subclass, subclass will receive inputs</a:t>
+            </a:r>
+          </a:p>
+        </p:txBody>
+      </p:sp>
+      <p:pic>
+        <p:nvPicPr>
+          <p:cNvPr id="5" name="Picture 2" descr="C:\Users\me\AppData\Local\Microsoft\Windows\Temporary Internet Files\Content.IE5\PUXV0NF7\MC900433959[1].png"/>
+          <p:cNvPicPr>
+            <a:picLocks noChangeAspect="1" noChangeArrowheads="1"/>
+          </p:cNvPicPr>
+          <p:nvPr/>
+        </p:nvPicPr>
+        <p:blipFill>
+          <a:blip r:embed="rId2" cstate="print"/>
+          <a:srcRect/>
+          <a:stretch>
+            <a:fillRect/>
+          </a:stretch>
+        </p:blipFill>
+        <p:spPr bwMode="auto">
+          <a:xfrm flipH="1">
+            <a:off x="1828800" y="3200400"/>
+            <a:ext cx="609600" cy="609600"/>
+          </a:xfrm>
+          <a:prstGeom prst="rect">
+            <a:avLst/>
+          </a:prstGeom>
+          <a:noFill/>
+        </p:spPr>
+      </p:pic>
+      <p:cxnSp>
+        <p:nvCxnSpPr>
+          <p:cNvPr id="6" name="Straight Arrow Connector 5"/>
+          <p:cNvCxnSpPr/>
+          <p:nvPr/>
+        </p:nvCxnSpPr>
+        <p:spPr>
+          <a:xfrm>
+            <a:off x="2514600" y="3505200"/>
+            <a:ext cx="685800" cy="0"/>
+          </a:xfrm>
+          <a:prstGeom prst="straightConnector1">
+            <a:avLst/>
+          </a:prstGeom>
+          <a:ln w="28575">
+            <a:solidFill>
+              <a:srgbClr val="FF0000"/>
+            </a:solidFill>
+            <a:tailEnd type="arrow"/>
+          </a:ln>
+        </p:spPr>
+        <p:style>
+          <a:lnRef idx="1">
+            <a:schemeClr val="accent1"/>
+          </a:lnRef>
+          <a:fillRef idx="0">
+            <a:schemeClr val="accent1"/>
+          </a:fillRef>
+          <a:effectRef idx="0">
+            <a:schemeClr val="accent1"/>
+          </a:effectRef>
+          <a:fontRef idx="minor">
+            <a:schemeClr val="tx1"/>
+          </a:fontRef>
+        </p:style>
+      </p:cxnSp>
+      <p:pic>
+        <p:nvPicPr>
+          <p:cNvPr id="6148" name="Picture 4"/>
+          <p:cNvPicPr>
+            <a:picLocks noChangeAspect="1" noChangeArrowheads="1"/>
+          </p:cNvPicPr>
+          <p:nvPr/>
+        </p:nvPicPr>
+        <p:blipFill>
+          <a:blip r:embed="rId3" cstate="print"/>
+          <a:srcRect/>
+          <a:stretch>
+            <a:fillRect/>
+          </a:stretch>
+        </p:blipFill>
+        <p:spPr bwMode="auto">
+          <a:xfrm>
+            <a:off x="3352800" y="3276600"/>
+            <a:ext cx="3657600" cy="2295525"/>
+          </a:xfrm>
+          <a:prstGeom prst="rect">
+            <a:avLst/>
+          </a:prstGeom>
+          <a:noFill/>
+          <a:ln w="9525">
+            <a:noFill/>
+            <a:miter lim="800000"/>
+            <a:headEnd/>
+            <a:tailEnd/>
+          </a:ln>
+        </p:spPr>
+      </p:pic>
+      <p:cxnSp>
+        <p:nvCxnSpPr>
+          <p:cNvPr id="11" name="Straight Arrow Connector 10"/>
+          <p:cNvCxnSpPr/>
+          <p:nvPr/>
+        </p:nvCxnSpPr>
+        <p:spPr>
+          <a:xfrm>
+            <a:off x="4038600" y="3962400"/>
+            <a:ext cx="685800" cy="990600"/>
+          </a:xfrm>
+          <a:prstGeom prst="straightConnector1">
+            <a:avLst/>
+          </a:prstGeom>
+          <a:ln w="28575">
+            <a:solidFill>
+              <a:srgbClr val="FF0000"/>
+            </a:solidFill>
+            <a:tailEnd type="arrow"/>
+          </a:ln>
+        </p:spPr>
+        <p:style>
+          <a:lnRef idx="1">
+            <a:schemeClr val="accent1"/>
+          </a:lnRef>
+          <a:fillRef idx="0">
+            <a:schemeClr val="accent1"/>
+          </a:fillRef>
+          <a:effectRef idx="0">
+            <a:schemeClr val="accent1"/>
+          </a:effectRef>
+          <a:fontRef idx="minor">
+            <a:schemeClr val="tx1"/>
+          </a:fontRef>
+        </p:style>
+      </p:cxnSp>
+      <p:cxnSp>
+        <p:nvCxnSpPr>
+          <p:cNvPr id="8" name="Straight Arrow Connector 7"/>
+          <p:cNvCxnSpPr/>
+          <p:nvPr/>
+        </p:nvCxnSpPr>
+        <p:spPr>
+          <a:xfrm flipH="1" flipV="1">
+            <a:off x="7086600" y="5410200"/>
+            <a:ext cx="533400" cy="457200"/>
+          </a:xfrm>
+          <a:prstGeom prst="straightConnector1">
+            <a:avLst/>
+          </a:prstGeom>
+          <a:ln w="28575">
+            <a:solidFill>
+              <a:srgbClr val="FF0000"/>
+            </a:solidFill>
+            <a:tailEnd type="arrow"/>
+          </a:ln>
+        </p:spPr>
+        <p:style>
+          <a:lnRef idx="1">
+            <a:schemeClr val="accent1"/>
+          </a:lnRef>
+          <a:fillRef idx="0">
+            <a:schemeClr val="accent1"/>
+          </a:fillRef>
+          <a:effectRef idx="0">
+            <a:schemeClr val="accent1"/>
+          </a:effectRef>
+          <a:fontRef idx="minor">
+            <a:schemeClr val="tx1"/>
+          </a:fontRef>
+        </p:style>
+      </p:cxnSp>
+      <p:cxnSp>
+        <p:nvCxnSpPr>
+          <p:cNvPr id="13" name="Straight Arrow Connector 12"/>
+          <p:cNvCxnSpPr/>
+          <p:nvPr/>
+        </p:nvCxnSpPr>
+        <p:spPr>
+          <a:xfrm flipV="1">
+            <a:off x="3657600" y="5410200"/>
+            <a:ext cx="914400" cy="457200"/>
+          </a:xfrm>
+          <a:prstGeom prst="straightConnector1">
+            <a:avLst/>
+          </a:prstGeom>
+          <a:ln w="28575">
+            <a:solidFill>
+              <a:srgbClr val="FF0000"/>
+            </a:solidFill>
+            <a:tailEnd type="arrow"/>
+          </a:ln>
+        </p:spPr>
+        <p:style>
+          <a:lnRef idx="1">
+            <a:schemeClr val="accent1"/>
+          </a:lnRef>
+          <a:fillRef idx="0">
+            <a:schemeClr val="accent1"/>
+          </a:fillRef>
+          <a:effectRef idx="0">
+            <a:schemeClr val="accent1"/>
+          </a:effectRef>
+          <a:fontRef idx="minor">
+            <a:schemeClr val="tx1"/>
+          </a:fontRef>
+        </p:style>
+      </p:cxnSp>
+      <p:sp>
+        <p:nvSpPr>
+          <p:cNvPr id="15" name="TextBox 14"/>
+          <p:cNvSpPr txBox="1"/>
+          <p:nvPr/>
+        </p:nvSpPr>
+        <p:spPr>
+          <a:xfrm>
+            <a:off x="2133600" y="5867400"/>
+            <a:ext cx="2667000" cy="584775"/>
+          </a:xfrm>
+          <a:prstGeom prst="rect">
+            <a:avLst/>
+          </a:prstGeom>
+          <a:noFill/>
+        </p:spPr>
+        <p:txBody>
+          <a:bodyPr wrap="square" rtlCol="0">
+            <a:spAutoFit/>
+          </a:bodyPr>
+          <a:lstStyle/>
+          <a:p>
+            <a:pPr algn="ctr"/>
+            <a:r>
+              <a:rPr lang="en-US" sz="1600" smtClean="0"/>
+              <a:t>May or may not include autopilot</a:t>
+            </a:r>
+            <a:endParaRPr lang="en-US" sz="1600" dirty="0"/>
+          </a:p>
+        </p:txBody>
+      </p:sp>
+      <p:sp>
+        <p:nvSpPr>
+          <p:cNvPr id="16" name="TextBox 15"/>
+          <p:cNvSpPr txBox="1"/>
+          <p:nvPr/>
+        </p:nvSpPr>
+        <p:spPr>
+          <a:xfrm>
+            <a:off x="6553200" y="5867400"/>
+            <a:ext cx="2133600" cy="338554"/>
+          </a:xfrm>
+          <a:prstGeom prst="rect">
+            <a:avLst/>
+          </a:prstGeom>
+          <a:noFill/>
+        </p:spPr>
+        <p:txBody>
+          <a:bodyPr wrap="square" rtlCol="0">
+            <a:spAutoFit/>
+          </a:bodyPr>
+          <a:lstStyle/>
+          <a:p>
+            <a:pPr algn="ctr"/>
+            <a:r>
+              <a:rPr lang="en-US" sz="1600" smtClean="0"/>
+              <a:t>Includes an autopilot</a:t>
+            </a:r>
+            <a:endParaRPr lang="en-US" sz="1600"/>
           </a:p>
         </p:txBody>
       </p:sp>
@@ -6332,194 +6253,145 @@
       </p:grpSpPr>
       <p:sp>
         <p:nvSpPr>
-          <p:cNvPr id="2" name="Title 1"/>
-          <p:cNvSpPr>
-            <a:spLocks noGrp="1"/>
-          </p:cNvSpPr>
-          <p:nvPr>
-            <p:ph type="title"/>
-          </p:nvPr>
-        </p:nvSpPr>
-        <p:spPr/>
-        <p:txBody>
-          <a:bodyPr>
+          <p:cNvPr id="6" name="Title 3"/>
+          <p:cNvSpPr txBox="1">
+            <a:spLocks/>
+          </p:cNvSpPr>
+          <p:nvPr/>
+        </p:nvSpPr>
+        <p:spPr>
+          <a:xfrm>
+            <a:off x="0" y="2514600"/>
+            <a:ext cx="9144000" cy="1219200"/>
+          </a:xfrm>
+          <a:prstGeom prst="rect">
+            <a:avLst/>
+          </a:prstGeom>
+        </p:spPr>
+        <p:txBody>
+          <a:bodyPr vert="horz" lIns="91440" tIns="45720" rIns="91440" bIns="45720" rtlCol="0" anchor="ctr">
             <a:normAutofit/>
           </a:bodyPr>
           <a:lstStyle/>
           <a:p>
-            <a:r>
-              <a:rPr lang="en-US" smtClean="0"/>
-              <a:t>Composite Structure</a:t>
-            </a:r>
-            <a:endParaRPr lang="en-US" sz="4000"/>
-          </a:p>
-        </p:txBody>
-      </p:sp>
-      <p:sp>
-        <p:nvSpPr>
-          <p:cNvPr id="10" name="Content Placeholder 2"/>
-          <p:cNvSpPr>
-            <a:spLocks noGrp="1"/>
-          </p:cNvSpPr>
-          <p:nvPr>
-            <p:ph idx="1"/>
-          </p:nvPr>
-        </p:nvSpPr>
-        <p:spPr>
-          <a:xfrm>
-            <a:off x="457200" y="1447801"/>
-            <a:ext cx="8229600" cy="609600"/>
-          </a:xfrm>
-        </p:spPr>
-        <p:txBody>
-          <a:bodyPr>
-            <a:normAutofit/>
-          </a:bodyPr>
-          <a:lstStyle/>
-          <a:p>
-            <a:r>
-              <a:rPr lang="en-US" sz="2400" smtClean="0"/>
-              <a:t>General purpose interface to those sub-systems</a:t>
-            </a:r>
-            <a:endParaRPr lang="en-US" sz="2400"/>
-          </a:p>
-        </p:txBody>
-      </p:sp>
-      <p:sp>
-        <p:nvSpPr>
-          <p:cNvPr id="11" name="TextBox 10"/>
-          <p:cNvSpPr txBox="1"/>
-          <p:nvPr/>
-        </p:nvSpPr>
-        <p:spPr>
-          <a:xfrm>
-            <a:off x="0" y="5181600"/>
-            <a:ext cx="9144000" cy="338554"/>
-          </a:xfrm>
-          <a:prstGeom prst="rect">
-            <a:avLst/>
-          </a:prstGeom>
-          <a:noFill/>
-        </p:spPr>
-        <p:txBody>
-          <a:bodyPr wrap="square" rtlCol="0">
-            <a:spAutoFit/>
-          </a:bodyPr>
-          <a:lstStyle/>
-          <a:p>
-            <a:pPr algn="ctr"/>
-            <a:r>
-              <a:rPr lang="en-US" sz="1600" b="1" smtClean="0"/>
-              <a:t>from Player.h</a:t>
-            </a:r>
-            <a:endParaRPr lang="en-US" sz="1600" b="1"/>
-          </a:p>
-        </p:txBody>
-      </p:sp>
-      <p:pic>
-        <p:nvPicPr>
-          <p:cNvPr id="1027" name="Picture 3"/>
-          <p:cNvPicPr>
-            <a:picLocks noChangeAspect="1" noChangeArrowheads="1"/>
-          </p:cNvPicPr>
-          <p:nvPr/>
-        </p:nvPicPr>
-        <p:blipFill>
-          <a:blip r:embed="rId2" cstate="print"/>
-          <a:srcRect/>
-          <a:stretch>
-            <a:fillRect/>
-          </a:stretch>
-        </p:blipFill>
-        <p:spPr bwMode="auto">
-          <a:xfrm>
-            <a:off x="1447800" y="2362200"/>
-            <a:ext cx="6257925" cy="2609850"/>
-          </a:xfrm>
-          <a:prstGeom prst="rect">
-            <a:avLst/>
-          </a:prstGeom>
-          <a:noFill/>
-          <a:ln w="9525">
-            <a:noFill/>
-            <a:miter lim="800000"/>
-            <a:headEnd/>
-            <a:tailEnd/>
-          </a:ln>
-        </p:spPr>
-      </p:pic>
-      <p:cxnSp>
-        <p:nvCxnSpPr>
-          <p:cNvPr id="16" name="Straight Arrow Connector 15"/>
-          <p:cNvCxnSpPr/>
-          <p:nvPr/>
-        </p:nvCxnSpPr>
-        <p:spPr>
-          <a:xfrm flipV="1">
-            <a:off x="1219200" y="3429000"/>
-            <a:ext cx="381000" cy="76200"/>
-          </a:xfrm>
-          <a:prstGeom prst="straightConnector1">
-            <a:avLst/>
-          </a:prstGeom>
-          <a:ln w="28575">
-            <a:solidFill>
-              <a:srgbClr val="FF0000"/>
-            </a:solidFill>
-            <a:tailEnd type="arrow"/>
-          </a:ln>
-        </p:spPr>
-        <p:style>
-          <a:lnRef idx="1">
-            <a:schemeClr val="accent1"/>
-          </a:lnRef>
-          <a:fillRef idx="0">
-            <a:schemeClr val="accent1"/>
-          </a:fillRef>
-          <a:effectRef idx="0">
-            <a:schemeClr val="accent1"/>
-          </a:effectRef>
-          <a:fontRef idx="minor">
-            <a:schemeClr val="tx1"/>
-          </a:fontRef>
-        </p:style>
-      </p:cxnSp>
-      <p:cxnSp>
-        <p:nvCxnSpPr>
-          <p:cNvPr id="7" name="Straight Arrow Connector 6"/>
-          <p:cNvCxnSpPr/>
-          <p:nvPr/>
-        </p:nvCxnSpPr>
-        <p:spPr>
-          <a:xfrm flipV="1">
-            <a:off x="1219200" y="3733800"/>
-            <a:ext cx="381000" cy="76200"/>
-          </a:xfrm>
-          <a:prstGeom prst="straightConnector1">
-            <a:avLst/>
-          </a:prstGeom>
-          <a:ln w="28575">
-            <a:solidFill>
-              <a:srgbClr val="FF0000"/>
-            </a:solidFill>
-            <a:tailEnd type="arrow"/>
-          </a:ln>
-        </p:spPr>
-        <p:style>
-          <a:lnRef idx="1">
-            <a:schemeClr val="accent1"/>
-          </a:lnRef>
-          <a:fillRef idx="0">
-            <a:schemeClr val="accent1"/>
-          </a:fillRef>
-          <a:effectRef idx="0">
-            <a:schemeClr val="accent1"/>
-          </a:effectRef>
-          <a:fontRef idx="minor">
-            <a:schemeClr val="tx1"/>
-          </a:fontRef>
-        </p:style>
-      </p:cxnSp>
+            <a:pPr marL="0" marR="0" lvl="0" indent="0" algn="ctr" defTabSz="914400" rtl="0" eaLnBrk="1" fontAlgn="auto" latinLnBrk="0" hangingPunct="1">
+              <a:lnSpc>
+                <a:spcPct val="100000"/>
+              </a:lnSpc>
+              <a:spcBef>
+                <a:spcPct val="0"/>
+              </a:spcBef>
+              <a:spcAft>
+                <a:spcPts val="0"/>
+              </a:spcAft>
+              <a:buClrTx/>
+              <a:buSzTx/>
+              <a:buFontTx/>
+              <a:buNone/>
+              <a:tabLst/>
+              <a:defRPr/>
+            </a:pPr>
+            <a:r>
+              <a:rPr kumimoji="0" lang="en-US" sz="4400" b="0" i="0" u="none" strike="noStrike" kern="1200" cap="none" spc="0" normalizeH="0" baseline="0" noProof="0" dirty="0" smtClean="0">
+                <a:ln>
+                  <a:noFill/>
+                </a:ln>
+                <a:solidFill>
+                  <a:schemeClr val="tx1"/>
+                </a:solidFill>
+                <a:effectLst/>
+                <a:uLnTx/>
+                <a:uFillTx/>
+                <a:latin typeface="+mj-lt"/>
+                <a:ea typeface="+mj-ea"/>
+                <a:cs typeface="+mj-cs"/>
+              </a:rPr>
+              <a:t>Pilot</a:t>
+            </a:r>
+            <a:br>
+              <a:rPr kumimoji="0" lang="en-US" sz="4400" b="0" i="0" u="none" strike="noStrike" kern="1200" cap="none" spc="0" normalizeH="0" baseline="0" noProof="0" dirty="0" smtClean="0">
+                <a:ln>
+                  <a:noFill/>
+                </a:ln>
+                <a:solidFill>
+                  <a:schemeClr val="tx1"/>
+                </a:solidFill>
+                <a:effectLst/>
+                <a:uLnTx/>
+                <a:uFillTx/>
+                <a:latin typeface="+mj-lt"/>
+                <a:ea typeface="+mj-ea"/>
+                <a:cs typeface="+mj-cs"/>
+              </a:rPr>
+            </a:br>
+            <a:r>
+              <a:rPr kumimoji="0" lang="en-US" sz="2400" b="0" i="0" u="none" strike="noStrike" kern="1200" cap="none" spc="0" normalizeH="0" baseline="0" noProof="0" dirty="0" smtClean="0">
+                <a:ln>
+                  <a:noFill/>
+                </a:ln>
+                <a:solidFill>
+                  <a:schemeClr val="tx1"/>
+                </a:solidFill>
+                <a:effectLst/>
+                <a:uLnTx/>
+                <a:uFillTx/>
+                <a:latin typeface="+mj-lt"/>
+                <a:ea typeface="+mj-ea"/>
+                <a:cs typeface="+mj-cs"/>
+              </a:rPr>
+              <a:t>(Not associated with a </a:t>
+            </a:r>
+            <a:r>
+              <a:rPr kumimoji="0" lang="en-US" sz="2400" b="0" i="0" u="none" strike="noStrike" kern="1200" cap="none" spc="0" normalizeH="0" baseline="0" noProof="0" dirty="0" err="1" smtClean="0">
+                <a:ln>
+                  <a:noFill/>
+                </a:ln>
+                <a:solidFill>
+                  <a:schemeClr val="tx1"/>
+                </a:solidFill>
+                <a:effectLst/>
+                <a:uLnTx/>
+                <a:uFillTx/>
+                <a:latin typeface="+mj-lt"/>
+                <a:ea typeface="+mj-ea"/>
+                <a:cs typeface="+mj-cs"/>
+              </a:rPr>
+              <a:t>DynamicsModel</a:t>
+            </a:r>
+            <a:r>
+              <a:rPr kumimoji="0" lang="en-US" sz="2400" b="0" i="0" u="none" strike="noStrike" kern="1200" cap="none" spc="0" normalizeH="0" baseline="0" noProof="0" dirty="0" smtClean="0">
+                <a:ln>
+                  <a:noFill/>
+                </a:ln>
+                <a:solidFill>
+                  <a:schemeClr val="tx1"/>
+                </a:solidFill>
+                <a:effectLst/>
+                <a:uLnTx/>
+                <a:uFillTx/>
+                <a:latin typeface="+mj-lt"/>
+                <a:ea typeface="+mj-ea"/>
+                <a:cs typeface="+mj-cs"/>
+              </a:rPr>
+              <a:t>)</a:t>
+            </a:r>
+            <a:endParaRPr kumimoji="0" lang="en-US" sz="4400" b="0" i="0" u="none" strike="noStrike" kern="1200" cap="none" spc="0" normalizeH="0" baseline="0" noProof="0" dirty="0">
+              <a:ln>
+                <a:noFill/>
+              </a:ln>
+              <a:solidFill>
+                <a:schemeClr val="tx1"/>
+              </a:solidFill>
+              <a:effectLst/>
+              <a:uLnTx/>
+              <a:uFillTx/>
+              <a:latin typeface="+mj-lt"/>
+              <a:ea typeface="+mj-ea"/>
+              <a:cs typeface="+mj-cs"/>
+            </a:endParaRPr>
+          </a:p>
+        </p:txBody>
+      </p:sp>
     </p:spTree>
   </p:cSld>
   <p:clrMapOvr>
@@ -6564,20 +6436,22 @@
         </p:nvSpPr>
         <p:spPr/>
         <p:txBody>
-          <a:bodyPr/>
-          <a:lstStyle/>
-          <a:p>
-            <a:r>
-              <a:rPr lang="en-US" dirty="0" smtClean="0"/>
-              <a:t>Pilot</a:t>
-            </a:r>
-            <a:endParaRPr lang="en-US" dirty="0"/>
-          </a:p>
-        </p:txBody>
-      </p:sp>
-      <p:sp>
-        <p:nvSpPr>
-          <p:cNvPr id="3" name="Content Placeholder 2"/>
+          <a:bodyPr>
+            <a:normAutofit/>
+          </a:bodyPr>
+          <a:lstStyle/>
+          <a:p>
+            <a:r>
+              <a:rPr lang="en-US" smtClean="0"/>
+              <a:t>Composite Structure</a:t>
+            </a:r>
+            <a:endParaRPr lang="en-US" sz="4000"/>
+          </a:p>
+        </p:txBody>
+      </p:sp>
+      <p:sp>
+        <p:nvSpPr>
+          <p:cNvPr id="10" name="Content Placeholder 2"/>
           <p:cNvSpPr>
             <a:spLocks noGrp="1"/>
           </p:cNvSpPr>
@@ -6588,7 +6462,7 @@
         <p:spPr>
           <a:xfrm>
             <a:off x="457200" y="1447801"/>
-            <a:ext cx="8229600" cy="1143000"/>
+            <a:ext cx="8229600" cy="609600"/>
           </a:xfrm>
         </p:spPr>
         <p:txBody>
@@ -6598,30 +6472,47 @@
           <a:lstStyle/>
           <a:p>
             <a:r>
-              <a:rPr lang="en-US" sz="2400" dirty="0" smtClean="0"/>
-              <a:t>NOT part of </a:t>
-            </a:r>
-            <a:r>
-              <a:rPr lang="en-US" sz="2400" dirty="0" err="1" smtClean="0"/>
-              <a:t>DynamicsModel</a:t>
-            </a:r>
-            <a:r>
-              <a:rPr lang="en-US" sz="2400" dirty="0" smtClean="0"/>
-              <a:t>!</a:t>
-            </a:r>
-          </a:p>
-          <a:p>
-            <a:r>
-              <a:rPr lang="en-US" sz="2400" dirty="0" smtClean="0"/>
-              <a:t>General interface class to implement pilot decision logic</a:t>
-            </a:r>
-            <a:endParaRPr lang="en-US" sz="2400" dirty="0" smtClean="0"/>
+              <a:rPr lang="en-US" sz="2400" smtClean="0"/>
+              <a:t>General purpose interface to those sub-systems</a:t>
+            </a:r>
+            <a:endParaRPr lang="en-US" sz="2400"/>
+          </a:p>
+        </p:txBody>
+      </p:sp>
+      <p:sp>
+        <p:nvSpPr>
+          <p:cNvPr id="11" name="TextBox 10"/>
+          <p:cNvSpPr txBox="1"/>
+          <p:nvPr/>
+        </p:nvSpPr>
+        <p:spPr>
+          <a:xfrm>
+            <a:off x="0" y="5181600"/>
+            <a:ext cx="9144000" cy="338554"/>
+          </a:xfrm>
+          <a:prstGeom prst="rect">
+            <a:avLst/>
+          </a:prstGeom>
+          <a:noFill/>
+        </p:spPr>
+        <p:txBody>
+          <a:bodyPr wrap="square" rtlCol="0">
+            <a:spAutoFit/>
+          </a:bodyPr>
+          <a:lstStyle/>
+          <a:p>
+            <a:pPr algn="ctr"/>
+            <a:r>
+              <a:rPr lang="en-US" sz="1600" b="1" smtClean="0"/>
+              <a:t>from Player.h</a:t>
+            </a:r>
+            <a:endParaRPr lang="en-US" sz="1600" b="1"/>
           </a:p>
         </p:txBody>
       </p:sp>
       <p:pic>
         <p:nvPicPr>
-          <p:cNvPr id="9218" name="Picture 2"/>
+          <p:cNvPr id="1027" name="Picture 3"/>
           <p:cNvPicPr>
             <a:picLocks noChangeAspect="1" noChangeArrowheads="1"/>
           </p:cNvPicPr>
@@ -6636,8 +6527,8 @@
         </p:blipFill>
         <p:spPr bwMode="auto">
           <a:xfrm>
-            <a:off x="838200" y="2590800"/>
-            <a:ext cx="1152525" cy="3133725"/>
+            <a:off x="1447800" y="2362200"/>
+            <a:ext cx="6257925" cy="2609850"/>
           </a:xfrm>
           <a:prstGeom prst="rect">
             <a:avLst/>
@@ -6651,53 +6542,21 @@
           </a:ln>
         </p:spPr>
       </p:pic>
-      <p:pic>
-        <p:nvPicPr>
-          <p:cNvPr id="9220" name="Picture 4"/>
-          <p:cNvPicPr>
-            <a:picLocks noChangeAspect="1" noChangeArrowheads="1"/>
-          </p:cNvPicPr>
-          <p:nvPr/>
-        </p:nvPicPr>
-        <p:blipFill>
-          <a:blip r:embed="rId3" cstate="print"/>
-          <a:srcRect/>
-          <a:stretch>
-            <a:fillRect/>
-          </a:stretch>
-        </p:blipFill>
-        <p:spPr bwMode="auto">
-          <a:xfrm>
-            <a:off x="2362200" y="2667000"/>
-            <a:ext cx="6153150" cy="2914650"/>
-          </a:xfrm>
-          <a:prstGeom prst="rect">
-            <a:avLst/>
-          </a:prstGeom>
-          <a:noFill/>
-          <a:ln w="9525">
-            <a:noFill/>
-            <a:miter lim="800000"/>
-            <a:headEnd/>
-            <a:tailEnd/>
-          </a:ln>
-        </p:spPr>
-      </p:pic>
       <p:cxnSp>
         <p:nvCxnSpPr>
-          <p:cNvPr id="7" name="Straight Arrow Connector 6"/>
+          <p:cNvPr id="16" name="Straight Arrow Connector 15"/>
           <p:cNvCxnSpPr/>
           <p:nvPr/>
         </p:nvCxnSpPr>
         <p:spPr>
-          <a:xfrm flipH="1" flipV="1">
-            <a:off x="4953000" y="5334000"/>
-            <a:ext cx="609600" cy="76200"/>
+          <a:xfrm flipV="1">
+            <a:off x="1219200" y="3429000"/>
+            <a:ext cx="381000" cy="76200"/>
           </a:xfrm>
           <a:prstGeom prst="straightConnector1">
             <a:avLst/>
           </a:prstGeom>
-          <a:ln w="22225">
+          <a:ln w="28575">
             <a:solidFill>
               <a:srgbClr val="FF0000"/>
             </a:solidFill>
@@ -6719,36 +6578,42 @@
           </a:fontRef>
         </p:style>
       </p:cxnSp>
-      <p:sp>
-        <p:nvSpPr>
-          <p:cNvPr id="8" name="TextBox 7"/>
-          <p:cNvSpPr txBox="1"/>
-          <p:nvPr/>
-        </p:nvSpPr>
+      <p:cxnSp>
+        <p:nvCxnSpPr>
+          <p:cNvPr id="7" name="Straight Arrow Connector 6"/>
+          <p:cNvCxnSpPr/>
+          <p:nvPr/>
+        </p:nvCxnSpPr>
         <p:spPr>
-          <a:xfrm>
-            <a:off x="5562600" y="5181600"/>
-            <a:ext cx="2667000" cy="830997"/>
-          </a:xfrm>
-          <a:prstGeom prst="rect">
-            <a:avLst/>
-          </a:prstGeom>
-          <a:noFill/>
-        </p:spPr>
-        <p:txBody>
-          <a:bodyPr wrap="square" rtlCol="0">
-            <a:spAutoFit/>
-          </a:bodyPr>
-          <a:lstStyle/>
-          <a:p>
-            <a:r>
-              <a:rPr lang="en-US" sz="1600" smtClean="0"/>
-              <a:t>Base pilot class does nothing interesting, AutoPilot class adds functionality</a:t>
-            </a:r>
-            <a:endParaRPr lang="en-US" sz="1600"/>
-          </a:p>
-        </p:txBody>
-      </p:sp>
+          <a:xfrm flipV="1">
+            <a:off x="1219200" y="3733800"/>
+            <a:ext cx="381000" cy="76200"/>
+          </a:xfrm>
+          <a:prstGeom prst="straightConnector1">
+            <a:avLst/>
+          </a:prstGeom>
+          <a:ln w="28575">
+            <a:solidFill>
+              <a:srgbClr val="FF0000"/>
+            </a:solidFill>
+            <a:tailEnd type="arrow"/>
+          </a:ln>
+        </p:spPr>
+        <p:style>
+          <a:lnRef idx="1">
+            <a:schemeClr val="accent1"/>
+          </a:lnRef>
+          <a:fillRef idx="0">
+            <a:schemeClr val="accent1"/>
+          </a:fillRef>
+          <a:effectRef idx="0">
+            <a:schemeClr val="accent1"/>
+          </a:effectRef>
+          <a:fontRef idx="minor">
+            <a:schemeClr val="tx1"/>
+          </a:fontRef>
+        </p:style>
+      </p:cxnSp>
     </p:spTree>
   </p:cSld>
   <p:clrMapOvr>
@@ -6781,9 +6646,75 @@
           <a:chExt cx="0" cy="0"/>
         </a:xfrm>
       </p:grpSpPr>
+      <p:sp>
+        <p:nvSpPr>
+          <p:cNvPr id="2" name="Title 1"/>
+          <p:cNvSpPr>
+            <a:spLocks noGrp="1"/>
+          </p:cNvSpPr>
+          <p:nvPr>
+            <p:ph type="title"/>
+          </p:nvPr>
+        </p:nvSpPr>
+        <p:spPr/>
+        <p:txBody>
+          <a:bodyPr/>
+          <a:lstStyle/>
+          <a:p>
+            <a:r>
+              <a:rPr lang="en-US" dirty="0" smtClean="0"/>
+              <a:t>Pilot</a:t>
+            </a:r>
+            <a:endParaRPr lang="en-US" dirty="0"/>
+          </a:p>
+        </p:txBody>
+      </p:sp>
+      <p:sp>
+        <p:nvSpPr>
+          <p:cNvPr id="3" name="Content Placeholder 2"/>
+          <p:cNvSpPr>
+            <a:spLocks noGrp="1"/>
+          </p:cNvSpPr>
+          <p:nvPr>
+            <p:ph idx="1"/>
+          </p:nvPr>
+        </p:nvSpPr>
+        <p:spPr>
+          <a:xfrm>
+            <a:off x="457200" y="1447801"/>
+            <a:ext cx="8229600" cy="1143000"/>
+          </a:xfrm>
+        </p:spPr>
+        <p:txBody>
+          <a:bodyPr>
+            <a:normAutofit/>
+          </a:bodyPr>
+          <a:lstStyle/>
+          <a:p>
+            <a:r>
+              <a:rPr lang="en-US" sz="2400" dirty="0" smtClean="0"/>
+              <a:t>NOT part of </a:t>
+            </a:r>
+            <a:r>
+              <a:rPr lang="en-US" sz="2400" dirty="0" err="1" smtClean="0"/>
+              <a:t>DynamicsModel</a:t>
+            </a:r>
+            <a:r>
+              <a:rPr lang="en-US" sz="2400" dirty="0" smtClean="0"/>
+              <a:t>!</a:t>
+            </a:r>
+          </a:p>
+          <a:p>
+            <a:r>
+              <a:rPr lang="en-US" sz="2400" dirty="0" smtClean="0"/>
+              <a:t>General interface class to implement pilot decision logic</a:t>
+            </a:r>
+          </a:p>
+        </p:txBody>
+      </p:sp>
       <p:pic>
         <p:nvPicPr>
-          <p:cNvPr id="11267" name="Picture 3"/>
+          <p:cNvPr id="9218" name="Picture 2"/>
           <p:cNvPicPr>
             <a:picLocks noChangeAspect="1" noChangeArrowheads="1"/>
           </p:cNvPicPr>
@@ -6798,8 +6729,8 @@
         </p:blipFill>
         <p:spPr bwMode="auto">
           <a:xfrm>
-            <a:off x="914400" y="3505200"/>
-            <a:ext cx="7085575" cy="2438400"/>
+            <a:off x="838200" y="2590800"/>
+            <a:ext cx="1152525" cy="3133725"/>
           </a:xfrm>
           <a:prstGeom prst="rect">
             <a:avLst/>
@@ -6813,44 +6744,53 @@
           </a:ln>
         </p:spPr>
       </p:pic>
-      <p:sp>
-        <p:nvSpPr>
-          <p:cNvPr id="2" name="Title 1"/>
-          <p:cNvSpPr>
-            <a:spLocks noGrp="1"/>
-          </p:cNvSpPr>
-          <p:nvPr>
-            <p:ph type="title"/>
-          </p:nvPr>
-        </p:nvSpPr>
-        <p:spPr/>
-        <p:txBody>
-          <a:bodyPr/>
-          <a:lstStyle/>
-          <a:p>
-            <a:r>
-              <a:rPr lang="en-US" dirty="0" err="1" smtClean="0"/>
-              <a:t>AutoPilot</a:t>
-            </a:r>
-            <a:endParaRPr lang="en-US" dirty="0"/>
-          </a:p>
-        </p:txBody>
-      </p:sp>
+      <p:pic>
+        <p:nvPicPr>
+          <p:cNvPr id="9220" name="Picture 4"/>
+          <p:cNvPicPr>
+            <a:picLocks noChangeAspect="1" noChangeArrowheads="1"/>
+          </p:cNvPicPr>
+          <p:nvPr/>
+        </p:nvPicPr>
+        <p:blipFill>
+          <a:blip r:embed="rId3" cstate="print"/>
+          <a:srcRect/>
+          <a:stretch>
+            <a:fillRect/>
+          </a:stretch>
+        </p:blipFill>
+        <p:spPr bwMode="auto">
+          <a:xfrm>
+            <a:off x="2362200" y="2667000"/>
+            <a:ext cx="6153150" cy="2914650"/>
+          </a:xfrm>
+          <a:prstGeom prst="rect">
+            <a:avLst/>
+          </a:prstGeom>
+          <a:noFill/>
+          <a:ln w="9525">
+            <a:noFill/>
+            <a:miter lim="800000"/>
+            <a:headEnd/>
+            <a:tailEnd/>
+          </a:ln>
+        </p:spPr>
+      </p:pic>
       <p:cxnSp>
         <p:nvCxnSpPr>
-          <p:cNvPr id="5" name="Straight Arrow Connector 4"/>
+          <p:cNvPr id="7" name="Straight Arrow Connector 6"/>
           <p:cNvCxnSpPr/>
           <p:nvPr/>
         </p:nvCxnSpPr>
         <p:spPr>
-          <a:xfrm flipH="1">
-            <a:off x="2732443" y="4538831"/>
-            <a:ext cx="762000" cy="0"/>
+          <a:xfrm flipH="1" flipV="1">
+            <a:off x="4953000" y="5334000"/>
+            <a:ext cx="609600" cy="76200"/>
           </a:xfrm>
           <a:prstGeom prst="straightConnector1">
             <a:avLst/>
           </a:prstGeom>
-          <a:ln w="25400">
+          <a:ln w="22225">
             <a:solidFill>
               <a:srgbClr val="FF0000"/>
             </a:solidFill>
@@ -6874,14 +6814,14 @@
       </p:cxnSp>
       <p:sp>
         <p:nvSpPr>
-          <p:cNvPr id="6" name="TextBox 5"/>
+          <p:cNvPr id="8" name="TextBox 7"/>
           <p:cNvSpPr txBox="1"/>
           <p:nvPr/>
         </p:nvSpPr>
         <p:spPr>
           <a:xfrm>
-            <a:off x="3646843" y="4386431"/>
-            <a:ext cx="3515957" cy="338554"/>
+            <a:off x="5562600" y="5181600"/>
+            <a:ext cx="2667000" cy="830997"/>
           </a:xfrm>
           <a:prstGeom prst="rect">
             <a:avLst/>
@@ -6895,165 +6835,10 @@
           <a:lstStyle/>
           <a:p>
             <a:r>
-              <a:rPr lang="en-US" sz="1600" dirty="0" smtClean="0"/>
-              <a:t>Behavior</a:t>
-            </a:r>
-            <a:endParaRPr lang="en-US" sz="1600" dirty="0"/>
-          </a:p>
-        </p:txBody>
-      </p:sp>
-      <p:sp>
-        <p:nvSpPr>
-          <p:cNvPr id="11" name="Right Brace 10"/>
-          <p:cNvSpPr/>
-          <p:nvPr/>
-        </p:nvSpPr>
-        <p:spPr>
-          <a:xfrm>
-            <a:off x="3124200" y="4800600"/>
-            <a:ext cx="381000" cy="533400"/>
-          </a:xfrm>
-          <a:prstGeom prst="rightBrace">
-            <a:avLst>
-              <a:gd name="adj1" fmla="val 16803"/>
-              <a:gd name="adj2" fmla="val 50000"/>
-            </a:avLst>
-          </a:prstGeom>
-          <a:ln w="25400">
-            <a:solidFill>
-              <a:srgbClr val="FF0000"/>
-            </a:solidFill>
-          </a:ln>
-        </p:spPr>
-        <p:style>
-          <a:lnRef idx="1">
-            <a:schemeClr val="accent1"/>
-          </a:lnRef>
-          <a:fillRef idx="0">
-            <a:schemeClr val="accent1"/>
-          </a:fillRef>
-          <a:effectRef idx="0">
-            <a:schemeClr val="accent1"/>
-          </a:effectRef>
-          <a:fontRef idx="minor">
-            <a:schemeClr val="tx1"/>
-          </a:fontRef>
-        </p:style>
-        <p:txBody>
-          <a:bodyPr rtlCol="0" anchor="ctr"/>
-          <a:lstStyle/>
-          <a:p>
-            <a:pPr algn="ctr"/>
-            <a:endParaRPr lang="en-US"/>
-          </a:p>
-        </p:txBody>
-      </p:sp>
-      <p:sp>
-        <p:nvSpPr>
-          <p:cNvPr id="12" name="TextBox 11"/>
-          <p:cNvSpPr txBox="1"/>
-          <p:nvPr/>
-        </p:nvSpPr>
-        <p:spPr>
-          <a:xfrm>
-            <a:off x="3657600" y="4876800"/>
-            <a:ext cx="3200400" cy="338554"/>
-          </a:xfrm>
-          <a:prstGeom prst="rect">
-            <a:avLst/>
-          </a:prstGeom>
-          <a:noFill/>
-        </p:spPr>
-        <p:txBody>
-          <a:bodyPr wrap="square" rtlCol="0">
-            <a:spAutoFit/>
-          </a:bodyPr>
-          <a:lstStyle/>
-          <a:p>
-            <a:r>
-              <a:rPr lang="en-US" sz="1600" dirty="0" smtClean="0"/>
-              <a:t>Control</a:t>
-            </a:r>
-            <a:endParaRPr lang="en-US" sz="1600" dirty="0"/>
-          </a:p>
-        </p:txBody>
-      </p:sp>
-      <p:sp>
-        <p:nvSpPr>
-          <p:cNvPr id="8" name="Content Placeholder 2"/>
-          <p:cNvSpPr>
-            <a:spLocks noGrp="1"/>
-          </p:cNvSpPr>
-          <p:nvPr>
-            <p:ph idx="1"/>
-          </p:nvPr>
-        </p:nvSpPr>
-        <p:spPr>
-          <a:xfrm>
-            <a:off x="457200" y="1447800"/>
-            <a:ext cx="8229600" cy="1828800"/>
-          </a:xfrm>
-        </p:spPr>
-        <p:txBody>
-          <a:bodyPr>
-            <a:noAutofit/>
-          </a:bodyPr>
-          <a:lstStyle/>
-          <a:p>
-            <a:r>
-              <a:rPr lang="en-US" sz="2000" dirty="0" err="1" smtClean="0"/>
-              <a:t>AutoPilot</a:t>
-            </a:r>
-            <a:r>
-              <a:rPr lang="en-US" sz="2000" dirty="0" smtClean="0"/>
-              <a:t> </a:t>
-            </a:r>
-            <a:r>
-              <a:rPr lang="en-US" sz="2000" dirty="0" smtClean="0"/>
-              <a:t>complements the functionality of the </a:t>
-            </a:r>
-            <a:r>
-              <a:rPr lang="en-US" sz="2000" dirty="0" err="1" smtClean="0"/>
-              <a:t>DynamicsModel</a:t>
-            </a:r>
-            <a:r>
-              <a:rPr lang="en-US" sz="2000" dirty="0" smtClean="0"/>
-              <a:t> autopilot or </a:t>
-            </a:r>
-            <a:r>
-              <a:rPr lang="en-US" sz="2000" dirty="0" err="1" smtClean="0"/>
-              <a:t>subclassed</a:t>
-            </a:r>
-            <a:r>
-              <a:rPr lang="en-US" sz="2000" dirty="0" smtClean="0"/>
-              <a:t> Player </a:t>
-            </a:r>
-            <a:r>
-              <a:rPr lang="en-US" sz="2000" dirty="0" smtClean="0"/>
-              <a:t>features (Flight Management System level capabilities)</a:t>
-            </a:r>
-            <a:endParaRPr lang="en-US" sz="2000" dirty="0" smtClean="0"/>
-          </a:p>
-          <a:p>
-            <a:r>
-              <a:rPr lang="en-US" sz="2000" dirty="0" smtClean="0"/>
-              <a:t>Defined functionality is called </a:t>
-            </a:r>
-            <a:r>
-              <a:rPr lang="en-US" sz="2000" dirty="0" smtClean="0"/>
-              <a:t>in each </a:t>
-            </a:r>
-            <a:r>
-              <a:rPr lang="en-US" sz="2000" dirty="0" smtClean="0"/>
-              <a:t>frame (process phase)</a:t>
-            </a:r>
-            <a:endParaRPr lang="en-US" sz="2000" dirty="0" smtClean="0"/>
-          </a:p>
-          <a:p>
-            <a:r>
-              <a:rPr lang="en-US" sz="2000" dirty="0" smtClean="0"/>
-              <a:t>As currently defined, it doesn’t make decisions</a:t>
-            </a:r>
+              <a:rPr lang="en-US" sz="1600" smtClean="0"/>
+              <a:t>Base pilot class does nothing interesting, AutoPilot class adds functionality</a:t>
+            </a:r>
+            <a:endParaRPr lang="en-US" sz="1600"/>
           </a:p>
         </p:txBody>
       </p:sp>
@@ -7089,32 +6874,9 @@
           <a:chExt cx="0" cy="0"/>
         </a:xfrm>
       </p:grpSpPr>
-      <p:sp>
-        <p:nvSpPr>
-          <p:cNvPr id="2" name="Title 1"/>
-          <p:cNvSpPr>
-            <a:spLocks noGrp="1"/>
-          </p:cNvSpPr>
-          <p:nvPr>
-            <p:ph type="title"/>
-          </p:nvPr>
-        </p:nvSpPr>
-        <p:spPr/>
-        <p:txBody>
-          <a:bodyPr/>
-          <a:lstStyle/>
-          <a:p>
-            <a:r>
-              <a:rPr lang="en-US" dirty="0" err="1" smtClean="0"/>
-              <a:t>AutoPilot</a:t>
-            </a:r>
-            <a:endParaRPr lang="en-US" dirty="0"/>
-          </a:p>
-        </p:txBody>
-      </p:sp>
       <p:pic>
         <p:nvPicPr>
-          <p:cNvPr id="12290" name="Picture 2"/>
+          <p:cNvPr id="11267" name="Picture 3"/>
           <p:cNvPicPr>
             <a:picLocks noChangeAspect="1" noChangeArrowheads="1"/>
           </p:cNvPicPr>
@@ -7129,8 +6891,8 @@
         </p:blipFill>
         <p:spPr bwMode="auto">
           <a:xfrm>
-            <a:off x="1828800" y="1219200"/>
-            <a:ext cx="5581650" cy="5442975"/>
+            <a:off x="914400" y="3505200"/>
+            <a:ext cx="7085575" cy="2438400"/>
           </a:xfrm>
           <a:prstGeom prst="rect">
             <a:avLst/>
@@ -7144,21 +6906,44 @@
           </a:ln>
         </p:spPr>
       </p:pic>
+      <p:sp>
+        <p:nvSpPr>
+          <p:cNvPr id="2" name="Title 1"/>
+          <p:cNvSpPr>
+            <a:spLocks noGrp="1"/>
+          </p:cNvSpPr>
+          <p:nvPr>
+            <p:ph type="title"/>
+          </p:nvPr>
+        </p:nvSpPr>
+        <p:spPr/>
+        <p:txBody>
+          <a:bodyPr/>
+          <a:lstStyle/>
+          <a:p>
+            <a:r>
+              <a:rPr lang="en-US" dirty="0" err="1" smtClean="0"/>
+              <a:t>AutoPilot</a:t>
+            </a:r>
+            <a:endParaRPr lang="en-US" dirty="0"/>
+          </a:p>
+        </p:txBody>
+      </p:sp>
       <p:cxnSp>
         <p:nvCxnSpPr>
-          <p:cNvPr id="6" name="Straight Arrow Connector 5"/>
+          <p:cNvPr id="5" name="Straight Arrow Connector 4"/>
           <p:cNvCxnSpPr/>
           <p:nvPr/>
         </p:nvCxnSpPr>
         <p:spPr>
-          <a:xfrm flipH="1" flipV="1">
-            <a:off x="5029200" y="3200400"/>
-            <a:ext cx="838200" cy="381000"/>
+          <a:xfrm flipH="1">
+            <a:off x="2732443" y="4538831"/>
+            <a:ext cx="762000" cy="0"/>
           </a:xfrm>
           <a:prstGeom prst="straightConnector1">
             <a:avLst/>
           </a:prstGeom>
-          <a:ln w="22225">
+          <a:ln w="25400">
             <a:solidFill>
               <a:srgbClr val="FF0000"/>
             </a:solidFill>
@@ -7180,25 +6965,57 @@
           </a:fontRef>
         </p:style>
       </p:cxnSp>
-      <p:cxnSp>
-        <p:nvCxnSpPr>
-          <p:cNvPr id="9" name="Straight Arrow Connector 8"/>
-          <p:cNvCxnSpPr/>
-          <p:nvPr/>
-        </p:nvCxnSpPr>
+      <p:sp>
+        <p:nvSpPr>
+          <p:cNvPr id="6" name="TextBox 5"/>
+          <p:cNvSpPr txBox="1"/>
+          <p:nvPr/>
+        </p:nvSpPr>
         <p:spPr>
-          <a:xfrm flipH="1">
-            <a:off x="4876800" y="3886200"/>
-            <a:ext cx="914400" cy="0"/>
-          </a:xfrm>
-          <a:prstGeom prst="straightConnector1">
-            <a:avLst/>
-          </a:prstGeom>
-          <a:ln w="22225">
+          <a:xfrm>
+            <a:off x="3646843" y="4386431"/>
+            <a:ext cx="3515957" cy="338554"/>
+          </a:xfrm>
+          <a:prstGeom prst="rect">
+            <a:avLst/>
+          </a:prstGeom>
+          <a:noFill/>
+        </p:spPr>
+        <p:txBody>
+          <a:bodyPr wrap="square" rtlCol="0">
+            <a:spAutoFit/>
+          </a:bodyPr>
+          <a:lstStyle/>
+          <a:p>
+            <a:r>
+              <a:rPr lang="en-US" sz="1600" dirty="0" smtClean="0"/>
+              <a:t>Behavior</a:t>
+            </a:r>
+            <a:endParaRPr lang="en-US" sz="1600" dirty="0"/>
+          </a:p>
+        </p:txBody>
+      </p:sp>
+      <p:sp>
+        <p:nvSpPr>
+          <p:cNvPr id="11" name="Right Brace 10"/>
+          <p:cNvSpPr/>
+          <p:nvPr/>
+        </p:nvSpPr>
+        <p:spPr>
+          <a:xfrm>
+            <a:off x="3124200" y="4800600"/>
+            <a:ext cx="381000" cy="533400"/>
+          </a:xfrm>
+          <a:prstGeom prst="rightBrace">
+            <a:avLst>
+              <a:gd name="adj1" fmla="val 16803"/>
+              <a:gd name="adj2" fmla="val 50000"/>
+            </a:avLst>
+          </a:prstGeom>
+          <a:ln w="25400">
             <a:solidFill>
               <a:srgbClr val="FF0000"/>
             </a:solidFill>
-            <a:tailEnd type="arrow"/>
           </a:ln>
         </p:spPr>
         <p:style>
@@ -7215,89 +7032,25 @@
             <a:schemeClr val="tx1"/>
           </a:fontRef>
         </p:style>
-      </p:cxnSp>
-      <p:cxnSp>
-        <p:nvCxnSpPr>
-          <p:cNvPr id="11" name="Straight Arrow Connector 10"/>
-          <p:cNvCxnSpPr/>
-          <p:nvPr/>
-        </p:nvCxnSpPr>
+        <p:txBody>
+          <a:bodyPr rtlCol="0" anchor="ctr"/>
+          <a:lstStyle/>
+          <a:p>
+            <a:pPr algn="ctr"/>
+            <a:endParaRPr lang="en-US"/>
+          </a:p>
+        </p:txBody>
+      </p:sp>
+      <p:sp>
+        <p:nvSpPr>
+          <p:cNvPr id="12" name="TextBox 11"/>
+          <p:cNvSpPr txBox="1"/>
+          <p:nvPr/>
+        </p:nvSpPr>
         <p:spPr>
-          <a:xfrm flipH="1">
-            <a:off x="4800600" y="4267200"/>
-            <a:ext cx="1066800" cy="609600"/>
-          </a:xfrm>
-          <a:prstGeom prst="straightConnector1">
-            <a:avLst/>
-          </a:prstGeom>
-          <a:ln w="22225">
-            <a:solidFill>
-              <a:srgbClr val="FF0000"/>
-            </a:solidFill>
-            <a:tailEnd type="arrow"/>
-          </a:ln>
-        </p:spPr>
-        <p:style>
-          <a:lnRef idx="1">
-            <a:schemeClr val="accent1"/>
-          </a:lnRef>
-          <a:fillRef idx="0">
-            <a:schemeClr val="accent1"/>
-          </a:fillRef>
-          <a:effectRef idx="0">
-            <a:schemeClr val="accent1"/>
-          </a:effectRef>
-          <a:fontRef idx="minor">
-            <a:schemeClr val="tx1"/>
-          </a:fontRef>
-        </p:style>
-      </p:cxnSp>
-      <p:cxnSp>
-        <p:nvCxnSpPr>
-          <p:cNvPr id="13" name="Straight Arrow Connector 12"/>
-          <p:cNvCxnSpPr/>
-          <p:nvPr/>
-        </p:nvCxnSpPr>
-        <p:spPr>
-          <a:xfrm flipH="1">
-            <a:off x="4953000" y="4419600"/>
-            <a:ext cx="1143000" cy="1371600"/>
-          </a:xfrm>
-          <a:prstGeom prst="straightConnector1">
-            <a:avLst/>
-          </a:prstGeom>
-          <a:ln w="22225">
-            <a:solidFill>
-              <a:srgbClr val="FF0000"/>
-            </a:solidFill>
-            <a:tailEnd type="arrow"/>
-          </a:ln>
-        </p:spPr>
-        <p:style>
-          <a:lnRef idx="1">
-            <a:schemeClr val="accent1"/>
-          </a:lnRef>
-          <a:fillRef idx="0">
-            <a:schemeClr val="accent1"/>
-          </a:fillRef>
-          <a:effectRef idx="0">
-            <a:schemeClr val="accent1"/>
-          </a:effectRef>
-          <a:fontRef idx="minor">
-            <a:schemeClr val="tx1"/>
-          </a:fontRef>
-        </p:style>
-      </p:cxnSp>
-      <p:sp>
-        <p:nvSpPr>
-          <p:cNvPr id="15" name="TextBox 14"/>
-          <p:cNvSpPr txBox="1"/>
-          <p:nvPr/>
-        </p:nvSpPr>
-        <p:spPr>
-          <a:xfrm>
-            <a:off x="5867400" y="3657600"/>
-            <a:ext cx="2590800" cy="584775"/>
+          <a:xfrm>
+            <a:off x="3657600" y="4876800"/>
+            <a:ext cx="3200400" cy="338554"/>
           </a:xfrm>
           <a:prstGeom prst="rect">
             <a:avLst/>
@@ -7312,23 +7065,70 @@
           <a:p>
             <a:r>
               <a:rPr lang="en-US" sz="1600" dirty="0" smtClean="0"/>
-              <a:t>Behavior </a:t>
-            </a:r>
-            <a:r>
-              <a:rPr lang="en-US" sz="1600" dirty="0" smtClean="0"/>
-              <a:t>(e.g., follow routes,</a:t>
-            </a:r>
-          </a:p>
-          <a:p>
-            <a:r>
-              <a:rPr lang="en-US" sz="1600" dirty="0" smtClean="0"/>
-              <a:t>loiter, follow another </a:t>
-            </a:r>
-            <a:r>
-              <a:rPr lang="en-US" sz="1600" dirty="0" smtClean="0"/>
-              <a:t>player)</a:t>
+              <a:t>Control</a:t>
             </a:r>
             <a:endParaRPr lang="en-US" sz="1600" dirty="0"/>
+          </a:p>
+        </p:txBody>
+      </p:sp>
+      <p:sp>
+        <p:nvSpPr>
+          <p:cNvPr id="8" name="Content Placeholder 2"/>
+          <p:cNvSpPr>
+            <a:spLocks noGrp="1"/>
+          </p:cNvSpPr>
+          <p:nvPr>
+            <p:ph idx="1"/>
+          </p:nvPr>
+        </p:nvSpPr>
+        <p:spPr>
+          <a:xfrm>
+            <a:off x="457200" y="1447800"/>
+            <a:ext cx="8229600" cy="1828800"/>
+          </a:xfrm>
+        </p:spPr>
+        <p:txBody>
+          <a:bodyPr>
+            <a:noAutofit/>
+          </a:bodyPr>
+          <a:lstStyle/>
+          <a:p>
+            <a:r>
+              <a:rPr lang="en-US" sz="2000" dirty="0" err="1" smtClean="0"/>
+              <a:t>AutoPilot</a:t>
+            </a:r>
+            <a:r>
+              <a:rPr lang="en-US" sz="2000" dirty="0" smtClean="0"/>
+              <a:t> complements the functionality of the </a:t>
+            </a:r>
+            <a:r>
+              <a:rPr lang="en-US" sz="2000" dirty="0" err="1" smtClean="0"/>
+              <a:t>DynamicsModel</a:t>
+            </a:r>
+            <a:r>
+              <a:rPr lang="en-US" sz="2000" dirty="0" smtClean="0"/>
+              <a:t> autopilot or </a:t>
+            </a:r>
+            <a:r>
+              <a:rPr lang="en-US" sz="2000" dirty="0" err="1" smtClean="0"/>
+              <a:t>subclassed</a:t>
+            </a:r>
+            <a:r>
+              <a:rPr lang="en-US" sz="2000" dirty="0" smtClean="0"/>
+              <a:t> Player features (Flight Management System level capabilities)</a:t>
+            </a:r>
+          </a:p>
+          <a:p>
+            <a:r>
+              <a:rPr lang="en-US" sz="2000" dirty="0" smtClean="0"/>
+              <a:t>Defined functionality is called in each frame (process phase)</a:t>
+            </a:r>
+          </a:p>
+          <a:p>
+            <a:r>
+              <a:rPr lang="en-US" sz="2000" dirty="0" smtClean="0"/>
+              <a:t>As currently defined, it doesn’t make decisions</a:t>
+            </a:r>
           </a:p>
         </p:txBody>
       </p:sp>
@@ -7380,53 +7180,16 @@
           <a:lstStyle/>
           <a:p>
             <a:r>
-              <a:rPr lang="en-US" smtClean="0"/>
-              <a:t>Navigation</a:t>
-            </a:r>
-            <a:endParaRPr lang="en-US"/>
-          </a:p>
-        </p:txBody>
-      </p:sp>
-      <p:sp>
-        <p:nvSpPr>
-          <p:cNvPr id="3" name="Content Placeholder 2"/>
-          <p:cNvSpPr>
-            <a:spLocks noGrp="1"/>
-          </p:cNvSpPr>
-          <p:nvPr>
-            <p:ph idx="1"/>
-          </p:nvPr>
-        </p:nvSpPr>
-        <p:spPr/>
-        <p:txBody>
-          <a:bodyPr/>
-          <a:lstStyle/>
-          <a:p>
-            <a:r>
-              <a:rPr lang="en-US" smtClean="0"/>
-              <a:t>AutoPilot uses Navigation</a:t>
-            </a:r>
-          </a:p>
-          <a:p>
-            <a:pPr lvl="1"/>
-            <a:r>
-              <a:rPr lang="en-US" smtClean="0"/>
-              <a:t>Navigation contains routes, which contain steerpoints</a:t>
-            </a:r>
-          </a:p>
-          <a:p>
-            <a:pPr lvl="1"/>
-            <a:r>
-              <a:rPr lang="en-US" smtClean="0"/>
-              <a:t>Steerpoints can contain Actions!</a:t>
-            </a:r>
-            <a:endParaRPr lang="en-US"/>
+              <a:rPr lang="en-US" dirty="0" err="1" smtClean="0"/>
+              <a:t>AutoPilot</a:t>
+            </a:r>
+            <a:endParaRPr lang="en-US" dirty="0"/>
           </a:p>
         </p:txBody>
       </p:sp>
       <p:pic>
         <p:nvPicPr>
-          <p:cNvPr id="10243" name="Picture 3"/>
+          <p:cNvPr id="12290" name="Picture 2"/>
           <p:cNvPicPr>
             <a:picLocks noChangeAspect="1" noChangeArrowheads="1"/>
           </p:cNvPicPr>
@@ -7441,8 +7204,8 @@
         </p:blipFill>
         <p:spPr bwMode="auto">
           <a:xfrm>
-            <a:off x="914400" y="3200400"/>
-            <a:ext cx="3619500" cy="2266950"/>
+            <a:off x="1828800" y="1219200"/>
+            <a:ext cx="5581650" cy="5442975"/>
           </a:xfrm>
           <a:prstGeom prst="rect">
             <a:avLst/>
@@ -7456,38 +7219,186 @@
           </a:ln>
         </p:spPr>
       </p:pic>
-      <p:pic>
-        <p:nvPicPr>
-          <p:cNvPr id="10244" name="Picture 4"/>
-          <p:cNvPicPr>
-            <a:picLocks noChangeAspect="1" noChangeArrowheads="1"/>
-          </p:cNvPicPr>
-          <p:nvPr/>
-        </p:nvPicPr>
-        <p:blipFill>
-          <a:blip r:embed="rId3" cstate="print"/>
-          <a:srcRect/>
-          <a:stretch>
-            <a:fillRect/>
-          </a:stretch>
-        </p:blipFill>
-        <p:spPr bwMode="auto">
-          <a:xfrm>
-            <a:off x="4876800" y="3276600"/>
-            <a:ext cx="3590925" cy="1495425"/>
+      <p:cxnSp>
+        <p:nvCxnSpPr>
+          <p:cNvPr id="6" name="Straight Arrow Connector 5"/>
+          <p:cNvCxnSpPr/>
+          <p:nvPr/>
+        </p:nvCxnSpPr>
+        <p:spPr>
+          <a:xfrm flipH="1" flipV="1">
+            <a:off x="5029200" y="3200400"/>
+            <a:ext cx="838200" cy="381000"/>
+          </a:xfrm>
+          <a:prstGeom prst="straightConnector1">
+            <a:avLst/>
+          </a:prstGeom>
+          <a:ln w="22225">
+            <a:solidFill>
+              <a:srgbClr val="FF0000"/>
+            </a:solidFill>
+            <a:tailEnd type="arrow"/>
+          </a:ln>
+        </p:spPr>
+        <p:style>
+          <a:lnRef idx="1">
+            <a:schemeClr val="accent1"/>
+          </a:lnRef>
+          <a:fillRef idx="0">
+            <a:schemeClr val="accent1"/>
+          </a:fillRef>
+          <a:effectRef idx="0">
+            <a:schemeClr val="accent1"/>
+          </a:effectRef>
+          <a:fontRef idx="minor">
+            <a:schemeClr val="tx1"/>
+          </a:fontRef>
+        </p:style>
+      </p:cxnSp>
+      <p:cxnSp>
+        <p:nvCxnSpPr>
+          <p:cNvPr id="9" name="Straight Arrow Connector 8"/>
+          <p:cNvCxnSpPr/>
+          <p:nvPr/>
+        </p:nvCxnSpPr>
+        <p:spPr>
+          <a:xfrm flipH="1">
+            <a:off x="4876800" y="3886200"/>
+            <a:ext cx="914400" cy="0"/>
+          </a:xfrm>
+          <a:prstGeom prst="straightConnector1">
+            <a:avLst/>
+          </a:prstGeom>
+          <a:ln w="22225">
+            <a:solidFill>
+              <a:srgbClr val="FF0000"/>
+            </a:solidFill>
+            <a:tailEnd type="arrow"/>
+          </a:ln>
+        </p:spPr>
+        <p:style>
+          <a:lnRef idx="1">
+            <a:schemeClr val="accent1"/>
+          </a:lnRef>
+          <a:fillRef idx="0">
+            <a:schemeClr val="accent1"/>
+          </a:fillRef>
+          <a:effectRef idx="0">
+            <a:schemeClr val="accent1"/>
+          </a:effectRef>
+          <a:fontRef idx="minor">
+            <a:schemeClr val="tx1"/>
+          </a:fontRef>
+        </p:style>
+      </p:cxnSp>
+      <p:cxnSp>
+        <p:nvCxnSpPr>
+          <p:cNvPr id="11" name="Straight Arrow Connector 10"/>
+          <p:cNvCxnSpPr/>
+          <p:nvPr/>
+        </p:nvCxnSpPr>
+        <p:spPr>
+          <a:xfrm flipH="1">
+            <a:off x="4800600" y="4267200"/>
+            <a:ext cx="1066800" cy="609600"/>
+          </a:xfrm>
+          <a:prstGeom prst="straightConnector1">
+            <a:avLst/>
+          </a:prstGeom>
+          <a:ln w="22225">
+            <a:solidFill>
+              <a:srgbClr val="FF0000"/>
+            </a:solidFill>
+            <a:tailEnd type="arrow"/>
+          </a:ln>
+        </p:spPr>
+        <p:style>
+          <a:lnRef idx="1">
+            <a:schemeClr val="accent1"/>
+          </a:lnRef>
+          <a:fillRef idx="0">
+            <a:schemeClr val="accent1"/>
+          </a:fillRef>
+          <a:effectRef idx="0">
+            <a:schemeClr val="accent1"/>
+          </a:effectRef>
+          <a:fontRef idx="minor">
+            <a:schemeClr val="tx1"/>
+          </a:fontRef>
+        </p:style>
+      </p:cxnSp>
+      <p:cxnSp>
+        <p:nvCxnSpPr>
+          <p:cNvPr id="13" name="Straight Arrow Connector 12"/>
+          <p:cNvCxnSpPr/>
+          <p:nvPr/>
+        </p:nvCxnSpPr>
+        <p:spPr>
+          <a:xfrm flipH="1">
+            <a:off x="4953000" y="4419600"/>
+            <a:ext cx="1143000" cy="1371600"/>
+          </a:xfrm>
+          <a:prstGeom prst="straightConnector1">
+            <a:avLst/>
+          </a:prstGeom>
+          <a:ln w="22225">
+            <a:solidFill>
+              <a:srgbClr val="FF0000"/>
+            </a:solidFill>
+            <a:tailEnd type="arrow"/>
+          </a:ln>
+        </p:spPr>
+        <p:style>
+          <a:lnRef idx="1">
+            <a:schemeClr val="accent1"/>
+          </a:lnRef>
+          <a:fillRef idx="0">
+            <a:schemeClr val="accent1"/>
+          </a:fillRef>
+          <a:effectRef idx="0">
+            <a:schemeClr val="accent1"/>
+          </a:effectRef>
+          <a:fontRef idx="minor">
+            <a:schemeClr val="tx1"/>
+          </a:fontRef>
+        </p:style>
+      </p:cxnSp>
+      <p:sp>
+        <p:nvSpPr>
+          <p:cNvPr id="15" name="TextBox 14"/>
+          <p:cNvSpPr txBox="1"/>
+          <p:nvPr/>
+        </p:nvSpPr>
+        <p:spPr>
+          <a:xfrm>
+            <a:off x="5867400" y="3657600"/>
+            <a:ext cx="2590800" cy="584775"/>
           </a:xfrm>
           <a:prstGeom prst="rect">
             <a:avLst/>
           </a:prstGeom>
           <a:noFill/>
-          <a:ln w="9525">
-            <a:noFill/>
-            <a:miter lim="800000"/>
-            <a:headEnd/>
-            <a:tailEnd/>
-          </a:ln>
-        </p:spPr>
-      </p:pic>
+        </p:spPr>
+        <p:txBody>
+          <a:bodyPr wrap="square" rtlCol="0">
+            <a:spAutoFit/>
+          </a:bodyPr>
+          <a:lstStyle/>
+          <a:p>
+            <a:r>
+              <a:rPr lang="en-US" sz="1600" dirty="0" smtClean="0"/>
+              <a:t>Behavior (e.g., follow routes,</a:t>
+            </a:r>
+          </a:p>
+          <a:p>
+            <a:r>
+              <a:rPr lang="en-US" sz="1600" dirty="0" smtClean="0"/>
+              <a:t>loiter, follow another player)</a:t>
+            </a:r>
+            <a:endParaRPr lang="en-US" sz="1600" dirty="0"/>
+          </a:p>
+        </p:txBody>
+      </p:sp>
     </p:spTree>
   </p:cSld>
   <p:clrMapOvr>
@@ -7537,7 +7448,44 @@
           <a:p>
             <a:r>
               <a:rPr lang="en-US" smtClean="0"/>
-              <a:t>Example Input File</a:t>
+              <a:t>Navigation</a:t>
+            </a:r>
+            <a:endParaRPr lang="en-US"/>
+          </a:p>
+        </p:txBody>
+      </p:sp>
+      <p:sp>
+        <p:nvSpPr>
+          <p:cNvPr id="3" name="Content Placeholder 2"/>
+          <p:cNvSpPr>
+            <a:spLocks noGrp="1"/>
+          </p:cNvSpPr>
+          <p:nvPr>
+            <p:ph idx="1"/>
+          </p:nvPr>
+        </p:nvSpPr>
+        <p:spPr/>
+        <p:txBody>
+          <a:bodyPr/>
+          <a:lstStyle/>
+          <a:p>
+            <a:r>
+              <a:rPr lang="en-US" smtClean="0"/>
+              <a:t>AutoPilot uses Navigation</a:t>
+            </a:r>
+          </a:p>
+          <a:p>
+            <a:pPr lvl="1"/>
+            <a:r>
+              <a:rPr lang="en-US" smtClean="0"/>
+              <a:t>Navigation contains routes, which contain steerpoints</a:t>
+            </a:r>
+          </a:p>
+          <a:p>
+            <a:pPr lvl="1"/>
+            <a:r>
+              <a:rPr lang="en-US" smtClean="0"/>
+              <a:t>Steerpoints can contain Actions!</a:t>
             </a:r>
             <a:endParaRPr lang="en-US"/>
           </a:p>
@@ -7545,7 +7493,7 @@
       </p:sp>
       <p:pic>
         <p:nvPicPr>
-          <p:cNvPr id="13314" name="Picture 2"/>
+          <p:cNvPr id="10243" name="Picture 3"/>
           <p:cNvPicPr>
             <a:picLocks noChangeAspect="1" noChangeArrowheads="1"/>
           </p:cNvPicPr>
@@ -7560,8 +7508,8 @@
         </p:blipFill>
         <p:spPr bwMode="auto">
           <a:xfrm>
-            <a:off x="457200" y="1676400"/>
-            <a:ext cx="3181350" cy="4424394"/>
+            <a:off x="914400" y="3200400"/>
+            <a:ext cx="3619500" cy="2266950"/>
           </a:xfrm>
           <a:prstGeom prst="rect">
             <a:avLst/>
@@ -7575,204 +7523,38 @@
           </a:ln>
         </p:spPr>
       </p:pic>
-      <p:cxnSp>
-        <p:nvCxnSpPr>
-          <p:cNvPr id="5" name="Straight Arrow Connector 4"/>
-          <p:cNvCxnSpPr/>
-          <p:nvPr/>
-        </p:nvCxnSpPr>
-        <p:spPr>
-          <a:xfrm flipH="1">
-            <a:off x="3733800" y="2743200"/>
-            <a:ext cx="1143000" cy="76200"/>
-          </a:xfrm>
-          <a:prstGeom prst="straightConnector1">
-            <a:avLst/>
-          </a:prstGeom>
-          <a:ln w="22225">
-            <a:solidFill>
-              <a:srgbClr val="FF0000"/>
-            </a:solidFill>
-            <a:tailEnd type="arrow"/>
+      <p:pic>
+        <p:nvPicPr>
+          <p:cNvPr id="10244" name="Picture 4"/>
+          <p:cNvPicPr>
+            <a:picLocks noChangeAspect="1" noChangeArrowheads="1"/>
+          </p:cNvPicPr>
+          <p:nvPr/>
+        </p:nvPicPr>
+        <p:blipFill>
+          <a:blip r:embed="rId3" cstate="print"/>
+          <a:srcRect/>
+          <a:stretch>
+            <a:fillRect/>
+          </a:stretch>
+        </p:blipFill>
+        <p:spPr bwMode="auto">
+          <a:xfrm>
+            <a:off x="4876800" y="3276600"/>
+            <a:ext cx="3590925" cy="1495425"/>
+          </a:xfrm>
+          <a:prstGeom prst="rect">
+            <a:avLst/>
+          </a:prstGeom>
+          <a:noFill/>
+          <a:ln w="9525">
+            <a:noFill/>
+            <a:miter lim="800000"/>
+            <a:headEnd/>
+            <a:tailEnd/>
           </a:ln>
         </p:spPr>
-        <p:style>
-          <a:lnRef idx="1">
-            <a:schemeClr val="accent1"/>
-          </a:lnRef>
-          <a:fillRef idx="0">
-            <a:schemeClr val="accent1"/>
-          </a:fillRef>
-          <a:effectRef idx="0">
-            <a:schemeClr val="accent1"/>
-          </a:effectRef>
-          <a:fontRef idx="minor">
-            <a:schemeClr val="tx1"/>
-          </a:fontRef>
-        </p:style>
-      </p:cxnSp>
-      <p:sp>
-        <p:nvSpPr>
-          <p:cNvPr id="6" name="TextBox 5"/>
-          <p:cNvSpPr txBox="1"/>
-          <p:nvPr/>
-        </p:nvSpPr>
-        <p:spPr>
-          <a:xfrm>
-            <a:off x="4953000" y="2438400"/>
-            <a:ext cx="2895600" cy="584775"/>
-          </a:xfrm>
-          <a:prstGeom prst="rect">
-            <a:avLst/>
-          </a:prstGeom>
-          <a:noFill/>
-        </p:spPr>
-        <p:txBody>
-          <a:bodyPr wrap="square" rtlCol="0">
-            <a:spAutoFit/>
-          </a:bodyPr>
-          <a:lstStyle/>
-          <a:p>
-            <a:r>
-              <a:rPr lang="en-US" sz="1600" smtClean="0"/>
-              <a:t>RacModel has a auto pilot within its dynamic model</a:t>
-            </a:r>
-            <a:endParaRPr lang="en-US" sz="1600"/>
-          </a:p>
-        </p:txBody>
-      </p:sp>
-      <p:cxnSp>
-        <p:nvCxnSpPr>
-          <p:cNvPr id="8" name="Straight Arrow Connector 7"/>
-          <p:cNvCxnSpPr/>
-          <p:nvPr/>
-        </p:nvCxnSpPr>
-        <p:spPr>
-          <a:xfrm flipH="1" flipV="1">
-            <a:off x="2971800" y="3276600"/>
-            <a:ext cx="1828800" cy="228600"/>
-          </a:xfrm>
-          <a:prstGeom prst="straightConnector1">
-            <a:avLst/>
-          </a:prstGeom>
-          <a:ln w="22225">
-            <a:solidFill>
-              <a:srgbClr val="FF0000"/>
-            </a:solidFill>
-            <a:tailEnd type="arrow"/>
-          </a:ln>
-        </p:spPr>
-        <p:style>
-          <a:lnRef idx="1">
-            <a:schemeClr val="accent1"/>
-          </a:lnRef>
-          <a:fillRef idx="0">
-            <a:schemeClr val="accent1"/>
-          </a:fillRef>
-          <a:effectRef idx="0">
-            <a:schemeClr val="accent1"/>
-          </a:effectRef>
-          <a:fontRef idx="minor">
-            <a:schemeClr val="tx1"/>
-          </a:fontRef>
-        </p:style>
-      </p:cxnSp>
-      <p:sp>
-        <p:nvSpPr>
-          <p:cNvPr id="12" name="TextBox 11"/>
-          <p:cNvSpPr txBox="1"/>
-          <p:nvPr/>
-        </p:nvSpPr>
-        <p:spPr>
-          <a:xfrm>
-            <a:off x="4953000" y="3276600"/>
-            <a:ext cx="2895600" cy="830997"/>
-          </a:xfrm>
-          <a:prstGeom prst="rect">
-            <a:avLst/>
-          </a:prstGeom>
-          <a:noFill/>
-        </p:spPr>
-        <p:txBody>
-          <a:bodyPr wrap="square" rtlCol="0">
-            <a:spAutoFit/>
-          </a:bodyPr>
-          <a:lstStyle/>
-          <a:p>
-            <a:r>
-              <a:rPr lang="en-US" sz="1600" smtClean="0"/>
-              <a:t>Auto pilot that follows the defined route within navigation system</a:t>
-            </a:r>
-            <a:endParaRPr lang="en-US" sz="1600"/>
-          </a:p>
-        </p:txBody>
-      </p:sp>
-      <p:cxnSp>
-        <p:nvCxnSpPr>
-          <p:cNvPr id="13" name="Straight Arrow Connector 12"/>
-          <p:cNvCxnSpPr/>
-          <p:nvPr/>
-        </p:nvCxnSpPr>
-        <p:spPr>
-          <a:xfrm flipH="1">
-            <a:off x="2971800" y="4495800"/>
-            <a:ext cx="1828800" cy="228600"/>
-          </a:xfrm>
-          <a:prstGeom prst="straightConnector1">
-            <a:avLst/>
-          </a:prstGeom>
-          <a:ln w="22225">
-            <a:solidFill>
-              <a:srgbClr val="FF0000"/>
-            </a:solidFill>
-            <a:tailEnd type="arrow"/>
-          </a:ln>
-        </p:spPr>
-        <p:style>
-          <a:lnRef idx="1">
-            <a:schemeClr val="accent1"/>
-          </a:lnRef>
-          <a:fillRef idx="0">
-            <a:schemeClr val="accent1"/>
-          </a:fillRef>
-          <a:effectRef idx="0">
-            <a:schemeClr val="accent1"/>
-          </a:effectRef>
-          <a:fontRef idx="minor">
-            <a:schemeClr val="tx1"/>
-          </a:fontRef>
-        </p:style>
-      </p:cxnSp>
-      <p:sp>
-        <p:nvSpPr>
-          <p:cNvPr id="14" name="TextBox 13"/>
-          <p:cNvSpPr txBox="1"/>
-          <p:nvPr/>
-        </p:nvSpPr>
-        <p:spPr>
-          <a:xfrm>
-            <a:off x="4953000" y="4267200"/>
-            <a:ext cx="2895600" cy="584775"/>
-          </a:xfrm>
-          <a:prstGeom prst="rect">
-            <a:avLst/>
-          </a:prstGeom>
-          <a:noFill/>
-        </p:spPr>
-        <p:txBody>
-          <a:bodyPr wrap="square" rtlCol="0">
-            <a:spAutoFit/>
-          </a:bodyPr>
-          <a:lstStyle/>
-          <a:p>
-            <a:r>
-              <a:rPr lang="en-US" sz="1600" smtClean="0"/>
-              <a:t>Attached navigation system that includes a defined route</a:t>
-            </a:r>
-            <a:endParaRPr lang="en-US" sz="1600"/>
-          </a:p>
-        </p:txBody>
-      </p:sp>
+      </p:pic>
     </p:spTree>
   </p:cSld>
   <p:clrMapOvr>
@@ -7830,7 +7612,7 @@
       </p:sp>
       <p:pic>
         <p:nvPicPr>
-          <p:cNvPr id="14338" name="Picture 2"/>
+          <p:cNvPr id="13314" name="Picture 2"/>
           <p:cNvPicPr>
             <a:picLocks noChangeAspect="1" noChangeArrowheads="1"/>
           </p:cNvPicPr>
@@ -7845,8 +7627,8 @@
         </p:blipFill>
         <p:spPr bwMode="auto">
           <a:xfrm>
-            <a:off x="1371600" y="1676400"/>
-            <a:ext cx="6410325" cy="4562475"/>
+            <a:off x="457200" y="1676400"/>
+            <a:ext cx="3181350" cy="4424394"/>
           </a:xfrm>
           <a:prstGeom prst="rect">
             <a:avLst/>
@@ -7868,8 +7650,8 @@
         </p:nvCxnSpPr>
         <p:spPr>
           <a:xfrm flipH="1">
-            <a:off x="3048000" y="2362200"/>
-            <a:ext cx="1143000" cy="685800"/>
+            <a:off x="3733800" y="2743200"/>
+            <a:ext cx="1143000" cy="76200"/>
           </a:xfrm>
           <a:prstGeom prst="straightConnector1">
             <a:avLst/>
@@ -7904,7 +7686,7 @@
         </p:nvSpPr>
         <p:spPr>
           <a:xfrm>
-            <a:off x="4267200" y="2057400"/>
+            <a:off x="4953000" y="2438400"/>
             <a:ext cx="2895600" cy="584775"/>
           </a:xfrm>
           <a:prstGeom prst="rect">
@@ -7919,14 +7701,142 @@
           <a:lstStyle/>
           <a:p>
             <a:r>
-              <a:rPr lang="en-US" sz="1600" dirty="0" err="1" smtClean="0"/>
-              <a:t>Steerpoints</a:t>
-            </a:r>
-            <a:r>
-              <a:rPr lang="en-US" sz="1600" dirty="0" smtClean="0"/>
-              <a:t> define position and desired airspeed, etc</a:t>
-            </a:r>
-            <a:endParaRPr lang="en-US" sz="1600" dirty="0"/>
+              <a:rPr lang="en-US" sz="1600" smtClean="0"/>
+              <a:t>RacModel has a auto pilot within its dynamic model</a:t>
+            </a:r>
+            <a:endParaRPr lang="en-US" sz="1600"/>
+          </a:p>
+        </p:txBody>
+      </p:sp>
+      <p:cxnSp>
+        <p:nvCxnSpPr>
+          <p:cNvPr id="8" name="Straight Arrow Connector 7"/>
+          <p:cNvCxnSpPr/>
+          <p:nvPr/>
+        </p:nvCxnSpPr>
+        <p:spPr>
+          <a:xfrm flipH="1" flipV="1">
+            <a:off x="2971800" y="3276600"/>
+            <a:ext cx="1828800" cy="228600"/>
+          </a:xfrm>
+          <a:prstGeom prst="straightConnector1">
+            <a:avLst/>
+          </a:prstGeom>
+          <a:ln w="22225">
+            <a:solidFill>
+              <a:srgbClr val="FF0000"/>
+            </a:solidFill>
+            <a:tailEnd type="arrow"/>
+          </a:ln>
+        </p:spPr>
+        <p:style>
+          <a:lnRef idx="1">
+            <a:schemeClr val="accent1"/>
+          </a:lnRef>
+          <a:fillRef idx="0">
+            <a:schemeClr val="accent1"/>
+          </a:fillRef>
+          <a:effectRef idx="0">
+            <a:schemeClr val="accent1"/>
+          </a:effectRef>
+          <a:fontRef idx="minor">
+            <a:schemeClr val="tx1"/>
+          </a:fontRef>
+        </p:style>
+      </p:cxnSp>
+      <p:sp>
+        <p:nvSpPr>
+          <p:cNvPr id="12" name="TextBox 11"/>
+          <p:cNvSpPr txBox="1"/>
+          <p:nvPr/>
+        </p:nvSpPr>
+        <p:spPr>
+          <a:xfrm>
+            <a:off x="4953000" y="3276600"/>
+            <a:ext cx="2895600" cy="830997"/>
+          </a:xfrm>
+          <a:prstGeom prst="rect">
+            <a:avLst/>
+          </a:prstGeom>
+          <a:noFill/>
+        </p:spPr>
+        <p:txBody>
+          <a:bodyPr wrap="square" rtlCol="0">
+            <a:spAutoFit/>
+          </a:bodyPr>
+          <a:lstStyle/>
+          <a:p>
+            <a:r>
+              <a:rPr lang="en-US" sz="1600" smtClean="0"/>
+              <a:t>Auto pilot that follows the defined route within navigation system</a:t>
+            </a:r>
+            <a:endParaRPr lang="en-US" sz="1600"/>
+          </a:p>
+        </p:txBody>
+      </p:sp>
+      <p:cxnSp>
+        <p:nvCxnSpPr>
+          <p:cNvPr id="13" name="Straight Arrow Connector 12"/>
+          <p:cNvCxnSpPr/>
+          <p:nvPr/>
+        </p:nvCxnSpPr>
+        <p:spPr>
+          <a:xfrm flipH="1">
+            <a:off x="2971800" y="4495800"/>
+            <a:ext cx="1828800" cy="228600"/>
+          </a:xfrm>
+          <a:prstGeom prst="straightConnector1">
+            <a:avLst/>
+          </a:prstGeom>
+          <a:ln w="22225">
+            <a:solidFill>
+              <a:srgbClr val="FF0000"/>
+            </a:solidFill>
+            <a:tailEnd type="arrow"/>
+          </a:ln>
+        </p:spPr>
+        <p:style>
+          <a:lnRef idx="1">
+            <a:schemeClr val="accent1"/>
+          </a:lnRef>
+          <a:fillRef idx="0">
+            <a:schemeClr val="accent1"/>
+          </a:fillRef>
+          <a:effectRef idx="0">
+            <a:schemeClr val="accent1"/>
+          </a:effectRef>
+          <a:fontRef idx="minor">
+            <a:schemeClr val="tx1"/>
+          </a:fontRef>
+        </p:style>
+      </p:cxnSp>
+      <p:sp>
+        <p:nvSpPr>
+          <p:cNvPr id="14" name="TextBox 13"/>
+          <p:cNvSpPr txBox="1"/>
+          <p:nvPr/>
+        </p:nvSpPr>
+        <p:spPr>
+          <a:xfrm>
+            <a:off x="4953000" y="4267200"/>
+            <a:ext cx="2895600" cy="584775"/>
+          </a:xfrm>
+          <a:prstGeom prst="rect">
+            <a:avLst/>
+          </a:prstGeom>
+          <a:noFill/>
+        </p:spPr>
+        <p:txBody>
+          <a:bodyPr wrap="square" rtlCol="0">
+            <a:spAutoFit/>
+          </a:bodyPr>
+          <a:lstStyle/>
+          <a:p>
+            <a:r>
+              <a:rPr lang="en-US" sz="1600" smtClean="0"/>
+              <a:t>Attached navigation system that includes a defined route</a:t>
+            </a:r>
+            <a:endParaRPr lang="en-US" sz="1600"/>
           </a:p>
         </p:txBody>
       </p:sp>
@@ -8152,47 +8062,15 @@
           <a:p>
             <a:r>
               <a:rPr lang="en-US" smtClean="0"/>
-              <a:t>Steerpoint Actions</a:t>
+              <a:t>Example Input File</a:t>
             </a:r>
             <a:endParaRPr lang="en-US"/>
-          </a:p>
-        </p:txBody>
-      </p:sp>
-      <p:sp>
-        <p:nvSpPr>
-          <p:cNvPr id="3" name="Content Placeholder 2"/>
-          <p:cNvSpPr>
-            <a:spLocks noGrp="1"/>
-          </p:cNvSpPr>
-          <p:nvPr>
-            <p:ph idx="1"/>
-          </p:nvPr>
-        </p:nvSpPr>
-        <p:spPr/>
-        <p:txBody>
-          <a:bodyPr>
-            <a:normAutofit/>
-          </a:bodyPr>
-          <a:lstStyle/>
-          <a:p>
-            <a:r>
-              <a:rPr lang="en-US" sz="2400" smtClean="0"/>
-              <a:t>Steerpoint can have an associated Action</a:t>
-            </a:r>
-          </a:p>
-          <a:p>
-            <a:pPr lvl="1"/>
-            <a:r>
-              <a:rPr lang="en-US" sz="2000" smtClean="0"/>
-              <a:t>Examples: Take SAR image, release weapon, release decoy, etc</a:t>
-            </a:r>
-            <a:endParaRPr lang="en-US" sz="2000"/>
           </a:p>
         </p:txBody>
       </p:sp>
       <p:pic>
         <p:nvPicPr>
-          <p:cNvPr id="15362" name="Picture 2"/>
+          <p:cNvPr id="14338" name="Picture 2"/>
           <p:cNvPicPr>
             <a:picLocks noChangeAspect="1" noChangeArrowheads="1"/>
           </p:cNvPicPr>
@@ -8207,8 +8085,8 @@
         </p:blipFill>
         <p:spPr bwMode="auto">
           <a:xfrm>
-            <a:off x="609600" y="2514600"/>
-            <a:ext cx="1143000" cy="2315059"/>
+            <a:off x="1371600" y="1676400"/>
+            <a:ext cx="6410325" cy="4562475"/>
           </a:xfrm>
           <a:prstGeom prst="rect">
             <a:avLst/>
@@ -8222,38 +8100,76 @@
           </a:ln>
         </p:spPr>
       </p:pic>
-      <p:pic>
-        <p:nvPicPr>
-          <p:cNvPr id="1026" name="Picture 2"/>
-          <p:cNvPicPr>
-            <a:picLocks noChangeAspect="1" noChangeArrowheads="1"/>
-          </p:cNvPicPr>
-          <p:nvPr/>
-        </p:nvPicPr>
-        <p:blipFill>
-          <a:blip r:embed="rId3" cstate="print"/>
-          <a:srcRect/>
-          <a:stretch>
-            <a:fillRect/>
-          </a:stretch>
-        </p:blipFill>
-        <p:spPr bwMode="auto">
-          <a:xfrm>
-            <a:off x="2209800" y="2514600"/>
-            <a:ext cx="6191250" cy="3714750"/>
+      <p:cxnSp>
+        <p:nvCxnSpPr>
+          <p:cNvPr id="5" name="Straight Arrow Connector 4"/>
+          <p:cNvCxnSpPr/>
+          <p:nvPr/>
+        </p:nvCxnSpPr>
+        <p:spPr>
+          <a:xfrm flipH="1">
+            <a:off x="3048000" y="2362200"/>
+            <a:ext cx="1143000" cy="685800"/>
+          </a:xfrm>
+          <a:prstGeom prst="straightConnector1">
+            <a:avLst/>
+          </a:prstGeom>
+          <a:ln w="22225">
+            <a:solidFill>
+              <a:srgbClr val="FF0000"/>
+            </a:solidFill>
+            <a:tailEnd type="arrow"/>
+          </a:ln>
+        </p:spPr>
+        <p:style>
+          <a:lnRef idx="1">
+            <a:schemeClr val="accent1"/>
+          </a:lnRef>
+          <a:fillRef idx="0">
+            <a:schemeClr val="accent1"/>
+          </a:fillRef>
+          <a:effectRef idx="0">
+            <a:schemeClr val="accent1"/>
+          </a:effectRef>
+          <a:fontRef idx="minor">
+            <a:schemeClr val="tx1"/>
+          </a:fontRef>
+        </p:style>
+      </p:cxnSp>
+      <p:sp>
+        <p:nvSpPr>
+          <p:cNvPr id="6" name="TextBox 5"/>
+          <p:cNvSpPr txBox="1"/>
+          <p:nvPr/>
+        </p:nvSpPr>
+        <p:spPr>
+          <a:xfrm>
+            <a:off x="4267200" y="2057400"/>
+            <a:ext cx="2895600" cy="584775"/>
           </a:xfrm>
           <a:prstGeom prst="rect">
             <a:avLst/>
           </a:prstGeom>
           <a:noFill/>
-          <a:ln w="9525">
-            <a:noFill/>
-            <a:miter lim="800000"/>
-            <a:headEnd/>
-            <a:tailEnd/>
-          </a:ln>
-        </p:spPr>
-      </p:pic>
+        </p:spPr>
+        <p:txBody>
+          <a:bodyPr wrap="square" rtlCol="0">
+            <a:spAutoFit/>
+          </a:bodyPr>
+          <a:lstStyle/>
+          <a:p>
+            <a:r>
+              <a:rPr lang="en-US" sz="1600" dirty="0" err="1" smtClean="0"/>
+              <a:t>Steerpoints</a:t>
+            </a:r>
+            <a:r>
+              <a:rPr lang="en-US" sz="1600" dirty="0" smtClean="0"/>
+              <a:t> define position and desired airspeed, etc</a:t>
+            </a:r>
+            <a:endParaRPr lang="en-US" sz="1600" dirty="0"/>
+          </a:p>
+        </p:txBody>
+      </p:sp>
     </p:spTree>
   </p:cSld>
   <p:clrMapOvr>
@@ -8303,7 +8219,7 @@
           <a:p>
             <a:r>
               <a:rPr lang="en-US" smtClean="0"/>
-              <a:t>Flow of Decisions and Actions</a:t>
+              <a:t>Steerpoint Actions</a:t>
             </a:r>
             <a:endParaRPr lang="en-US"/>
           </a:p>
@@ -8319,12 +8235,7 @@
             <p:ph idx="1"/>
           </p:nvPr>
         </p:nvSpPr>
-        <p:spPr>
-          <a:xfrm>
-            <a:off x="457200" y="1447801"/>
-            <a:ext cx="8229600" cy="2057400"/>
-          </a:xfrm>
-        </p:spPr>
+        <p:spPr/>
         <p:txBody>
           <a:bodyPr>
             <a:normAutofit/>
@@ -8332,38 +8243,23 @@
           <a:lstStyle/>
           <a:p>
             <a:r>
-              <a:rPr lang="en-US" sz="2400" dirty="0" err="1" smtClean="0"/>
-              <a:t>AutoPilot</a:t>
-            </a:r>
-            <a:r>
-              <a:rPr lang="en-US" sz="2400" dirty="0" smtClean="0"/>
-              <a:t> </a:t>
-            </a:r>
-            <a:r>
-              <a:rPr lang="en-US" sz="2400" dirty="0" smtClean="0"/>
-              <a:t>determines “high </a:t>
-            </a:r>
-            <a:r>
-              <a:rPr lang="en-US" sz="2400" dirty="0" smtClean="0"/>
-              <a:t>level” things to do, and how to do it via commands to “dynamic model auto pilot” or even direct control in some cases</a:t>
-            </a:r>
-          </a:p>
-          <a:p>
-            <a:r>
-              <a:rPr lang="en-US" sz="2400" dirty="0" smtClean="0"/>
-              <a:t>Onboard computer could </a:t>
-            </a:r>
-            <a:r>
-              <a:rPr lang="en-US" sz="2400" dirty="0" smtClean="0"/>
-              <a:t>also be used to perform related functions</a:t>
-            </a:r>
-            <a:endParaRPr lang="en-US" sz="2400" dirty="0"/>
+              <a:rPr lang="en-US" sz="2400" smtClean="0"/>
+              <a:t>Steerpoint can have an associated Action</a:t>
+            </a:r>
+          </a:p>
+          <a:p>
+            <a:pPr lvl="1"/>
+            <a:r>
+              <a:rPr lang="en-US" sz="2000" smtClean="0"/>
+              <a:t>Examples: Take SAR image, release weapon, release decoy, etc</a:t>
+            </a:r>
+            <a:endParaRPr lang="en-US" sz="2000"/>
           </a:p>
         </p:txBody>
       </p:sp>
       <p:pic>
         <p:nvPicPr>
-          <p:cNvPr id="4" name="Picture 3"/>
+          <p:cNvPr id="15362" name="Picture 2"/>
           <p:cNvPicPr>
             <a:picLocks noChangeAspect="1" noChangeArrowheads="1"/>
           </p:cNvPicPr>
@@ -8378,8 +8274,8 @@
         </p:blipFill>
         <p:spPr bwMode="auto">
           <a:xfrm>
-            <a:off x="1600200" y="3581400"/>
-            <a:ext cx="6257925" cy="2609850"/>
+            <a:off x="609600" y="2514600"/>
+            <a:ext cx="1143000" cy="2315059"/>
           </a:xfrm>
           <a:prstGeom prst="rect">
             <a:avLst/>
@@ -8393,42 +8289,38 @@
           </a:ln>
         </p:spPr>
       </p:pic>
-      <p:cxnSp>
-        <p:nvCxnSpPr>
-          <p:cNvPr id="5" name="Straight Arrow Connector 4"/>
-          <p:cNvCxnSpPr/>
-          <p:nvPr/>
-        </p:nvCxnSpPr>
-        <p:spPr>
-          <a:xfrm flipV="1">
-            <a:off x="1371600" y="4800600"/>
-            <a:ext cx="381000" cy="76200"/>
-          </a:xfrm>
-          <a:prstGeom prst="straightConnector1">
-            <a:avLst/>
-          </a:prstGeom>
-          <a:ln w="28575">
-            <a:solidFill>
-              <a:srgbClr val="FF0000"/>
-            </a:solidFill>
-            <a:tailEnd type="arrow"/>
+      <p:pic>
+        <p:nvPicPr>
+          <p:cNvPr id="1026" name="Picture 2"/>
+          <p:cNvPicPr>
+            <a:picLocks noChangeAspect="1" noChangeArrowheads="1"/>
+          </p:cNvPicPr>
+          <p:nvPr/>
+        </p:nvPicPr>
+        <p:blipFill>
+          <a:blip r:embed="rId3" cstate="print"/>
+          <a:srcRect/>
+          <a:stretch>
+            <a:fillRect/>
+          </a:stretch>
+        </p:blipFill>
+        <p:spPr bwMode="auto">
+          <a:xfrm>
+            <a:off x="2209800" y="2514600"/>
+            <a:ext cx="6191250" cy="3714750"/>
+          </a:xfrm>
+          <a:prstGeom prst="rect">
+            <a:avLst/>
+          </a:prstGeom>
+          <a:noFill/>
+          <a:ln w="9525">
+            <a:noFill/>
+            <a:miter lim="800000"/>
+            <a:headEnd/>
+            <a:tailEnd/>
           </a:ln>
         </p:spPr>
-        <p:style>
-          <a:lnRef idx="1">
-            <a:schemeClr val="accent1"/>
-          </a:lnRef>
-          <a:fillRef idx="0">
-            <a:schemeClr val="accent1"/>
-          </a:fillRef>
-          <a:effectRef idx="0">
-            <a:schemeClr val="accent1"/>
-          </a:effectRef>
-          <a:fontRef idx="minor">
-            <a:schemeClr val="tx1"/>
-          </a:fontRef>
-        </p:style>
-      </p:cxnSp>
+      </p:pic>
     </p:spTree>
   </p:cSld>
   <p:clrMapOvr>
@@ -8463,48 +8355,135 @@
       </p:grpSpPr>
       <p:sp>
         <p:nvSpPr>
-          <p:cNvPr id="6" name="Title 3"/>
-          <p:cNvSpPr txBox="1">
-            <a:spLocks/>
-          </p:cNvSpPr>
-          <p:nvPr/>
+          <p:cNvPr id="2" name="Title 1"/>
+          <p:cNvSpPr>
+            <a:spLocks noGrp="1"/>
+          </p:cNvSpPr>
+          <p:nvPr>
+            <p:ph type="title"/>
+          </p:nvPr>
+        </p:nvSpPr>
+        <p:spPr/>
+        <p:txBody>
+          <a:bodyPr/>
+          <a:lstStyle/>
+          <a:p>
+            <a:r>
+              <a:rPr lang="en-US" smtClean="0"/>
+              <a:t>Flow of Decisions and Actions</a:t>
+            </a:r>
+            <a:endParaRPr lang="en-US"/>
+          </a:p>
+        </p:txBody>
+      </p:sp>
+      <p:sp>
+        <p:nvSpPr>
+          <p:cNvPr id="3" name="Content Placeholder 2"/>
+          <p:cNvSpPr>
+            <a:spLocks noGrp="1"/>
+          </p:cNvSpPr>
+          <p:nvPr>
+            <p:ph idx="1"/>
+          </p:nvPr>
         </p:nvSpPr>
         <p:spPr>
           <a:xfrm>
-            <a:off x="0" y="2514600"/>
-            <a:ext cx="9144000" cy="1219200"/>
+            <a:off x="457200" y="1447801"/>
+            <a:ext cx="8229600" cy="2057400"/>
+          </a:xfrm>
+        </p:spPr>
+        <p:txBody>
+          <a:bodyPr>
+            <a:normAutofit/>
+          </a:bodyPr>
+          <a:lstStyle/>
+          <a:p>
+            <a:r>
+              <a:rPr lang="en-US" sz="2400" dirty="0" err="1" smtClean="0"/>
+              <a:t>AutoPilot</a:t>
+            </a:r>
+            <a:r>
+              <a:rPr lang="en-US" sz="2400" dirty="0" smtClean="0"/>
+              <a:t> determines “high level” things to do, and how to do it via commands to “dynamic model auto pilot” or even direct control in some cases</a:t>
+            </a:r>
+          </a:p>
+          <a:p>
+            <a:r>
+              <a:rPr lang="en-US" sz="2400" dirty="0" smtClean="0"/>
+              <a:t>Onboard computer could also be used to perform related functions</a:t>
+            </a:r>
+            <a:endParaRPr lang="en-US" sz="2400" dirty="0"/>
+          </a:p>
+        </p:txBody>
+      </p:sp>
+      <p:pic>
+        <p:nvPicPr>
+          <p:cNvPr id="4" name="Picture 3"/>
+          <p:cNvPicPr>
+            <a:picLocks noChangeAspect="1" noChangeArrowheads="1"/>
+          </p:cNvPicPr>
+          <p:nvPr/>
+        </p:nvPicPr>
+        <p:blipFill>
+          <a:blip r:embed="rId2" cstate="print"/>
+          <a:srcRect/>
+          <a:stretch>
+            <a:fillRect/>
+          </a:stretch>
+        </p:blipFill>
+        <p:spPr bwMode="auto">
+          <a:xfrm>
+            <a:off x="1600200" y="3581400"/>
+            <a:ext cx="6257925" cy="2609850"/>
           </a:xfrm>
           <a:prstGeom prst="rect">
             <a:avLst/>
           </a:prstGeom>
-        </p:spPr>
-        <p:txBody>
-          <a:bodyPr vert="horz" lIns="91440" tIns="45720" rIns="91440" bIns="45720" rtlCol="0" anchor="ctr">
-            <a:noAutofit/>
-          </a:bodyPr>
-          <a:lstStyle/>
-          <a:p>
-            <a:pPr lvl="0" algn="ctr">
-              <a:spcBef>
-                <a:spcPct val="0"/>
-              </a:spcBef>
-              <a:defRPr/>
-            </a:pPr>
-            <a:r>
-              <a:rPr lang="en-US" sz="4400" smtClean="0"/>
-              <a:t>Pilot Structures</a:t>
-            </a:r>
-            <a:br>
-              <a:rPr lang="en-US" sz="4400" smtClean="0"/>
-            </a:br>
-            <a:r>
-              <a:rPr lang="en-US" sz="2400" smtClean="0"/>
-              <a:t>(Implementation of Functionality)</a:t>
-            </a:r>
-            <a:endParaRPr lang="en-US" sz="4400"/>
-          </a:p>
-        </p:txBody>
-      </p:sp>
+          <a:noFill/>
+          <a:ln w="9525">
+            <a:noFill/>
+            <a:miter lim="800000"/>
+            <a:headEnd/>
+            <a:tailEnd/>
+          </a:ln>
+        </p:spPr>
+      </p:pic>
+      <p:cxnSp>
+        <p:nvCxnSpPr>
+          <p:cNvPr id="5" name="Straight Arrow Connector 4"/>
+          <p:cNvCxnSpPr/>
+          <p:nvPr/>
+        </p:nvCxnSpPr>
+        <p:spPr>
+          <a:xfrm flipV="1">
+            <a:off x="1371600" y="4800600"/>
+            <a:ext cx="381000" cy="76200"/>
+          </a:xfrm>
+          <a:prstGeom prst="straightConnector1">
+            <a:avLst/>
+          </a:prstGeom>
+          <a:ln w="28575">
+            <a:solidFill>
+              <a:srgbClr val="FF0000"/>
+            </a:solidFill>
+            <a:tailEnd type="arrow"/>
+          </a:ln>
+        </p:spPr>
+        <p:style>
+          <a:lnRef idx="1">
+            <a:schemeClr val="accent1"/>
+          </a:lnRef>
+          <a:fillRef idx="0">
+            <a:schemeClr val="accent1"/>
+          </a:fillRef>
+          <a:effectRef idx="0">
+            <a:schemeClr val="accent1"/>
+          </a:effectRef>
+          <a:fontRef idx="minor">
+            <a:schemeClr val="tx1"/>
+          </a:fontRef>
+        </p:style>
+      </p:cxnSp>
     </p:spTree>
   </p:cSld>
   <p:clrMapOvr>
@@ -8537,343 +8516,47 @@
           <a:chExt cx="0" cy="0"/>
         </a:xfrm>
       </p:grpSpPr>
-      <p:pic>
-        <p:nvPicPr>
-          <p:cNvPr id="1026" name="Picture 2"/>
-          <p:cNvPicPr>
-            <a:picLocks noChangeAspect="1" noChangeArrowheads="1"/>
-          </p:cNvPicPr>
-          <p:nvPr/>
-        </p:nvPicPr>
-        <p:blipFill>
-          <a:blip r:embed="rId2" cstate="print"/>
-          <a:srcRect/>
-          <a:stretch>
-            <a:fillRect/>
-          </a:stretch>
-        </p:blipFill>
-        <p:spPr bwMode="auto">
-          <a:xfrm>
-            <a:off x="2362199" y="3406588"/>
-            <a:ext cx="4495801" cy="1851212"/>
+      <p:sp>
+        <p:nvSpPr>
+          <p:cNvPr id="6" name="Title 3"/>
+          <p:cNvSpPr txBox="1">
+            <a:spLocks/>
+          </p:cNvSpPr>
+          <p:nvPr/>
+        </p:nvSpPr>
+        <p:spPr>
+          <a:xfrm>
+            <a:off x="0" y="2514600"/>
+            <a:ext cx="9144000" cy="1219200"/>
           </a:xfrm>
           <a:prstGeom prst="rect">
             <a:avLst/>
           </a:prstGeom>
-          <a:noFill/>
-          <a:ln w="9525">
-            <a:noFill/>
-            <a:miter lim="800000"/>
-            <a:headEnd/>
-            <a:tailEnd/>
-          </a:ln>
-          <a:effectLst/>
-        </p:spPr>
-      </p:pic>
-      <p:sp>
-        <p:nvSpPr>
-          <p:cNvPr id="2" name="Title 1"/>
-          <p:cNvSpPr>
-            <a:spLocks noGrp="1"/>
-          </p:cNvSpPr>
-          <p:nvPr>
-            <p:ph type="title"/>
-          </p:nvPr>
-        </p:nvSpPr>
-        <p:spPr/>
-        <p:txBody>
-          <a:bodyPr/>
-          <a:lstStyle/>
-          <a:p>
-            <a:r>
-              <a:rPr lang="en-US" smtClean="0"/>
-              <a:t>Pilot Structures (Implementation)</a:t>
-            </a:r>
-            <a:endParaRPr lang="en-US"/>
-          </a:p>
-        </p:txBody>
-      </p:sp>
-      <p:sp>
-        <p:nvSpPr>
-          <p:cNvPr id="3" name="Content Placeholder 2"/>
-          <p:cNvSpPr>
-            <a:spLocks noGrp="1"/>
-          </p:cNvSpPr>
-          <p:nvPr>
-            <p:ph idx="1"/>
-          </p:nvPr>
-        </p:nvSpPr>
-        <p:spPr>
-          <a:xfrm>
-            <a:off x="457200" y="1447801"/>
-            <a:ext cx="8229600" cy="1600199"/>
-          </a:xfrm>
-        </p:spPr>
-        <p:txBody>
-          <a:bodyPr>
-            <a:normAutofit/>
+        </p:spPr>
+        <p:txBody>
+          <a:bodyPr vert="horz" lIns="91440" tIns="45720" rIns="91440" bIns="45720" rtlCol="0" anchor="ctr">
+            <a:noAutofit/>
           </a:bodyPr>
           <a:lstStyle/>
           <a:p>
+            <a:pPr lvl="0" algn="ctr">
+              <a:spcBef>
+                <a:spcPct val="0"/>
+              </a:spcBef>
+              <a:defRPr/>
+            </a:pPr>
+            <a:r>
+              <a:rPr lang="en-US" sz="4400" smtClean="0"/>
+              <a:t>Pilot Structures</a:t>
+            </a:r>
+            <a:br>
+              <a:rPr lang="en-US" sz="4400" smtClean="0"/>
+            </a:br>
             <a:r>
               <a:rPr lang="en-US" sz="2400" smtClean="0"/>
-              <a:t>Pilot functionality can be implemented several ways</a:t>
-            </a:r>
-          </a:p>
-          <a:p>
-            <a:pPr lvl="1"/>
-            <a:r>
-              <a:rPr lang="en-US" sz="2000" smtClean="0"/>
-              <a:t>Direct subclassing (e.g., AutoPilot, UBF Agent, etc)</a:t>
-            </a:r>
-          </a:p>
-          <a:p>
-            <a:pPr lvl="1"/>
-            <a:r>
-              <a:rPr lang="en-US" sz="2000" smtClean="0"/>
-              <a:t>Indirect interface to external software system (e.g., Soar, CLIPS, etc)</a:t>
-            </a:r>
-          </a:p>
-          <a:p>
-            <a:pPr lvl="1"/>
-            <a:r>
-              <a:rPr lang="en-US" sz="2000" smtClean="0"/>
-              <a:t>Maybe a scripting system</a:t>
-            </a:r>
-            <a:endParaRPr lang="en-US" sz="1600" smtClean="0"/>
-          </a:p>
-        </p:txBody>
-      </p:sp>
-      <p:pic>
-        <p:nvPicPr>
-          <p:cNvPr id="3074" name="Picture 2"/>
-          <p:cNvPicPr>
-            <a:picLocks noChangeAspect="1" noChangeArrowheads="1"/>
-          </p:cNvPicPr>
-          <p:nvPr/>
-        </p:nvPicPr>
-        <p:blipFill>
-          <a:blip r:embed="rId3" cstate="print"/>
-          <a:srcRect/>
-          <a:stretch>
-            <a:fillRect/>
-          </a:stretch>
-        </p:blipFill>
-        <p:spPr bwMode="auto">
-          <a:xfrm>
-            <a:off x="6096000" y="4495800"/>
-            <a:ext cx="585355" cy="658831"/>
-          </a:xfrm>
-          <a:prstGeom prst="rect">
-            <a:avLst/>
-          </a:prstGeom>
-          <a:noFill/>
-          <a:ln w="9525">
-            <a:noFill/>
-            <a:miter lim="800000"/>
-            <a:headEnd/>
-            <a:tailEnd/>
-          </a:ln>
-        </p:spPr>
-      </p:pic>
-      <p:cxnSp>
-        <p:nvCxnSpPr>
-          <p:cNvPr id="6" name="Straight Arrow Connector 5"/>
-          <p:cNvCxnSpPr/>
-          <p:nvPr/>
-        </p:nvCxnSpPr>
-        <p:spPr>
-          <a:xfrm flipH="1" flipV="1">
-            <a:off x="6096000" y="5334000"/>
-            <a:ext cx="228600" cy="381000"/>
-          </a:xfrm>
-          <a:prstGeom prst="straightConnector1">
-            <a:avLst/>
-          </a:prstGeom>
-          <a:ln w="22225">
-            <a:solidFill>
-              <a:srgbClr val="FF0000"/>
-            </a:solidFill>
-            <a:tailEnd type="arrow"/>
-          </a:ln>
-        </p:spPr>
-        <p:style>
-          <a:lnRef idx="1">
-            <a:schemeClr val="accent1"/>
-          </a:lnRef>
-          <a:fillRef idx="0">
-            <a:schemeClr val="accent1"/>
-          </a:fillRef>
-          <a:effectRef idx="0">
-            <a:schemeClr val="accent1"/>
-          </a:effectRef>
-          <a:fontRef idx="minor">
-            <a:schemeClr val="tx1"/>
-          </a:fontRef>
-        </p:style>
-      </p:cxnSp>
-      <p:sp>
-        <p:nvSpPr>
-          <p:cNvPr id="7" name="TextBox 6"/>
-          <p:cNvSpPr txBox="1"/>
-          <p:nvPr/>
-        </p:nvSpPr>
-        <p:spPr>
-          <a:xfrm>
-            <a:off x="5867400" y="5715000"/>
-            <a:ext cx="1600200" cy="338554"/>
-          </a:xfrm>
-          <a:prstGeom prst="rect">
-            <a:avLst/>
-          </a:prstGeom>
-          <a:noFill/>
-        </p:spPr>
-        <p:txBody>
-          <a:bodyPr wrap="square" rtlCol="0">
-            <a:spAutoFit/>
-          </a:bodyPr>
-          <a:lstStyle/>
-          <a:p>
-            <a:pPr algn="ctr"/>
-            <a:r>
-              <a:rPr lang="en-US" sz="1600" dirty="0" smtClean="0"/>
-              <a:t>Decision Making</a:t>
-            </a:r>
-            <a:endParaRPr lang="en-US" sz="1600" dirty="0"/>
-          </a:p>
-        </p:txBody>
-      </p:sp>
-      <p:cxnSp>
-        <p:nvCxnSpPr>
-          <p:cNvPr id="10" name="Straight Arrow Connector 9"/>
-          <p:cNvCxnSpPr/>
-          <p:nvPr/>
-        </p:nvCxnSpPr>
-        <p:spPr>
-          <a:xfrm rot="5400000" flipH="1" flipV="1">
-            <a:off x="3810000" y="5257800"/>
-            <a:ext cx="381000" cy="76200"/>
-          </a:xfrm>
-          <a:prstGeom prst="straightConnector1">
-            <a:avLst/>
-          </a:prstGeom>
-          <a:ln w="22225">
-            <a:solidFill>
-              <a:srgbClr val="FF0000"/>
-            </a:solidFill>
-            <a:tailEnd type="arrow"/>
-          </a:ln>
-        </p:spPr>
-        <p:style>
-          <a:lnRef idx="1">
-            <a:schemeClr val="accent1"/>
-          </a:lnRef>
-          <a:fillRef idx="0">
-            <a:schemeClr val="accent1"/>
-          </a:fillRef>
-          <a:effectRef idx="0">
-            <a:schemeClr val="accent1"/>
-          </a:effectRef>
-          <a:fontRef idx="minor">
-            <a:schemeClr val="tx1"/>
-          </a:fontRef>
-        </p:style>
-      </p:cxnSp>
-      <p:sp>
-        <p:nvSpPr>
-          <p:cNvPr id="11" name="TextBox 10"/>
-          <p:cNvSpPr txBox="1"/>
-          <p:nvPr/>
-        </p:nvSpPr>
-        <p:spPr>
-          <a:xfrm>
-            <a:off x="3429000" y="5486400"/>
-            <a:ext cx="1066800" cy="338554"/>
-          </a:xfrm>
-          <a:prstGeom prst="rect">
-            <a:avLst/>
-          </a:prstGeom>
-          <a:noFill/>
-        </p:spPr>
-        <p:txBody>
-          <a:bodyPr wrap="square" rtlCol="0">
-            <a:spAutoFit/>
-          </a:bodyPr>
-          <a:lstStyle/>
-          <a:p>
-            <a:pPr algn="ctr"/>
-            <a:r>
-              <a:rPr lang="en-US" sz="1600" smtClean="0"/>
-              <a:t>Behavior</a:t>
-            </a:r>
-            <a:endParaRPr lang="en-US" sz="1600" dirty="0"/>
-          </a:p>
-        </p:txBody>
-      </p:sp>
-      <p:cxnSp>
-        <p:nvCxnSpPr>
-          <p:cNvPr id="12" name="Straight Arrow Connector 11"/>
-          <p:cNvCxnSpPr/>
-          <p:nvPr/>
-        </p:nvCxnSpPr>
-        <p:spPr>
-          <a:xfrm rot="10800000" flipV="1">
-            <a:off x="4177554" y="3646073"/>
-            <a:ext cx="394447" cy="56350"/>
-          </a:xfrm>
-          <a:prstGeom prst="straightConnector1">
-            <a:avLst/>
-          </a:prstGeom>
-          <a:ln w="22225">
-            <a:solidFill>
-              <a:srgbClr val="FF0000"/>
-            </a:solidFill>
-            <a:tailEnd type="arrow"/>
-          </a:ln>
-        </p:spPr>
-        <p:style>
-          <a:lnRef idx="1">
-            <a:schemeClr val="accent1"/>
-          </a:lnRef>
-          <a:fillRef idx="0">
-            <a:schemeClr val="accent1"/>
-          </a:fillRef>
-          <a:effectRef idx="0">
-            <a:schemeClr val="accent1"/>
-          </a:effectRef>
-          <a:fontRef idx="minor">
-            <a:schemeClr val="tx1"/>
-          </a:fontRef>
-        </p:style>
-      </p:cxnSp>
-      <p:sp>
-        <p:nvSpPr>
-          <p:cNvPr id="13" name="TextBox 12"/>
-          <p:cNvSpPr txBox="1"/>
-          <p:nvPr/>
-        </p:nvSpPr>
-        <p:spPr>
-          <a:xfrm>
-            <a:off x="4495800" y="3429000"/>
-            <a:ext cx="1066800" cy="338554"/>
-          </a:xfrm>
-          <a:prstGeom prst="rect">
-            <a:avLst/>
-          </a:prstGeom>
-          <a:noFill/>
-        </p:spPr>
-        <p:txBody>
-          <a:bodyPr wrap="square" rtlCol="0">
-            <a:spAutoFit/>
-          </a:bodyPr>
-          <a:lstStyle/>
-          <a:p>
-            <a:pPr algn="ctr"/>
-            <a:r>
-              <a:rPr lang="en-US" sz="1600" smtClean="0"/>
-              <a:t>Control</a:t>
-            </a:r>
-            <a:endParaRPr lang="en-US" sz="1600" dirty="0"/>
+              <a:t>(Implementation of Functionality)</a:t>
+            </a:r>
+            <a:endParaRPr lang="en-US" sz="4400"/>
           </a:p>
         </p:txBody>
       </p:sp>
@@ -8893,6 +8576,378 @@
 </file>
 
 <file path=ppt/slides/slide34.xml><?xml version="1.0" encoding="utf-8"?>
+<p:sld xmlns:a="http://schemas.openxmlformats.org/drawingml/2006/main" xmlns:r="http://schemas.openxmlformats.org/officeDocument/2006/relationships" xmlns:p="http://schemas.openxmlformats.org/presentationml/2006/main">
+  <p:cSld>
+    <p:spTree>
+      <p:nvGrpSpPr>
+        <p:cNvPr id="1" name=""/>
+        <p:cNvGrpSpPr/>
+        <p:nvPr/>
+      </p:nvGrpSpPr>
+      <p:grpSpPr>
+        <a:xfrm>
+          <a:off x="0" y="0"/>
+          <a:ext cx="0" cy="0"/>
+          <a:chOff x="0" y="0"/>
+          <a:chExt cx="0" cy="0"/>
+        </a:xfrm>
+      </p:grpSpPr>
+      <p:pic>
+        <p:nvPicPr>
+          <p:cNvPr id="1026" name="Picture 2"/>
+          <p:cNvPicPr>
+            <a:picLocks noChangeAspect="1" noChangeArrowheads="1"/>
+          </p:cNvPicPr>
+          <p:nvPr/>
+        </p:nvPicPr>
+        <p:blipFill>
+          <a:blip r:embed="rId2" cstate="print"/>
+          <a:srcRect/>
+          <a:stretch>
+            <a:fillRect/>
+          </a:stretch>
+        </p:blipFill>
+        <p:spPr bwMode="auto">
+          <a:xfrm>
+            <a:off x="2362199" y="3406588"/>
+            <a:ext cx="4495801" cy="1851212"/>
+          </a:xfrm>
+          <a:prstGeom prst="rect">
+            <a:avLst/>
+          </a:prstGeom>
+          <a:noFill/>
+          <a:ln w="9525">
+            <a:noFill/>
+            <a:miter lim="800000"/>
+            <a:headEnd/>
+            <a:tailEnd/>
+          </a:ln>
+          <a:effectLst/>
+        </p:spPr>
+      </p:pic>
+      <p:sp>
+        <p:nvSpPr>
+          <p:cNvPr id="2" name="Title 1"/>
+          <p:cNvSpPr>
+            <a:spLocks noGrp="1"/>
+          </p:cNvSpPr>
+          <p:nvPr>
+            <p:ph type="title"/>
+          </p:nvPr>
+        </p:nvSpPr>
+        <p:spPr/>
+        <p:txBody>
+          <a:bodyPr/>
+          <a:lstStyle/>
+          <a:p>
+            <a:r>
+              <a:rPr lang="en-US" smtClean="0"/>
+              <a:t>Pilot Structures (Implementation)</a:t>
+            </a:r>
+            <a:endParaRPr lang="en-US"/>
+          </a:p>
+        </p:txBody>
+      </p:sp>
+      <p:sp>
+        <p:nvSpPr>
+          <p:cNvPr id="3" name="Content Placeholder 2"/>
+          <p:cNvSpPr>
+            <a:spLocks noGrp="1"/>
+          </p:cNvSpPr>
+          <p:nvPr>
+            <p:ph idx="1"/>
+          </p:nvPr>
+        </p:nvSpPr>
+        <p:spPr>
+          <a:xfrm>
+            <a:off x="457200" y="1447801"/>
+            <a:ext cx="8229600" cy="1600199"/>
+          </a:xfrm>
+        </p:spPr>
+        <p:txBody>
+          <a:bodyPr>
+            <a:normAutofit/>
+          </a:bodyPr>
+          <a:lstStyle/>
+          <a:p>
+            <a:r>
+              <a:rPr lang="en-US" sz="2400" smtClean="0"/>
+              <a:t>Pilot functionality can be implemented several ways</a:t>
+            </a:r>
+          </a:p>
+          <a:p>
+            <a:pPr lvl="1"/>
+            <a:r>
+              <a:rPr lang="en-US" sz="2000" smtClean="0"/>
+              <a:t>Direct subclassing (e.g., AutoPilot, UBF Agent, etc)</a:t>
+            </a:r>
+          </a:p>
+          <a:p>
+            <a:pPr lvl="1"/>
+            <a:r>
+              <a:rPr lang="en-US" sz="2000" smtClean="0"/>
+              <a:t>Indirect interface to external software system (e.g., Soar, CLIPS, etc)</a:t>
+            </a:r>
+          </a:p>
+          <a:p>
+            <a:pPr lvl="1"/>
+            <a:r>
+              <a:rPr lang="en-US" sz="2000" smtClean="0"/>
+              <a:t>Maybe a scripting system</a:t>
+            </a:r>
+            <a:endParaRPr lang="en-US" sz="1600" smtClean="0"/>
+          </a:p>
+        </p:txBody>
+      </p:sp>
+      <p:pic>
+        <p:nvPicPr>
+          <p:cNvPr id="3074" name="Picture 2"/>
+          <p:cNvPicPr>
+            <a:picLocks noChangeAspect="1" noChangeArrowheads="1"/>
+          </p:cNvPicPr>
+          <p:nvPr/>
+        </p:nvPicPr>
+        <p:blipFill>
+          <a:blip r:embed="rId3" cstate="print"/>
+          <a:srcRect/>
+          <a:stretch>
+            <a:fillRect/>
+          </a:stretch>
+        </p:blipFill>
+        <p:spPr bwMode="auto">
+          <a:xfrm>
+            <a:off x="6096000" y="4495800"/>
+            <a:ext cx="585355" cy="658831"/>
+          </a:xfrm>
+          <a:prstGeom prst="rect">
+            <a:avLst/>
+          </a:prstGeom>
+          <a:noFill/>
+          <a:ln w="9525">
+            <a:noFill/>
+            <a:miter lim="800000"/>
+            <a:headEnd/>
+            <a:tailEnd/>
+          </a:ln>
+        </p:spPr>
+      </p:pic>
+      <p:cxnSp>
+        <p:nvCxnSpPr>
+          <p:cNvPr id="6" name="Straight Arrow Connector 5"/>
+          <p:cNvCxnSpPr/>
+          <p:nvPr/>
+        </p:nvCxnSpPr>
+        <p:spPr>
+          <a:xfrm flipH="1" flipV="1">
+            <a:off x="6096000" y="5334000"/>
+            <a:ext cx="228600" cy="381000"/>
+          </a:xfrm>
+          <a:prstGeom prst="straightConnector1">
+            <a:avLst/>
+          </a:prstGeom>
+          <a:ln w="22225">
+            <a:solidFill>
+              <a:srgbClr val="FF0000"/>
+            </a:solidFill>
+            <a:tailEnd type="arrow"/>
+          </a:ln>
+        </p:spPr>
+        <p:style>
+          <a:lnRef idx="1">
+            <a:schemeClr val="accent1"/>
+          </a:lnRef>
+          <a:fillRef idx="0">
+            <a:schemeClr val="accent1"/>
+          </a:fillRef>
+          <a:effectRef idx="0">
+            <a:schemeClr val="accent1"/>
+          </a:effectRef>
+          <a:fontRef idx="minor">
+            <a:schemeClr val="tx1"/>
+          </a:fontRef>
+        </p:style>
+      </p:cxnSp>
+      <p:sp>
+        <p:nvSpPr>
+          <p:cNvPr id="7" name="TextBox 6"/>
+          <p:cNvSpPr txBox="1"/>
+          <p:nvPr/>
+        </p:nvSpPr>
+        <p:spPr>
+          <a:xfrm>
+            <a:off x="5867400" y="5715000"/>
+            <a:ext cx="1600200" cy="338554"/>
+          </a:xfrm>
+          <a:prstGeom prst="rect">
+            <a:avLst/>
+          </a:prstGeom>
+          <a:noFill/>
+        </p:spPr>
+        <p:txBody>
+          <a:bodyPr wrap="square" rtlCol="0">
+            <a:spAutoFit/>
+          </a:bodyPr>
+          <a:lstStyle/>
+          <a:p>
+            <a:pPr algn="ctr"/>
+            <a:r>
+              <a:rPr lang="en-US" sz="1600" dirty="0" smtClean="0"/>
+              <a:t>Decision Making</a:t>
+            </a:r>
+            <a:endParaRPr lang="en-US" sz="1600" dirty="0"/>
+          </a:p>
+        </p:txBody>
+      </p:sp>
+      <p:cxnSp>
+        <p:nvCxnSpPr>
+          <p:cNvPr id="10" name="Straight Arrow Connector 9"/>
+          <p:cNvCxnSpPr/>
+          <p:nvPr/>
+        </p:nvCxnSpPr>
+        <p:spPr>
+          <a:xfrm rot="5400000" flipH="1" flipV="1">
+            <a:off x="3810000" y="5257800"/>
+            <a:ext cx="381000" cy="76200"/>
+          </a:xfrm>
+          <a:prstGeom prst="straightConnector1">
+            <a:avLst/>
+          </a:prstGeom>
+          <a:ln w="22225">
+            <a:solidFill>
+              <a:srgbClr val="FF0000"/>
+            </a:solidFill>
+            <a:tailEnd type="arrow"/>
+          </a:ln>
+        </p:spPr>
+        <p:style>
+          <a:lnRef idx="1">
+            <a:schemeClr val="accent1"/>
+          </a:lnRef>
+          <a:fillRef idx="0">
+            <a:schemeClr val="accent1"/>
+          </a:fillRef>
+          <a:effectRef idx="0">
+            <a:schemeClr val="accent1"/>
+          </a:effectRef>
+          <a:fontRef idx="minor">
+            <a:schemeClr val="tx1"/>
+          </a:fontRef>
+        </p:style>
+      </p:cxnSp>
+      <p:sp>
+        <p:nvSpPr>
+          <p:cNvPr id="11" name="TextBox 10"/>
+          <p:cNvSpPr txBox="1"/>
+          <p:nvPr/>
+        </p:nvSpPr>
+        <p:spPr>
+          <a:xfrm>
+            <a:off x="3429000" y="5486400"/>
+            <a:ext cx="1066800" cy="338554"/>
+          </a:xfrm>
+          <a:prstGeom prst="rect">
+            <a:avLst/>
+          </a:prstGeom>
+          <a:noFill/>
+        </p:spPr>
+        <p:txBody>
+          <a:bodyPr wrap="square" rtlCol="0">
+            <a:spAutoFit/>
+          </a:bodyPr>
+          <a:lstStyle/>
+          <a:p>
+            <a:pPr algn="ctr"/>
+            <a:r>
+              <a:rPr lang="en-US" sz="1600" smtClean="0"/>
+              <a:t>Behavior</a:t>
+            </a:r>
+            <a:endParaRPr lang="en-US" sz="1600" dirty="0"/>
+          </a:p>
+        </p:txBody>
+      </p:sp>
+      <p:cxnSp>
+        <p:nvCxnSpPr>
+          <p:cNvPr id="12" name="Straight Arrow Connector 11"/>
+          <p:cNvCxnSpPr/>
+          <p:nvPr/>
+        </p:nvCxnSpPr>
+        <p:spPr>
+          <a:xfrm rot="10800000" flipV="1">
+            <a:off x="4177554" y="3646073"/>
+            <a:ext cx="394447" cy="56350"/>
+          </a:xfrm>
+          <a:prstGeom prst="straightConnector1">
+            <a:avLst/>
+          </a:prstGeom>
+          <a:ln w="22225">
+            <a:solidFill>
+              <a:srgbClr val="FF0000"/>
+            </a:solidFill>
+            <a:tailEnd type="arrow"/>
+          </a:ln>
+        </p:spPr>
+        <p:style>
+          <a:lnRef idx="1">
+            <a:schemeClr val="accent1"/>
+          </a:lnRef>
+          <a:fillRef idx="0">
+            <a:schemeClr val="accent1"/>
+          </a:fillRef>
+          <a:effectRef idx="0">
+            <a:schemeClr val="accent1"/>
+          </a:effectRef>
+          <a:fontRef idx="minor">
+            <a:schemeClr val="tx1"/>
+          </a:fontRef>
+        </p:style>
+      </p:cxnSp>
+      <p:sp>
+        <p:nvSpPr>
+          <p:cNvPr id="13" name="TextBox 12"/>
+          <p:cNvSpPr txBox="1"/>
+          <p:nvPr/>
+        </p:nvSpPr>
+        <p:spPr>
+          <a:xfrm>
+            <a:off x="4495800" y="3429000"/>
+            <a:ext cx="1066800" cy="338554"/>
+          </a:xfrm>
+          <a:prstGeom prst="rect">
+            <a:avLst/>
+          </a:prstGeom>
+          <a:noFill/>
+        </p:spPr>
+        <p:txBody>
+          <a:bodyPr wrap="square" rtlCol="0">
+            <a:spAutoFit/>
+          </a:bodyPr>
+          <a:lstStyle/>
+          <a:p>
+            <a:pPr algn="ctr"/>
+            <a:r>
+              <a:rPr lang="en-US" sz="1600" smtClean="0"/>
+              <a:t>Control</a:t>
+            </a:r>
+            <a:endParaRPr lang="en-US" sz="1600" dirty="0"/>
+          </a:p>
+        </p:txBody>
+      </p:sp>
+    </p:spTree>
+  </p:cSld>
+  <p:clrMapOvr>
+    <a:masterClrMapping/>
+  </p:clrMapOvr>
+  <p:timing>
+    <p:tnLst>
+      <p:par>
+        <p:cTn id="1" dur="indefinite" restart="never" nodeType="tmRoot"/>
+      </p:par>
+    </p:tnLst>
+  </p:timing>
+</p:sld>
+</file>
+
+<file path=ppt/slides/slide35.xml><?xml version="1.0" encoding="utf-8"?>
 <p:sld xmlns:a="http://schemas.openxmlformats.org/drawingml/2006/main" xmlns:r="http://schemas.openxmlformats.org/officeDocument/2006/relationships" xmlns:p="http://schemas.openxmlformats.org/presentationml/2006/main">
   <p:cSld>
     <p:spTree>
@@ -9467,7 +9522,15 @@
           <a:p>
             <a:r>
               <a:rPr lang="en-US" dirty="0" smtClean="0"/>
-              <a:t>Generalized 6DOF Aero Model</a:t>
+              <a:t>Generalized </a:t>
+            </a:r>
+            <a:r>
+              <a:rPr lang="en-US" dirty="0" smtClean="0"/>
+              <a:t>6-DOF </a:t>
+            </a:r>
+            <a:r>
+              <a:rPr lang="en-US" dirty="0" smtClean="0"/>
+              <a:t>Aero Model</a:t>
             </a:r>
             <a:endParaRPr lang="en-US" dirty="0"/>
           </a:p>
@@ -10888,7 +10951,7 @@
         <p:spPr>
           <a:xfrm>
             <a:off x="152400" y="4114800"/>
-            <a:ext cx="1905000" cy="2062103"/>
+            <a:ext cx="1905000" cy="1569660"/>
           </a:xfrm>
           <a:prstGeom prst="rect">
             <a:avLst/>
@@ -10904,7 +10967,19 @@
             <a:pPr algn="ctr"/>
             <a:r>
               <a:rPr lang="en-US" sz="1600" dirty="0" smtClean="0"/>
-              <a:t>Features and capabilities of the autopilot vary.  Because of that, different “levels” of autopilot functionality is defined.</a:t>
+              <a:t>Features and capabilities of the autopilot vary.  Because of that, different “</a:t>
+            </a:r>
+            <a:r>
+              <a:rPr lang="en-US" sz="1600" dirty="0" smtClean="0"/>
+              <a:t>layers” </a:t>
+            </a:r>
+            <a:r>
+              <a:rPr lang="en-US" sz="1600" dirty="0" smtClean="0"/>
+              <a:t>of </a:t>
+            </a:r>
+            <a:r>
+              <a:rPr lang="en-US" sz="1600" dirty="0" smtClean="0"/>
+              <a:t>control exist.</a:t>
             </a:r>
             <a:endParaRPr lang="en-US" sz="1600" dirty="0"/>
           </a:p>
@@ -10944,142 +11019,372 @@
       </p:grpSpPr>
       <p:sp>
         <p:nvSpPr>
-          <p:cNvPr id="6" name="Title 3"/>
-          <p:cNvSpPr txBox="1">
-            <a:spLocks/>
-          </p:cNvSpPr>
-          <p:nvPr/>
+          <p:cNvPr id="2" name="Title 1"/>
+          <p:cNvSpPr>
+            <a:spLocks noGrp="1"/>
+          </p:cNvSpPr>
+          <p:nvPr>
+            <p:ph type="title"/>
+          </p:nvPr>
+        </p:nvSpPr>
+        <p:spPr/>
+        <p:txBody>
+          <a:bodyPr/>
+          <a:lstStyle/>
+          <a:p>
+            <a:r>
+              <a:rPr lang="en-US" dirty="0" smtClean="0"/>
+              <a:t>FCS / Autopilot / FMS Relationships</a:t>
+            </a:r>
+            <a:endParaRPr lang="en-US" dirty="0"/>
+          </a:p>
+        </p:txBody>
+      </p:sp>
+      <p:sp>
+        <p:nvSpPr>
+          <p:cNvPr id="3" name="Content Placeholder 2"/>
+          <p:cNvSpPr>
+            <a:spLocks noGrp="1"/>
+          </p:cNvSpPr>
+          <p:nvPr>
+            <p:ph idx="1"/>
+          </p:nvPr>
         </p:nvSpPr>
         <p:spPr>
           <a:xfrm>
-            <a:off x="0" y="2514600"/>
-            <a:ext cx="9144000" cy="1219200"/>
-          </a:xfrm>
-          <a:prstGeom prst="rect">
-            <a:avLst/>
-          </a:prstGeom>
-        </p:spPr>
-        <p:txBody>
-          <a:bodyPr vert="horz" lIns="91440" tIns="45720" rIns="91440" bIns="45720" rtlCol="0" anchor="ctr">
+            <a:off x="457200" y="1447800"/>
+            <a:ext cx="6324600" cy="4678363"/>
+          </a:xfrm>
+        </p:spPr>
+        <p:txBody>
+          <a:bodyPr>
             <a:normAutofit/>
           </a:bodyPr>
           <a:lstStyle/>
           <a:p>
-            <a:pPr marL="0" marR="0" lvl="0" indent="0" algn="ctr" defTabSz="914400" rtl="0" eaLnBrk="1" fontAlgn="auto" latinLnBrk="0" hangingPunct="1">
-              <a:lnSpc>
-                <a:spcPct val="100000"/>
-              </a:lnSpc>
-              <a:spcBef>
-                <a:spcPct val="0"/>
-              </a:spcBef>
-              <a:spcAft>
-                <a:spcPts val="0"/>
-              </a:spcAft>
-              <a:buClrTx/>
-              <a:buSzTx/>
-              <a:buFontTx/>
-              <a:buNone/>
-              <a:tabLst/>
-              <a:defRPr/>
-            </a:pPr>
-            <a:r>
-              <a:rPr kumimoji="0" lang="en-US" sz="4400" b="0" i="0" u="none" strike="noStrike" kern="1200" cap="none" spc="0" normalizeH="0" baseline="0" noProof="0" smtClean="0">
-                <a:ln>
-                  <a:noFill/>
-                </a:ln>
-                <a:solidFill>
-                  <a:schemeClr val="tx1"/>
-                </a:solidFill>
-                <a:effectLst/>
-                <a:uLnTx/>
-                <a:uFillTx/>
-                <a:latin typeface="+mj-lt"/>
-                <a:ea typeface="+mj-ea"/>
-                <a:cs typeface="+mj-cs"/>
-              </a:rPr>
-              <a:t>Simple Player</a:t>
-            </a:r>
-            <a:r>
-              <a:rPr kumimoji="0" lang="en-US" sz="4400" b="0" i="0" u="none" strike="noStrike" kern="1200" cap="none" spc="0" normalizeH="0" noProof="0" smtClean="0">
-                <a:ln>
-                  <a:noFill/>
-                </a:ln>
-                <a:solidFill>
-                  <a:schemeClr val="tx1"/>
-                </a:solidFill>
-                <a:effectLst/>
-                <a:uLnTx/>
-                <a:uFillTx/>
-                <a:latin typeface="+mj-lt"/>
-                <a:ea typeface="+mj-ea"/>
-                <a:cs typeface="+mj-cs"/>
-              </a:rPr>
-              <a:t> Dynamics</a:t>
-            </a:r>
-            <a:r>
-              <a:rPr kumimoji="0" lang="en-US" sz="4400" b="0" i="0" u="none" strike="noStrike" kern="1200" cap="none" spc="0" normalizeH="0" baseline="0" noProof="0" smtClean="0">
-                <a:ln>
-                  <a:noFill/>
-                </a:ln>
-                <a:solidFill>
-                  <a:schemeClr val="tx1"/>
-                </a:solidFill>
-                <a:effectLst/>
-                <a:uLnTx/>
-                <a:uFillTx/>
-                <a:latin typeface="+mj-lt"/>
-                <a:ea typeface="+mj-ea"/>
-                <a:cs typeface="+mj-cs"/>
-              </a:rPr>
-              <a:t/>
+            <a:r>
+              <a:rPr lang="en-US" sz="2000" dirty="0" smtClean="0"/>
+              <a:t>Flight Control System (FCS)</a:t>
+            </a:r>
+          </a:p>
+          <a:p>
+            <a:pPr lvl="1"/>
+            <a:r>
+              <a:rPr lang="en-US" sz="1800" dirty="0" smtClean="0"/>
+              <a:t>The direct (mechanical or fly by wire) connection between pilot stick and throttle inputs to aerodynamic surfaces</a:t>
+            </a:r>
+          </a:p>
+          <a:p>
+            <a:r>
+              <a:rPr lang="en-US" sz="2200" dirty="0" smtClean="0"/>
+              <a:t>Autopilot</a:t>
+            </a:r>
+          </a:p>
+          <a:p>
+            <a:pPr lvl="1"/>
+            <a:r>
+              <a:rPr lang="en-US" sz="1800" dirty="0" smtClean="0"/>
+              <a:t>System used to guide a vehicle without</a:t>
             </a:r>
             <a:br>
-              <a:rPr kumimoji="0" lang="en-US" sz="4400" b="0" i="0" u="none" strike="noStrike" kern="1200" cap="none" spc="0" normalizeH="0" baseline="0" noProof="0" smtClean="0">
-                <a:ln>
-                  <a:noFill/>
-                </a:ln>
-                <a:solidFill>
-                  <a:schemeClr val="tx1"/>
-                </a:solidFill>
-                <a:effectLst/>
-                <a:uLnTx/>
-                <a:uFillTx/>
-                <a:latin typeface="+mj-lt"/>
-                <a:ea typeface="+mj-ea"/>
-                <a:cs typeface="+mj-cs"/>
-              </a:rPr>
+              <a:rPr lang="en-US" sz="1800" dirty="0" smtClean="0"/>
             </a:br>
             <a:r>
-              <a:rPr kumimoji="0" lang="en-US" sz="2400" b="0" i="0" u="none" strike="noStrike" kern="1200" cap="none" spc="0" normalizeH="0" baseline="0" noProof="0" smtClean="0">
-                <a:ln>
-                  <a:noFill/>
-                </a:ln>
-                <a:solidFill>
-                  <a:schemeClr val="tx1"/>
-                </a:solidFill>
-                <a:effectLst/>
-                <a:uLnTx/>
-                <a:uFillTx/>
-                <a:latin typeface="+mj-lt"/>
-                <a:ea typeface="+mj-ea"/>
-                <a:cs typeface="+mj-cs"/>
-              </a:rPr>
-              <a:t>(DynamicModel not required)</a:t>
-            </a:r>
-            <a:endParaRPr kumimoji="0" lang="en-US" sz="4400" b="0" i="0" u="none" strike="noStrike" kern="1200" cap="none" spc="0" normalizeH="0" baseline="0" noProof="0">
-              <a:ln>
-                <a:noFill/>
-              </a:ln>
-              <a:solidFill>
-                <a:schemeClr val="tx1"/>
-              </a:solidFill>
-              <a:effectLst/>
-              <a:uLnTx/>
-              <a:uFillTx/>
-              <a:latin typeface="+mj-lt"/>
-              <a:ea typeface="+mj-ea"/>
-              <a:cs typeface="+mj-cs"/>
-            </a:endParaRPr>
+              <a:rPr lang="en-US" sz="1800" dirty="0" smtClean="0"/>
+              <a:t>assistance from a human being</a:t>
+            </a:r>
+          </a:p>
+          <a:p>
+            <a:pPr lvl="1"/>
+            <a:r>
+              <a:rPr lang="en-US" sz="1800" dirty="0" smtClean="0"/>
+              <a:t>Often an integral component of a</a:t>
+            </a:r>
+            <a:br>
+              <a:rPr lang="en-US" sz="1800" dirty="0" smtClean="0"/>
+            </a:br>
+            <a:r>
+              <a:rPr lang="en-US" sz="1800" dirty="0" smtClean="0"/>
+              <a:t>Flight Management System</a:t>
+            </a:r>
+          </a:p>
+          <a:p>
+            <a:r>
+              <a:rPr lang="en-US" sz="2200" dirty="0" smtClean="0"/>
+              <a:t>Flight Management System (FMS)</a:t>
+            </a:r>
+          </a:p>
+          <a:p>
+            <a:pPr lvl="1"/>
+            <a:r>
+              <a:rPr lang="en-US" sz="1800" dirty="0" smtClean="0"/>
+              <a:t>FMS controlled through a CDU</a:t>
+            </a:r>
+          </a:p>
+          <a:p>
+            <a:pPr lvl="1"/>
+            <a:r>
+              <a:rPr lang="en-US" sz="1800" dirty="0" smtClean="0"/>
+              <a:t>Guide aircraft along with flight plan,</a:t>
+            </a:r>
+            <a:br>
+              <a:rPr lang="en-US" sz="1800" dirty="0" smtClean="0"/>
+            </a:br>
+            <a:r>
+              <a:rPr lang="en-US" sz="1800" dirty="0" smtClean="0"/>
+              <a:t>includes navigation database, waypoints,</a:t>
+            </a:r>
+            <a:br>
+              <a:rPr lang="en-US" sz="1800" dirty="0" smtClean="0"/>
+            </a:br>
+            <a:r>
+              <a:rPr lang="en-US" sz="1800" dirty="0" smtClean="0"/>
+              <a:t>routes, etc</a:t>
+            </a:r>
+          </a:p>
+          <a:p>
+            <a:endParaRPr lang="en-US" sz="2000" dirty="0"/>
+          </a:p>
+        </p:txBody>
+      </p:sp>
+      <p:grpSp>
+        <p:nvGrpSpPr>
+          <p:cNvPr id="11" name="Group 10"/>
+          <p:cNvGrpSpPr/>
+          <p:nvPr/>
+        </p:nvGrpSpPr>
+        <p:grpSpPr>
+          <a:xfrm>
+            <a:off x="7315200" y="3657600"/>
+            <a:ext cx="1553878" cy="2793087"/>
+            <a:chOff x="7010400" y="3581400"/>
+            <a:chExt cx="1553878" cy="2793087"/>
+          </a:xfrm>
+        </p:grpSpPr>
+        <p:pic>
+          <p:nvPicPr>
+            <p:cNvPr id="1027" name="Picture 3"/>
+            <p:cNvPicPr>
+              <a:picLocks noChangeAspect="1" noChangeArrowheads="1"/>
+            </p:cNvPicPr>
+            <p:nvPr/>
+          </p:nvPicPr>
+          <p:blipFill>
+            <a:blip r:embed="rId2" cstate="print"/>
+            <a:srcRect/>
+            <a:stretch>
+              <a:fillRect/>
+            </a:stretch>
+          </p:blipFill>
+          <p:spPr bwMode="auto">
+            <a:xfrm>
+              <a:off x="7010400" y="3581400"/>
+              <a:ext cx="1553878" cy="2343150"/>
+            </a:xfrm>
+            <a:prstGeom prst="rect">
+              <a:avLst/>
+            </a:prstGeom>
+            <a:noFill/>
+            <a:ln w="9525">
+              <a:noFill/>
+              <a:miter lim="800000"/>
+              <a:headEnd/>
+              <a:tailEnd/>
+            </a:ln>
+          </p:spPr>
+        </p:pic>
+        <p:sp>
+          <p:nvSpPr>
+            <p:cNvPr id="6" name="TextBox 5"/>
+            <p:cNvSpPr txBox="1"/>
+            <p:nvPr/>
+          </p:nvSpPr>
+          <p:spPr>
+            <a:xfrm>
+              <a:off x="7010400" y="5943600"/>
+              <a:ext cx="1524000" cy="430887"/>
+            </a:xfrm>
+            <a:prstGeom prst="rect">
+              <a:avLst/>
+            </a:prstGeom>
+            <a:noFill/>
+          </p:spPr>
+          <p:txBody>
+            <a:bodyPr wrap="square" rtlCol="0">
+              <a:spAutoFit/>
+            </a:bodyPr>
+            <a:lstStyle/>
+            <a:p>
+              <a:pPr algn="ctr"/>
+              <a:r>
+                <a:rPr lang="en-US" sz="1100" dirty="0" smtClean="0"/>
+                <a:t>Example FMS Control Display Unit (CDU)</a:t>
+              </a:r>
+              <a:endParaRPr lang="en-US" sz="1100" dirty="0"/>
+            </a:p>
+          </p:txBody>
+        </p:sp>
+      </p:grpSp>
+      <p:grpSp>
+        <p:nvGrpSpPr>
+          <p:cNvPr id="10" name="Group 9"/>
+          <p:cNvGrpSpPr/>
+          <p:nvPr/>
+        </p:nvGrpSpPr>
+        <p:grpSpPr>
+          <a:xfrm>
+            <a:off x="7315200" y="1371600"/>
+            <a:ext cx="1533525" cy="1954887"/>
+            <a:chOff x="6858000" y="1371600"/>
+            <a:chExt cx="1533525" cy="1954887"/>
+          </a:xfrm>
+        </p:grpSpPr>
+        <p:pic>
+          <p:nvPicPr>
+            <p:cNvPr id="1026" name="Picture 2"/>
+            <p:cNvPicPr>
+              <a:picLocks noChangeAspect="1" noChangeArrowheads="1"/>
+            </p:cNvPicPr>
+            <p:nvPr/>
+          </p:nvPicPr>
+          <p:blipFill>
+            <a:blip r:embed="rId3" cstate="print"/>
+            <a:srcRect/>
+            <a:stretch>
+              <a:fillRect/>
+            </a:stretch>
+          </p:blipFill>
+          <p:spPr bwMode="auto">
+            <a:xfrm>
+              <a:off x="6858000" y="1371600"/>
+              <a:ext cx="1533525" cy="1518490"/>
+            </a:xfrm>
+            <a:prstGeom prst="rect">
+              <a:avLst/>
+            </a:prstGeom>
+            <a:noFill/>
+            <a:ln w="9525">
+              <a:noFill/>
+              <a:miter lim="800000"/>
+              <a:headEnd/>
+              <a:tailEnd/>
+            </a:ln>
+          </p:spPr>
+        </p:pic>
+        <p:sp>
+          <p:nvSpPr>
+            <p:cNvPr id="9" name="TextBox 8"/>
+            <p:cNvSpPr txBox="1"/>
+            <p:nvPr/>
+          </p:nvSpPr>
+          <p:spPr>
+            <a:xfrm>
+              <a:off x="6858000" y="2895600"/>
+              <a:ext cx="1524000" cy="430887"/>
+            </a:xfrm>
+            <a:prstGeom prst="rect">
+              <a:avLst/>
+            </a:prstGeom>
+            <a:noFill/>
+          </p:spPr>
+          <p:txBody>
+            <a:bodyPr wrap="square" rtlCol="0">
+              <a:spAutoFit/>
+            </a:bodyPr>
+            <a:lstStyle/>
+            <a:p>
+              <a:pPr algn="ctr"/>
+              <a:r>
+                <a:rPr lang="en-US" sz="1100" dirty="0" err="1" smtClean="0"/>
+                <a:t>Saitek</a:t>
+              </a:r>
+              <a:r>
+                <a:rPr lang="en-US" sz="1100" dirty="0" smtClean="0"/>
+                <a:t> X52 Flight Control System</a:t>
+              </a:r>
+              <a:endParaRPr lang="en-US" sz="1100" dirty="0"/>
+            </a:p>
+          </p:txBody>
+        </p:sp>
+      </p:grpSp>
+      <p:sp>
+        <p:nvSpPr>
+          <p:cNvPr id="13" name="Right Brace 12"/>
+          <p:cNvSpPr/>
+          <p:nvPr/>
+        </p:nvSpPr>
+        <p:spPr>
+          <a:xfrm>
+            <a:off x="4953000" y="2895600"/>
+            <a:ext cx="838200" cy="3048000"/>
+          </a:xfrm>
+          <a:prstGeom prst="rightBrace">
+            <a:avLst>
+              <a:gd name="adj1" fmla="val 20920"/>
+              <a:gd name="adj2" fmla="val 50000"/>
+            </a:avLst>
+          </a:prstGeom>
+          <a:ln w="25400">
+            <a:solidFill>
+              <a:srgbClr val="FF0000"/>
+            </a:solidFill>
+          </a:ln>
+        </p:spPr>
+        <p:style>
+          <a:lnRef idx="1">
+            <a:schemeClr val="accent1"/>
+          </a:lnRef>
+          <a:fillRef idx="0">
+            <a:schemeClr val="accent1"/>
+          </a:fillRef>
+          <a:effectRef idx="0">
+            <a:schemeClr val="accent1"/>
+          </a:effectRef>
+          <a:fontRef idx="minor">
+            <a:schemeClr val="tx1"/>
+          </a:fontRef>
+        </p:style>
+        <p:txBody>
+          <a:bodyPr rtlCol="0" anchor="ctr"/>
+          <a:lstStyle/>
+          <a:p>
+            <a:pPr algn="ctr"/>
+            <a:endParaRPr lang="en-US"/>
+          </a:p>
+        </p:txBody>
+      </p:sp>
+      <p:sp>
+        <p:nvSpPr>
+          <p:cNvPr id="14" name="TextBox 13"/>
+          <p:cNvSpPr txBox="1"/>
+          <p:nvPr/>
+        </p:nvSpPr>
+        <p:spPr>
+          <a:xfrm>
+            <a:off x="5867400" y="3962400"/>
+            <a:ext cx="1143000" cy="1015663"/>
+          </a:xfrm>
+          <a:prstGeom prst="rect">
+            <a:avLst/>
+          </a:prstGeom>
+          <a:noFill/>
+        </p:spPr>
+        <p:txBody>
+          <a:bodyPr wrap="square" rtlCol="0">
+            <a:spAutoFit/>
+          </a:bodyPr>
+          <a:lstStyle/>
+          <a:p>
+            <a:pPr algn="ctr"/>
+            <a:r>
+              <a:rPr lang="en-US" sz="1200" dirty="0" smtClean="0"/>
+              <a:t>Functionality of each system component is n</a:t>
+            </a:r>
+            <a:r>
+              <a:rPr lang="en-US" sz="1200" dirty="0" smtClean="0"/>
+              <a:t>ot always this clear cut. </a:t>
+            </a:r>
+            <a:endParaRPr lang="en-US" sz="1200" dirty="0"/>
           </a:p>
         </p:txBody>
       </p:sp>
@@ -11088,13 +11393,6 @@
   <p:clrMapOvr>
     <a:masterClrMapping/>
   </p:clrMapOvr>
-  <p:timing>
-    <p:tnLst>
-      <p:par>
-        <p:cTn id="1" dur="indefinite" restart="never" nodeType="tmRoot"/>
-      </p:par>
-    </p:tnLst>
-  </p:timing>
 </p:sld>
 </file>
 
@@ -11117,105 +11415,193 @@
       </p:grpSpPr>
       <p:sp>
         <p:nvSpPr>
-          <p:cNvPr id="2" name="Title 1"/>
-          <p:cNvSpPr>
-            <a:spLocks noGrp="1"/>
-          </p:cNvSpPr>
-          <p:nvPr>
-            <p:ph type="title"/>
-          </p:nvPr>
-        </p:nvSpPr>
-        <p:spPr/>
-        <p:txBody>
-          <a:bodyPr/>
-          <a:lstStyle/>
-          <a:p>
-            <a:r>
-              <a:rPr lang="en-US" smtClean="0"/>
-              <a:t>Simple Player Dynamics</a:t>
-            </a:r>
-            <a:endParaRPr lang="en-US"/>
-          </a:p>
-        </p:txBody>
-      </p:sp>
-      <p:sp>
-        <p:nvSpPr>
-          <p:cNvPr id="3" name="Content Placeholder 2"/>
-          <p:cNvSpPr>
-            <a:spLocks noGrp="1"/>
-          </p:cNvSpPr>
-          <p:nvPr>
-            <p:ph idx="1"/>
-          </p:nvPr>
-        </p:nvSpPr>
-        <p:spPr/>
-        <p:txBody>
-          <a:bodyPr/>
-          <a:lstStyle/>
-          <a:p>
-            <a:r>
-              <a:rPr lang="en-US" smtClean="0"/>
-              <a:t>Every Player can do the following</a:t>
-            </a:r>
-          </a:p>
-          <a:p>
-            <a:pPr lvl="1"/>
-            <a:r>
-              <a:rPr lang="en-US" smtClean="0"/>
-              <a:t>Set position</a:t>
-            </a:r>
-          </a:p>
-          <a:p>
-            <a:pPr lvl="2"/>
-            <a:r>
-              <a:rPr lang="en-US" smtClean="0"/>
-              <a:t>North/East/Down (NED) (x, y, altitude)</a:t>
-            </a:r>
-          </a:p>
-          <a:p>
-            <a:pPr lvl="2"/>
-            <a:r>
-              <a:rPr lang="en-US" smtClean="0"/>
-              <a:t>Geodetic (lat, long, altitude)</a:t>
-            </a:r>
-          </a:p>
-          <a:p>
-            <a:pPr lvl="2"/>
-            <a:r>
-              <a:rPr lang="en-US" smtClean="0"/>
-              <a:t>Geocentric (ECEF) (x, y, z)</a:t>
-            </a:r>
-          </a:p>
-          <a:p>
-            <a:pPr lvl="1"/>
-            <a:r>
-              <a:rPr lang="en-US" smtClean="0"/>
-              <a:t>Set roll, pitch &amp; heading</a:t>
-            </a:r>
-          </a:p>
-          <a:p>
-            <a:pPr lvl="1"/>
-            <a:r>
-              <a:rPr lang="en-US" smtClean="0"/>
-              <a:t>Initial velocity</a:t>
-            </a:r>
-          </a:p>
-          <a:p>
-            <a:pPr lvl="2"/>
-            <a:r>
-              <a:rPr lang="en-US" smtClean="0"/>
-              <a:t>Player has a built-in dynamics model for simple movement</a:t>
-            </a:r>
-          </a:p>
-          <a:p>
-            <a:pPr lvl="1"/>
-            <a:endParaRPr lang="en-US" smtClean="0"/>
-          </a:p>
-          <a:p>
-            <a:r>
-              <a:rPr lang="en-US" smtClean="0"/>
-              <a:t>Simple player dynamics model useful for testing</a:t>
-            </a:r>
+          <p:cNvPr id="6" name="Title 3"/>
+          <p:cNvSpPr txBox="1">
+            <a:spLocks/>
+          </p:cNvSpPr>
+          <p:nvPr/>
+        </p:nvSpPr>
+        <p:spPr>
+          <a:xfrm>
+            <a:off x="0" y="2514600"/>
+            <a:ext cx="9144000" cy="1219200"/>
+          </a:xfrm>
+          <a:prstGeom prst="rect">
+            <a:avLst/>
+          </a:prstGeom>
+        </p:spPr>
+        <p:txBody>
+          <a:bodyPr vert="horz" lIns="91440" tIns="45720" rIns="91440" bIns="45720" rtlCol="0" anchor="ctr">
+            <a:normAutofit/>
+          </a:bodyPr>
+          <a:lstStyle/>
+          <a:p>
+            <a:pPr marL="0" marR="0" lvl="0" indent="0" algn="ctr" defTabSz="914400" rtl="0" eaLnBrk="1" fontAlgn="auto" latinLnBrk="0" hangingPunct="1">
+              <a:lnSpc>
+                <a:spcPct val="100000"/>
+              </a:lnSpc>
+              <a:spcBef>
+                <a:spcPct val="0"/>
+              </a:spcBef>
+              <a:spcAft>
+                <a:spcPts val="0"/>
+              </a:spcAft>
+              <a:buClrTx/>
+              <a:buSzTx/>
+              <a:buFontTx/>
+              <a:buNone/>
+              <a:tabLst/>
+              <a:defRPr/>
+            </a:pPr>
+            <a:r>
+              <a:rPr kumimoji="0" lang="en-US" sz="4400" b="0" i="0" u="none" strike="noStrike" kern="1200" cap="none" spc="0" normalizeH="0" baseline="0" noProof="0" dirty="0" smtClean="0">
+                <a:ln>
+                  <a:noFill/>
+                </a:ln>
+                <a:solidFill>
+                  <a:schemeClr val="tx1"/>
+                </a:solidFill>
+                <a:effectLst/>
+                <a:uLnTx/>
+                <a:uFillTx/>
+                <a:latin typeface="+mj-lt"/>
+                <a:ea typeface="+mj-ea"/>
+                <a:cs typeface="+mj-cs"/>
+              </a:rPr>
+              <a:t>Simple Player</a:t>
+            </a:r>
+            <a:r>
+              <a:rPr kumimoji="0" lang="en-US" sz="4400" b="0" i="0" u="none" strike="noStrike" kern="1200" cap="none" spc="0" normalizeH="0" noProof="0" dirty="0" smtClean="0">
+                <a:ln>
+                  <a:noFill/>
+                </a:ln>
+                <a:solidFill>
+                  <a:schemeClr val="tx1"/>
+                </a:solidFill>
+                <a:effectLst/>
+                <a:uLnTx/>
+                <a:uFillTx/>
+                <a:latin typeface="+mj-lt"/>
+                <a:ea typeface="+mj-ea"/>
+                <a:cs typeface="+mj-cs"/>
+              </a:rPr>
+              <a:t> Dynamics</a:t>
+            </a:r>
+            <a:r>
+              <a:rPr kumimoji="0" lang="en-US" sz="4400" b="0" i="0" u="none" strike="noStrike" kern="1200" cap="none" spc="0" normalizeH="0" baseline="0" noProof="0" dirty="0" smtClean="0">
+                <a:ln>
+                  <a:noFill/>
+                </a:ln>
+                <a:solidFill>
+                  <a:schemeClr val="tx1"/>
+                </a:solidFill>
+                <a:effectLst/>
+                <a:uLnTx/>
+                <a:uFillTx/>
+                <a:latin typeface="+mj-lt"/>
+                <a:ea typeface="+mj-ea"/>
+                <a:cs typeface="+mj-cs"/>
+              </a:rPr>
+              <a:t/>
+            </a:r>
+            <a:br>
+              <a:rPr kumimoji="0" lang="en-US" sz="4400" b="0" i="0" u="none" strike="noStrike" kern="1200" cap="none" spc="0" normalizeH="0" baseline="0" noProof="0" dirty="0" smtClean="0">
+                <a:ln>
+                  <a:noFill/>
+                </a:ln>
+                <a:solidFill>
+                  <a:schemeClr val="tx1"/>
+                </a:solidFill>
+                <a:effectLst/>
+                <a:uLnTx/>
+                <a:uFillTx/>
+                <a:latin typeface="+mj-lt"/>
+                <a:ea typeface="+mj-ea"/>
+                <a:cs typeface="+mj-cs"/>
+              </a:rPr>
+            </a:br>
+            <a:r>
+              <a:rPr kumimoji="0" lang="en-US" sz="2400" b="0" i="0" u="none" strike="noStrike" kern="1200" cap="none" spc="0" normalizeH="0" baseline="0" noProof="0" dirty="0" smtClean="0">
+                <a:ln>
+                  <a:noFill/>
+                </a:ln>
+                <a:solidFill>
+                  <a:schemeClr val="tx1"/>
+                </a:solidFill>
+                <a:effectLst/>
+                <a:uLnTx/>
+                <a:uFillTx/>
+                <a:latin typeface="+mj-lt"/>
+                <a:ea typeface="+mj-ea"/>
+                <a:cs typeface="+mj-cs"/>
+              </a:rPr>
+              <a:t>(</a:t>
+            </a:r>
+            <a:r>
+              <a:rPr kumimoji="0" lang="en-US" sz="2400" b="0" i="0" u="none" strike="noStrike" kern="1200" cap="none" spc="0" normalizeH="0" baseline="0" noProof="0" dirty="0" err="1" smtClean="0">
+                <a:ln>
+                  <a:noFill/>
+                </a:ln>
+                <a:solidFill>
+                  <a:schemeClr val="tx1"/>
+                </a:solidFill>
+                <a:effectLst/>
+                <a:uLnTx/>
+                <a:uFillTx/>
+                <a:latin typeface="+mj-lt"/>
+                <a:ea typeface="+mj-ea"/>
+                <a:cs typeface="+mj-cs"/>
+              </a:rPr>
+              <a:t>DynamicsModel</a:t>
+            </a:r>
+            <a:r>
+              <a:rPr kumimoji="0" lang="en-US" sz="2400" b="0" i="0" u="none" strike="noStrike" kern="1200" cap="none" spc="0" normalizeH="0" baseline="0" noProof="0" dirty="0" smtClean="0">
+                <a:ln>
+                  <a:noFill/>
+                </a:ln>
+                <a:solidFill>
+                  <a:schemeClr val="tx1"/>
+                </a:solidFill>
+                <a:effectLst/>
+                <a:uLnTx/>
+                <a:uFillTx/>
+                <a:latin typeface="+mj-lt"/>
+                <a:ea typeface="+mj-ea"/>
+                <a:cs typeface="+mj-cs"/>
+              </a:rPr>
+              <a:t> </a:t>
+            </a:r>
+            <a:r>
+              <a:rPr kumimoji="0" lang="en-US" sz="2400" b="0" i="0" u="none" strike="noStrike" kern="1200" cap="none" spc="0" normalizeH="0" baseline="0" noProof="0" dirty="0" smtClean="0">
+                <a:ln>
+                  <a:noFill/>
+                </a:ln>
+                <a:solidFill>
+                  <a:schemeClr val="tx1"/>
+                </a:solidFill>
+                <a:effectLst/>
+                <a:uLnTx/>
+                <a:uFillTx/>
+                <a:latin typeface="+mj-lt"/>
+                <a:ea typeface="+mj-ea"/>
+                <a:cs typeface="+mj-cs"/>
+              </a:rPr>
+              <a:t>not required)</a:t>
+            </a:r>
+            <a:endParaRPr kumimoji="0" lang="en-US" sz="4400" b="0" i="0" u="none" strike="noStrike" kern="1200" cap="none" spc="0" normalizeH="0" baseline="0" noProof="0" dirty="0">
+              <a:ln>
+                <a:noFill/>
+              </a:ln>
+              <a:solidFill>
+                <a:schemeClr val="tx1"/>
+              </a:solidFill>
+              <a:effectLst/>
+              <a:uLnTx/>
+              <a:uFillTx/>
+              <a:latin typeface="+mj-lt"/>
+              <a:ea typeface="+mj-ea"/>
+              <a:cs typeface="+mj-cs"/>
+            </a:endParaRPr>
           </a:p>
         </p:txBody>
       </p:sp>
@@ -11253,38 +11639,105 @@
       </p:grpSpPr>
       <p:sp>
         <p:nvSpPr>
-          <p:cNvPr id="4" name="Title 3"/>
+          <p:cNvPr id="2" name="Title 1"/>
           <p:cNvSpPr>
             <a:spLocks noGrp="1"/>
           </p:cNvSpPr>
           <p:nvPr>
-            <p:ph type="ctrTitle"/>
+            <p:ph type="title"/>
           </p:nvPr>
         </p:nvSpPr>
-        <p:spPr>
-          <a:xfrm>
-            <a:off x="0" y="2514600"/>
-            <a:ext cx="9144000" cy="1219200"/>
-          </a:xfrm>
-        </p:spPr>
-        <p:txBody>
-          <a:bodyPr>
-            <a:normAutofit/>
-          </a:bodyPr>
+        <p:spPr/>
+        <p:txBody>
+          <a:bodyPr/>
           <a:lstStyle/>
           <a:p>
             <a:r>
               <a:rPr lang="en-US" smtClean="0"/>
-              <a:t>Direct Stick Input</a:t>
-            </a:r>
-            <a:br>
+              <a:t>Simple Player Dynamics</a:t>
+            </a:r>
+            <a:endParaRPr lang="en-US"/>
+          </a:p>
+        </p:txBody>
+      </p:sp>
+      <p:sp>
+        <p:nvSpPr>
+          <p:cNvPr id="3" name="Content Placeholder 2"/>
+          <p:cNvSpPr>
+            <a:spLocks noGrp="1"/>
+          </p:cNvSpPr>
+          <p:nvPr>
+            <p:ph idx="1"/>
+          </p:nvPr>
+        </p:nvSpPr>
+        <p:spPr/>
+        <p:txBody>
+          <a:bodyPr/>
+          <a:lstStyle/>
+          <a:p>
+            <a:r>
               <a:rPr lang="en-US" smtClean="0"/>
-            </a:br>
-            <a:r>
-              <a:rPr lang="en-US" sz="2400" smtClean="0"/>
-              <a:t>(assumes DynamicsModel or Subclassing)</a:t>
-            </a:r>
-            <a:endParaRPr lang="en-US"/>
+              <a:t>Every Player can do the following</a:t>
+            </a:r>
+          </a:p>
+          <a:p>
+            <a:pPr lvl="1"/>
+            <a:r>
+              <a:rPr lang="en-US" smtClean="0"/>
+              <a:t>Set position</a:t>
+            </a:r>
+          </a:p>
+          <a:p>
+            <a:pPr lvl="2"/>
+            <a:r>
+              <a:rPr lang="en-US" smtClean="0"/>
+              <a:t>North/East/Down (NED) (x, y, altitude)</a:t>
+            </a:r>
+          </a:p>
+          <a:p>
+            <a:pPr lvl="2"/>
+            <a:r>
+              <a:rPr lang="en-US" smtClean="0"/>
+              <a:t>Geodetic (lat, long, altitude)</a:t>
+            </a:r>
+          </a:p>
+          <a:p>
+            <a:pPr lvl="2"/>
+            <a:r>
+              <a:rPr lang="en-US" smtClean="0"/>
+              <a:t>Geocentric (ECEF) (x, y, z)</a:t>
+            </a:r>
+          </a:p>
+          <a:p>
+            <a:pPr lvl="1"/>
+            <a:r>
+              <a:rPr lang="en-US" smtClean="0"/>
+              <a:t>Set roll, pitch &amp; heading</a:t>
+            </a:r>
+          </a:p>
+          <a:p>
+            <a:pPr lvl="1"/>
+            <a:r>
+              <a:rPr lang="en-US" smtClean="0"/>
+              <a:t>Initial velocity</a:t>
+            </a:r>
+          </a:p>
+          <a:p>
+            <a:pPr lvl="2"/>
+            <a:r>
+              <a:rPr lang="en-US" smtClean="0"/>
+              <a:t>Player has a built-in dynamics model for simple movement</a:t>
+            </a:r>
+          </a:p>
+          <a:p>
+            <a:pPr lvl="1"/>
+            <a:endParaRPr lang="en-US" smtClean="0"/>
+          </a:p>
+          <a:p>
+            <a:r>
+              <a:rPr lang="en-US" smtClean="0"/>
+              <a:t>Simple player dynamics model useful for testing</a:t>
+            </a:r>
           </a:p>
         </p:txBody>
       </p:sp>
